--- a/Integrated Masters Project.pptx
+++ b/Integrated Masters Project.pptx
@@ -7,6 +7,9 @@
   <p:sldIdLst>
     <p:sldId id="256" r:id="rId2"/>
     <p:sldId id="257" r:id="rId3"/>
+    <p:sldId id="258" r:id="rId4"/>
+    <p:sldId id="259" r:id="rId5"/>
+    <p:sldId id="260" r:id="rId6"/>
   </p:sldIdLst>
   <p:sldSz cx="12192000" cy="6858000"/>
   <p:notesSz cx="6858000" cy="9144000"/>
@@ -5791,7 +5794,7 @@
         <p:spPr>
           <a:xfrm>
             <a:off x="4724412" y="2133243"/>
-            <a:ext cx="1828800" cy="457200"/>
+            <a:ext cx="1828800" cy="685320"/>
           </a:xfrm>
           <a:prstGeom prst="rect">
             <a:avLst/>
@@ -5835,6 +5838,51 @@
             </a:r>
           </a:p>
           <a:p>
+            <a:r>
+              <a:rPr lang="en-US" sz="800" dirty="0">
+                <a:solidFill>
+                  <a:schemeClr val="tx1"/>
+                </a:solidFill>
+                <a:latin typeface="Times New Roman" panose="02020603050405020304" pitchFamily="18" charset="0"/>
+                <a:cs typeface="Times New Roman" panose="02020603050405020304" pitchFamily="18" charset="0"/>
+              </a:rPr>
+              <a:t>State Properties</a:t>
+            </a:r>
+          </a:p>
+          <a:p>
+            <a:r>
+              <a:rPr lang="en-US" sz="800" dirty="0">
+                <a:solidFill>
+                  <a:schemeClr val="tx1"/>
+                </a:solidFill>
+                <a:latin typeface="Times New Roman" panose="02020603050405020304" pitchFamily="18" charset="0"/>
+                <a:cs typeface="Times New Roman" panose="02020603050405020304" pitchFamily="18" charset="0"/>
+              </a:rPr>
+              <a:t>Physical Properties</a:t>
+            </a:r>
+          </a:p>
+          <a:p>
+            <a:r>
+              <a:rPr lang="en-US" sz="800" dirty="0">
+                <a:solidFill>
+                  <a:schemeClr val="tx1"/>
+                </a:solidFill>
+                <a:latin typeface="Times New Roman" panose="02020603050405020304" pitchFamily="18" charset="0"/>
+                <a:cs typeface="Times New Roman" panose="02020603050405020304" pitchFamily="18" charset="0"/>
+              </a:rPr>
+              <a:t>Visual Properties</a:t>
+            </a:r>
+          </a:p>
+          <a:p>
+            <a:endParaRPr lang="en-US" sz="800" b="1" u="sng" dirty="0">
+              <a:solidFill>
+                <a:schemeClr val="tx1"/>
+              </a:solidFill>
+              <a:latin typeface="Times New Roman" panose="02020603050405020304" pitchFamily="18" charset="0"/>
+              <a:cs typeface="Times New Roman" panose="02020603050405020304" pitchFamily="18" charset="0"/>
+            </a:endParaRPr>
+          </a:p>
+          <a:p>
             <a:endParaRPr lang="en-US" sz="800" dirty="0">
               <a:solidFill>
                 <a:schemeClr val="tx1"/>
@@ -5859,7 +5907,7 @@
         </p:nvSpPr>
         <p:spPr>
           <a:xfrm>
-            <a:off x="3570526" y="2971800"/>
+            <a:off x="3630817" y="3700306"/>
             <a:ext cx="1828800" cy="811404"/>
           </a:xfrm>
           <a:prstGeom prst="rect">
@@ -5903,42 +5951,6 @@
               <a:t>Space Vehicle</a:t>
             </a:r>
           </a:p>
-          <a:p>
-            <a:r>
-              <a:rPr lang="en-US" sz="800" dirty="0">
-                <a:solidFill>
-                  <a:schemeClr val="tx1"/>
-                </a:solidFill>
-                <a:latin typeface="Times New Roman" panose="02020603050405020304" pitchFamily="18" charset="0"/>
-                <a:cs typeface="Times New Roman" panose="02020603050405020304" pitchFamily="18" charset="0"/>
-              </a:rPr>
-              <a:t>State Properties</a:t>
-            </a:r>
-          </a:p>
-          <a:p>
-            <a:r>
-              <a:rPr lang="en-US" sz="800" dirty="0">
-                <a:solidFill>
-                  <a:schemeClr val="tx1"/>
-                </a:solidFill>
-                <a:latin typeface="Times New Roman" panose="02020603050405020304" pitchFamily="18" charset="0"/>
-                <a:cs typeface="Times New Roman" panose="02020603050405020304" pitchFamily="18" charset="0"/>
-              </a:rPr>
-              <a:t>Physical Properties</a:t>
-            </a:r>
-          </a:p>
-          <a:p>
-            <a:r>
-              <a:rPr lang="en-US" sz="800" dirty="0">
-                <a:solidFill>
-                  <a:schemeClr val="tx1"/>
-                </a:solidFill>
-                <a:latin typeface="Times New Roman" panose="02020603050405020304" pitchFamily="18" charset="0"/>
-                <a:cs typeface="Times New Roman" panose="02020603050405020304" pitchFamily="18" charset="0"/>
-              </a:rPr>
-              <a:t>Visual Properties</a:t>
-            </a:r>
-          </a:p>
         </p:txBody>
       </p:sp>
       <p:sp>
@@ -5956,7 +5968,7 @@
         <p:spPr>
           <a:xfrm>
             <a:off x="808903" y="1720780"/>
-            <a:ext cx="1828800" cy="1338106"/>
+            <a:ext cx="1828800" cy="1590152"/>
           </a:xfrm>
           <a:prstGeom prst="rect">
             <a:avLst/>
@@ -6037,15 +6049,17 @@
           </a:p>
           <a:p>
             <a:r>
-              <a:rPr lang="en-US" sz="800" dirty="0" err="1">
-                <a:solidFill>
-                  <a:schemeClr val="tx1"/>
-                </a:solidFill>
-                <a:latin typeface="Times New Roman" panose="02020603050405020304" pitchFamily="18" charset="0"/>
-                <a:cs typeface="Times New Roman" panose="02020603050405020304" pitchFamily="18" charset="0"/>
-              </a:rPr>
-              <a:t>positionHistory</a:t>
-            </a:r>
+              <a:rPr lang="en-US" sz="800" dirty="0">
+                <a:solidFill>
+                  <a:schemeClr val="tx1"/>
+                </a:solidFill>
+                <a:latin typeface="Times New Roman" panose="02020603050405020304" pitchFamily="18" charset="0"/>
+                <a:cs typeface="Times New Roman" panose="02020603050405020304" pitchFamily="18" charset="0"/>
+              </a:rPr>
+              <a:t>state</a:t>
+            </a:r>
+          </a:p>
+          <a:p>
             <a:endParaRPr lang="en-US" sz="800" dirty="0">
               <a:solidFill>
                 <a:schemeClr val="tx1"/>
@@ -6063,7 +6077,7 @@
                 <a:latin typeface="Times New Roman" panose="02020603050405020304" pitchFamily="18" charset="0"/>
                 <a:cs typeface="Times New Roman" panose="02020603050405020304" pitchFamily="18" charset="0"/>
               </a:rPr>
-              <a:t>velocityHistory</a:t>
+              <a:t>positionHistory</a:t>
             </a:r>
             <a:endParaRPr lang="en-US" sz="800" dirty="0">
               <a:solidFill>
@@ -6082,7 +6096,7 @@
                 <a:latin typeface="Times New Roman" panose="02020603050405020304" pitchFamily="18" charset="0"/>
                 <a:cs typeface="Times New Roman" panose="02020603050405020304" pitchFamily="18" charset="0"/>
               </a:rPr>
-              <a:t>accelerationHistory</a:t>
+              <a:t>velocityHistory</a:t>
             </a:r>
             <a:endParaRPr lang="en-US" sz="800" dirty="0">
               <a:solidFill>
@@ -6093,6 +6107,16 @@
             </a:endParaRPr>
           </a:p>
           <a:p>
+            <a:r>
+              <a:rPr lang="en-US" sz="800" dirty="0" err="1">
+                <a:solidFill>
+                  <a:schemeClr val="tx1"/>
+                </a:solidFill>
+                <a:latin typeface="Times New Roman" panose="02020603050405020304" pitchFamily="18" charset="0"/>
+                <a:cs typeface="Times New Roman" panose="02020603050405020304" pitchFamily="18" charset="0"/>
+              </a:rPr>
+              <a:t>accelerationHistory</a:t>
+            </a:r>
             <a:endParaRPr lang="en-US" sz="800" dirty="0">
               <a:solidFill>
                 <a:schemeClr val="tx1"/>
@@ -6103,6 +6127,34 @@
           </a:p>
           <a:p>
             <a:r>
+              <a:rPr lang="en-US" sz="800" dirty="0" err="1">
+                <a:solidFill>
+                  <a:schemeClr val="tx1"/>
+                </a:solidFill>
+                <a:latin typeface="Times New Roman" panose="02020603050405020304" pitchFamily="18" charset="0"/>
+                <a:cs typeface="Times New Roman" panose="02020603050405020304" pitchFamily="18" charset="0"/>
+              </a:rPr>
+              <a:t>stateHistory</a:t>
+            </a:r>
+            <a:endParaRPr lang="en-US" sz="800" dirty="0">
+              <a:solidFill>
+                <a:schemeClr val="tx1"/>
+              </a:solidFill>
+              <a:latin typeface="Times New Roman" panose="02020603050405020304" pitchFamily="18" charset="0"/>
+              <a:cs typeface="Times New Roman" panose="02020603050405020304" pitchFamily="18" charset="0"/>
+            </a:endParaRPr>
+          </a:p>
+          <a:p>
+            <a:endParaRPr lang="en-US" sz="800" dirty="0">
+              <a:solidFill>
+                <a:schemeClr val="tx1"/>
+              </a:solidFill>
+              <a:latin typeface="Times New Roman" panose="02020603050405020304" pitchFamily="18" charset="0"/>
+              <a:cs typeface="Times New Roman" panose="02020603050405020304" pitchFamily="18" charset="0"/>
+            </a:endParaRPr>
+          </a:p>
+          <a:p>
+            <a:r>
               <a:rPr lang="en-US" sz="800" dirty="0">
                 <a:solidFill>
                   <a:schemeClr val="tx1"/>
@@ -6129,7 +6181,7 @@
         </p:nvSpPr>
         <p:spPr>
           <a:xfrm>
-            <a:off x="8100657" y="3058886"/>
+            <a:off x="8160948" y="3787392"/>
             <a:ext cx="1828800" cy="457200"/>
           </a:xfrm>
           <a:prstGeom prst="rect">
@@ -6198,7 +6250,7 @@
         </p:nvSpPr>
         <p:spPr>
           <a:xfrm>
-            <a:off x="6206543" y="3124200"/>
+            <a:off x="6266834" y="3787392"/>
             <a:ext cx="1828800" cy="457200"/>
           </a:xfrm>
           <a:prstGeom prst="rect">
@@ -6479,6 +6531,7 @@
             </a:extLst>
           </p:cNvPr>
           <p:cNvCxnSpPr>
+            <a:cxnSpLocks/>
             <a:stCxn id="2" idx="2"/>
             <a:endCxn id="4" idx="0"/>
           </p:cNvCxnSpPr>
@@ -6529,8 +6582,8 @@
         </p:nvCxnSpPr>
         <p:spPr>
           <a:xfrm>
-            <a:off x="5638812" y="2590443"/>
-            <a:ext cx="1482131" cy="533757"/>
+            <a:off x="5638812" y="2818563"/>
+            <a:ext cx="1542422" cy="968829"/>
           </a:xfrm>
           <a:prstGeom prst="straightConnector1">
             <a:avLst/>
@@ -6572,8 +6625,8 @@
         </p:nvCxnSpPr>
         <p:spPr>
           <a:xfrm>
-            <a:off x="5638812" y="2590443"/>
-            <a:ext cx="3376245" cy="468443"/>
+            <a:off x="5638812" y="2818563"/>
+            <a:ext cx="3436536" cy="968829"/>
           </a:xfrm>
           <a:prstGeom prst="straightConnector1">
             <a:avLst/>
@@ -6615,8 +6668,8 @@
         </p:nvCxnSpPr>
         <p:spPr>
           <a:xfrm flipH="1">
-            <a:off x="4484926" y="2590443"/>
-            <a:ext cx="1153886" cy="381357"/>
+            <a:off x="4545217" y="2818563"/>
+            <a:ext cx="1093595" cy="881743"/>
           </a:xfrm>
           <a:prstGeom prst="straightConnector1">
             <a:avLst/>
@@ -6764,6 +6817,6302 @@
     <p:extLst>
       <p:ext uri="{BB962C8B-B14F-4D97-AF65-F5344CB8AC3E}">
         <p14:creationId xmlns:p14="http://schemas.microsoft.com/office/powerpoint/2010/main" val="2688510151"/>
+      </p:ext>
+    </p:extLst>
+  </p:cSld>
+  <p:clrMapOvr>
+    <a:masterClrMapping/>
+  </p:clrMapOvr>
+</p:sld>
+</file>
+
+<file path=ppt/slides/slide3.xml><?xml version="1.0" encoding="utf-8"?>
+<p:sld xmlns:a="http://schemas.openxmlformats.org/drawingml/2006/main" xmlns:r="http://schemas.openxmlformats.org/officeDocument/2006/relationships" xmlns:p="http://schemas.openxmlformats.org/presentationml/2006/main">
+  <p:cSld>
+    <p:spTree>
+      <p:nvGrpSpPr>
+        <p:cNvPr id="1" name=""/>
+        <p:cNvGrpSpPr/>
+        <p:nvPr/>
+      </p:nvGrpSpPr>
+      <p:grpSpPr>
+        <a:xfrm>
+          <a:off x="0" y="0"/>
+          <a:ext cx="0" cy="0"/>
+          <a:chOff x="0" y="0"/>
+          <a:chExt cx="0" cy="0"/>
+        </a:xfrm>
+      </p:grpSpPr>
+      <p:sp>
+        <p:nvSpPr>
+          <p:cNvPr id="2" name="Rectangle 1">
+            <a:extLst>
+              <a:ext uri="{FF2B5EF4-FFF2-40B4-BE49-F238E27FC236}">
+                <a16:creationId xmlns:a16="http://schemas.microsoft.com/office/drawing/2014/main" id="{867D4215-9D47-D6DB-9F03-058740B4068B}"/>
+              </a:ext>
+            </a:extLst>
+          </p:cNvPr>
+          <p:cNvSpPr/>
+          <p:nvPr/>
+        </p:nvSpPr>
+        <p:spPr>
+          <a:xfrm>
+            <a:off x="1421842" y="590340"/>
+            <a:ext cx="4074606" cy="1560007"/>
+          </a:xfrm>
+          <a:prstGeom prst="rect">
+            <a:avLst/>
+          </a:prstGeom>
+          <a:noFill/>
+          <a:ln>
+            <a:solidFill>
+              <a:schemeClr val="tx1"/>
+            </a:solidFill>
+          </a:ln>
+        </p:spPr>
+        <p:style>
+          <a:lnRef idx="2">
+            <a:schemeClr val="accent1">
+              <a:shade val="15000"/>
+            </a:schemeClr>
+          </a:lnRef>
+          <a:fillRef idx="1">
+            <a:schemeClr val="accent1"/>
+          </a:fillRef>
+          <a:effectRef idx="0">
+            <a:schemeClr val="accent1"/>
+          </a:effectRef>
+          <a:fontRef idx="minor">
+            <a:schemeClr val="lt1"/>
+          </a:fontRef>
+        </p:style>
+        <p:txBody>
+          <a:bodyPr rtlCol="0" anchor="t"/>
+          <a:lstStyle/>
+          <a:p>
+            <a:r>
+              <a:rPr lang="en-US" sz="800" b="1" u="sng" dirty="0">
+                <a:solidFill>
+                  <a:schemeClr val="tx1"/>
+                </a:solidFill>
+                <a:latin typeface="Times New Roman" panose="02020603050405020304" pitchFamily="18" charset="0"/>
+                <a:cs typeface="Times New Roman" panose="02020603050405020304" pitchFamily="18" charset="0"/>
+              </a:rPr>
+              <a:t>Scheme</a:t>
+            </a:r>
+          </a:p>
+        </p:txBody>
+      </p:sp>
+      <p:sp>
+        <p:nvSpPr>
+          <p:cNvPr id="3" name="Rectangle 2">
+            <a:extLst>
+              <a:ext uri="{FF2B5EF4-FFF2-40B4-BE49-F238E27FC236}">
+                <a16:creationId xmlns:a16="http://schemas.microsoft.com/office/drawing/2014/main" id="{77AF9A04-6EB8-9418-17D1-2A0F5DA05211}"/>
+              </a:ext>
+            </a:extLst>
+          </p:cNvPr>
+          <p:cNvSpPr/>
+          <p:nvPr/>
+        </p:nvSpPr>
+        <p:spPr>
+          <a:xfrm>
+            <a:off x="3202911" y="1038746"/>
+            <a:ext cx="1828800" cy="886765"/>
+          </a:xfrm>
+          <a:prstGeom prst="rect">
+            <a:avLst/>
+          </a:prstGeom>
+          <a:noFill/>
+          <a:ln>
+            <a:solidFill>
+              <a:schemeClr val="tx1"/>
+            </a:solidFill>
+          </a:ln>
+        </p:spPr>
+        <p:style>
+          <a:lnRef idx="2">
+            <a:schemeClr val="accent1">
+              <a:shade val="15000"/>
+            </a:schemeClr>
+          </a:lnRef>
+          <a:fillRef idx="1">
+            <a:schemeClr val="accent1"/>
+          </a:fillRef>
+          <a:effectRef idx="0">
+            <a:schemeClr val="accent1"/>
+          </a:effectRef>
+          <a:fontRef idx="minor">
+            <a:schemeClr val="lt1"/>
+          </a:fontRef>
+        </p:style>
+        <p:txBody>
+          <a:bodyPr rtlCol="0" anchor="t"/>
+          <a:lstStyle/>
+          <a:p>
+            <a:r>
+              <a:rPr lang="en-US" sz="800" b="1" u="sng" dirty="0">
+                <a:solidFill>
+                  <a:schemeClr val="tx1"/>
+                </a:solidFill>
+                <a:latin typeface="Times New Roman" panose="02020603050405020304" pitchFamily="18" charset="0"/>
+                <a:cs typeface="Times New Roman" panose="02020603050405020304" pitchFamily="18" charset="0"/>
+              </a:rPr>
+              <a:t>Applied Scheme</a:t>
+            </a:r>
+          </a:p>
+        </p:txBody>
+      </p:sp>
+      <p:sp>
+        <p:nvSpPr>
+          <p:cNvPr id="4" name="Rectangle 3">
+            <a:extLst>
+              <a:ext uri="{FF2B5EF4-FFF2-40B4-BE49-F238E27FC236}">
+                <a16:creationId xmlns:a16="http://schemas.microsoft.com/office/drawing/2014/main" id="{27A68432-0E3F-0BD8-F04C-9F79241FF010}"/>
+              </a:ext>
+            </a:extLst>
+          </p:cNvPr>
+          <p:cNvSpPr/>
+          <p:nvPr/>
+        </p:nvSpPr>
+        <p:spPr>
+          <a:xfrm>
+            <a:off x="6096000" y="850758"/>
+            <a:ext cx="1828800" cy="375975"/>
+          </a:xfrm>
+          <a:prstGeom prst="rect">
+            <a:avLst/>
+          </a:prstGeom>
+          <a:noFill/>
+          <a:ln>
+            <a:solidFill>
+              <a:schemeClr val="tx1"/>
+            </a:solidFill>
+          </a:ln>
+        </p:spPr>
+        <p:style>
+          <a:lnRef idx="2">
+            <a:schemeClr val="accent1">
+              <a:shade val="15000"/>
+            </a:schemeClr>
+          </a:lnRef>
+          <a:fillRef idx="1">
+            <a:schemeClr val="accent1"/>
+          </a:fillRef>
+          <a:effectRef idx="0">
+            <a:schemeClr val="accent1"/>
+          </a:effectRef>
+          <a:fontRef idx="minor">
+            <a:schemeClr val="lt1"/>
+          </a:fontRef>
+        </p:style>
+        <p:txBody>
+          <a:bodyPr rtlCol="0" anchor="t"/>
+          <a:lstStyle/>
+          <a:p>
+            <a:r>
+              <a:rPr lang="en-US" sz="800" b="1" u="sng" dirty="0">
+                <a:solidFill>
+                  <a:schemeClr val="tx1"/>
+                </a:solidFill>
+                <a:latin typeface="Times New Roman" panose="02020603050405020304" pitchFamily="18" charset="0"/>
+                <a:cs typeface="Times New Roman" panose="02020603050405020304" pitchFamily="18" charset="0"/>
+              </a:rPr>
+              <a:t>Body Scheme</a:t>
+            </a:r>
+          </a:p>
+        </p:txBody>
+      </p:sp>
+      <p:sp>
+        <p:nvSpPr>
+          <p:cNvPr id="5" name="Rectangle 4">
+            <a:extLst>
+              <a:ext uri="{FF2B5EF4-FFF2-40B4-BE49-F238E27FC236}">
+                <a16:creationId xmlns:a16="http://schemas.microsoft.com/office/drawing/2014/main" id="{97AEB301-882F-71EE-0943-C8315E161D9D}"/>
+              </a:ext>
+            </a:extLst>
+          </p:cNvPr>
+          <p:cNvSpPr/>
+          <p:nvPr/>
+        </p:nvSpPr>
+        <p:spPr>
+          <a:xfrm>
+            <a:off x="5969565" y="1737525"/>
+            <a:ext cx="2103120" cy="731520"/>
+          </a:xfrm>
+          <a:prstGeom prst="rect">
+            <a:avLst/>
+          </a:prstGeom>
+          <a:noFill/>
+          <a:ln>
+            <a:solidFill>
+              <a:schemeClr val="tx1"/>
+            </a:solidFill>
+          </a:ln>
+        </p:spPr>
+        <p:style>
+          <a:lnRef idx="2">
+            <a:schemeClr val="accent1">
+              <a:shade val="15000"/>
+            </a:schemeClr>
+          </a:lnRef>
+          <a:fillRef idx="1">
+            <a:schemeClr val="accent1"/>
+          </a:fillRef>
+          <a:effectRef idx="0">
+            <a:schemeClr val="accent1"/>
+          </a:effectRef>
+          <a:fontRef idx="minor">
+            <a:schemeClr val="lt1"/>
+          </a:fontRef>
+        </p:style>
+        <p:txBody>
+          <a:bodyPr rtlCol="0" anchor="t"/>
+          <a:lstStyle/>
+          <a:p>
+            <a:r>
+              <a:rPr lang="en-US" sz="800" b="1" u="sng" dirty="0">
+                <a:solidFill>
+                  <a:schemeClr val="tx1"/>
+                </a:solidFill>
+                <a:latin typeface="Times New Roman" panose="02020603050405020304" pitchFamily="18" charset="0"/>
+                <a:cs typeface="Times New Roman" panose="02020603050405020304" pitchFamily="18" charset="0"/>
+              </a:rPr>
+              <a:t>Figure</a:t>
+            </a:r>
+          </a:p>
+        </p:txBody>
+      </p:sp>
+      <p:sp>
+        <p:nvSpPr>
+          <p:cNvPr id="6" name="Rectangle 5">
+            <a:extLst>
+              <a:ext uri="{FF2B5EF4-FFF2-40B4-BE49-F238E27FC236}">
+                <a16:creationId xmlns:a16="http://schemas.microsoft.com/office/drawing/2014/main" id="{A4C71D7A-3457-5C38-D9EA-41AD8BD16849}"/>
+              </a:ext>
+            </a:extLst>
+          </p:cNvPr>
+          <p:cNvSpPr/>
+          <p:nvPr/>
+        </p:nvSpPr>
+        <p:spPr>
+          <a:xfrm>
+            <a:off x="5969565" y="595363"/>
+            <a:ext cx="2103120" cy="731520"/>
+          </a:xfrm>
+          <a:prstGeom prst="rect">
+            <a:avLst/>
+          </a:prstGeom>
+          <a:noFill/>
+          <a:ln>
+            <a:solidFill>
+              <a:schemeClr val="tx1"/>
+            </a:solidFill>
+          </a:ln>
+        </p:spPr>
+        <p:style>
+          <a:lnRef idx="2">
+            <a:schemeClr val="accent1">
+              <a:shade val="15000"/>
+            </a:schemeClr>
+          </a:lnRef>
+          <a:fillRef idx="1">
+            <a:schemeClr val="accent1"/>
+          </a:fillRef>
+          <a:effectRef idx="0">
+            <a:schemeClr val="accent1"/>
+          </a:effectRef>
+          <a:fontRef idx="minor">
+            <a:schemeClr val="lt1"/>
+          </a:fontRef>
+        </p:style>
+        <p:txBody>
+          <a:bodyPr rtlCol="0" anchor="t"/>
+          <a:lstStyle/>
+          <a:p>
+            <a:r>
+              <a:rPr lang="en-US" sz="800" b="1" u="sng" dirty="0">
+                <a:solidFill>
+                  <a:schemeClr val="tx1"/>
+                </a:solidFill>
+                <a:latin typeface="Times New Roman" panose="02020603050405020304" pitchFamily="18" charset="0"/>
+                <a:cs typeface="Times New Roman" panose="02020603050405020304" pitchFamily="18" charset="0"/>
+              </a:rPr>
+              <a:t>Body</a:t>
+            </a:r>
+          </a:p>
+        </p:txBody>
+      </p:sp>
+      <p:sp>
+        <p:nvSpPr>
+          <p:cNvPr id="7" name="Rectangle 6">
+            <a:extLst>
+              <a:ext uri="{FF2B5EF4-FFF2-40B4-BE49-F238E27FC236}">
+                <a16:creationId xmlns:a16="http://schemas.microsoft.com/office/drawing/2014/main" id="{4D067C59-2B59-207F-6CCB-73BFBAE83F37}"/>
+              </a:ext>
+            </a:extLst>
+          </p:cNvPr>
+          <p:cNvSpPr/>
+          <p:nvPr/>
+        </p:nvSpPr>
+        <p:spPr>
+          <a:xfrm>
+            <a:off x="1534061" y="1038747"/>
+            <a:ext cx="1204115" cy="258745"/>
+          </a:xfrm>
+          <a:prstGeom prst="rect">
+            <a:avLst/>
+          </a:prstGeom>
+          <a:noFill/>
+          <a:ln>
+            <a:solidFill>
+              <a:schemeClr val="tx1"/>
+            </a:solidFill>
+          </a:ln>
+        </p:spPr>
+        <p:style>
+          <a:lnRef idx="2">
+            <a:schemeClr val="accent1">
+              <a:shade val="15000"/>
+            </a:schemeClr>
+          </a:lnRef>
+          <a:fillRef idx="1">
+            <a:schemeClr val="accent1"/>
+          </a:fillRef>
+          <a:effectRef idx="0">
+            <a:schemeClr val="accent1"/>
+          </a:effectRef>
+          <a:fontRef idx="minor">
+            <a:schemeClr val="lt1"/>
+          </a:fontRef>
+        </p:style>
+        <p:txBody>
+          <a:bodyPr rtlCol="0" anchor="t"/>
+          <a:lstStyle/>
+          <a:p>
+            <a:r>
+              <a:rPr lang="en-US" sz="800" b="1" u="sng" dirty="0">
+                <a:solidFill>
+                  <a:schemeClr val="tx1"/>
+                </a:solidFill>
+                <a:latin typeface="Times New Roman" panose="02020603050405020304" pitchFamily="18" charset="0"/>
+                <a:cs typeface="Times New Roman" panose="02020603050405020304" pitchFamily="18" charset="0"/>
+              </a:rPr>
+              <a:t>Default Scheme</a:t>
+            </a:r>
+          </a:p>
+        </p:txBody>
+      </p:sp>
+      <p:sp>
+        <p:nvSpPr>
+          <p:cNvPr id="8" name="Rectangle 7">
+            <a:extLst>
+              <a:ext uri="{FF2B5EF4-FFF2-40B4-BE49-F238E27FC236}">
+                <a16:creationId xmlns:a16="http://schemas.microsoft.com/office/drawing/2014/main" id="{DEBE52C8-E6A5-4C3D-5CB3-E51A04195D30}"/>
+              </a:ext>
+            </a:extLst>
+          </p:cNvPr>
+          <p:cNvSpPr/>
+          <p:nvPr/>
+        </p:nvSpPr>
+        <p:spPr>
+          <a:xfrm>
+            <a:off x="1534061" y="1352757"/>
+            <a:ext cx="1204115" cy="258745"/>
+          </a:xfrm>
+          <a:prstGeom prst="rect">
+            <a:avLst/>
+          </a:prstGeom>
+          <a:noFill/>
+          <a:ln>
+            <a:solidFill>
+              <a:schemeClr val="tx1"/>
+            </a:solidFill>
+          </a:ln>
+        </p:spPr>
+        <p:style>
+          <a:lnRef idx="2">
+            <a:schemeClr val="accent1">
+              <a:shade val="15000"/>
+            </a:schemeClr>
+          </a:lnRef>
+          <a:fillRef idx="1">
+            <a:schemeClr val="accent1"/>
+          </a:fillRef>
+          <a:effectRef idx="0">
+            <a:schemeClr val="accent1"/>
+          </a:effectRef>
+          <a:fontRef idx="minor">
+            <a:schemeClr val="lt1"/>
+          </a:fontRef>
+        </p:style>
+        <p:txBody>
+          <a:bodyPr rtlCol="0" anchor="t"/>
+          <a:lstStyle/>
+          <a:p>
+            <a:r>
+              <a:rPr lang="en-US" sz="800" b="1" u="sng" dirty="0">
+                <a:solidFill>
+                  <a:schemeClr val="tx1"/>
+                </a:solidFill>
+                <a:latin typeface="Times New Roman" panose="02020603050405020304" pitchFamily="18" charset="0"/>
+                <a:cs typeface="Times New Roman" panose="02020603050405020304" pitchFamily="18" charset="0"/>
+              </a:rPr>
+              <a:t>Dark Scheme</a:t>
+            </a:r>
+          </a:p>
+        </p:txBody>
+      </p:sp>
+      <p:sp>
+        <p:nvSpPr>
+          <p:cNvPr id="9" name="Rectangle 8">
+            <a:extLst>
+              <a:ext uri="{FF2B5EF4-FFF2-40B4-BE49-F238E27FC236}">
+                <a16:creationId xmlns:a16="http://schemas.microsoft.com/office/drawing/2014/main" id="{90C52766-B5EF-BD6D-77D7-3B093CCE3782}"/>
+              </a:ext>
+            </a:extLst>
+          </p:cNvPr>
+          <p:cNvSpPr/>
+          <p:nvPr/>
+        </p:nvSpPr>
+        <p:spPr>
+          <a:xfrm>
+            <a:off x="1534060" y="1666767"/>
+            <a:ext cx="1204115" cy="258745"/>
+          </a:xfrm>
+          <a:prstGeom prst="rect">
+            <a:avLst/>
+          </a:prstGeom>
+          <a:noFill/>
+          <a:ln>
+            <a:solidFill>
+              <a:schemeClr val="tx1"/>
+            </a:solidFill>
+          </a:ln>
+        </p:spPr>
+        <p:style>
+          <a:lnRef idx="2">
+            <a:schemeClr val="accent1">
+              <a:shade val="15000"/>
+            </a:schemeClr>
+          </a:lnRef>
+          <a:fillRef idx="1">
+            <a:schemeClr val="accent1"/>
+          </a:fillRef>
+          <a:effectRef idx="0">
+            <a:schemeClr val="accent1"/>
+          </a:effectRef>
+          <a:fontRef idx="minor">
+            <a:schemeClr val="lt1"/>
+          </a:fontRef>
+        </p:style>
+        <p:txBody>
+          <a:bodyPr rtlCol="0" anchor="t"/>
+          <a:lstStyle/>
+          <a:p>
+            <a:r>
+              <a:rPr lang="en-US" sz="800" b="1" u="sng" dirty="0">
+                <a:solidFill>
+                  <a:schemeClr val="tx1"/>
+                </a:solidFill>
+                <a:latin typeface="Times New Roman" panose="02020603050405020304" pitchFamily="18" charset="0"/>
+                <a:cs typeface="Times New Roman" panose="02020603050405020304" pitchFamily="18" charset="0"/>
+              </a:rPr>
+              <a:t>Light Scheme</a:t>
+            </a:r>
+          </a:p>
+        </p:txBody>
+      </p:sp>
+      <p:cxnSp>
+        <p:nvCxnSpPr>
+          <p:cNvPr id="11" name="Straight Arrow Connector 10">
+            <a:extLst>
+              <a:ext uri="{FF2B5EF4-FFF2-40B4-BE49-F238E27FC236}">
+                <a16:creationId xmlns:a16="http://schemas.microsoft.com/office/drawing/2014/main" id="{D25828A6-C644-2B75-8484-C9DB3F85705D}"/>
+              </a:ext>
+            </a:extLst>
+          </p:cNvPr>
+          <p:cNvCxnSpPr>
+            <a:stCxn id="8" idx="3"/>
+            <a:endCxn id="3" idx="1"/>
+          </p:cNvCxnSpPr>
+          <p:nvPr/>
+        </p:nvCxnSpPr>
+        <p:spPr>
+          <a:xfrm flipV="1">
+            <a:off x="2738176" y="1482129"/>
+            <a:ext cx="464735" cy="1"/>
+          </a:xfrm>
+          <a:prstGeom prst="straightConnector1">
+            <a:avLst/>
+          </a:prstGeom>
+          <a:ln>
+            <a:tailEnd type="triangle"/>
+          </a:ln>
+        </p:spPr>
+        <p:style>
+          <a:lnRef idx="2">
+            <a:schemeClr val="accent1"/>
+          </a:lnRef>
+          <a:fillRef idx="0">
+            <a:schemeClr val="accent1"/>
+          </a:fillRef>
+          <a:effectRef idx="1">
+            <a:schemeClr val="accent1"/>
+          </a:effectRef>
+          <a:fontRef idx="minor">
+            <a:schemeClr val="tx1"/>
+          </a:fontRef>
+        </p:style>
+      </p:cxnSp>
+      <p:cxnSp>
+        <p:nvCxnSpPr>
+          <p:cNvPr id="13" name="Straight Arrow Connector 12">
+            <a:extLst>
+              <a:ext uri="{FF2B5EF4-FFF2-40B4-BE49-F238E27FC236}">
+                <a16:creationId xmlns:a16="http://schemas.microsoft.com/office/drawing/2014/main" id="{A57991A1-2F7A-EF2F-C7B1-E26C523F0575}"/>
+              </a:ext>
+            </a:extLst>
+          </p:cNvPr>
+          <p:cNvCxnSpPr>
+            <a:stCxn id="7" idx="3"/>
+            <a:endCxn id="3" idx="1"/>
+          </p:cNvCxnSpPr>
+          <p:nvPr/>
+        </p:nvCxnSpPr>
+        <p:spPr>
+          <a:xfrm>
+            <a:off x="2738176" y="1168120"/>
+            <a:ext cx="464735" cy="314009"/>
+          </a:xfrm>
+          <a:prstGeom prst="straightConnector1">
+            <a:avLst/>
+          </a:prstGeom>
+          <a:ln>
+            <a:tailEnd type="triangle"/>
+          </a:ln>
+        </p:spPr>
+        <p:style>
+          <a:lnRef idx="2">
+            <a:schemeClr val="accent1"/>
+          </a:lnRef>
+          <a:fillRef idx="0">
+            <a:schemeClr val="accent1"/>
+          </a:fillRef>
+          <a:effectRef idx="1">
+            <a:schemeClr val="accent1"/>
+          </a:effectRef>
+          <a:fontRef idx="minor">
+            <a:schemeClr val="tx1"/>
+          </a:fontRef>
+        </p:style>
+      </p:cxnSp>
+      <p:cxnSp>
+        <p:nvCxnSpPr>
+          <p:cNvPr id="15" name="Straight Arrow Connector 14">
+            <a:extLst>
+              <a:ext uri="{FF2B5EF4-FFF2-40B4-BE49-F238E27FC236}">
+                <a16:creationId xmlns:a16="http://schemas.microsoft.com/office/drawing/2014/main" id="{E9BD8F91-8BA5-98C1-9DC1-5CD399C034FB}"/>
+              </a:ext>
+            </a:extLst>
+          </p:cNvPr>
+          <p:cNvCxnSpPr>
+            <a:stCxn id="9" idx="3"/>
+            <a:endCxn id="3" idx="1"/>
+          </p:cNvCxnSpPr>
+          <p:nvPr/>
+        </p:nvCxnSpPr>
+        <p:spPr>
+          <a:xfrm flipV="1">
+            <a:off x="2738175" y="1482129"/>
+            <a:ext cx="464736" cy="314011"/>
+          </a:xfrm>
+          <a:prstGeom prst="straightConnector1">
+            <a:avLst/>
+          </a:prstGeom>
+          <a:ln>
+            <a:tailEnd type="triangle"/>
+          </a:ln>
+        </p:spPr>
+        <p:style>
+          <a:lnRef idx="2">
+            <a:schemeClr val="accent1"/>
+          </a:lnRef>
+          <a:fillRef idx="0">
+            <a:schemeClr val="accent1"/>
+          </a:fillRef>
+          <a:effectRef idx="1">
+            <a:schemeClr val="accent1"/>
+          </a:effectRef>
+          <a:fontRef idx="minor">
+            <a:schemeClr val="tx1"/>
+          </a:fontRef>
+        </p:style>
+      </p:cxnSp>
+      <p:cxnSp>
+        <p:nvCxnSpPr>
+          <p:cNvPr id="16" name="Straight Arrow Connector 15">
+            <a:extLst>
+              <a:ext uri="{FF2B5EF4-FFF2-40B4-BE49-F238E27FC236}">
+                <a16:creationId xmlns:a16="http://schemas.microsoft.com/office/drawing/2014/main" id="{5C62DC96-DAD3-50DA-5260-9405D400F4FC}"/>
+              </a:ext>
+            </a:extLst>
+          </p:cNvPr>
+          <p:cNvCxnSpPr>
+            <a:cxnSpLocks/>
+            <a:stCxn id="3" idx="3"/>
+            <a:endCxn id="5" idx="1"/>
+          </p:cNvCxnSpPr>
+          <p:nvPr/>
+        </p:nvCxnSpPr>
+        <p:spPr>
+          <a:xfrm>
+            <a:off x="5031711" y="1482129"/>
+            <a:ext cx="937854" cy="621156"/>
+          </a:xfrm>
+          <a:prstGeom prst="straightConnector1">
+            <a:avLst/>
+          </a:prstGeom>
+          <a:ln>
+            <a:tailEnd type="triangle"/>
+          </a:ln>
+        </p:spPr>
+        <p:style>
+          <a:lnRef idx="2">
+            <a:schemeClr val="accent1"/>
+          </a:lnRef>
+          <a:fillRef idx="0">
+            <a:schemeClr val="accent1"/>
+          </a:fillRef>
+          <a:effectRef idx="1">
+            <a:schemeClr val="accent1"/>
+          </a:effectRef>
+          <a:fontRef idx="minor">
+            <a:schemeClr val="tx1"/>
+          </a:fontRef>
+        </p:style>
+      </p:cxnSp>
+      <p:cxnSp>
+        <p:nvCxnSpPr>
+          <p:cNvPr id="17" name="Straight Arrow Connector 16">
+            <a:extLst>
+              <a:ext uri="{FF2B5EF4-FFF2-40B4-BE49-F238E27FC236}">
+                <a16:creationId xmlns:a16="http://schemas.microsoft.com/office/drawing/2014/main" id="{1E293CB7-54A6-4E42-6B1E-30775547DD9D}"/>
+              </a:ext>
+            </a:extLst>
+          </p:cNvPr>
+          <p:cNvCxnSpPr>
+            <a:cxnSpLocks/>
+            <a:stCxn id="3" idx="3"/>
+            <a:endCxn id="6" idx="1"/>
+          </p:cNvCxnSpPr>
+          <p:nvPr/>
+        </p:nvCxnSpPr>
+        <p:spPr>
+          <a:xfrm flipV="1">
+            <a:off x="5031711" y="961123"/>
+            <a:ext cx="937854" cy="521006"/>
+          </a:xfrm>
+          <a:prstGeom prst="straightConnector1">
+            <a:avLst/>
+          </a:prstGeom>
+          <a:ln>
+            <a:tailEnd type="triangle"/>
+          </a:ln>
+        </p:spPr>
+        <p:style>
+          <a:lnRef idx="2">
+            <a:schemeClr val="accent1"/>
+          </a:lnRef>
+          <a:fillRef idx="0">
+            <a:schemeClr val="accent1"/>
+          </a:fillRef>
+          <a:effectRef idx="1">
+            <a:schemeClr val="accent1"/>
+          </a:effectRef>
+          <a:fontRef idx="minor">
+            <a:schemeClr val="tx1"/>
+          </a:fontRef>
+        </p:style>
+      </p:cxnSp>
+      <p:sp>
+        <p:nvSpPr>
+          <p:cNvPr id="24" name="Rectangle 23">
+            <a:extLst>
+              <a:ext uri="{FF2B5EF4-FFF2-40B4-BE49-F238E27FC236}">
+                <a16:creationId xmlns:a16="http://schemas.microsoft.com/office/drawing/2014/main" id="{3F4C453A-F855-2870-F4F9-9946D04D4E9C}"/>
+              </a:ext>
+            </a:extLst>
+          </p:cNvPr>
+          <p:cNvSpPr/>
+          <p:nvPr/>
+        </p:nvSpPr>
+        <p:spPr>
+          <a:xfrm>
+            <a:off x="5746832" y="252627"/>
+            <a:ext cx="2776681" cy="3176373"/>
+          </a:xfrm>
+          <a:prstGeom prst="rect">
+            <a:avLst/>
+          </a:prstGeom>
+          <a:noFill/>
+          <a:ln>
+            <a:solidFill>
+              <a:schemeClr val="tx1"/>
+            </a:solidFill>
+          </a:ln>
+        </p:spPr>
+        <p:style>
+          <a:lnRef idx="2">
+            <a:schemeClr val="accent1">
+              <a:shade val="15000"/>
+            </a:schemeClr>
+          </a:lnRef>
+          <a:fillRef idx="1">
+            <a:schemeClr val="accent1"/>
+          </a:fillRef>
+          <a:effectRef idx="0">
+            <a:schemeClr val="accent1"/>
+          </a:effectRef>
+          <a:fontRef idx="minor">
+            <a:schemeClr val="lt1"/>
+          </a:fontRef>
+        </p:style>
+        <p:txBody>
+          <a:bodyPr rtlCol="0" anchor="t"/>
+          <a:lstStyle/>
+          <a:p>
+            <a:r>
+              <a:rPr lang="en-US" sz="800" b="1" u="sng" dirty="0">
+                <a:solidFill>
+                  <a:schemeClr val="tx1"/>
+                </a:solidFill>
+                <a:latin typeface="Times New Roman" panose="02020603050405020304" pitchFamily="18" charset="0"/>
+                <a:cs typeface="Times New Roman" panose="02020603050405020304" pitchFamily="18" charset="0"/>
+              </a:rPr>
+              <a:t>System</a:t>
+            </a:r>
+          </a:p>
+        </p:txBody>
+      </p:sp>
+      <p:sp>
+        <p:nvSpPr>
+          <p:cNvPr id="25" name="Rectangle 24">
+            <a:extLst>
+              <a:ext uri="{FF2B5EF4-FFF2-40B4-BE49-F238E27FC236}">
+                <a16:creationId xmlns:a16="http://schemas.microsoft.com/office/drawing/2014/main" id="{496F2E17-3BAE-C7CA-437E-F5B38A753F56}"/>
+              </a:ext>
+            </a:extLst>
+          </p:cNvPr>
+          <p:cNvSpPr/>
+          <p:nvPr/>
+        </p:nvSpPr>
+        <p:spPr>
+          <a:xfrm>
+            <a:off x="6096000" y="1962359"/>
+            <a:ext cx="1828800" cy="375975"/>
+          </a:xfrm>
+          <a:prstGeom prst="rect">
+            <a:avLst/>
+          </a:prstGeom>
+          <a:noFill/>
+          <a:ln>
+            <a:solidFill>
+              <a:schemeClr val="tx1"/>
+            </a:solidFill>
+          </a:ln>
+        </p:spPr>
+        <p:style>
+          <a:lnRef idx="2">
+            <a:schemeClr val="accent1">
+              <a:shade val="15000"/>
+            </a:schemeClr>
+          </a:lnRef>
+          <a:fillRef idx="1">
+            <a:schemeClr val="accent1"/>
+          </a:fillRef>
+          <a:effectRef idx="0">
+            <a:schemeClr val="accent1"/>
+          </a:effectRef>
+          <a:fontRef idx="minor">
+            <a:schemeClr val="lt1"/>
+          </a:fontRef>
+        </p:style>
+        <p:txBody>
+          <a:bodyPr rtlCol="0" anchor="t"/>
+          <a:lstStyle/>
+          <a:p>
+            <a:r>
+              <a:rPr lang="en-US" sz="800" b="1" u="sng" dirty="0">
+                <a:solidFill>
+                  <a:schemeClr val="tx1"/>
+                </a:solidFill>
+                <a:latin typeface="Times New Roman" panose="02020603050405020304" pitchFamily="18" charset="0"/>
+                <a:cs typeface="Times New Roman" panose="02020603050405020304" pitchFamily="18" charset="0"/>
+              </a:rPr>
+              <a:t>Figure Scheme</a:t>
+            </a:r>
+          </a:p>
+        </p:txBody>
+      </p:sp>
+      <p:sp>
+        <p:nvSpPr>
+          <p:cNvPr id="26" name="Rectangle 25">
+            <a:extLst>
+              <a:ext uri="{FF2B5EF4-FFF2-40B4-BE49-F238E27FC236}">
+                <a16:creationId xmlns:a16="http://schemas.microsoft.com/office/drawing/2014/main" id="{288B35C6-1024-1F72-8515-BEBB7F0BF5C0}"/>
+              </a:ext>
+            </a:extLst>
+          </p:cNvPr>
+          <p:cNvSpPr/>
+          <p:nvPr/>
+        </p:nvSpPr>
+        <p:spPr>
+          <a:xfrm>
+            <a:off x="6106725" y="2818143"/>
+            <a:ext cx="1828800" cy="375975"/>
+          </a:xfrm>
+          <a:prstGeom prst="rect">
+            <a:avLst/>
+          </a:prstGeom>
+          <a:noFill/>
+          <a:ln>
+            <a:solidFill>
+              <a:schemeClr val="tx1"/>
+            </a:solidFill>
+          </a:ln>
+        </p:spPr>
+        <p:style>
+          <a:lnRef idx="2">
+            <a:schemeClr val="accent1">
+              <a:shade val="15000"/>
+            </a:schemeClr>
+          </a:lnRef>
+          <a:fillRef idx="1">
+            <a:schemeClr val="accent1"/>
+          </a:fillRef>
+          <a:effectRef idx="0">
+            <a:schemeClr val="accent1"/>
+          </a:effectRef>
+          <a:fontRef idx="minor">
+            <a:schemeClr val="lt1"/>
+          </a:fontRef>
+        </p:style>
+        <p:txBody>
+          <a:bodyPr rtlCol="0" anchor="t"/>
+          <a:lstStyle/>
+          <a:p>
+            <a:r>
+              <a:rPr lang="en-US" sz="800" b="1" u="sng" dirty="0">
+                <a:solidFill>
+                  <a:schemeClr val="tx1"/>
+                </a:solidFill>
+                <a:latin typeface="Times New Roman" panose="02020603050405020304" pitchFamily="18" charset="0"/>
+                <a:cs typeface="Times New Roman" panose="02020603050405020304" pitchFamily="18" charset="0"/>
+              </a:rPr>
+              <a:t>Set Scheme</a:t>
+            </a:r>
+          </a:p>
+        </p:txBody>
+      </p:sp>
+    </p:spTree>
+    <p:extLst>
+      <p:ext uri="{BB962C8B-B14F-4D97-AF65-F5344CB8AC3E}">
+        <p14:creationId xmlns:p14="http://schemas.microsoft.com/office/powerpoint/2010/main" val="1032882426"/>
+      </p:ext>
+    </p:extLst>
+  </p:cSld>
+  <p:clrMapOvr>
+    <a:masterClrMapping/>
+  </p:clrMapOvr>
+</p:sld>
+</file>
+
+<file path=ppt/slides/slide4.xml><?xml version="1.0" encoding="utf-8"?>
+<p:sld xmlns:a="http://schemas.openxmlformats.org/drawingml/2006/main" xmlns:r="http://schemas.openxmlformats.org/officeDocument/2006/relationships" xmlns:p="http://schemas.openxmlformats.org/presentationml/2006/main">
+  <p:cSld>
+    <p:spTree>
+      <p:nvGrpSpPr>
+        <p:cNvPr id="1" name=""/>
+        <p:cNvGrpSpPr/>
+        <p:nvPr/>
+      </p:nvGrpSpPr>
+      <p:grpSpPr>
+        <a:xfrm>
+          <a:off x="0" y="0"/>
+          <a:ext cx="0" cy="0"/>
+          <a:chOff x="0" y="0"/>
+          <a:chExt cx="0" cy="0"/>
+        </a:xfrm>
+      </p:grpSpPr>
+      <p:sp>
+        <p:nvSpPr>
+          <p:cNvPr id="2" name="Rectangle 1">
+            <a:extLst>
+              <a:ext uri="{FF2B5EF4-FFF2-40B4-BE49-F238E27FC236}">
+                <a16:creationId xmlns:a16="http://schemas.microsoft.com/office/drawing/2014/main" id="{F0BD7249-ACFB-80E1-FFC4-E3EA084196CF}"/>
+              </a:ext>
+            </a:extLst>
+          </p:cNvPr>
+          <p:cNvSpPr/>
+          <p:nvPr/>
+        </p:nvSpPr>
+        <p:spPr>
+          <a:xfrm>
+            <a:off x="0" y="0"/>
+            <a:ext cx="1828800" cy="320230"/>
+          </a:xfrm>
+          <a:prstGeom prst="rect">
+            <a:avLst/>
+          </a:prstGeom>
+          <a:noFill/>
+          <a:ln>
+            <a:solidFill>
+              <a:schemeClr val="tx1"/>
+            </a:solidFill>
+          </a:ln>
+        </p:spPr>
+        <p:style>
+          <a:lnRef idx="2">
+            <a:schemeClr val="accent1">
+              <a:shade val="15000"/>
+            </a:schemeClr>
+          </a:lnRef>
+          <a:fillRef idx="1">
+            <a:schemeClr val="accent1"/>
+          </a:fillRef>
+          <a:effectRef idx="0">
+            <a:schemeClr val="accent1"/>
+          </a:effectRef>
+          <a:fontRef idx="minor">
+            <a:schemeClr val="lt1"/>
+          </a:fontRef>
+        </p:style>
+        <p:txBody>
+          <a:bodyPr rtlCol="0" anchor="t"/>
+          <a:lstStyle/>
+          <a:p>
+            <a:r>
+              <a:rPr lang="en-US" sz="800" b="1" u="sng" dirty="0">
+                <a:solidFill>
+                  <a:schemeClr val="tx1"/>
+                </a:solidFill>
+                <a:latin typeface="Times New Roman" panose="02020603050405020304" pitchFamily="18" charset="0"/>
+                <a:cs typeface="Times New Roman" panose="02020603050405020304" pitchFamily="18" charset="0"/>
+              </a:rPr>
+              <a:t>Three Body Example</a:t>
+            </a:r>
+          </a:p>
+          <a:p>
+            <a:r>
+              <a:rPr lang="en-US" sz="800" dirty="0">
+                <a:solidFill>
+                  <a:schemeClr val="tx1"/>
+                </a:solidFill>
+                <a:latin typeface="Times New Roman" panose="02020603050405020304" pitchFamily="18" charset="0"/>
+                <a:cs typeface="Times New Roman" panose="02020603050405020304" pitchFamily="18" charset="0"/>
+              </a:rPr>
+              <a:t>Earth – Moon - SV</a:t>
+            </a:r>
+          </a:p>
+        </p:txBody>
+      </p:sp>
+      <p:sp>
+        <p:nvSpPr>
+          <p:cNvPr id="3" name="Rectangle 2">
+            <a:extLst>
+              <a:ext uri="{FF2B5EF4-FFF2-40B4-BE49-F238E27FC236}">
+                <a16:creationId xmlns:a16="http://schemas.microsoft.com/office/drawing/2014/main" id="{C9B5B053-7CDC-0734-31A7-8F63ACD5DB3B}"/>
+              </a:ext>
+            </a:extLst>
+          </p:cNvPr>
+          <p:cNvSpPr/>
+          <p:nvPr/>
+        </p:nvSpPr>
+        <p:spPr>
+          <a:xfrm>
+            <a:off x="2232408" y="1513948"/>
+            <a:ext cx="1828800" cy="470597"/>
+          </a:xfrm>
+          <a:prstGeom prst="rect">
+            <a:avLst/>
+          </a:prstGeom>
+          <a:noFill/>
+          <a:ln>
+            <a:solidFill>
+              <a:schemeClr val="tx1"/>
+            </a:solidFill>
+          </a:ln>
+        </p:spPr>
+        <p:style>
+          <a:lnRef idx="2">
+            <a:schemeClr val="accent1">
+              <a:shade val="15000"/>
+            </a:schemeClr>
+          </a:lnRef>
+          <a:fillRef idx="1">
+            <a:schemeClr val="accent1"/>
+          </a:fillRef>
+          <a:effectRef idx="0">
+            <a:schemeClr val="accent1"/>
+          </a:effectRef>
+          <a:fontRef idx="minor">
+            <a:schemeClr val="lt1"/>
+          </a:fontRef>
+        </p:style>
+        <p:txBody>
+          <a:bodyPr rtlCol="0" anchor="t"/>
+          <a:lstStyle/>
+          <a:p>
+            <a:r>
+              <a:rPr lang="en-US" sz="800" b="1" u="sng" dirty="0">
+                <a:solidFill>
+                  <a:schemeClr val="tx1"/>
+                </a:solidFill>
+                <a:latin typeface="Times New Roman" panose="02020603050405020304" pitchFamily="18" charset="0"/>
+                <a:cs typeface="Times New Roman" panose="02020603050405020304" pitchFamily="18" charset="0"/>
+              </a:rPr>
+              <a:t>Earth</a:t>
+            </a:r>
+          </a:p>
+          <a:p>
+            <a:r>
+              <a:rPr lang="en-US" sz="800" dirty="0">
+                <a:solidFill>
+                  <a:schemeClr val="tx1"/>
+                </a:solidFill>
+                <a:latin typeface="Times New Roman" panose="02020603050405020304" pitchFamily="18" charset="0"/>
+                <a:cs typeface="Times New Roman" panose="02020603050405020304" pitchFamily="18" charset="0"/>
+              </a:rPr>
+              <a:t>Fixed in ECI frame</a:t>
+            </a:r>
+          </a:p>
+          <a:p>
+            <a:r>
+              <a:rPr lang="en-US" sz="800" dirty="0">
+                <a:solidFill>
+                  <a:schemeClr val="tx1"/>
+                </a:solidFill>
+                <a:latin typeface="Times New Roman" panose="02020603050405020304" pitchFamily="18" charset="0"/>
+                <a:cs typeface="Times New Roman" panose="02020603050405020304" pitchFamily="18" charset="0"/>
+              </a:rPr>
+              <a:t>No Propagation Needed</a:t>
+            </a:r>
+          </a:p>
+        </p:txBody>
+      </p:sp>
+      <p:sp>
+        <p:nvSpPr>
+          <p:cNvPr id="4" name="Rectangle 3">
+            <a:extLst>
+              <a:ext uri="{FF2B5EF4-FFF2-40B4-BE49-F238E27FC236}">
+                <a16:creationId xmlns:a16="http://schemas.microsoft.com/office/drawing/2014/main" id="{E673BF44-931B-B4E2-48C3-C9C470DD0E18}"/>
+              </a:ext>
+            </a:extLst>
+          </p:cNvPr>
+          <p:cNvSpPr/>
+          <p:nvPr/>
+        </p:nvSpPr>
+        <p:spPr>
+          <a:xfrm>
+            <a:off x="5311390" y="1513948"/>
+            <a:ext cx="1828800" cy="470597"/>
+          </a:xfrm>
+          <a:prstGeom prst="rect">
+            <a:avLst/>
+          </a:prstGeom>
+          <a:noFill/>
+          <a:ln>
+            <a:solidFill>
+              <a:schemeClr val="tx1"/>
+            </a:solidFill>
+          </a:ln>
+        </p:spPr>
+        <p:style>
+          <a:lnRef idx="2">
+            <a:schemeClr val="accent1">
+              <a:shade val="15000"/>
+            </a:schemeClr>
+          </a:lnRef>
+          <a:fillRef idx="1">
+            <a:schemeClr val="accent1"/>
+          </a:fillRef>
+          <a:effectRef idx="0">
+            <a:schemeClr val="accent1"/>
+          </a:effectRef>
+          <a:fontRef idx="minor">
+            <a:schemeClr val="lt1"/>
+          </a:fontRef>
+        </p:style>
+        <p:txBody>
+          <a:bodyPr rtlCol="0" anchor="t"/>
+          <a:lstStyle/>
+          <a:p>
+            <a:r>
+              <a:rPr lang="en-US" sz="800" b="1" u="sng" dirty="0">
+                <a:solidFill>
+                  <a:schemeClr val="tx1"/>
+                </a:solidFill>
+                <a:latin typeface="Times New Roman" panose="02020603050405020304" pitchFamily="18" charset="0"/>
+                <a:cs typeface="Times New Roman" panose="02020603050405020304" pitchFamily="18" charset="0"/>
+              </a:rPr>
+              <a:t>Moon</a:t>
+            </a:r>
+          </a:p>
+          <a:p>
+            <a:r>
+              <a:rPr lang="en-US" sz="800" dirty="0">
+                <a:solidFill>
+                  <a:schemeClr val="tx1"/>
+                </a:solidFill>
+                <a:latin typeface="Times New Roman" panose="02020603050405020304" pitchFamily="18" charset="0"/>
+                <a:cs typeface="Times New Roman" panose="02020603050405020304" pitchFamily="18" charset="0"/>
+              </a:rPr>
+              <a:t>Two Body Propagation</a:t>
+            </a:r>
+          </a:p>
+        </p:txBody>
+      </p:sp>
+      <p:sp>
+        <p:nvSpPr>
+          <p:cNvPr id="5" name="Rectangle 4">
+            <a:extLst>
+              <a:ext uri="{FF2B5EF4-FFF2-40B4-BE49-F238E27FC236}">
+                <a16:creationId xmlns:a16="http://schemas.microsoft.com/office/drawing/2014/main" id="{227436E3-353A-6D4F-CF32-A7EA6EBC7371}"/>
+              </a:ext>
+            </a:extLst>
+          </p:cNvPr>
+          <p:cNvSpPr/>
+          <p:nvPr/>
+        </p:nvSpPr>
+        <p:spPr>
+          <a:xfrm>
+            <a:off x="8857621" y="1513948"/>
+            <a:ext cx="1828800" cy="470597"/>
+          </a:xfrm>
+          <a:prstGeom prst="rect">
+            <a:avLst/>
+          </a:prstGeom>
+          <a:noFill/>
+          <a:ln>
+            <a:solidFill>
+              <a:schemeClr val="tx1"/>
+            </a:solidFill>
+          </a:ln>
+        </p:spPr>
+        <p:style>
+          <a:lnRef idx="2">
+            <a:schemeClr val="accent1">
+              <a:shade val="15000"/>
+            </a:schemeClr>
+          </a:lnRef>
+          <a:fillRef idx="1">
+            <a:schemeClr val="accent1"/>
+          </a:fillRef>
+          <a:effectRef idx="0">
+            <a:schemeClr val="accent1"/>
+          </a:effectRef>
+          <a:fontRef idx="minor">
+            <a:schemeClr val="lt1"/>
+          </a:fontRef>
+        </p:style>
+        <p:txBody>
+          <a:bodyPr rtlCol="0" anchor="t"/>
+          <a:lstStyle/>
+          <a:p>
+            <a:r>
+              <a:rPr lang="en-US" sz="800" b="1" u="sng" dirty="0">
+                <a:solidFill>
+                  <a:schemeClr val="tx1"/>
+                </a:solidFill>
+                <a:latin typeface="Times New Roman" panose="02020603050405020304" pitchFamily="18" charset="0"/>
+                <a:cs typeface="Times New Roman" panose="02020603050405020304" pitchFamily="18" charset="0"/>
+              </a:rPr>
+              <a:t>SV</a:t>
+            </a:r>
+          </a:p>
+          <a:p>
+            <a:r>
+              <a:rPr lang="en-US" sz="800" dirty="0">
+                <a:solidFill>
+                  <a:schemeClr val="tx1"/>
+                </a:solidFill>
+                <a:latin typeface="Times New Roman" panose="02020603050405020304" pitchFamily="18" charset="0"/>
+                <a:cs typeface="Times New Roman" panose="02020603050405020304" pitchFamily="18" charset="0"/>
+              </a:rPr>
+              <a:t>N-Body Propagation</a:t>
+            </a:r>
+          </a:p>
+        </p:txBody>
+      </p:sp>
+      <p:sp>
+        <p:nvSpPr>
+          <p:cNvPr id="7" name="Rectangle 6">
+            <a:extLst>
+              <a:ext uri="{FF2B5EF4-FFF2-40B4-BE49-F238E27FC236}">
+                <a16:creationId xmlns:a16="http://schemas.microsoft.com/office/drawing/2014/main" id="{979C4EBD-5BA7-367F-AC7C-69820F718637}"/>
+              </a:ext>
+            </a:extLst>
+          </p:cNvPr>
+          <p:cNvSpPr/>
+          <p:nvPr/>
+        </p:nvSpPr>
+        <p:spPr>
+          <a:xfrm>
+            <a:off x="211016" y="545540"/>
+            <a:ext cx="839037" cy="599974"/>
+          </a:xfrm>
+          <a:prstGeom prst="rect">
+            <a:avLst/>
+          </a:prstGeom>
+          <a:noFill/>
+          <a:ln>
+            <a:solidFill>
+              <a:schemeClr val="tx1"/>
+            </a:solidFill>
+          </a:ln>
+        </p:spPr>
+        <p:style>
+          <a:lnRef idx="2">
+            <a:schemeClr val="accent1">
+              <a:shade val="15000"/>
+            </a:schemeClr>
+          </a:lnRef>
+          <a:fillRef idx="1">
+            <a:schemeClr val="accent1"/>
+          </a:fillRef>
+          <a:effectRef idx="0">
+            <a:schemeClr val="accent1"/>
+          </a:effectRef>
+          <a:fontRef idx="minor">
+            <a:schemeClr val="lt1"/>
+          </a:fontRef>
+        </p:style>
+        <p:txBody>
+          <a:bodyPr rtlCol="0" anchor="t"/>
+          <a:lstStyle/>
+          <a:p>
+            <a:r>
+              <a:rPr lang="en-US" sz="800" b="1" u="sng" dirty="0">
+                <a:solidFill>
+                  <a:schemeClr val="tx1"/>
+                </a:solidFill>
+                <a:latin typeface="Times New Roman" panose="02020603050405020304" pitchFamily="18" charset="0"/>
+                <a:cs typeface="Times New Roman" panose="02020603050405020304" pitchFamily="18" charset="0"/>
+              </a:rPr>
+              <a:t>Time Element</a:t>
+            </a:r>
+          </a:p>
+          <a:p>
+            <a:r>
+              <a:rPr lang="en-US" sz="800" dirty="0">
+                <a:solidFill>
+                  <a:schemeClr val="tx1"/>
+                </a:solidFill>
+                <a:latin typeface="Times New Roman" panose="02020603050405020304" pitchFamily="18" charset="0"/>
+                <a:cs typeface="Times New Roman" panose="02020603050405020304" pitchFamily="18" charset="0"/>
+              </a:rPr>
+              <a:t>t0</a:t>
+            </a:r>
+          </a:p>
+          <a:p>
+            <a:r>
+              <a:rPr lang="en-US" sz="800" dirty="0" err="1">
+                <a:solidFill>
+                  <a:schemeClr val="tx1"/>
+                </a:solidFill>
+                <a:latin typeface="Times New Roman" panose="02020603050405020304" pitchFamily="18" charset="0"/>
+                <a:cs typeface="Times New Roman" panose="02020603050405020304" pitchFamily="18" charset="0"/>
+              </a:rPr>
+              <a:t>tf</a:t>
+            </a:r>
+            <a:endParaRPr lang="en-US" sz="800" dirty="0">
+              <a:solidFill>
+                <a:schemeClr val="tx1"/>
+              </a:solidFill>
+              <a:latin typeface="Times New Roman" panose="02020603050405020304" pitchFamily="18" charset="0"/>
+              <a:cs typeface="Times New Roman" panose="02020603050405020304" pitchFamily="18" charset="0"/>
+            </a:endParaRPr>
+          </a:p>
+          <a:p>
+            <a:r>
+              <a:rPr lang="en-US" sz="800" dirty="0">
+                <a:solidFill>
+                  <a:schemeClr val="tx1"/>
+                </a:solidFill>
+                <a:latin typeface="Times New Roman" panose="02020603050405020304" pitchFamily="18" charset="0"/>
+                <a:cs typeface="Times New Roman" panose="02020603050405020304" pitchFamily="18" charset="0"/>
+              </a:rPr>
+              <a:t>dt</a:t>
+            </a:r>
+          </a:p>
+        </p:txBody>
+      </p:sp>
+      <p:sp>
+        <p:nvSpPr>
+          <p:cNvPr id="11" name="Oval 10">
+            <a:extLst>
+              <a:ext uri="{FF2B5EF4-FFF2-40B4-BE49-F238E27FC236}">
+                <a16:creationId xmlns:a16="http://schemas.microsoft.com/office/drawing/2014/main" id="{A5180C8B-A8D9-9DB2-9264-DCD2F035335D}"/>
+              </a:ext>
+            </a:extLst>
+          </p:cNvPr>
+          <p:cNvSpPr/>
+          <p:nvPr/>
+        </p:nvSpPr>
+        <p:spPr>
+          <a:xfrm>
+            <a:off x="1371600" y="617550"/>
+            <a:ext cx="457200" cy="457200"/>
+          </a:xfrm>
+          <a:prstGeom prst="ellipse">
+            <a:avLst/>
+          </a:prstGeom>
+          <a:noFill/>
+          <a:ln>
+            <a:solidFill>
+              <a:schemeClr val="tx1"/>
+            </a:solidFill>
+          </a:ln>
+        </p:spPr>
+        <p:style>
+          <a:lnRef idx="2">
+            <a:schemeClr val="accent1">
+              <a:shade val="15000"/>
+            </a:schemeClr>
+          </a:lnRef>
+          <a:fillRef idx="1">
+            <a:schemeClr val="accent1"/>
+          </a:fillRef>
+          <a:effectRef idx="0">
+            <a:schemeClr val="accent1"/>
+          </a:effectRef>
+          <a:fontRef idx="minor">
+            <a:schemeClr val="lt1"/>
+          </a:fontRef>
+        </p:style>
+        <p:txBody>
+          <a:bodyPr rtlCol="0" anchor="ctr"/>
+          <a:lstStyle/>
+          <a:p>
+            <a:pPr algn="ctr"/>
+            <a:r>
+              <a:rPr lang="en-US" sz="1200" dirty="0">
+                <a:solidFill>
+                  <a:schemeClr val="tx1"/>
+                </a:solidFill>
+                <a:latin typeface="Times New Roman" panose="02020603050405020304" pitchFamily="18" charset="0"/>
+                <a:cs typeface="Times New Roman" panose="02020603050405020304" pitchFamily="18" charset="0"/>
+              </a:rPr>
+              <a:t>t0</a:t>
+            </a:r>
+          </a:p>
+        </p:txBody>
+      </p:sp>
+      <p:cxnSp>
+        <p:nvCxnSpPr>
+          <p:cNvPr id="13" name="Straight Arrow Connector 12">
+            <a:extLst>
+              <a:ext uri="{FF2B5EF4-FFF2-40B4-BE49-F238E27FC236}">
+                <a16:creationId xmlns:a16="http://schemas.microsoft.com/office/drawing/2014/main" id="{4BBF8888-B0B9-C51B-4201-78359D99BAE3}"/>
+              </a:ext>
+            </a:extLst>
+          </p:cNvPr>
+          <p:cNvCxnSpPr>
+            <a:stCxn id="4" idx="3"/>
+            <a:endCxn id="5" idx="1"/>
+          </p:cNvCxnSpPr>
+          <p:nvPr/>
+        </p:nvCxnSpPr>
+        <p:spPr>
+          <a:xfrm>
+            <a:off x="7140190" y="1749247"/>
+            <a:ext cx="1717431" cy="0"/>
+          </a:xfrm>
+          <a:prstGeom prst="straightConnector1">
+            <a:avLst/>
+          </a:prstGeom>
+          <a:ln>
+            <a:tailEnd type="triangle"/>
+          </a:ln>
+        </p:spPr>
+        <p:style>
+          <a:lnRef idx="2">
+            <a:schemeClr val="accent1"/>
+          </a:lnRef>
+          <a:fillRef idx="0">
+            <a:schemeClr val="accent1"/>
+          </a:fillRef>
+          <a:effectRef idx="1">
+            <a:schemeClr val="accent1"/>
+          </a:effectRef>
+          <a:fontRef idx="minor">
+            <a:schemeClr val="tx1"/>
+          </a:fontRef>
+        </p:style>
+      </p:cxnSp>
+      <p:sp>
+        <p:nvSpPr>
+          <p:cNvPr id="17" name="Rectangle 16">
+            <a:extLst>
+              <a:ext uri="{FF2B5EF4-FFF2-40B4-BE49-F238E27FC236}">
+                <a16:creationId xmlns:a16="http://schemas.microsoft.com/office/drawing/2014/main" id="{76D2F0FB-25E5-2F84-F8A6-EC3B364DE2B9}"/>
+              </a:ext>
+            </a:extLst>
+          </p:cNvPr>
+          <p:cNvSpPr/>
+          <p:nvPr/>
+        </p:nvSpPr>
+        <p:spPr>
+          <a:xfrm>
+            <a:off x="7558033" y="1844080"/>
+            <a:ext cx="881744" cy="280929"/>
+          </a:xfrm>
+          <a:prstGeom prst="rect">
+            <a:avLst/>
+          </a:prstGeom>
+          <a:noFill/>
+          <a:ln>
+            <a:solidFill>
+              <a:schemeClr val="tx1"/>
+            </a:solidFill>
+          </a:ln>
+        </p:spPr>
+        <p:style>
+          <a:lnRef idx="2">
+            <a:schemeClr val="accent1">
+              <a:shade val="15000"/>
+            </a:schemeClr>
+          </a:lnRef>
+          <a:fillRef idx="1">
+            <a:schemeClr val="accent1"/>
+          </a:fillRef>
+          <a:effectRef idx="0">
+            <a:schemeClr val="accent1"/>
+          </a:effectRef>
+          <a:fontRef idx="minor">
+            <a:schemeClr val="lt1"/>
+          </a:fontRef>
+        </p:style>
+        <p:txBody>
+          <a:bodyPr rtlCol="0" anchor="t"/>
+          <a:lstStyle/>
+          <a:p>
+            <a:r>
+              <a:rPr lang="en-US" sz="800" b="1" u="sng" dirty="0">
+                <a:solidFill>
+                  <a:schemeClr val="tx1"/>
+                </a:solidFill>
+                <a:latin typeface="Times New Roman" panose="02020603050405020304" pitchFamily="18" charset="0"/>
+                <a:cs typeface="Times New Roman" panose="02020603050405020304" pitchFamily="18" charset="0"/>
+              </a:rPr>
+              <a:t>Moon State (t0)</a:t>
+            </a:r>
+          </a:p>
+        </p:txBody>
+      </p:sp>
+      <p:cxnSp>
+        <p:nvCxnSpPr>
+          <p:cNvPr id="19" name="Straight Arrow Connector 18">
+            <a:extLst>
+              <a:ext uri="{FF2B5EF4-FFF2-40B4-BE49-F238E27FC236}">
+                <a16:creationId xmlns:a16="http://schemas.microsoft.com/office/drawing/2014/main" id="{A9658CD1-F4D2-AD6C-2E42-3D903625E139}"/>
+              </a:ext>
+            </a:extLst>
+          </p:cNvPr>
+          <p:cNvCxnSpPr>
+            <a:cxnSpLocks/>
+            <a:stCxn id="7" idx="3"/>
+            <a:endCxn id="11" idx="2"/>
+          </p:cNvCxnSpPr>
+          <p:nvPr/>
+        </p:nvCxnSpPr>
+        <p:spPr>
+          <a:xfrm>
+            <a:off x="1050053" y="845527"/>
+            <a:ext cx="321547" cy="623"/>
+          </a:xfrm>
+          <a:prstGeom prst="straightConnector1">
+            <a:avLst/>
+          </a:prstGeom>
+          <a:ln>
+            <a:tailEnd type="triangle"/>
+          </a:ln>
+        </p:spPr>
+        <p:style>
+          <a:lnRef idx="2">
+            <a:schemeClr val="accent1"/>
+          </a:lnRef>
+          <a:fillRef idx="0">
+            <a:schemeClr val="accent1"/>
+          </a:fillRef>
+          <a:effectRef idx="1">
+            <a:schemeClr val="accent1"/>
+          </a:effectRef>
+          <a:fontRef idx="minor">
+            <a:schemeClr val="tx1"/>
+          </a:fontRef>
+        </p:style>
+      </p:cxnSp>
+      <p:sp>
+        <p:nvSpPr>
+          <p:cNvPr id="31" name="Rectangle 30">
+            <a:extLst>
+              <a:ext uri="{FF2B5EF4-FFF2-40B4-BE49-F238E27FC236}">
+                <a16:creationId xmlns:a16="http://schemas.microsoft.com/office/drawing/2014/main" id="{8CB743C6-C93C-6BED-4357-42760A3F56EF}"/>
+              </a:ext>
+            </a:extLst>
+          </p:cNvPr>
+          <p:cNvSpPr/>
+          <p:nvPr/>
+        </p:nvSpPr>
+        <p:spPr>
+          <a:xfrm>
+            <a:off x="2232408" y="3395506"/>
+            <a:ext cx="1828800" cy="470597"/>
+          </a:xfrm>
+          <a:prstGeom prst="rect">
+            <a:avLst/>
+          </a:prstGeom>
+          <a:noFill/>
+          <a:ln>
+            <a:solidFill>
+              <a:schemeClr val="tx1"/>
+            </a:solidFill>
+          </a:ln>
+        </p:spPr>
+        <p:style>
+          <a:lnRef idx="2">
+            <a:schemeClr val="accent1">
+              <a:shade val="15000"/>
+            </a:schemeClr>
+          </a:lnRef>
+          <a:fillRef idx="1">
+            <a:schemeClr val="accent1"/>
+          </a:fillRef>
+          <a:effectRef idx="0">
+            <a:schemeClr val="accent1"/>
+          </a:effectRef>
+          <a:fontRef idx="minor">
+            <a:schemeClr val="lt1"/>
+          </a:fontRef>
+        </p:style>
+        <p:txBody>
+          <a:bodyPr rtlCol="0" anchor="t"/>
+          <a:lstStyle/>
+          <a:p>
+            <a:r>
+              <a:rPr lang="en-US" sz="800" b="1" u="sng" dirty="0">
+                <a:solidFill>
+                  <a:schemeClr val="tx1"/>
+                </a:solidFill>
+                <a:latin typeface="Times New Roman" panose="02020603050405020304" pitchFamily="18" charset="0"/>
+                <a:cs typeface="Times New Roman" panose="02020603050405020304" pitchFamily="18" charset="0"/>
+              </a:rPr>
+              <a:t>Earth</a:t>
+            </a:r>
+          </a:p>
+          <a:p>
+            <a:r>
+              <a:rPr lang="en-US" sz="800" dirty="0">
+                <a:solidFill>
+                  <a:schemeClr val="tx1"/>
+                </a:solidFill>
+                <a:latin typeface="Times New Roman" panose="02020603050405020304" pitchFamily="18" charset="0"/>
+                <a:cs typeface="Times New Roman" panose="02020603050405020304" pitchFamily="18" charset="0"/>
+              </a:rPr>
+              <a:t>Fixed in ECI frame</a:t>
+            </a:r>
+          </a:p>
+          <a:p>
+            <a:r>
+              <a:rPr lang="en-US" sz="800" dirty="0">
+                <a:solidFill>
+                  <a:schemeClr val="tx1"/>
+                </a:solidFill>
+                <a:latin typeface="Times New Roman" panose="02020603050405020304" pitchFamily="18" charset="0"/>
+                <a:cs typeface="Times New Roman" panose="02020603050405020304" pitchFamily="18" charset="0"/>
+              </a:rPr>
+              <a:t>No Propagation Needed</a:t>
+            </a:r>
+          </a:p>
+        </p:txBody>
+      </p:sp>
+      <p:sp>
+        <p:nvSpPr>
+          <p:cNvPr id="32" name="Rectangle 31">
+            <a:extLst>
+              <a:ext uri="{FF2B5EF4-FFF2-40B4-BE49-F238E27FC236}">
+                <a16:creationId xmlns:a16="http://schemas.microsoft.com/office/drawing/2014/main" id="{E9C40E69-82A4-B385-8A63-7624BF49F374}"/>
+              </a:ext>
+            </a:extLst>
+          </p:cNvPr>
+          <p:cNvSpPr/>
+          <p:nvPr/>
+        </p:nvSpPr>
+        <p:spPr>
+          <a:xfrm>
+            <a:off x="5311390" y="3395506"/>
+            <a:ext cx="1828800" cy="470597"/>
+          </a:xfrm>
+          <a:prstGeom prst="rect">
+            <a:avLst/>
+          </a:prstGeom>
+          <a:noFill/>
+          <a:ln>
+            <a:solidFill>
+              <a:schemeClr val="tx1"/>
+            </a:solidFill>
+          </a:ln>
+        </p:spPr>
+        <p:style>
+          <a:lnRef idx="2">
+            <a:schemeClr val="accent1">
+              <a:shade val="15000"/>
+            </a:schemeClr>
+          </a:lnRef>
+          <a:fillRef idx="1">
+            <a:schemeClr val="accent1"/>
+          </a:fillRef>
+          <a:effectRef idx="0">
+            <a:schemeClr val="accent1"/>
+          </a:effectRef>
+          <a:fontRef idx="minor">
+            <a:schemeClr val="lt1"/>
+          </a:fontRef>
+        </p:style>
+        <p:txBody>
+          <a:bodyPr rtlCol="0" anchor="t"/>
+          <a:lstStyle/>
+          <a:p>
+            <a:r>
+              <a:rPr lang="en-US" sz="800" b="1" u="sng" dirty="0">
+                <a:solidFill>
+                  <a:schemeClr val="tx1"/>
+                </a:solidFill>
+                <a:latin typeface="Times New Roman" panose="02020603050405020304" pitchFamily="18" charset="0"/>
+                <a:cs typeface="Times New Roman" panose="02020603050405020304" pitchFamily="18" charset="0"/>
+              </a:rPr>
+              <a:t>Moon</a:t>
+            </a:r>
+          </a:p>
+          <a:p>
+            <a:r>
+              <a:rPr lang="en-US" sz="800" dirty="0">
+                <a:solidFill>
+                  <a:schemeClr val="tx1"/>
+                </a:solidFill>
+                <a:latin typeface="Times New Roman" panose="02020603050405020304" pitchFamily="18" charset="0"/>
+                <a:cs typeface="Times New Roman" panose="02020603050405020304" pitchFamily="18" charset="0"/>
+              </a:rPr>
+              <a:t>Two Body Propagation</a:t>
+            </a:r>
+          </a:p>
+        </p:txBody>
+      </p:sp>
+      <p:sp>
+        <p:nvSpPr>
+          <p:cNvPr id="33" name="Rectangle 32">
+            <a:extLst>
+              <a:ext uri="{FF2B5EF4-FFF2-40B4-BE49-F238E27FC236}">
+                <a16:creationId xmlns:a16="http://schemas.microsoft.com/office/drawing/2014/main" id="{661B3D45-967A-2DFF-6472-507DD60D4B39}"/>
+              </a:ext>
+            </a:extLst>
+          </p:cNvPr>
+          <p:cNvSpPr/>
+          <p:nvPr/>
+        </p:nvSpPr>
+        <p:spPr>
+          <a:xfrm>
+            <a:off x="8857621" y="3395506"/>
+            <a:ext cx="1828800" cy="470597"/>
+          </a:xfrm>
+          <a:prstGeom prst="rect">
+            <a:avLst/>
+          </a:prstGeom>
+          <a:noFill/>
+          <a:ln>
+            <a:solidFill>
+              <a:schemeClr val="tx1"/>
+            </a:solidFill>
+          </a:ln>
+        </p:spPr>
+        <p:style>
+          <a:lnRef idx="2">
+            <a:schemeClr val="accent1">
+              <a:shade val="15000"/>
+            </a:schemeClr>
+          </a:lnRef>
+          <a:fillRef idx="1">
+            <a:schemeClr val="accent1"/>
+          </a:fillRef>
+          <a:effectRef idx="0">
+            <a:schemeClr val="accent1"/>
+          </a:effectRef>
+          <a:fontRef idx="minor">
+            <a:schemeClr val="lt1"/>
+          </a:fontRef>
+        </p:style>
+        <p:txBody>
+          <a:bodyPr rtlCol="0" anchor="t"/>
+          <a:lstStyle/>
+          <a:p>
+            <a:r>
+              <a:rPr lang="en-US" sz="800" b="1" u="sng" dirty="0">
+                <a:solidFill>
+                  <a:schemeClr val="tx1"/>
+                </a:solidFill>
+                <a:latin typeface="Times New Roman" panose="02020603050405020304" pitchFamily="18" charset="0"/>
+                <a:cs typeface="Times New Roman" panose="02020603050405020304" pitchFamily="18" charset="0"/>
+              </a:rPr>
+              <a:t>SV</a:t>
+            </a:r>
+          </a:p>
+          <a:p>
+            <a:r>
+              <a:rPr lang="en-US" sz="800" dirty="0">
+                <a:solidFill>
+                  <a:schemeClr val="tx1"/>
+                </a:solidFill>
+                <a:latin typeface="Times New Roman" panose="02020603050405020304" pitchFamily="18" charset="0"/>
+                <a:cs typeface="Times New Roman" panose="02020603050405020304" pitchFamily="18" charset="0"/>
+              </a:rPr>
+              <a:t>N-Body Propagation</a:t>
+            </a:r>
+          </a:p>
+        </p:txBody>
+      </p:sp>
+      <p:cxnSp>
+        <p:nvCxnSpPr>
+          <p:cNvPr id="34" name="Straight Arrow Connector 33">
+            <a:extLst>
+              <a:ext uri="{FF2B5EF4-FFF2-40B4-BE49-F238E27FC236}">
+                <a16:creationId xmlns:a16="http://schemas.microsoft.com/office/drawing/2014/main" id="{5F78513B-5AF4-491B-09C6-B71F723F31B4}"/>
+              </a:ext>
+            </a:extLst>
+          </p:cNvPr>
+          <p:cNvCxnSpPr>
+            <a:cxnSpLocks/>
+            <a:stCxn id="4" idx="2"/>
+            <a:endCxn id="32" idx="0"/>
+          </p:cNvCxnSpPr>
+          <p:nvPr/>
+        </p:nvCxnSpPr>
+        <p:spPr>
+          <a:xfrm>
+            <a:off x="6225790" y="1984545"/>
+            <a:ext cx="0" cy="1410961"/>
+          </a:xfrm>
+          <a:prstGeom prst="straightConnector1">
+            <a:avLst/>
+          </a:prstGeom>
+          <a:ln>
+            <a:tailEnd type="triangle"/>
+          </a:ln>
+        </p:spPr>
+        <p:style>
+          <a:lnRef idx="2">
+            <a:schemeClr val="accent1"/>
+          </a:lnRef>
+          <a:fillRef idx="0">
+            <a:schemeClr val="accent1"/>
+          </a:fillRef>
+          <a:effectRef idx="1">
+            <a:schemeClr val="accent1"/>
+          </a:effectRef>
+          <a:fontRef idx="minor">
+            <a:schemeClr val="tx1"/>
+          </a:fontRef>
+        </p:style>
+      </p:cxnSp>
+      <p:cxnSp>
+        <p:nvCxnSpPr>
+          <p:cNvPr id="59" name="Connector: Elbow 58">
+            <a:extLst>
+              <a:ext uri="{FF2B5EF4-FFF2-40B4-BE49-F238E27FC236}">
+                <a16:creationId xmlns:a16="http://schemas.microsoft.com/office/drawing/2014/main" id="{F1870D56-F7D1-9315-F6F5-862A03FC5652}"/>
+              </a:ext>
+            </a:extLst>
+          </p:cNvPr>
+          <p:cNvCxnSpPr>
+            <a:stCxn id="11" idx="6"/>
+            <a:endCxn id="3" idx="0"/>
+          </p:cNvCxnSpPr>
+          <p:nvPr/>
+        </p:nvCxnSpPr>
+        <p:spPr>
+          <a:xfrm>
+            <a:off x="1828800" y="846150"/>
+            <a:ext cx="1318008" cy="667798"/>
+          </a:xfrm>
+          <a:prstGeom prst="bentConnector2">
+            <a:avLst/>
+          </a:prstGeom>
+          <a:ln>
+            <a:tailEnd type="triangle"/>
+          </a:ln>
+        </p:spPr>
+        <p:style>
+          <a:lnRef idx="2">
+            <a:schemeClr val="accent1"/>
+          </a:lnRef>
+          <a:fillRef idx="0">
+            <a:schemeClr val="accent1"/>
+          </a:fillRef>
+          <a:effectRef idx="1">
+            <a:schemeClr val="accent1"/>
+          </a:effectRef>
+          <a:fontRef idx="minor">
+            <a:schemeClr val="tx1"/>
+          </a:fontRef>
+        </p:style>
+      </p:cxnSp>
+      <p:cxnSp>
+        <p:nvCxnSpPr>
+          <p:cNvPr id="61" name="Connector: Elbow 60">
+            <a:extLst>
+              <a:ext uri="{FF2B5EF4-FFF2-40B4-BE49-F238E27FC236}">
+                <a16:creationId xmlns:a16="http://schemas.microsoft.com/office/drawing/2014/main" id="{E93F29C6-B92B-03D9-DEAB-C73B9EA48FDB}"/>
+              </a:ext>
+            </a:extLst>
+          </p:cNvPr>
+          <p:cNvCxnSpPr>
+            <a:stCxn id="11" idx="6"/>
+            <a:endCxn id="4" idx="0"/>
+          </p:cNvCxnSpPr>
+          <p:nvPr/>
+        </p:nvCxnSpPr>
+        <p:spPr>
+          <a:xfrm>
+            <a:off x="1828800" y="846150"/>
+            <a:ext cx="4396990" cy="667798"/>
+          </a:xfrm>
+          <a:prstGeom prst="bentConnector2">
+            <a:avLst/>
+          </a:prstGeom>
+          <a:ln>
+            <a:tailEnd type="triangle"/>
+          </a:ln>
+        </p:spPr>
+        <p:style>
+          <a:lnRef idx="2">
+            <a:schemeClr val="accent1"/>
+          </a:lnRef>
+          <a:fillRef idx="0">
+            <a:schemeClr val="accent1"/>
+          </a:fillRef>
+          <a:effectRef idx="1">
+            <a:schemeClr val="accent1"/>
+          </a:effectRef>
+          <a:fontRef idx="minor">
+            <a:schemeClr val="tx1"/>
+          </a:fontRef>
+        </p:style>
+      </p:cxnSp>
+      <p:cxnSp>
+        <p:nvCxnSpPr>
+          <p:cNvPr id="63" name="Connector: Elbow 62">
+            <a:extLst>
+              <a:ext uri="{FF2B5EF4-FFF2-40B4-BE49-F238E27FC236}">
+                <a16:creationId xmlns:a16="http://schemas.microsoft.com/office/drawing/2014/main" id="{87B90866-C016-3A51-FA7F-7AC5FEC14DCD}"/>
+              </a:ext>
+            </a:extLst>
+          </p:cNvPr>
+          <p:cNvCxnSpPr>
+            <a:stCxn id="11" idx="6"/>
+            <a:endCxn id="5" idx="0"/>
+          </p:cNvCxnSpPr>
+          <p:nvPr/>
+        </p:nvCxnSpPr>
+        <p:spPr>
+          <a:xfrm>
+            <a:off x="1828800" y="846150"/>
+            <a:ext cx="7943221" cy="667798"/>
+          </a:xfrm>
+          <a:prstGeom prst="bentConnector2">
+            <a:avLst/>
+          </a:prstGeom>
+          <a:ln>
+            <a:tailEnd type="triangle"/>
+          </a:ln>
+        </p:spPr>
+        <p:style>
+          <a:lnRef idx="2">
+            <a:schemeClr val="accent1"/>
+          </a:lnRef>
+          <a:fillRef idx="0">
+            <a:schemeClr val="accent1"/>
+          </a:fillRef>
+          <a:effectRef idx="1">
+            <a:schemeClr val="accent1"/>
+          </a:effectRef>
+          <a:fontRef idx="minor">
+            <a:schemeClr val="tx1"/>
+          </a:fontRef>
+        </p:style>
+      </p:cxnSp>
+      <p:sp>
+        <p:nvSpPr>
+          <p:cNvPr id="64" name="Oval 63">
+            <a:extLst>
+              <a:ext uri="{FF2B5EF4-FFF2-40B4-BE49-F238E27FC236}">
+                <a16:creationId xmlns:a16="http://schemas.microsoft.com/office/drawing/2014/main" id="{0EBB4F71-8892-2A18-2727-4B2870BD9183}"/>
+              </a:ext>
+            </a:extLst>
+          </p:cNvPr>
+          <p:cNvSpPr/>
+          <p:nvPr/>
+        </p:nvSpPr>
+        <p:spPr>
+          <a:xfrm>
+            <a:off x="1468734" y="2628482"/>
+            <a:ext cx="457200" cy="457200"/>
+          </a:xfrm>
+          <a:prstGeom prst="ellipse">
+            <a:avLst/>
+          </a:prstGeom>
+          <a:noFill/>
+          <a:ln>
+            <a:solidFill>
+              <a:schemeClr val="tx1"/>
+            </a:solidFill>
+          </a:ln>
+        </p:spPr>
+        <p:style>
+          <a:lnRef idx="2">
+            <a:schemeClr val="accent1">
+              <a:shade val="15000"/>
+            </a:schemeClr>
+          </a:lnRef>
+          <a:fillRef idx="1">
+            <a:schemeClr val="accent1"/>
+          </a:fillRef>
+          <a:effectRef idx="0">
+            <a:schemeClr val="accent1"/>
+          </a:effectRef>
+          <a:fontRef idx="minor">
+            <a:schemeClr val="lt1"/>
+          </a:fontRef>
+        </p:style>
+        <p:txBody>
+          <a:bodyPr rtlCol="0" anchor="ctr"/>
+          <a:lstStyle/>
+          <a:p>
+            <a:pPr algn="ctr"/>
+            <a:r>
+              <a:rPr lang="en-US" sz="1200" dirty="0">
+                <a:solidFill>
+                  <a:schemeClr val="tx1"/>
+                </a:solidFill>
+                <a:latin typeface="Times New Roman" panose="02020603050405020304" pitchFamily="18" charset="0"/>
+                <a:cs typeface="Times New Roman" panose="02020603050405020304" pitchFamily="18" charset="0"/>
+              </a:rPr>
+              <a:t>t0</a:t>
+            </a:r>
+          </a:p>
+        </p:txBody>
+      </p:sp>
+      <p:cxnSp>
+        <p:nvCxnSpPr>
+          <p:cNvPr id="65" name="Connector: Elbow 64">
+            <a:extLst>
+              <a:ext uri="{FF2B5EF4-FFF2-40B4-BE49-F238E27FC236}">
+                <a16:creationId xmlns:a16="http://schemas.microsoft.com/office/drawing/2014/main" id="{175A6981-CD24-4236-5A33-AB54CB7B2CA7}"/>
+              </a:ext>
+            </a:extLst>
+          </p:cNvPr>
+          <p:cNvCxnSpPr>
+            <a:cxnSpLocks/>
+            <a:stCxn id="7" idx="3"/>
+            <a:endCxn id="64" idx="2"/>
+          </p:cNvCxnSpPr>
+          <p:nvPr/>
+        </p:nvCxnSpPr>
+        <p:spPr>
+          <a:xfrm>
+            <a:off x="1050053" y="845527"/>
+            <a:ext cx="418681" cy="2011555"/>
+          </a:xfrm>
+          <a:prstGeom prst="bentConnector3">
+            <a:avLst>
+              <a:gd name="adj1" fmla="val 50000"/>
+            </a:avLst>
+          </a:prstGeom>
+          <a:ln>
+            <a:tailEnd type="triangle"/>
+          </a:ln>
+        </p:spPr>
+        <p:style>
+          <a:lnRef idx="2">
+            <a:schemeClr val="accent1"/>
+          </a:lnRef>
+          <a:fillRef idx="0">
+            <a:schemeClr val="accent1"/>
+          </a:fillRef>
+          <a:effectRef idx="1">
+            <a:schemeClr val="accent1"/>
+          </a:effectRef>
+          <a:fontRef idx="minor">
+            <a:schemeClr val="tx1"/>
+          </a:fontRef>
+        </p:style>
+      </p:cxnSp>
+      <p:cxnSp>
+        <p:nvCxnSpPr>
+          <p:cNvPr id="69" name="Connector: Elbow 68">
+            <a:extLst>
+              <a:ext uri="{FF2B5EF4-FFF2-40B4-BE49-F238E27FC236}">
+                <a16:creationId xmlns:a16="http://schemas.microsoft.com/office/drawing/2014/main" id="{88244D00-9C46-C42A-85AD-FD27AF2EB588}"/>
+              </a:ext>
+            </a:extLst>
+          </p:cNvPr>
+          <p:cNvCxnSpPr>
+            <a:cxnSpLocks/>
+            <a:stCxn id="64" idx="6"/>
+            <a:endCxn id="31" idx="0"/>
+          </p:cNvCxnSpPr>
+          <p:nvPr/>
+        </p:nvCxnSpPr>
+        <p:spPr>
+          <a:xfrm>
+            <a:off x="1925934" y="2857082"/>
+            <a:ext cx="1220874" cy="538424"/>
+          </a:xfrm>
+          <a:prstGeom prst="bentConnector2">
+            <a:avLst/>
+          </a:prstGeom>
+          <a:ln>
+            <a:tailEnd type="triangle"/>
+          </a:ln>
+        </p:spPr>
+        <p:style>
+          <a:lnRef idx="2">
+            <a:schemeClr val="accent1"/>
+          </a:lnRef>
+          <a:fillRef idx="0">
+            <a:schemeClr val="accent1"/>
+          </a:fillRef>
+          <a:effectRef idx="1">
+            <a:schemeClr val="accent1"/>
+          </a:effectRef>
+          <a:fontRef idx="minor">
+            <a:schemeClr val="tx1"/>
+          </a:fontRef>
+        </p:style>
+      </p:cxnSp>
+      <p:cxnSp>
+        <p:nvCxnSpPr>
+          <p:cNvPr id="72" name="Connector: Elbow 71">
+            <a:extLst>
+              <a:ext uri="{FF2B5EF4-FFF2-40B4-BE49-F238E27FC236}">
+                <a16:creationId xmlns:a16="http://schemas.microsoft.com/office/drawing/2014/main" id="{00A17B7F-8938-4AF3-3DDB-6876E3771ABE}"/>
+              </a:ext>
+            </a:extLst>
+          </p:cNvPr>
+          <p:cNvCxnSpPr>
+            <a:cxnSpLocks/>
+            <a:stCxn id="64" idx="6"/>
+            <a:endCxn id="32" idx="0"/>
+          </p:cNvCxnSpPr>
+          <p:nvPr/>
+        </p:nvCxnSpPr>
+        <p:spPr>
+          <a:xfrm>
+            <a:off x="1925934" y="2857082"/>
+            <a:ext cx="4299856" cy="538424"/>
+          </a:xfrm>
+          <a:prstGeom prst="bentConnector2">
+            <a:avLst/>
+          </a:prstGeom>
+          <a:ln>
+            <a:tailEnd type="triangle"/>
+          </a:ln>
+        </p:spPr>
+        <p:style>
+          <a:lnRef idx="2">
+            <a:schemeClr val="accent1"/>
+          </a:lnRef>
+          <a:fillRef idx="0">
+            <a:schemeClr val="accent1"/>
+          </a:fillRef>
+          <a:effectRef idx="1">
+            <a:schemeClr val="accent1"/>
+          </a:effectRef>
+          <a:fontRef idx="minor">
+            <a:schemeClr val="tx1"/>
+          </a:fontRef>
+        </p:style>
+      </p:cxnSp>
+      <p:cxnSp>
+        <p:nvCxnSpPr>
+          <p:cNvPr id="75" name="Connector: Elbow 74">
+            <a:extLst>
+              <a:ext uri="{FF2B5EF4-FFF2-40B4-BE49-F238E27FC236}">
+                <a16:creationId xmlns:a16="http://schemas.microsoft.com/office/drawing/2014/main" id="{D1CD8B59-9EAB-0AED-DBED-4C518ECBA5A7}"/>
+              </a:ext>
+            </a:extLst>
+          </p:cNvPr>
+          <p:cNvCxnSpPr>
+            <a:cxnSpLocks/>
+            <a:stCxn id="64" idx="6"/>
+            <a:endCxn id="33" idx="0"/>
+          </p:cNvCxnSpPr>
+          <p:nvPr/>
+        </p:nvCxnSpPr>
+        <p:spPr>
+          <a:xfrm>
+            <a:off x="1925934" y="2857082"/>
+            <a:ext cx="7846087" cy="538424"/>
+          </a:xfrm>
+          <a:prstGeom prst="bentConnector2">
+            <a:avLst/>
+          </a:prstGeom>
+          <a:ln>
+            <a:tailEnd type="triangle"/>
+          </a:ln>
+        </p:spPr>
+        <p:style>
+          <a:lnRef idx="2">
+            <a:schemeClr val="accent1"/>
+          </a:lnRef>
+          <a:fillRef idx="0">
+            <a:schemeClr val="accent1"/>
+          </a:fillRef>
+          <a:effectRef idx="1">
+            <a:schemeClr val="accent1"/>
+          </a:effectRef>
+          <a:fontRef idx="minor">
+            <a:schemeClr val="tx1"/>
+          </a:fontRef>
+        </p:style>
+      </p:cxnSp>
+      <p:cxnSp>
+        <p:nvCxnSpPr>
+          <p:cNvPr id="78" name="Straight Arrow Connector 77">
+            <a:extLst>
+              <a:ext uri="{FF2B5EF4-FFF2-40B4-BE49-F238E27FC236}">
+                <a16:creationId xmlns:a16="http://schemas.microsoft.com/office/drawing/2014/main" id="{125AE3BF-3DBC-E880-99FF-0636DE9602C5}"/>
+              </a:ext>
+            </a:extLst>
+          </p:cNvPr>
+          <p:cNvCxnSpPr>
+            <a:cxnSpLocks/>
+            <a:stCxn id="5" idx="2"/>
+            <a:endCxn id="33" idx="0"/>
+          </p:cNvCxnSpPr>
+          <p:nvPr/>
+        </p:nvCxnSpPr>
+        <p:spPr>
+          <a:xfrm>
+            <a:off x="9772021" y="1984545"/>
+            <a:ext cx="0" cy="1410961"/>
+          </a:xfrm>
+          <a:prstGeom prst="straightConnector1">
+            <a:avLst/>
+          </a:prstGeom>
+          <a:ln>
+            <a:tailEnd type="triangle"/>
+          </a:ln>
+        </p:spPr>
+        <p:style>
+          <a:lnRef idx="2">
+            <a:schemeClr val="accent1"/>
+          </a:lnRef>
+          <a:fillRef idx="0">
+            <a:schemeClr val="accent1"/>
+          </a:fillRef>
+          <a:effectRef idx="1">
+            <a:schemeClr val="accent1"/>
+          </a:effectRef>
+          <a:fontRef idx="minor">
+            <a:schemeClr val="tx1"/>
+          </a:fontRef>
+        </p:style>
+      </p:cxnSp>
+      <p:cxnSp>
+        <p:nvCxnSpPr>
+          <p:cNvPr id="81" name="Straight Arrow Connector 80">
+            <a:extLst>
+              <a:ext uri="{FF2B5EF4-FFF2-40B4-BE49-F238E27FC236}">
+                <a16:creationId xmlns:a16="http://schemas.microsoft.com/office/drawing/2014/main" id="{E0558109-76AB-BB95-80C1-71772D5178FE}"/>
+              </a:ext>
+            </a:extLst>
+          </p:cNvPr>
+          <p:cNvCxnSpPr>
+            <a:cxnSpLocks/>
+            <a:stCxn id="3" idx="2"/>
+            <a:endCxn id="31" idx="0"/>
+          </p:cNvCxnSpPr>
+          <p:nvPr/>
+        </p:nvCxnSpPr>
+        <p:spPr>
+          <a:xfrm>
+            <a:off x="3146808" y="1984545"/>
+            <a:ext cx="0" cy="1410961"/>
+          </a:xfrm>
+          <a:prstGeom prst="straightConnector1">
+            <a:avLst/>
+          </a:prstGeom>
+          <a:ln>
+            <a:tailEnd type="triangle"/>
+          </a:ln>
+        </p:spPr>
+        <p:style>
+          <a:lnRef idx="2">
+            <a:schemeClr val="accent1"/>
+          </a:lnRef>
+          <a:fillRef idx="0">
+            <a:schemeClr val="accent1"/>
+          </a:fillRef>
+          <a:effectRef idx="1">
+            <a:schemeClr val="accent1"/>
+          </a:effectRef>
+          <a:fontRef idx="minor">
+            <a:schemeClr val="tx1"/>
+          </a:fontRef>
+        </p:style>
+      </p:cxnSp>
+      <p:sp>
+        <p:nvSpPr>
+          <p:cNvPr id="84" name="Rectangle 83">
+            <a:extLst>
+              <a:ext uri="{FF2B5EF4-FFF2-40B4-BE49-F238E27FC236}">
+                <a16:creationId xmlns:a16="http://schemas.microsoft.com/office/drawing/2014/main" id="{C43113BC-932E-4CD9-7A76-9E73D9F4B18F}"/>
+              </a:ext>
+            </a:extLst>
+          </p:cNvPr>
+          <p:cNvSpPr/>
+          <p:nvPr/>
+        </p:nvSpPr>
+        <p:spPr>
+          <a:xfrm>
+            <a:off x="9912697" y="2350581"/>
+            <a:ext cx="881744" cy="280929"/>
+          </a:xfrm>
+          <a:prstGeom prst="rect">
+            <a:avLst/>
+          </a:prstGeom>
+          <a:noFill/>
+          <a:ln>
+            <a:solidFill>
+              <a:schemeClr val="tx1"/>
+            </a:solidFill>
+          </a:ln>
+        </p:spPr>
+        <p:style>
+          <a:lnRef idx="2">
+            <a:schemeClr val="accent1">
+              <a:shade val="15000"/>
+            </a:schemeClr>
+          </a:lnRef>
+          <a:fillRef idx="1">
+            <a:schemeClr val="accent1"/>
+          </a:fillRef>
+          <a:effectRef idx="0">
+            <a:schemeClr val="accent1"/>
+          </a:effectRef>
+          <a:fontRef idx="minor">
+            <a:schemeClr val="lt1"/>
+          </a:fontRef>
+        </p:style>
+        <p:txBody>
+          <a:bodyPr rtlCol="0" anchor="t"/>
+          <a:lstStyle/>
+          <a:p>
+            <a:r>
+              <a:rPr lang="en-US" sz="800" b="1" u="sng" dirty="0">
+                <a:solidFill>
+                  <a:schemeClr val="tx1"/>
+                </a:solidFill>
+                <a:latin typeface="Times New Roman" panose="02020603050405020304" pitchFamily="18" charset="0"/>
+                <a:cs typeface="Times New Roman" panose="02020603050405020304" pitchFamily="18" charset="0"/>
+              </a:rPr>
+              <a:t>SV State (t0)</a:t>
+            </a:r>
+          </a:p>
+        </p:txBody>
+      </p:sp>
+      <p:sp>
+        <p:nvSpPr>
+          <p:cNvPr id="85" name="Rectangle 84">
+            <a:extLst>
+              <a:ext uri="{FF2B5EF4-FFF2-40B4-BE49-F238E27FC236}">
+                <a16:creationId xmlns:a16="http://schemas.microsoft.com/office/drawing/2014/main" id="{B58260E4-F794-C64F-7AC5-851613E2C41B}"/>
+              </a:ext>
+            </a:extLst>
+          </p:cNvPr>
+          <p:cNvSpPr/>
+          <p:nvPr/>
+        </p:nvSpPr>
+        <p:spPr>
+          <a:xfrm>
+            <a:off x="6366466" y="2350581"/>
+            <a:ext cx="881744" cy="280929"/>
+          </a:xfrm>
+          <a:prstGeom prst="rect">
+            <a:avLst/>
+          </a:prstGeom>
+          <a:noFill/>
+          <a:ln>
+            <a:solidFill>
+              <a:schemeClr val="tx1"/>
+            </a:solidFill>
+          </a:ln>
+        </p:spPr>
+        <p:style>
+          <a:lnRef idx="2">
+            <a:schemeClr val="accent1">
+              <a:shade val="15000"/>
+            </a:schemeClr>
+          </a:lnRef>
+          <a:fillRef idx="1">
+            <a:schemeClr val="accent1"/>
+          </a:fillRef>
+          <a:effectRef idx="0">
+            <a:schemeClr val="accent1"/>
+          </a:effectRef>
+          <a:fontRef idx="minor">
+            <a:schemeClr val="lt1"/>
+          </a:fontRef>
+        </p:style>
+        <p:txBody>
+          <a:bodyPr rtlCol="0" anchor="t"/>
+          <a:lstStyle/>
+          <a:p>
+            <a:r>
+              <a:rPr lang="en-US" sz="800" b="1" u="sng" dirty="0">
+                <a:solidFill>
+                  <a:schemeClr val="tx1"/>
+                </a:solidFill>
+                <a:latin typeface="Times New Roman" panose="02020603050405020304" pitchFamily="18" charset="0"/>
+                <a:cs typeface="Times New Roman" panose="02020603050405020304" pitchFamily="18" charset="0"/>
+              </a:rPr>
+              <a:t>Moon State (t0)</a:t>
+            </a:r>
+          </a:p>
+        </p:txBody>
+      </p:sp>
+      <p:sp>
+        <p:nvSpPr>
+          <p:cNvPr id="86" name="Rectangle 85">
+            <a:extLst>
+              <a:ext uri="{FF2B5EF4-FFF2-40B4-BE49-F238E27FC236}">
+                <a16:creationId xmlns:a16="http://schemas.microsoft.com/office/drawing/2014/main" id="{D8E59AC2-7BF9-2418-C1CC-258919DCF887}"/>
+              </a:ext>
+            </a:extLst>
+          </p:cNvPr>
+          <p:cNvSpPr/>
+          <p:nvPr/>
+        </p:nvSpPr>
+        <p:spPr>
+          <a:xfrm>
+            <a:off x="3287484" y="2350581"/>
+            <a:ext cx="881744" cy="280929"/>
+          </a:xfrm>
+          <a:prstGeom prst="rect">
+            <a:avLst/>
+          </a:prstGeom>
+          <a:noFill/>
+          <a:ln>
+            <a:solidFill>
+              <a:schemeClr val="tx1"/>
+            </a:solidFill>
+          </a:ln>
+        </p:spPr>
+        <p:style>
+          <a:lnRef idx="2">
+            <a:schemeClr val="accent1">
+              <a:shade val="15000"/>
+            </a:schemeClr>
+          </a:lnRef>
+          <a:fillRef idx="1">
+            <a:schemeClr val="accent1"/>
+          </a:fillRef>
+          <a:effectRef idx="0">
+            <a:schemeClr val="accent1"/>
+          </a:effectRef>
+          <a:fontRef idx="minor">
+            <a:schemeClr val="lt1"/>
+          </a:fontRef>
+        </p:style>
+        <p:txBody>
+          <a:bodyPr rtlCol="0" anchor="t"/>
+          <a:lstStyle/>
+          <a:p>
+            <a:r>
+              <a:rPr lang="en-US" sz="800" b="1" u="sng" dirty="0">
+                <a:solidFill>
+                  <a:schemeClr val="tx1"/>
+                </a:solidFill>
+                <a:latin typeface="Times New Roman" panose="02020603050405020304" pitchFamily="18" charset="0"/>
+                <a:cs typeface="Times New Roman" panose="02020603050405020304" pitchFamily="18" charset="0"/>
+              </a:rPr>
+              <a:t>Earth State (t0)</a:t>
+            </a:r>
+          </a:p>
+        </p:txBody>
+      </p:sp>
+      <p:cxnSp>
+        <p:nvCxnSpPr>
+          <p:cNvPr id="87" name="Straight Arrow Connector 86">
+            <a:extLst>
+              <a:ext uri="{FF2B5EF4-FFF2-40B4-BE49-F238E27FC236}">
+                <a16:creationId xmlns:a16="http://schemas.microsoft.com/office/drawing/2014/main" id="{2954B215-3940-35CE-D9D0-F0EA9DDD90F9}"/>
+              </a:ext>
+            </a:extLst>
+          </p:cNvPr>
+          <p:cNvCxnSpPr>
+            <a:cxnSpLocks/>
+            <a:stCxn id="32" idx="3"/>
+            <a:endCxn id="33" idx="1"/>
+          </p:cNvCxnSpPr>
+          <p:nvPr/>
+        </p:nvCxnSpPr>
+        <p:spPr>
+          <a:xfrm>
+            <a:off x="7140190" y="3630805"/>
+            <a:ext cx="1717431" cy="0"/>
+          </a:xfrm>
+          <a:prstGeom prst="straightConnector1">
+            <a:avLst/>
+          </a:prstGeom>
+          <a:ln>
+            <a:tailEnd type="triangle"/>
+          </a:ln>
+        </p:spPr>
+        <p:style>
+          <a:lnRef idx="2">
+            <a:schemeClr val="accent1"/>
+          </a:lnRef>
+          <a:fillRef idx="0">
+            <a:schemeClr val="accent1"/>
+          </a:fillRef>
+          <a:effectRef idx="1">
+            <a:schemeClr val="accent1"/>
+          </a:effectRef>
+          <a:fontRef idx="minor">
+            <a:schemeClr val="tx1"/>
+          </a:fontRef>
+        </p:style>
+      </p:cxnSp>
+      <p:sp>
+        <p:nvSpPr>
+          <p:cNvPr id="90" name="Rectangle 89">
+            <a:extLst>
+              <a:ext uri="{FF2B5EF4-FFF2-40B4-BE49-F238E27FC236}">
+                <a16:creationId xmlns:a16="http://schemas.microsoft.com/office/drawing/2014/main" id="{E7F54B7C-D541-6F20-205D-A9EA2262F22A}"/>
+              </a:ext>
+            </a:extLst>
+          </p:cNvPr>
+          <p:cNvSpPr/>
+          <p:nvPr/>
+        </p:nvSpPr>
+        <p:spPr>
+          <a:xfrm>
+            <a:off x="7502349" y="3255041"/>
+            <a:ext cx="881744" cy="280929"/>
+          </a:xfrm>
+          <a:prstGeom prst="rect">
+            <a:avLst/>
+          </a:prstGeom>
+          <a:noFill/>
+          <a:ln>
+            <a:solidFill>
+              <a:schemeClr val="tx1"/>
+            </a:solidFill>
+          </a:ln>
+        </p:spPr>
+        <p:style>
+          <a:lnRef idx="2">
+            <a:schemeClr val="accent1">
+              <a:shade val="15000"/>
+            </a:schemeClr>
+          </a:lnRef>
+          <a:fillRef idx="1">
+            <a:schemeClr val="accent1"/>
+          </a:fillRef>
+          <a:effectRef idx="0">
+            <a:schemeClr val="accent1"/>
+          </a:effectRef>
+          <a:fontRef idx="minor">
+            <a:schemeClr val="lt1"/>
+          </a:fontRef>
+        </p:style>
+        <p:txBody>
+          <a:bodyPr rtlCol="0" anchor="t"/>
+          <a:lstStyle/>
+          <a:p>
+            <a:r>
+              <a:rPr lang="en-US" sz="800" b="1" u="sng" dirty="0">
+                <a:solidFill>
+                  <a:schemeClr val="tx1"/>
+                </a:solidFill>
+                <a:latin typeface="Times New Roman" panose="02020603050405020304" pitchFamily="18" charset="0"/>
+                <a:cs typeface="Times New Roman" panose="02020603050405020304" pitchFamily="18" charset="0"/>
+              </a:rPr>
+              <a:t>Moon State (t1)</a:t>
+            </a:r>
+          </a:p>
+        </p:txBody>
+      </p:sp>
+      <p:cxnSp>
+        <p:nvCxnSpPr>
+          <p:cNvPr id="91" name="Straight Arrow Connector 90">
+            <a:extLst>
+              <a:ext uri="{FF2B5EF4-FFF2-40B4-BE49-F238E27FC236}">
+                <a16:creationId xmlns:a16="http://schemas.microsoft.com/office/drawing/2014/main" id="{015A268B-6F9F-A9DA-BF54-D554A5F938B6}"/>
+              </a:ext>
+            </a:extLst>
+          </p:cNvPr>
+          <p:cNvCxnSpPr>
+            <a:cxnSpLocks/>
+            <a:stCxn id="33" idx="2"/>
+          </p:cNvCxnSpPr>
+          <p:nvPr/>
+        </p:nvCxnSpPr>
+        <p:spPr>
+          <a:xfrm>
+            <a:off x="9772021" y="3866103"/>
+            <a:ext cx="0" cy="940364"/>
+          </a:xfrm>
+          <a:prstGeom prst="straightConnector1">
+            <a:avLst/>
+          </a:prstGeom>
+          <a:ln>
+            <a:tailEnd type="triangle"/>
+          </a:ln>
+        </p:spPr>
+        <p:style>
+          <a:lnRef idx="2">
+            <a:schemeClr val="accent1"/>
+          </a:lnRef>
+          <a:fillRef idx="0">
+            <a:schemeClr val="accent1"/>
+          </a:fillRef>
+          <a:effectRef idx="1">
+            <a:schemeClr val="accent1"/>
+          </a:effectRef>
+          <a:fontRef idx="minor">
+            <a:schemeClr val="tx1"/>
+          </a:fontRef>
+        </p:style>
+      </p:cxnSp>
+      <p:cxnSp>
+        <p:nvCxnSpPr>
+          <p:cNvPr id="94" name="Straight Arrow Connector 93">
+            <a:extLst>
+              <a:ext uri="{FF2B5EF4-FFF2-40B4-BE49-F238E27FC236}">
+                <a16:creationId xmlns:a16="http://schemas.microsoft.com/office/drawing/2014/main" id="{3726DF94-FDE4-E22B-BAC9-684FCBFB4696}"/>
+              </a:ext>
+            </a:extLst>
+          </p:cNvPr>
+          <p:cNvCxnSpPr>
+            <a:cxnSpLocks/>
+            <a:stCxn id="32" idx="2"/>
+          </p:cNvCxnSpPr>
+          <p:nvPr/>
+        </p:nvCxnSpPr>
+        <p:spPr>
+          <a:xfrm>
+            <a:off x="6225790" y="3866103"/>
+            <a:ext cx="0" cy="872537"/>
+          </a:xfrm>
+          <a:prstGeom prst="straightConnector1">
+            <a:avLst/>
+          </a:prstGeom>
+          <a:ln>
+            <a:tailEnd type="triangle"/>
+          </a:ln>
+        </p:spPr>
+        <p:style>
+          <a:lnRef idx="2">
+            <a:schemeClr val="accent1"/>
+          </a:lnRef>
+          <a:fillRef idx="0">
+            <a:schemeClr val="accent1"/>
+          </a:fillRef>
+          <a:effectRef idx="1">
+            <a:schemeClr val="accent1"/>
+          </a:effectRef>
+          <a:fontRef idx="minor">
+            <a:schemeClr val="tx1"/>
+          </a:fontRef>
+        </p:style>
+      </p:cxnSp>
+      <p:cxnSp>
+        <p:nvCxnSpPr>
+          <p:cNvPr id="97" name="Straight Arrow Connector 96">
+            <a:extLst>
+              <a:ext uri="{FF2B5EF4-FFF2-40B4-BE49-F238E27FC236}">
+                <a16:creationId xmlns:a16="http://schemas.microsoft.com/office/drawing/2014/main" id="{4B3BC862-EDF2-B543-FEDB-E48532F108CF}"/>
+              </a:ext>
+            </a:extLst>
+          </p:cNvPr>
+          <p:cNvCxnSpPr>
+            <a:cxnSpLocks/>
+            <a:stCxn id="31" idx="2"/>
+          </p:cNvCxnSpPr>
+          <p:nvPr/>
+        </p:nvCxnSpPr>
+        <p:spPr>
+          <a:xfrm>
+            <a:off x="3146808" y="3866103"/>
+            <a:ext cx="0" cy="940364"/>
+          </a:xfrm>
+          <a:prstGeom prst="straightConnector1">
+            <a:avLst/>
+          </a:prstGeom>
+          <a:ln>
+            <a:tailEnd type="triangle"/>
+          </a:ln>
+        </p:spPr>
+        <p:style>
+          <a:lnRef idx="2">
+            <a:schemeClr val="accent1"/>
+          </a:lnRef>
+          <a:fillRef idx="0">
+            <a:schemeClr val="accent1"/>
+          </a:fillRef>
+          <a:effectRef idx="1">
+            <a:schemeClr val="accent1"/>
+          </a:effectRef>
+          <a:fontRef idx="minor">
+            <a:schemeClr val="tx1"/>
+          </a:fontRef>
+        </p:style>
+      </p:cxnSp>
+      <p:sp>
+        <p:nvSpPr>
+          <p:cNvPr id="100" name="Rectangle 99">
+            <a:extLst>
+              <a:ext uri="{FF2B5EF4-FFF2-40B4-BE49-F238E27FC236}">
+                <a16:creationId xmlns:a16="http://schemas.microsoft.com/office/drawing/2014/main" id="{2E7DCC60-CF88-3BC1-0ED7-8021D41C762A}"/>
+              </a:ext>
+            </a:extLst>
+          </p:cNvPr>
+          <p:cNvSpPr/>
+          <p:nvPr/>
+        </p:nvSpPr>
+        <p:spPr>
+          <a:xfrm>
+            <a:off x="9912697" y="4164312"/>
+            <a:ext cx="881744" cy="280929"/>
+          </a:xfrm>
+          <a:prstGeom prst="rect">
+            <a:avLst/>
+          </a:prstGeom>
+          <a:noFill/>
+          <a:ln>
+            <a:solidFill>
+              <a:schemeClr val="tx1"/>
+            </a:solidFill>
+          </a:ln>
+        </p:spPr>
+        <p:style>
+          <a:lnRef idx="2">
+            <a:schemeClr val="accent1">
+              <a:shade val="15000"/>
+            </a:schemeClr>
+          </a:lnRef>
+          <a:fillRef idx="1">
+            <a:schemeClr val="accent1"/>
+          </a:fillRef>
+          <a:effectRef idx="0">
+            <a:schemeClr val="accent1"/>
+          </a:effectRef>
+          <a:fontRef idx="minor">
+            <a:schemeClr val="lt1"/>
+          </a:fontRef>
+        </p:style>
+        <p:txBody>
+          <a:bodyPr rtlCol="0" anchor="t"/>
+          <a:lstStyle/>
+          <a:p>
+            <a:r>
+              <a:rPr lang="en-US" sz="800" b="1" u="sng" dirty="0">
+                <a:solidFill>
+                  <a:schemeClr val="tx1"/>
+                </a:solidFill>
+                <a:latin typeface="Times New Roman" panose="02020603050405020304" pitchFamily="18" charset="0"/>
+                <a:cs typeface="Times New Roman" panose="02020603050405020304" pitchFamily="18" charset="0"/>
+              </a:rPr>
+              <a:t>SV State (t1)</a:t>
+            </a:r>
+          </a:p>
+        </p:txBody>
+      </p:sp>
+      <p:sp>
+        <p:nvSpPr>
+          <p:cNvPr id="101" name="Rectangle 100">
+            <a:extLst>
+              <a:ext uri="{FF2B5EF4-FFF2-40B4-BE49-F238E27FC236}">
+                <a16:creationId xmlns:a16="http://schemas.microsoft.com/office/drawing/2014/main" id="{90DCAC39-D0B7-02D8-5C34-54BD651A4F88}"/>
+              </a:ext>
+            </a:extLst>
+          </p:cNvPr>
+          <p:cNvSpPr/>
+          <p:nvPr/>
+        </p:nvSpPr>
+        <p:spPr>
+          <a:xfrm>
+            <a:off x="6366466" y="4164312"/>
+            <a:ext cx="881744" cy="280929"/>
+          </a:xfrm>
+          <a:prstGeom prst="rect">
+            <a:avLst/>
+          </a:prstGeom>
+          <a:noFill/>
+          <a:ln>
+            <a:solidFill>
+              <a:schemeClr val="tx1"/>
+            </a:solidFill>
+          </a:ln>
+        </p:spPr>
+        <p:style>
+          <a:lnRef idx="2">
+            <a:schemeClr val="accent1">
+              <a:shade val="15000"/>
+            </a:schemeClr>
+          </a:lnRef>
+          <a:fillRef idx="1">
+            <a:schemeClr val="accent1"/>
+          </a:fillRef>
+          <a:effectRef idx="0">
+            <a:schemeClr val="accent1"/>
+          </a:effectRef>
+          <a:fontRef idx="minor">
+            <a:schemeClr val="lt1"/>
+          </a:fontRef>
+        </p:style>
+        <p:txBody>
+          <a:bodyPr rtlCol="0" anchor="t"/>
+          <a:lstStyle/>
+          <a:p>
+            <a:r>
+              <a:rPr lang="en-US" sz="800" b="1" u="sng" dirty="0">
+                <a:solidFill>
+                  <a:schemeClr val="tx1"/>
+                </a:solidFill>
+                <a:latin typeface="Times New Roman" panose="02020603050405020304" pitchFamily="18" charset="0"/>
+                <a:cs typeface="Times New Roman" panose="02020603050405020304" pitchFamily="18" charset="0"/>
+              </a:rPr>
+              <a:t>Moon State (t1)</a:t>
+            </a:r>
+          </a:p>
+        </p:txBody>
+      </p:sp>
+      <p:sp>
+        <p:nvSpPr>
+          <p:cNvPr id="102" name="Rectangle 101">
+            <a:extLst>
+              <a:ext uri="{FF2B5EF4-FFF2-40B4-BE49-F238E27FC236}">
+                <a16:creationId xmlns:a16="http://schemas.microsoft.com/office/drawing/2014/main" id="{EE417993-45F5-E0CE-8A35-99A8CF1BF17F}"/>
+              </a:ext>
+            </a:extLst>
+          </p:cNvPr>
+          <p:cNvSpPr/>
+          <p:nvPr/>
+        </p:nvSpPr>
+        <p:spPr>
+          <a:xfrm>
+            <a:off x="3287484" y="4164312"/>
+            <a:ext cx="881744" cy="280929"/>
+          </a:xfrm>
+          <a:prstGeom prst="rect">
+            <a:avLst/>
+          </a:prstGeom>
+          <a:noFill/>
+          <a:ln>
+            <a:solidFill>
+              <a:schemeClr val="tx1"/>
+            </a:solidFill>
+          </a:ln>
+        </p:spPr>
+        <p:style>
+          <a:lnRef idx="2">
+            <a:schemeClr val="accent1">
+              <a:shade val="15000"/>
+            </a:schemeClr>
+          </a:lnRef>
+          <a:fillRef idx="1">
+            <a:schemeClr val="accent1"/>
+          </a:fillRef>
+          <a:effectRef idx="0">
+            <a:schemeClr val="accent1"/>
+          </a:effectRef>
+          <a:fontRef idx="minor">
+            <a:schemeClr val="lt1"/>
+          </a:fontRef>
+        </p:style>
+        <p:txBody>
+          <a:bodyPr rtlCol="0" anchor="t"/>
+          <a:lstStyle/>
+          <a:p>
+            <a:r>
+              <a:rPr lang="en-US" sz="800" b="1" u="sng" dirty="0">
+                <a:solidFill>
+                  <a:schemeClr val="tx1"/>
+                </a:solidFill>
+                <a:latin typeface="Times New Roman" panose="02020603050405020304" pitchFamily="18" charset="0"/>
+                <a:cs typeface="Times New Roman" panose="02020603050405020304" pitchFamily="18" charset="0"/>
+              </a:rPr>
+              <a:t>Earth State (t1)</a:t>
+            </a:r>
+          </a:p>
+        </p:txBody>
+      </p:sp>
+    </p:spTree>
+    <p:extLst>
+      <p:ext uri="{BB962C8B-B14F-4D97-AF65-F5344CB8AC3E}">
+        <p14:creationId xmlns:p14="http://schemas.microsoft.com/office/powerpoint/2010/main" val="1634378114"/>
+      </p:ext>
+    </p:extLst>
+  </p:cSld>
+  <p:clrMapOvr>
+    <a:masterClrMapping/>
+  </p:clrMapOvr>
+</p:sld>
+</file>
+
+<file path=ppt/slides/slide5.xml><?xml version="1.0" encoding="utf-8"?>
+<p:sld xmlns:a="http://schemas.openxmlformats.org/drawingml/2006/main" xmlns:r="http://schemas.openxmlformats.org/officeDocument/2006/relationships" xmlns:p="http://schemas.openxmlformats.org/presentationml/2006/main">
+  <p:cSld>
+    <p:spTree>
+      <p:nvGrpSpPr>
+        <p:cNvPr id="1" name=""/>
+        <p:cNvGrpSpPr/>
+        <p:nvPr/>
+      </p:nvGrpSpPr>
+      <p:grpSpPr>
+        <a:xfrm>
+          <a:off x="0" y="0"/>
+          <a:ext cx="0" cy="0"/>
+          <a:chOff x="0" y="0"/>
+          <a:chExt cx="0" cy="0"/>
+        </a:xfrm>
+      </p:grpSpPr>
+      <p:sp>
+        <p:nvSpPr>
+          <p:cNvPr id="2" name="Rectangle 1">
+            <a:extLst>
+              <a:ext uri="{FF2B5EF4-FFF2-40B4-BE49-F238E27FC236}">
+                <a16:creationId xmlns:a16="http://schemas.microsoft.com/office/drawing/2014/main" id="{30D7FC20-7498-07D5-AE13-0C7ECB58EB4F}"/>
+              </a:ext>
+            </a:extLst>
+          </p:cNvPr>
+          <p:cNvSpPr/>
+          <p:nvPr/>
+        </p:nvSpPr>
+        <p:spPr>
+          <a:xfrm>
+            <a:off x="2351099" y="162098"/>
+            <a:ext cx="1920240" cy="1737360"/>
+          </a:xfrm>
+          <a:prstGeom prst="rect">
+            <a:avLst/>
+          </a:prstGeom>
+          <a:noFill/>
+          <a:ln>
+            <a:solidFill>
+              <a:schemeClr val="tx1"/>
+            </a:solidFill>
+          </a:ln>
+        </p:spPr>
+        <p:style>
+          <a:lnRef idx="2">
+            <a:schemeClr val="accent1">
+              <a:shade val="15000"/>
+            </a:schemeClr>
+          </a:lnRef>
+          <a:fillRef idx="1">
+            <a:schemeClr val="accent1"/>
+          </a:fillRef>
+          <a:effectRef idx="0">
+            <a:schemeClr val="accent1"/>
+          </a:effectRef>
+          <a:fontRef idx="minor">
+            <a:schemeClr val="lt1"/>
+          </a:fontRef>
+        </p:style>
+        <p:txBody>
+          <a:bodyPr rtlCol="0" anchor="t"/>
+          <a:lstStyle/>
+          <a:p>
+            <a:r>
+              <a:rPr lang="en-US" sz="600" b="1" u="sng" dirty="0">
+                <a:solidFill>
+                  <a:schemeClr val="tx1"/>
+                </a:solidFill>
+                <a:latin typeface="Times New Roman" panose="02020603050405020304" pitchFamily="18" charset="0"/>
+                <a:cs typeface="Times New Roman" panose="02020603050405020304" pitchFamily="18" charset="0"/>
+              </a:rPr>
+              <a:t>Body 1</a:t>
+            </a:r>
+          </a:p>
+          <a:p>
+            <a:endParaRPr lang="en-US" sz="600" b="1" u="sng" dirty="0">
+              <a:solidFill>
+                <a:schemeClr val="tx1"/>
+              </a:solidFill>
+              <a:latin typeface="Times New Roman" panose="02020603050405020304" pitchFamily="18" charset="0"/>
+              <a:cs typeface="Times New Roman" panose="02020603050405020304" pitchFamily="18" charset="0"/>
+            </a:endParaRPr>
+          </a:p>
+          <a:p>
+            <a:r>
+              <a:rPr lang="en-US" sz="600" b="1" u="sng" dirty="0">
+                <a:solidFill>
+                  <a:schemeClr val="tx1"/>
+                </a:solidFill>
+                <a:latin typeface="Times New Roman" panose="02020603050405020304" pitchFamily="18" charset="0"/>
+                <a:cs typeface="Times New Roman" panose="02020603050405020304" pitchFamily="18" charset="0"/>
+              </a:rPr>
+              <a:t>State Properties</a:t>
+            </a:r>
+          </a:p>
+          <a:p>
+            <a:r>
+              <a:rPr lang="en-US" sz="600" dirty="0" err="1">
+                <a:solidFill>
+                  <a:schemeClr val="tx1"/>
+                </a:solidFill>
+                <a:latin typeface="Times New Roman" panose="02020603050405020304" pitchFamily="18" charset="0"/>
+                <a:cs typeface="Times New Roman" panose="02020603050405020304" pitchFamily="18" charset="0"/>
+              </a:rPr>
+              <a:t>stateCurrent</a:t>
+            </a:r>
+            <a:endParaRPr lang="en-US" sz="600" dirty="0">
+              <a:solidFill>
+                <a:schemeClr val="tx1"/>
+              </a:solidFill>
+              <a:latin typeface="Times New Roman" panose="02020603050405020304" pitchFamily="18" charset="0"/>
+              <a:cs typeface="Times New Roman" panose="02020603050405020304" pitchFamily="18" charset="0"/>
+            </a:endParaRPr>
+          </a:p>
+          <a:p>
+            <a:r>
+              <a:rPr lang="en-US" sz="600" dirty="0" err="1">
+                <a:solidFill>
+                  <a:schemeClr val="tx1"/>
+                </a:solidFill>
+                <a:latin typeface="Times New Roman" panose="02020603050405020304" pitchFamily="18" charset="0"/>
+                <a:cs typeface="Times New Roman" panose="02020603050405020304" pitchFamily="18" charset="0"/>
+              </a:rPr>
+              <a:t>stateHistory</a:t>
+            </a:r>
+            <a:endParaRPr lang="en-US" sz="600" dirty="0">
+              <a:solidFill>
+                <a:schemeClr val="tx1"/>
+              </a:solidFill>
+              <a:latin typeface="Times New Roman" panose="02020603050405020304" pitchFamily="18" charset="0"/>
+              <a:cs typeface="Times New Roman" panose="02020603050405020304" pitchFamily="18" charset="0"/>
+            </a:endParaRPr>
+          </a:p>
+          <a:p>
+            <a:endParaRPr lang="en-US" sz="600" dirty="0">
+              <a:solidFill>
+                <a:schemeClr val="tx1"/>
+              </a:solidFill>
+              <a:latin typeface="Times New Roman" panose="02020603050405020304" pitchFamily="18" charset="0"/>
+              <a:cs typeface="Times New Roman" panose="02020603050405020304" pitchFamily="18" charset="0"/>
+            </a:endParaRPr>
+          </a:p>
+          <a:p>
+            <a:r>
+              <a:rPr lang="en-US" sz="600" b="1" u="sng" dirty="0">
+                <a:solidFill>
+                  <a:schemeClr val="tx1"/>
+                </a:solidFill>
+                <a:latin typeface="Times New Roman" panose="02020603050405020304" pitchFamily="18" charset="0"/>
+                <a:cs typeface="Times New Roman" panose="02020603050405020304" pitchFamily="18" charset="0"/>
+              </a:rPr>
+              <a:t>Physical Properties</a:t>
+            </a:r>
+          </a:p>
+          <a:p>
+            <a:r>
+              <a:rPr lang="en-US" sz="600" dirty="0">
+                <a:solidFill>
+                  <a:schemeClr val="tx1"/>
+                </a:solidFill>
+                <a:latin typeface="Times New Roman" panose="02020603050405020304" pitchFamily="18" charset="0"/>
+                <a:cs typeface="Times New Roman" panose="02020603050405020304" pitchFamily="18" charset="0"/>
+              </a:rPr>
+              <a:t>mass</a:t>
+            </a:r>
+          </a:p>
+          <a:p>
+            <a:r>
+              <a:rPr lang="en-US" sz="600" dirty="0">
+                <a:solidFill>
+                  <a:schemeClr val="tx1"/>
+                </a:solidFill>
+                <a:latin typeface="Times New Roman" panose="02020603050405020304" pitchFamily="18" charset="0"/>
+                <a:cs typeface="Times New Roman" panose="02020603050405020304" pitchFamily="18" charset="0"/>
+              </a:rPr>
+              <a:t>mu</a:t>
+            </a:r>
+          </a:p>
+          <a:p>
+            <a:r>
+              <a:rPr lang="en-US" sz="600" dirty="0">
+                <a:solidFill>
+                  <a:schemeClr val="tx1"/>
+                </a:solidFill>
+                <a:latin typeface="Times New Roman" panose="02020603050405020304" pitchFamily="18" charset="0"/>
+                <a:cs typeface="Times New Roman" panose="02020603050405020304" pitchFamily="18" charset="0"/>
+              </a:rPr>
+              <a:t>j2</a:t>
+            </a:r>
+          </a:p>
+          <a:p>
+            <a:r>
+              <a:rPr lang="en-US" sz="600" dirty="0">
+                <a:solidFill>
+                  <a:schemeClr val="tx1"/>
+                </a:solidFill>
+                <a:latin typeface="Times New Roman" panose="02020603050405020304" pitchFamily="18" charset="0"/>
+                <a:cs typeface="Times New Roman" panose="02020603050405020304" pitchFamily="18" charset="0"/>
+              </a:rPr>
+              <a:t>radius</a:t>
+            </a:r>
+          </a:p>
+          <a:p>
+            <a:endParaRPr lang="en-US" sz="600" dirty="0">
+              <a:solidFill>
+                <a:schemeClr val="tx1"/>
+              </a:solidFill>
+              <a:latin typeface="Times New Roman" panose="02020603050405020304" pitchFamily="18" charset="0"/>
+              <a:cs typeface="Times New Roman" panose="02020603050405020304" pitchFamily="18" charset="0"/>
+            </a:endParaRPr>
+          </a:p>
+          <a:p>
+            <a:r>
+              <a:rPr lang="en-US" sz="600" b="1" u="sng" dirty="0">
+                <a:solidFill>
+                  <a:schemeClr val="tx1"/>
+                </a:solidFill>
+                <a:latin typeface="Times New Roman" panose="02020603050405020304" pitchFamily="18" charset="0"/>
+                <a:cs typeface="Times New Roman" panose="02020603050405020304" pitchFamily="18" charset="0"/>
+              </a:rPr>
+              <a:t>Propagation Properties</a:t>
+            </a:r>
+          </a:p>
+          <a:p>
+            <a:r>
+              <a:rPr lang="en-US" sz="600" dirty="0" err="1">
+                <a:solidFill>
+                  <a:schemeClr val="tx1"/>
+                </a:solidFill>
+                <a:latin typeface="Times New Roman" panose="02020603050405020304" pitchFamily="18" charset="0"/>
+                <a:cs typeface="Times New Roman" panose="02020603050405020304" pitchFamily="18" charset="0"/>
+              </a:rPr>
+              <a:t>forceModel</a:t>
+            </a:r>
+            <a:endParaRPr lang="en-US" sz="600" dirty="0">
+              <a:solidFill>
+                <a:schemeClr val="tx1"/>
+              </a:solidFill>
+              <a:latin typeface="Times New Roman" panose="02020603050405020304" pitchFamily="18" charset="0"/>
+              <a:cs typeface="Times New Roman" panose="02020603050405020304" pitchFamily="18" charset="0"/>
+            </a:endParaRPr>
+          </a:p>
+          <a:p>
+            <a:r>
+              <a:rPr lang="en-US" sz="600" dirty="0">
+                <a:solidFill>
+                  <a:schemeClr val="tx1"/>
+                </a:solidFill>
+                <a:latin typeface="Times New Roman" panose="02020603050405020304" pitchFamily="18" charset="0"/>
+                <a:cs typeface="Times New Roman" panose="02020603050405020304" pitchFamily="18" charset="0"/>
+              </a:rPr>
+              <a:t>dynamics</a:t>
+            </a:r>
+          </a:p>
+          <a:p>
+            <a:r>
+              <a:rPr lang="en-US" sz="600" dirty="0" err="1">
+                <a:solidFill>
+                  <a:schemeClr val="tx1"/>
+                </a:solidFill>
+                <a:latin typeface="Times New Roman" panose="02020603050405020304" pitchFamily="18" charset="0"/>
+                <a:cs typeface="Times New Roman" panose="02020603050405020304" pitchFamily="18" charset="0"/>
+              </a:rPr>
+              <a:t>integratorType</a:t>
+            </a:r>
+            <a:endParaRPr lang="en-US" sz="600" dirty="0">
+              <a:solidFill>
+                <a:schemeClr val="tx1"/>
+              </a:solidFill>
+              <a:latin typeface="Times New Roman" panose="02020603050405020304" pitchFamily="18" charset="0"/>
+              <a:cs typeface="Times New Roman" panose="02020603050405020304" pitchFamily="18" charset="0"/>
+            </a:endParaRPr>
+          </a:p>
+          <a:p>
+            <a:r>
+              <a:rPr lang="en-US" sz="600" dirty="0" err="1">
+                <a:solidFill>
+                  <a:schemeClr val="tx1"/>
+                </a:solidFill>
+                <a:latin typeface="Times New Roman" panose="02020603050405020304" pitchFamily="18" charset="0"/>
+                <a:cs typeface="Times New Roman" panose="02020603050405020304" pitchFamily="18" charset="0"/>
+              </a:rPr>
+              <a:t>relTol</a:t>
+            </a:r>
+            <a:r>
+              <a:rPr lang="en-US" sz="600" dirty="0">
+                <a:solidFill>
+                  <a:schemeClr val="tx1"/>
+                </a:solidFill>
+                <a:latin typeface="Times New Roman" panose="02020603050405020304" pitchFamily="18" charset="0"/>
+                <a:cs typeface="Times New Roman" panose="02020603050405020304" pitchFamily="18" charset="0"/>
+              </a:rPr>
+              <a:t> </a:t>
+            </a:r>
+          </a:p>
+          <a:p>
+            <a:r>
+              <a:rPr lang="en-US" sz="600" dirty="0" err="1">
+                <a:solidFill>
+                  <a:schemeClr val="tx1"/>
+                </a:solidFill>
+                <a:latin typeface="Times New Roman" panose="02020603050405020304" pitchFamily="18" charset="0"/>
+                <a:cs typeface="Times New Roman" panose="02020603050405020304" pitchFamily="18" charset="0"/>
+              </a:rPr>
+              <a:t>absTol</a:t>
+            </a:r>
+            <a:endParaRPr lang="en-US" sz="600" dirty="0">
+              <a:solidFill>
+                <a:schemeClr val="tx1"/>
+              </a:solidFill>
+              <a:latin typeface="Times New Roman" panose="02020603050405020304" pitchFamily="18" charset="0"/>
+              <a:cs typeface="Times New Roman" panose="02020603050405020304" pitchFamily="18" charset="0"/>
+            </a:endParaRPr>
+          </a:p>
+          <a:p>
+            <a:endParaRPr lang="en-US" sz="600" dirty="0">
+              <a:solidFill>
+                <a:schemeClr val="tx1"/>
+              </a:solidFill>
+              <a:latin typeface="Times New Roman" panose="02020603050405020304" pitchFamily="18" charset="0"/>
+              <a:cs typeface="Times New Roman" panose="02020603050405020304" pitchFamily="18" charset="0"/>
+            </a:endParaRPr>
+          </a:p>
+          <a:p>
+            <a:endParaRPr lang="en-US" sz="600" dirty="0">
+              <a:solidFill>
+                <a:schemeClr val="tx1"/>
+              </a:solidFill>
+              <a:latin typeface="Times New Roman" panose="02020603050405020304" pitchFamily="18" charset="0"/>
+              <a:cs typeface="Times New Roman" panose="02020603050405020304" pitchFamily="18" charset="0"/>
+            </a:endParaRPr>
+          </a:p>
+          <a:p>
+            <a:endParaRPr lang="en-US" sz="600" dirty="0">
+              <a:solidFill>
+                <a:schemeClr val="tx1"/>
+              </a:solidFill>
+              <a:latin typeface="Times New Roman" panose="02020603050405020304" pitchFamily="18" charset="0"/>
+              <a:cs typeface="Times New Roman" panose="02020603050405020304" pitchFamily="18" charset="0"/>
+            </a:endParaRPr>
+          </a:p>
+          <a:p>
+            <a:endParaRPr lang="en-US" sz="600" dirty="0">
+              <a:solidFill>
+                <a:schemeClr val="tx1"/>
+              </a:solidFill>
+              <a:latin typeface="Times New Roman" panose="02020603050405020304" pitchFamily="18" charset="0"/>
+              <a:cs typeface="Times New Roman" panose="02020603050405020304" pitchFamily="18" charset="0"/>
+            </a:endParaRPr>
+          </a:p>
+          <a:p>
+            <a:endParaRPr lang="en-US" sz="600" b="1" u="sng" dirty="0">
+              <a:solidFill>
+                <a:schemeClr val="tx1"/>
+              </a:solidFill>
+              <a:latin typeface="Times New Roman" panose="02020603050405020304" pitchFamily="18" charset="0"/>
+              <a:cs typeface="Times New Roman" panose="02020603050405020304" pitchFamily="18" charset="0"/>
+            </a:endParaRPr>
+          </a:p>
+        </p:txBody>
+      </p:sp>
+      <p:sp>
+        <p:nvSpPr>
+          <p:cNvPr id="3" name="Rectangle 2">
+            <a:extLst>
+              <a:ext uri="{FF2B5EF4-FFF2-40B4-BE49-F238E27FC236}">
+                <a16:creationId xmlns:a16="http://schemas.microsoft.com/office/drawing/2014/main" id="{47C4C63E-E404-43A2-F38A-84FC38311874}"/>
+              </a:ext>
+            </a:extLst>
+          </p:cNvPr>
+          <p:cNvSpPr/>
+          <p:nvPr/>
+        </p:nvSpPr>
+        <p:spPr>
+          <a:xfrm>
+            <a:off x="7021718" y="2494037"/>
+            <a:ext cx="4099729" cy="1759298"/>
+          </a:xfrm>
+          <a:prstGeom prst="rect">
+            <a:avLst/>
+          </a:prstGeom>
+          <a:noFill/>
+          <a:ln>
+            <a:solidFill>
+              <a:schemeClr val="tx1"/>
+            </a:solidFill>
+          </a:ln>
+        </p:spPr>
+        <p:style>
+          <a:lnRef idx="2">
+            <a:schemeClr val="accent1">
+              <a:shade val="15000"/>
+            </a:schemeClr>
+          </a:lnRef>
+          <a:fillRef idx="1">
+            <a:schemeClr val="accent1"/>
+          </a:fillRef>
+          <a:effectRef idx="0">
+            <a:schemeClr val="accent1"/>
+          </a:effectRef>
+          <a:fontRef idx="minor">
+            <a:schemeClr val="lt1"/>
+          </a:fontRef>
+        </p:style>
+        <p:txBody>
+          <a:bodyPr rtlCol="0" anchor="t"/>
+          <a:lstStyle/>
+          <a:p>
+            <a:r>
+              <a:rPr lang="en-US" sz="800" b="1" u="sng" dirty="0">
+                <a:solidFill>
+                  <a:schemeClr val="tx1"/>
+                </a:solidFill>
+                <a:latin typeface="Times New Roman" panose="02020603050405020304" pitchFamily="18" charset="0"/>
+                <a:cs typeface="Times New Roman" panose="02020603050405020304" pitchFamily="18" charset="0"/>
+              </a:rPr>
+              <a:t>Propagator</a:t>
+            </a:r>
+            <a:endParaRPr lang="en-US" sz="800" dirty="0">
+              <a:solidFill>
+                <a:schemeClr val="tx1"/>
+              </a:solidFill>
+              <a:latin typeface="Times New Roman" panose="02020603050405020304" pitchFamily="18" charset="0"/>
+              <a:cs typeface="Times New Roman" panose="02020603050405020304" pitchFamily="18" charset="0"/>
+            </a:endParaRPr>
+          </a:p>
+          <a:p>
+            <a:r>
+              <a:rPr lang="en-US" sz="800" dirty="0">
+                <a:solidFill>
+                  <a:schemeClr val="tx1"/>
+                </a:solidFill>
+                <a:latin typeface="Times New Roman" panose="02020603050405020304" pitchFamily="18" charset="0"/>
+                <a:cs typeface="Times New Roman" panose="02020603050405020304" pitchFamily="18" charset="0"/>
+              </a:rPr>
+              <a:t>for time in </a:t>
+            </a:r>
+            <a:r>
+              <a:rPr lang="en-US" sz="800" dirty="0" err="1">
+                <a:solidFill>
+                  <a:schemeClr val="tx1"/>
+                </a:solidFill>
+                <a:latin typeface="Times New Roman" panose="02020603050405020304" pitchFamily="18" charset="0"/>
+                <a:cs typeface="Times New Roman" panose="02020603050405020304" pitchFamily="18" charset="0"/>
+              </a:rPr>
+              <a:t>TimeVector</a:t>
+            </a:r>
+            <a:r>
+              <a:rPr lang="en-US" sz="800" dirty="0">
+                <a:solidFill>
+                  <a:schemeClr val="tx1"/>
+                </a:solidFill>
+                <a:latin typeface="Times New Roman" panose="02020603050405020304" pitchFamily="18" charset="0"/>
+                <a:cs typeface="Times New Roman" panose="02020603050405020304" pitchFamily="18" charset="0"/>
+              </a:rPr>
+              <a:t>:</a:t>
+            </a:r>
+          </a:p>
+          <a:p>
+            <a:r>
+              <a:rPr lang="en-US" sz="800" dirty="0">
+                <a:solidFill>
+                  <a:schemeClr val="tx1"/>
+                </a:solidFill>
+                <a:latin typeface="Times New Roman" panose="02020603050405020304" pitchFamily="18" charset="0"/>
+                <a:cs typeface="Times New Roman" panose="02020603050405020304" pitchFamily="18" charset="0"/>
+              </a:rPr>
+              <a:t>  for each body in </a:t>
+            </a:r>
+            <a:r>
+              <a:rPr lang="en-US" sz="800" dirty="0" err="1">
+                <a:solidFill>
+                  <a:schemeClr val="tx1"/>
+                </a:solidFill>
+                <a:latin typeface="Times New Roman" panose="02020603050405020304" pitchFamily="18" charset="0"/>
+                <a:cs typeface="Times New Roman" panose="02020603050405020304" pitchFamily="18" charset="0"/>
+              </a:rPr>
+              <a:t>bodyList</a:t>
+            </a:r>
+            <a:r>
+              <a:rPr lang="en-US" sz="800" dirty="0">
+                <a:solidFill>
+                  <a:schemeClr val="tx1"/>
+                </a:solidFill>
+                <a:latin typeface="Times New Roman" panose="02020603050405020304" pitchFamily="18" charset="0"/>
+                <a:cs typeface="Times New Roman" panose="02020603050405020304" pitchFamily="18" charset="0"/>
+              </a:rPr>
+              <a:t>:</a:t>
+            </a:r>
+          </a:p>
+          <a:p>
+            <a:r>
+              <a:rPr lang="en-US" sz="800" dirty="0">
+                <a:solidFill>
+                  <a:schemeClr val="tx1"/>
+                </a:solidFill>
+                <a:latin typeface="Times New Roman" panose="02020603050405020304" pitchFamily="18" charset="0"/>
+                <a:cs typeface="Times New Roman" panose="02020603050405020304" pitchFamily="18" charset="0"/>
+              </a:rPr>
+              <a:t>      State = </a:t>
+            </a:r>
+            <a:r>
+              <a:rPr lang="en-US" sz="800" dirty="0" err="1">
+                <a:solidFill>
+                  <a:schemeClr val="tx1"/>
+                </a:solidFill>
+                <a:latin typeface="Times New Roman" panose="02020603050405020304" pitchFamily="18" charset="0"/>
+                <a:cs typeface="Times New Roman" panose="02020603050405020304" pitchFamily="18" charset="0"/>
+              </a:rPr>
+              <a:t>Integrator.step</a:t>
+            </a:r>
+            <a:r>
+              <a:rPr lang="en-US" sz="800" dirty="0">
+                <a:solidFill>
+                  <a:schemeClr val="tx1"/>
+                </a:solidFill>
+                <a:latin typeface="Times New Roman" panose="02020603050405020304" pitchFamily="18" charset="0"/>
+                <a:cs typeface="Times New Roman" panose="02020603050405020304" pitchFamily="18" charset="0"/>
+              </a:rPr>
+              <a:t>(</a:t>
+            </a:r>
+            <a:r>
+              <a:rPr lang="en-US" sz="800" dirty="0" err="1">
+                <a:solidFill>
+                  <a:schemeClr val="tx1"/>
+                </a:solidFill>
+                <a:latin typeface="Times New Roman" panose="02020603050405020304" pitchFamily="18" charset="0"/>
+                <a:cs typeface="Times New Roman" panose="02020603050405020304" pitchFamily="18" charset="0"/>
+              </a:rPr>
+              <a:t>deriv_func</a:t>
+            </a:r>
+            <a:r>
+              <a:rPr lang="en-US" sz="800" dirty="0">
+                <a:solidFill>
+                  <a:schemeClr val="tx1"/>
+                </a:solidFill>
+                <a:latin typeface="Times New Roman" panose="02020603050405020304" pitchFamily="18" charset="0"/>
+                <a:cs typeface="Times New Roman" panose="02020603050405020304" pitchFamily="18" charset="0"/>
+              </a:rPr>
+              <a:t> = Dynamics, </a:t>
+            </a:r>
+          </a:p>
+          <a:p>
+            <a:r>
+              <a:rPr lang="en-US" sz="800" dirty="0">
+                <a:solidFill>
+                  <a:schemeClr val="tx1"/>
+                </a:solidFill>
+                <a:latin typeface="Times New Roman" panose="02020603050405020304" pitchFamily="18" charset="0"/>
+                <a:cs typeface="Times New Roman" panose="02020603050405020304" pitchFamily="18" charset="0"/>
+              </a:rPr>
+              <a:t>                                state = State, </a:t>
+            </a:r>
+          </a:p>
+          <a:p>
+            <a:r>
+              <a:rPr lang="en-US" sz="800" dirty="0">
+                <a:solidFill>
+                  <a:schemeClr val="tx1"/>
+                </a:solidFill>
+                <a:latin typeface="Times New Roman" panose="02020603050405020304" pitchFamily="18" charset="0"/>
+                <a:cs typeface="Times New Roman" panose="02020603050405020304" pitchFamily="18" charset="0"/>
+              </a:rPr>
+              <a:t>                                time = time, </a:t>
+            </a:r>
+          </a:p>
+          <a:p>
+            <a:r>
+              <a:rPr lang="en-US" sz="800" dirty="0">
+                <a:solidFill>
+                  <a:schemeClr val="tx1"/>
+                </a:solidFill>
+                <a:latin typeface="Times New Roman" panose="02020603050405020304" pitchFamily="18" charset="0"/>
+                <a:cs typeface="Times New Roman" panose="02020603050405020304" pitchFamily="18" charset="0"/>
+              </a:rPr>
+              <a:t>                                dt = </a:t>
+            </a:r>
+            <a:r>
+              <a:rPr lang="en-US" sz="800" dirty="0" err="1">
+                <a:solidFill>
+                  <a:schemeClr val="tx1"/>
+                </a:solidFill>
+                <a:latin typeface="Times New Roman" panose="02020603050405020304" pitchFamily="18" charset="0"/>
+                <a:cs typeface="Times New Roman" panose="02020603050405020304" pitchFamily="18" charset="0"/>
+              </a:rPr>
+              <a:t>TimeElement.timeStep</a:t>
+            </a:r>
+            <a:r>
+              <a:rPr lang="en-US" sz="800" dirty="0">
+                <a:solidFill>
+                  <a:schemeClr val="tx1"/>
+                </a:solidFill>
+                <a:latin typeface="Times New Roman" panose="02020603050405020304" pitchFamily="18" charset="0"/>
+                <a:cs typeface="Times New Roman" panose="02020603050405020304" pitchFamily="18" charset="0"/>
+              </a:rPr>
+              <a:t>)</a:t>
+            </a:r>
+          </a:p>
+          <a:p>
+            <a:r>
+              <a:rPr lang="en-US" sz="800" dirty="0">
+                <a:solidFill>
+                  <a:schemeClr val="tx1"/>
+                </a:solidFill>
+                <a:latin typeface="Times New Roman" panose="02020603050405020304" pitchFamily="18" charset="0"/>
+                <a:cs typeface="Times New Roman" panose="02020603050405020304" pitchFamily="18" charset="0"/>
+              </a:rPr>
+              <a:t>        </a:t>
+            </a:r>
+            <a:r>
+              <a:rPr lang="en-US" sz="800" dirty="0" err="1">
+                <a:solidFill>
+                  <a:schemeClr val="tx1"/>
+                </a:solidFill>
+                <a:latin typeface="Times New Roman" panose="02020603050405020304" pitchFamily="18" charset="0"/>
+                <a:cs typeface="Times New Roman" panose="02020603050405020304" pitchFamily="18" charset="0"/>
+              </a:rPr>
+              <a:t>state_history</a:t>
+            </a:r>
+            <a:r>
+              <a:rPr lang="en-US" sz="800" dirty="0">
+                <a:solidFill>
+                  <a:schemeClr val="tx1"/>
+                </a:solidFill>
+                <a:latin typeface="Times New Roman" panose="02020603050405020304" pitchFamily="18" charset="0"/>
+                <a:cs typeface="Times New Roman" panose="02020603050405020304" pitchFamily="18" charset="0"/>
+              </a:rPr>
+              <a:t> = </a:t>
+            </a:r>
+            <a:r>
+              <a:rPr lang="en-US" sz="800" dirty="0" err="1">
+                <a:solidFill>
+                  <a:schemeClr val="tx1"/>
+                </a:solidFill>
+                <a:latin typeface="Times New Roman" panose="02020603050405020304" pitchFamily="18" charset="0"/>
+                <a:cs typeface="Times New Roman" panose="02020603050405020304" pitchFamily="18" charset="0"/>
+              </a:rPr>
+              <a:t>np.vstack</a:t>
+            </a:r>
+            <a:r>
+              <a:rPr lang="en-US" sz="800" dirty="0">
+                <a:solidFill>
+                  <a:schemeClr val="tx1"/>
+                </a:solidFill>
+                <a:latin typeface="Times New Roman" panose="02020603050405020304" pitchFamily="18" charset="0"/>
+                <a:cs typeface="Times New Roman" panose="02020603050405020304" pitchFamily="18" charset="0"/>
+              </a:rPr>
+              <a:t>((</a:t>
+            </a:r>
+            <a:r>
+              <a:rPr lang="en-US" sz="800" dirty="0" err="1">
+                <a:solidFill>
+                  <a:schemeClr val="tx1"/>
+                </a:solidFill>
+                <a:latin typeface="Times New Roman" panose="02020603050405020304" pitchFamily="18" charset="0"/>
+                <a:cs typeface="Times New Roman" panose="02020603050405020304" pitchFamily="18" charset="0"/>
+              </a:rPr>
+              <a:t>state_history</a:t>
+            </a:r>
+            <a:r>
+              <a:rPr lang="en-US" sz="800" dirty="0">
+                <a:solidFill>
+                  <a:schemeClr val="tx1"/>
+                </a:solidFill>
+                <a:latin typeface="Times New Roman" panose="02020603050405020304" pitchFamily="18" charset="0"/>
+                <a:cs typeface="Times New Roman" panose="02020603050405020304" pitchFamily="18" charset="0"/>
+              </a:rPr>
+              <a:t>, State))</a:t>
+            </a:r>
+          </a:p>
+          <a:p>
+            <a:endParaRPr lang="en-US" sz="800" dirty="0">
+              <a:solidFill>
+                <a:schemeClr val="tx1"/>
+              </a:solidFill>
+              <a:latin typeface="Times New Roman" panose="02020603050405020304" pitchFamily="18" charset="0"/>
+              <a:cs typeface="Times New Roman" panose="02020603050405020304" pitchFamily="18" charset="0"/>
+            </a:endParaRPr>
+          </a:p>
+          <a:p>
+            <a:endParaRPr lang="en-US" sz="800" b="1" u="sng" dirty="0">
+              <a:solidFill>
+                <a:schemeClr val="tx1"/>
+              </a:solidFill>
+              <a:latin typeface="Times New Roman" panose="02020603050405020304" pitchFamily="18" charset="0"/>
+              <a:cs typeface="Times New Roman" panose="02020603050405020304" pitchFamily="18" charset="0"/>
+            </a:endParaRPr>
+          </a:p>
+        </p:txBody>
+      </p:sp>
+      <p:sp>
+        <p:nvSpPr>
+          <p:cNvPr id="4" name="Rectangle 3">
+            <a:extLst>
+              <a:ext uri="{FF2B5EF4-FFF2-40B4-BE49-F238E27FC236}">
+                <a16:creationId xmlns:a16="http://schemas.microsoft.com/office/drawing/2014/main" id="{8CF77BC4-9D81-A369-0895-C3D10B8A550A}"/>
+              </a:ext>
+            </a:extLst>
+          </p:cNvPr>
+          <p:cNvSpPr/>
+          <p:nvPr/>
+        </p:nvSpPr>
+        <p:spPr>
+          <a:xfrm>
+            <a:off x="2351099" y="2505006"/>
+            <a:ext cx="1920240" cy="1737360"/>
+          </a:xfrm>
+          <a:prstGeom prst="rect">
+            <a:avLst/>
+          </a:prstGeom>
+          <a:noFill/>
+          <a:ln>
+            <a:solidFill>
+              <a:schemeClr val="tx1"/>
+            </a:solidFill>
+          </a:ln>
+        </p:spPr>
+        <p:style>
+          <a:lnRef idx="2">
+            <a:schemeClr val="accent1">
+              <a:shade val="15000"/>
+            </a:schemeClr>
+          </a:lnRef>
+          <a:fillRef idx="1">
+            <a:schemeClr val="accent1"/>
+          </a:fillRef>
+          <a:effectRef idx="0">
+            <a:schemeClr val="accent1"/>
+          </a:effectRef>
+          <a:fontRef idx="minor">
+            <a:schemeClr val="lt1"/>
+          </a:fontRef>
+        </p:style>
+        <p:txBody>
+          <a:bodyPr rtlCol="0" anchor="t"/>
+          <a:lstStyle/>
+          <a:p>
+            <a:r>
+              <a:rPr lang="en-US" sz="600" b="1" u="sng" dirty="0">
+                <a:solidFill>
+                  <a:schemeClr val="tx1"/>
+                </a:solidFill>
+                <a:latin typeface="Times New Roman" panose="02020603050405020304" pitchFamily="18" charset="0"/>
+                <a:cs typeface="Times New Roman" panose="02020603050405020304" pitchFamily="18" charset="0"/>
+              </a:rPr>
+              <a:t>Body 2</a:t>
+            </a:r>
+          </a:p>
+          <a:p>
+            <a:r>
+              <a:rPr lang="en-US" sz="600" b="1" u="sng" dirty="0">
+                <a:solidFill>
+                  <a:schemeClr val="tx1"/>
+                </a:solidFill>
+                <a:latin typeface="Times New Roman" panose="02020603050405020304" pitchFamily="18" charset="0"/>
+                <a:cs typeface="Times New Roman" panose="02020603050405020304" pitchFamily="18" charset="0"/>
+              </a:rPr>
+              <a:t>State Properties</a:t>
+            </a:r>
+          </a:p>
+          <a:p>
+            <a:r>
+              <a:rPr lang="en-US" sz="600" dirty="0" err="1">
+                <a:solidFill>
+                  <a:schemeClr val="tx1"/>
+                </a:solidFill>
+                <a:latin typeface="Times New Roman" panose="02020603050405020304" pitchFamily="18" charset="0"/>
+                <a:cs typeface="Times New Roman" panose="02020603050405020304" pitchFamily="18" charset="0"/>
+              </a:rPr>
+              <a:t>stateCurrent</a:t>
+            </a:r>
+            <a:endParaRPr lang="en-US" sz="600" dirty="0">
+              <a:solidFill>
+                <a:schemeClr val="tx1"/>
+              </a:solidFill>
+              <a:latin typeface="Times New Roman" panose="02020603050405020304" pitchFamily="18" charset="0"/>
+              <a:cs typeface="Times New Roman" panose="02020603050405020304" pitchFamily="18" charset="0"/>
+            </a:endParaRPr>
+          </a:p>
+          <a:p>
+            <a:r>
+              <a:rPr lang="en-US" sz="600" dirty="0" err="1">
+                <a:solidFill>
+                  <a:schemeClr val="tx1"/>
+                </a:solidFill>
+                <a:latin typeface="Times New Roman" panose="02020603050405020304" pitchFamily="18" charset="0"/>
+                <a:cs typeface="Times New Roman" panose="02020603050405020304" pitchFamily="18" charset="0"/>
+              </a:rPr>
+              <a:t>stateHistory</a:t>
+            </a:r>
+            <a:endParaRPr lang="en-US" sz="600" dirty="0">
+              <a:solidFill>
+                <a:schemeClr val="tx1"/>
+              </a:solidFill>
+              <a:latin typeface="Times New Roman" panose="02020603050405020304" pitchFamily="18" charset="0"/>
+              <a:cs typeface="Times New Roman" panose="02020603050405020304" pitchFamily="18" charset="0"/>
+            </a:endParaRPr>
+          </a:p>
+          <a:p>
+            <a:r>
+              <a:rPr lang="en-US" sz="600" b="1" u="sng" dirty="0">
+                <a:solidFill>
+                  <a:schemeClr val="tx1"/>
+                </a:solidFill>
+                <a:latin typeface="Times New Roman" panose="02020603050405020304" pitchFamily="18" charset="0"/>
+                <a:cs typeface="Times New Roman" panose="02020603050405020304" pitchFamily="18" charset="0"/>
+              </a:rPr>
+              <a:t>Physical Properties</a:t>
+            </a:r>
+          </a:p>
+          <a:p>
+            <a:r>
+              <a:rPr lang="en-US" sz="600" dirty="0">
+                <a:solidFill>
+                  <a:schemeClr val="tx1"/>
+                </a:solidFill>
+                <a:latin typeface="Times New Roman" panose="02020603050405020304" pitchFamily="18" charset="0"/>
+                <a:cs typeface="Times New Roman" panose="02020603050405020304" pitchFamily="18" charset="0"/>
+              </a:rPr>
+              <a:t>mass</a:t>
+            </a:r>
+          </a:p>
+          <a:p>
+            <a:r>
+              <a:rPr lang="en-US" sz="600" dirty="0">
+                <a:solidFill>
+                  <a:schemeClr val="tx1"/>
+                </a:solidFill>
+                <a:latin typeface="Times New Roman" panose="02020603050405020304" pitchFamily="18" charset="0"/>
+                <a:cs typeface="Times New Roman" panose="02020603050405020304" pitchFamily="18" charset="0"/>
+              </a:rPr>
+              <a:t>mu</a:t>
+            </a:r>
+          </a:p>
+          <a:p>
+            <a:r>
+              <a:rPr lang="en-US" sz="600" dirty="0">
+                <a:solidFill>
+                  <a:schemeClr val="tx1"/>
+                </a:solidFill>
+                <a:latin typeface="Times New Roman" panose="02020603050405020304" pitchFamily="18" charset="0"/>
+                <a:cs typeface="Times New Roman" panose="02020603050405020304" pitchFamily="18" charset="0"/>
+              </a:rPr>
+              <a:t>j2</a:t>
+            </a:r>
+          </a:p>
+          <a:p>
+            <a:r>
+              <a:rPr lang="en-US" sz="600" dirty="0">
+                <a:solidFill>
+                  <a:schemeClr val="tx1"/>
+                </a:solidFill>
+                <a:latin typeface="Times New Roman" panose="02020603050405020304" pitchFamily="18" charset="0"/>
+                <a:cs typeface="Times New Roman" panose="02020603050405020304" pitchFamily="18" charset="0"/>
+              </a:rPr>
+              <a:t>radius</a:t>
+            </a:r>
+          </a:p>
+          <a:p>
+            <a:r>
+              <a:rPr lang="en-US" sz="600" b="1" u="sng" dirty="0">
+                <a:solidFill>
+                  <a:schemeClr val="tx1"/>
+                </a:solidFill>
+                <a:latin typeface="Times New Roman" panose="02020603050405020304" pitchFamily="18" charset="0"/>
+                <a:cs typeface="Times New Roman" panose="02020603050405020304" pitchFamily="18" charset="0"/>
+              </a:rPr>
+              <a:t>Propagation Properties</a:t>
+            </a:r>
+          </a:p>
+          <a:p>
+            <a:r>
+              <a:rPr lang="en-US" sz="600" dirty="0" err="1">
+                <a:solidFill>
+                  <a:schemeClr val="tx1"/>
+                </a:solidFill>
+                <a:latin typeface="Times New Roman" panose="02020603050405020304" pitchFamily="18" charset="0"/>
+                <a:cs typeface="Times New Roman" panose="02020603050405020304" pitchFamily="18" charset="0"/>
+              </a:rPr>
+              <a:t>forceModel</a:t>
+            </a:r>
+            <a:endParaRPr lang="en-US" sz="600" dirty="0">
+              <a:solidFill>
+                <a:schemeClr val="tx1"/>
+              </a:solidFill>
+              <a:latin typeface="Times New Roman" panose="02020603050405020304" pitchFamily="18" charset="0"/>
+              <a:cs typeface="Times New Roman" panose="02020603050405020304" pitchFamily="18" charset="0"/>
+            </a:endParaRPr>
+          </a:p>
+          <a:p>
+            <a:r>
+              <a:rPr lang="en-US" sz="600" dirty="0">
+                <a:solidFill>
+                  <a:schemeClr val="tx1"/>
+                </a:solidFill>
+                <a:latin typeface="Times New Roman" panose="02020603050405020304" pitchFamily="18" charset="0"/>
+                <a:cs typeface="Times New Roman" panose="02020603050405020304" pitchFamily="18" charset="0"/>
+              </a:rPr>
+              <a:t>dynamics</a:t>
+            </a:r>
+          </a:p>
+          <a:p>
+            <a:r>
+              <a:rPr lang="en-US" sz="600" dirty="0" err="1">
+                <a:solidFill>
+                  <a:schemeClr val="tx1"/>
+                </a:solidFill>
+                <a:latin typeface="Times New Roman" panose="02020603050405020304" pitchFamily="18" charset="0"/>
+                <a:cs typeface="Times New Roman" panose="02020603050405020304" pitchFamily="18" charset="0"/>
+              </a:rPr>
+              <a:t>integratorType</a:t>
+            </a:r>
+            <a:endParaRPr lang="en-US" sz="600" dirty="0">
+              <a:solidFill>
+                <a:schemeClr val="tx1"/>
+              </a:solidFill>
+              <a:latin typeface="Times New Roman" panose="02020603050405020304" pitchFamily="18" charset="0"/>
+              <a:cs typeface="Times New Roman" panose="02020603050405020304" pitchFamily="18" charset="0"/>
+            </a:endParaRPr>
+          </a:p>
+          <a:p>
+            <a:r>
+              <a:rPr lang="en-US" sz="600" dirty="0" err="1">
+                <a:solidFill>
+                  <a:schemeClr val="tx1"/>
+                </a:solidFill>
+                <a:latin typeface="Times New Roman" panose="02020603050405020304" pitchFamily="18" charset="0"/>
+                <a:cs typeface="Times New Roman" panose="02020603050405020304" pitchFamily="18" charset="0"/>
+              </a:rPr>
+              <a:t>relTol</a:t>
+            </a:r>
+            <a:r>
+              <a:rPr lang="en-US" sz="600" dirty="0">
+                <a:solidFill>
+                  <a:schemeClr val="tx1"/>
+                </a:solidFill>
+                <a:latin typeface="Times New Roman" panose="02020603050405020304" pitchFamily="18" charset="0"/>
+                <a:cs typeface="Times New Roman" panose="02020603050405020304" pitchFamily="18" charset="0"/>
+              </a:rPr>
+              <a:t> </a:t>
+            </a:r>
+          </a:p>
+          <a:p>
+            <a:r>
+              <a:rPr lang="en-US" sz="600" dirty="0" err="1">
+                <a:solidFill>
+                  <a:schemeClr val="tx1"/>
+                </a:solidFill>
+                <a:latin typeface="Times New Roman" panose="02020603050405020304" pitchFamily="18" charset="0"/>
+                <a:cs typeface="Times New Roman" panose="02020603050405020304" pitchFamily="18" charset="0"/>
+              </a:rPr>
+              <a:t>absTol</a:t>
+            </a:r>
+            <a:endParaRPr lang="en-US" sz="600" dirty="0">
+              <a:solidFill>
+                <a:schemeClr val="tx1"/>
+              </a:solidFill>
+              <a:latin typeface="Times New Roman" panose="02020603050405020304" pitchFamily="18" charset="0"/>
+              <a:cs typeface="Times New Roman" panose="02020603050405020304" pitchFamily="18" charset="0"/>
+            </a:endParaRPr>
+          </a:p>
+          <a:p>
+            <a:endParaRPr lang="en-US" sz="600" dirty="0">
+              <a:solidFill>
+                <a:schemeClr val="tx1"/>
+              </a:solidFill>
+              <a:latin typeface="Times New Roman" panose="02020603050405020304" pitchFamily="18" charset="0"/>
+              <a:cs typeface="Times New Roman" panose="02020603050405020304" pitchFamily="18" charset="0"/>
+            </a:endParaRPr>
+          </a:p>
+          <a:p>
+            <a:endParaRPr lang="en-US" sz="600" dirty="0">
+              <a:solidFill>
+                <a:schemeClr val="tx1"/>
+              </a:solidFill>
+              <a:latin typeface="Times New Roman" panose="02020603050405020304" pitchFamily="18" charset="0"/>
+              <a:cs typeface="Times New Roman" panose="02020603050405020304" pitchFamily="18" charset="0"/>
+            </a:endParaRPr>
+          </a:p>
+          <a:p>
+            <a:endParaRPr lang="en-US" sz="600" dirty="0">
+              <a:solidFill>
+                <a:schemeClr val="tx1"/>
+              </a:solidFill>
+              <a:latin typeface="Times New Roman" panose="02020603050405020304" pitchFamily="18" charset="0"/>
+              <a:cs typeface="Times New Roman" panose="02020603050405020304" pitchFamily="18" charset="0"/>
+            </a:endParaRPr>
+          </a:p>
+          <a:p>
+            <a:endParaRPr lang="en-US" sz="600" b="1" u="sng" dirty="0">
+              <a:solidFill>
+                <a:schemeClr val="tx1"/>
+              </a:solidFill>
+              <a:latin typeface="Times New Roman" panose="02020603050405020304" pitchFamily="18" charset="0"/>
+              <a:cs typeface="Times New Roman" panose="02020603050405020304" pitchFamily="18" charset="0"/>
+            </a:endParaRPr>
+          </a:p>
+        </p:txBody>
+      </p:sp>
+      <p:sp>
+        <p:nvSpPr>
+          <p:cNvPr id="5" name="Rectangle 4">
+            <a:extLst>
+              <a:ext uri="{FF2B5EF4-FFF2-40B4-BE49-F238E27FC236}">
+                <a16:creationId xmlns:a16="http://schemas.microsoft.com/office/drawing/2014/main" id="{5CEBD86C-99CB-2A95-BAE1-207B1ECCDF13}"/>
+              </a:ext>
+            </a:extLst>
+          </p:cNvPr>
+          <p:cNvSpPr/>
+          <p:nvPr/>
+        </p:nvSpPr>
+        <p:spPr>
+          <a:xfrm>
+            <a:off x="2351099" y="4939785"/>
+            <a:ext cx="1920240" cy="1737360"/>
+          </a:xfrm>
+          <a:prstGeom prst="rect">
+            <a:avLst/>
+          </a:prstGeom>
+          <a:noFill/>
+          <a:ln>
+            <a:solidFill>
+              <a:schemeClr val="tx1"/>
+            </a:solidFill>
+          </a:ln>
+        </p:spPr>
+        <p:style>
+          <a:lnRef idx="2">
+            <a:schemeClr val="accent1">
+              <a:shade val="15000"/>
+            </a:schemeClr>
+          </a:lnRef>
+          <a:fillRef idx="1">
+            <a:schemeClr val="accent1"/>
+          </a:fillRef>
+          <a:effectRef idx="0">
+            <a:schemeClr val="accent1"/>
+          </a:effectRef>
+          <a:fontRef idx="minor">
+            <a:schemeClr val="lt1"/>
+          </a:fontRef>
+        </p:style>
+        <p:txBody>
+          <a:bodyPr rtlCol="0" anchor="t"/>
+          <a:lstStyle/>
+          <a:p>
+            <a:r>
+              <a:rPr lang="en-US" sz="600" b="1" u="sng" dirty="0">
+                <a:solidFill>
+                  <a:schemeClr val="tx1"/>
+                </a:solidFill>
+                <a:latin typeface="Times New Roman" panose="02020603050405020304" pitchFamily="18" charset="0"/>
+                <a:cs typeface="Times New Roman" panose="02020603050405020304" pitchFamily="18" charset="0"/>
+              </a:rPr>
+              <a:t>Body 3</a:t>
+            </a:r>
+          </a:p>
+          <a:p>
+            <a:r>
+              <a:rPr lang="en-US" sz="600" b="1" u="sng" dirty="0">
+                <a:solidFill>
+                  <a:schemeClr val="tx1"/>
+                </a:solidFill>
+                <a:latin typeface="Times New Roman" panose="02020603050405020304" pitchFamily="18" charset="0"/>
+                <a:cs typeface="Times New Roman" panose="02020603050405020304" pitchFamily="18" charset="0"/>
+              </a:rPr>
+              <a:t>State Properties</a:t>
+            </a:r>
+          </a:p>
+          <a:p>
+            <a:r>
+              <a:rPr lang="en-US" sz="600" dirty="0" err="1">
+                <a:solidFill>
+                  <a:schemeClr val="tx1"/>
+                </a:solidFill>
+                <a:latin typeface="Times New Roman" panose="02020603050405020304" pitchFamily="18" charset="0"/>
+                <a:cs typeface="Times New Roman" panose="02020603050405020304" pitchFamily="18" charset="0"/>
+              </a:rPr>
+              <a:t>stateCurrent</a:t>
+            </a:r>
+            <a:endParaRPr lang="en-US" sz="600" dirty="0">
+              <a:solidFill>
+                <a:schemeClr val="tx1"/>
+              </a:solidFill>
+              <a:latin typeface="Times New Roman" panose="02020603050405020304" pitchFamily="18" charset="0"/>
+              <a:cs typeface="Times New Roman" panose="02020603050405020304" pitchFamily="18" charset="0"/>
+            </a:endParaRPr>
+          </a:p>
+          <a:p>
+            <a:r>
+              <a:rPr lang="en-US" sz="600" dirty="0" err="1">
+                <a:solidFill>
+                  <a:schemeClr val="tx1"/>
+                </a:solidFill>
+                <a:latin typeface="Times New Roman" panose="02020603050405020304" pitchFamily="18" charset="0"/>
+                <a:cs typeface="Times New Roman" panose="02020603050405020304" pitchFamily="18" charset="0"/>
+              </a:rPr>
+              <a:t>stateHistory</a:t>
+            </a:r>
+            <a:endParaRPr lang="en-US" sz="600" dirty="0">
+              <a:solidFill>
+                <a:schemeClr val="tx1"/>
+              </a:solidFill>
+              <a:latin typeface="Times New Roman" panose="02020603050405020304" pitchFamily="18" charset="0"/>
+              <a:cs typeface="Times New Roman" panose="02020603050405020304" pitchFamily="18" charset="0"/>
+            </a:endParaRPr>
+          </a:p>
+          <a:p>
+            <a:r>
+              <a:rPr lang="en-US" sz="600" b="1" u="sng" dirty="0">
+                <a:solidFill>
+                  <a:schemeClr val="tx1"/>
+                </a:solidFill>
+                <a:latin typeface="Times New Roman" panose="02020603050405020304" pitchFamily="18" charset="0"/>
+                <a:cs typeface="Times New Roman" panose="02020603050405020304" pitchFamily="18" charset="0"/>
+              </a:rPr>
+              <a:t>Physical Properties</a:t>
+            </a:r>
+          </a:p>
+          <a:p>
+            <a:r>
+              <a:rPr lang="en-US" sz="600" dirty="0">
+                <a:solidFill>
+                  <a:schemeClr val="tx1"/>
+                </a:solidFill>
+                <a:latin typeface="Times New Roman" panose="02020603050405020304" pitchFamily="18" charset="0"/>
+                <a:cs typeface="Times New Roman" panose="02020603050405020304" pitchFamily="18" charset="0"/>
+              </a:rPr>
+              <a:t>mass</a:t>
+            </a:r>
+          </a:p>
+          <a:p>
+            <a:r>
+              <a:rPr lang="en-US" sz="600" dirty="0">
+                <a:solidFill>
+                  <a:schemeClr val="tx1"/>
+                </a:solidFill>
+                <a:latin typeface="Times New Roman" panose="02020603050405020304" pitchFamily="18" charset="0"/>
+                <a:cs typeface="Times New Roman" panose="02020603050405020304" pitchFamily="18" charset="0"/>
+              </a:rPr>
+              <a:t>mu</a:t>
+            </a:r>
+          </a:p>
+          <a:p>
+            <a:r>
+              <a:rPr lang="en-US" sz="600" dirty="0">
+                <a:solidFill>
+                  <a:schemeClr val="tx1"/>
+                </a:solidFill>
+                <a:latin typeface="Times New Roman" panose="02020603050405020304" pitchFamily="18" charset="0"/>
+                <a:cs typeface="Times New Roman" panose="02020603050405020304" pitchFamily="18" charset="0"/>
+              </a:rPr>
+              <a:t>j2</a:t>
+            </a:r>
+          </a:p>
+          <a:p>
+            <a:r>
+              <a:rPr lang="en-US" sz="600" dirty="0">
+                <a:solidFill>
+                  <a:schemeClr val="tx1"/>
+                </a:solidFill>
+                <a:latin typeface="Times New Roman" panose="02020603050405020304" pitchFamily="18" charset="0"/>
+                <a:cs typeface="Times New Roman" panose="02020603050405020304" pitchFamily="18" charset="0"/>
+              </a:rPr>
+              <a:t>radius</a:t>
+            </a:r>
+          </a:p>
+          <a:p>
+            <a:r>
+              <a:rPr lang="en-US" sz="600" b="1" u="sng" dirty="0">
+                <a:solidFill>
+                  <a:schemeClr val="tx1"/>
+                </a:solidFill>
+                <a:latin typeface="Times New Roman" panose="02020603050405020304" pitchFamily="18" charset="0"/>
+                <a:cs typeface="Times New Roman" panose="02020603050405020304" pitchFamily="18" charset="0"/>
+              </a:rPr>
+              <a:t>Propagation Properties</a:t>
+            </a:r>
+          </a:p>
+          <a:p>
+            <a:r>
+              <a:rPr lang="en-US" sz="600" dirty="0" err="1">
+                <a:solidFill>
+                  <a:schemeClr val="tx1"/>
+                </a:solidFill>
+                <a:latin typeface="Times New Roman" panose="02020603050405020304" pitchFamily="18" charset="0"/>
+                <a:cs typeface="Times New Roman" panose="02020603050405020304" pitchFamily="18" charset="0"/>
+              </a:rPr>
+              <a:t>forceModel</a:t>
+            </a:r>
+            <a:endParaRPr lang="en-US" sz="600" dirty="0">
+              <a:solidFill>
+                <a:schemeClr val="tx1"/>
+              </a:solidFill>
+              <a:latin typeface="Times New Roman" panose="02020603050405020304" pitchFamily="18" charset="0"/>
+              <a:cs typeface="Times New Roman" panose="02020603050405020304" pitchFamily="18" charset="0"/>
+            </a:endParaRPr>
+          </a:p>
+          <a:p>
+            <a:r>
+              <a:rPr lang="en-US" sz="600" dirty="0">
+                <a:solidFill>
+                  <a:schemeClr val="tx1"/>
+                </a:solidFill>
+                <a:latin typeface="Times New Roman" panose="02020603050405020304" pitchFamily="18" charset="0"/>
+                <a:cs typeface="Times New Roman" panose="02020603050405020304" pitchFamily="18" charset="0"/>
+              </a:rPr>
+              <a:t>dynamics</a:t>
+            </a:r>
+          </a:p>
+          <a:p>
+            <a:r>
+              <a:rPr lang="en-US" sz="600" dirty="0" err="1">
+                <a:solidFill>
+                  <a:schemeClr val="tx1"/>
+                </a:solidFill>
+                <a:latin typeface="Times New Roman" panose="02020603050405020304" pitchFamily="18" charset="0"/>
+                <a:cs typeface="Times New Roman" panose="02020603050405020304" pitchFamily="18" charset="0"/>
+              </a:rPr>
+              <a:t>integratorType</a:t>
+            </a:r>
+            <a:endParaRPr lang="en-US" sz="600" dirty="0">
+              <a:solidFill>
+                <a:schemeClr val="tx1"/>
+              </a:solidFill>
+              <a:latin typeface="Times New Roman" panose="02020603050405020304" pitchFamily="18" charset="0"/>
+              <a:cs typeface="Times New Roman" panose="02020603050405020304" pitchFamily="18" charset="0"/>
+            </a:endParaRPr>
+          </a:p>
+          <a:p>
+            <a:r>
+              <a:rPr lang="en-US" sz="600" dirty="0" err="1">
+                <a:solidFill>
+                  <a:schemeClr val="tx1"/>
+                </a:solidFill>
+                <a:latin typeface="Times New Roman" panose="02020603050405020304" pitchFamily="18" charset="0"/>
+                <a:cs typeface="Times New Roman" panose="02020603050405020304" pitchFamily="18" charset="0"/>
+              </a:rPr>
+              <a:t>relTol</a:t>
+            </a:r>
+            <a:r>
+              <a:rPr lang="en-US" sz="600" dirty="0">
+                <a:solidFill>
+                  <a:schemeClr val="tx1"/>
+                </a:solidFill>
+                <a:latin typeface="Times New Roman" panose="02020603050405020304" pitchFamily="18" charset="0"/>
+                <a:cs typeface="Times New Roman" panose="02020603050405020304" pitchFamily="18" charset="0"/>
+              </a:rPr>
+              <a:t> </a:t>
+            </a:r>
+          </a:p>
+          <a:p>
+            <a:r>
+              <a:rPr lang="en-US" sz="600" dirty="0" err="1">
+                <a:solidFill>
+                  <a:schemeClr val="tx1"/>
+                </a:solidFill>
+                <a:latin typeface="Times New Roman" panose="02020603050405020304" pitchFamily="18" charset="0"/>
+                <a:cs typeface="Times New Roman" panose="02020603050405020304" pitchFamily="18" charset="0"/>
+              </a:rPr>
+              <a:t>absTol</a:t>
+            </a:r>
+            <a:endParaRPr lang="en-US" sz="600" dirty="0">
+              <a:solidFill>
+                <a:schemeClr val="tx1"/>
+              </a:solidFill>
+              <a:latin typeface="Times New Roman" panose="02020603050405020304" pitchFamily="18" charset="0"/>
+              <a:cs typeface="Times New Roman" panose="02020603050405020304" pitchFamily="18" charset="0"/>
+            </a:endParaRPr>
+          </a:p>
+          <a:p>
+            <a:endParaRPr lang="en-US" sz="600" dirty="0">
+              <a:solidFill>
+                <a:schemeClr val="tx1"/>
+              </a:solidFill>
+              <a:latin typeface="Times New Roman" panose="02020603050405020304" pitchFamily="18" charset="0"/>
+              <a:cs typeface="Times New Roman" panose="02020603050405020304" pitchFamily="18" charset="0"/>
+            </a:endParaRPr>
+          </a:p>
+          <a:p>
+            <a:endParaRPr lang="en-US" sz="600" dirty="0">
+              <a:solidFill>
+                <a:schemeClr val="tx1"/>
+              </a:solidFill>
+              <a:latin typeface="Times New Roman" panose="02020603050405020304" pitchFamily="18" charset="0"/>
+              <a:cs typeface="Times New Roman" panose="02020603050405020304" pitchFamily="18" charset="0"/>
+            </a:endParaRPr>
+          </a:p>
+          <a:p>
+            <a:endParaRPr lang="en-US" sz="600" dirty="0">
+              <a:solidFill>
+                <a:schemeClr val="tx1"/>
+              </a:solidFill>
+              <a:latin typeface="Times New Roman" panose="02020603050405020304" pitchFamily="18" charset="0"/>
+              <a:cs typeface="Times New Roman" panose="02020603050405020304" pitchFamily="18" charset="0"/>
+            </a:endParaRPr>
+          </a:p>
+          <a:p>
+            <a:endParaRPr lang="en-US" sz="600" dirty="0">
+              <a:solidFill>
+                <a:schemeClr val="tx1"/>
+              </a:solidFill>
+              <a:latin typeface="Times New Roman" panose="02020603050405020304" pitchFamily="18" charset="0"/>
+              <a:cs typeface="Times New Roman" panose="02020603050405020304" pitchFamily="18" charset="0"/>
+            </a:endParaRPr>
+          </a:p>
+          <a:p>
+            <a:endParaRPr lang="en-US" sz="600" b="1" u="sng" dirty="0">
+              <a:solidFill>
+                <a:schemeClr val="tx1"/>
+              </a:solidFill>
+              <a:latin typeface="Times New Roman" panose="02020603050405020304" pitchFamily="18" charset="0"/>
+              <a:cs typeface="Times New Roman" panose="02020603050405020304" pitchFamily="18" charset="0"/>
+            </a:endParaRPr>
+          </a:p>
+        </p:txBody>
+      </p:sp>
+      <p:sp>
+        <p:nvSpPr>
+          <p:cNvPr id="6" name="Rectangle 5">
+            <a:extLst>
+              <a:ext uri="{FF2B5EF4-FFF2-40B4-BE49-F238E27FC236}">
+                <a16:creationId xmlns:a16="http://schemas.microsoft.com/office/drawing/2014/main" id="{25BCD5E2-3D1F-B691-AA6E-9045F5610737}"/>
+              </a:ext>
+            </a:extLst>
+          </p:cNvPr>
+          <p:cNvSpPr/>
+          <p:nvPr/>
+        </p:nvSpPr>
+        <p:spPr>
+          <a:xfrm>
+            <a:off x="8157182" y="586796"/>
+            <a:ext cx="1828800" cy="1027444"/>
+          </a:xfrm>
+          <a:prstGeom prst="rect">
+            <a:avLst/>
+          </a:prstGeom>
+          <a:noFill/>
+          <a:ln>
+            <a:solidFill>
+              <a:schemeClr val="tx1"/>
+            </a:solidFill>
+          </a:ln>
+        </p:spPr>
+        <p:style>
+          <a:lnRef idx="2">
+            <a:schemeClr val="accent1">
+              <a:shade val="15000"/>
+            </a:schemeClr>
+          </a:lnRef>
+          <a:fillRef idx="1">
+            <a:schemeClr val="accent1"/>
+          </a:fillRef>
+          <a:effectRef idx="0">
+            <a:schemeClr val="accent1"/>
+          </a:effectRef>
+          <a:fontRef idx="minor">
+            <a:schemeClr val="lt1"/>
+          </a:fontRef>
+        </p:style>
+        <p:txBody>
+          <a:bodyPr rtlCol="0" anchor="t"/>
+          <a:lstStyle/>
+          <a:p>
+            <a:r>
+              <a:rPr lang="en-US" sz="800" b="1" u="sng" dirty="0">
+                <a:solidFill>
+                  <a:schemeClr val="tx1"/>
+                </a:solidFill>
+                <a:latin typeface="Times New Roman" panose="02020603050405020304" pitchFamily="18" charset="0"/>
+                <a:cs typeface="Times New Roman" panose="02020603050405020304" pitchFamily="18" charset="0"/>
+              </a:rPr>
+              <a:t>Time Element</a:t>
+            </a:r>
+          </a:p>
+          <a:p>
+            <a:r>
+              <a:rPr lang="en-US" sz="800" dirty="0" err="1">
+                <a:solidFill>
+                  <a:schemeClr val="tx1"/>
+                </a:solidFill>
+                <a:latin typeface="Times New Roman" panose="02020603050405020304" pitchFamily="18" charset="0"/>
+                <a:cs typeface="Times New Roman" panose="02020603050405020304" pitchFamily="18" charset="0"/>
+              </a:rPr>
+              <a:t>timeFrame</a:t>
+            </a:r>
+            <a:endParaRPr lang="en-US" sz="800" dirty="0">
+              <a:solidFill>
+                <a:schemeClr val="tx1"/>
+              </a:solidFill>
+              <a:latin typeface="Times New Roman" panose="02020603050405020304" pitchFamily="18" charset="0"/>
+              <a:cs typeface="Times New Roman" panose="02020603050405020304" pitchFamily="18" charset="0"/>
+            </a:endParaRPr>
+          </a:p>
+          <a:p>
+            <a:r>
+              <a:rPr lang="en-US" sz="800" dirty="0" err="1">
+                <a:solidFill>
+                  <a:schemeClr val="tx1"/>
+                </a:solidFill>
+                <a:latin typeface="Times New Roman" panose="02020603050405020304" pitchFamily="18" charset="0"/>
+                <a:cs typeface="Times New Roman" panose="02020603050405020304" pitchFamily="18" charset="0"/>
+              </a:rPr>
+              <a:t>currentTime</a:t>
+            </a:r>
+            <a:endParaRPr lang="en-US" sz="800" dirty="0">
+              <a:solidFill>
+                <a:schemeClr val="tx1"/>
+              </a:solidFill>
+              <a:latin typeface="Times New Roman" panose="02020603050405020304" pitchFamily="18" charset="0"/>
+              <a:cs typeface="Times New Roman" panose="02020603050405020304" pitchFamily="18" charset="0"/>
+            </a:endParaRPr>
+          </a:p>
+          <a:p>
+            <a:r>
+              <a:rPr lang="en-US" sz="800" dirty="0" err="1">
+                <a:solidFill>
+                  <a:schemeClr val="tx1"/>
+                </a:solidFill>
+                <a:latin typeface="Times New Roman" panose="02020603050405020304" pitchFamily="18" charset="0"/>
+                <a:cs typeface="Times New Roman" panose="02020603050405020304" pitchFamily="18" charset="0"/>
+              </a:rPr>
+              <a:t>startTime</a:t>
+            </a:r>
+            <a:endParaRPr lang="en-US" sz="800" dirty="0">
+              <a:solidFill>
+                <a:schemeClr val="tx1"/>
+              </a:solidFill>
+              <a:latin typeface="Times New Roman" panose="02020603050405020304" pitchFamily="18" charset="0"/>
+              <a:cs typeface="Times New Roman" panose="02020603050405020304" pitchFamily="18" charset="0"/>
+            </a:endParaRPr>
+          </a:p>
+          <a:p>
+            <a:r>
+              <a:rPr lang="en-US" sz="800" dirty="0" err="1">
+                <a:solidFill>
+                  <a:schemeClr val="tx1"/>
+                </a:solidFill>
+                <a:latin typeface="Times New Roman" panose="02020603050405020304" pitchFamily="18" charset="0"/>
+                <a:cs typeface="Times New Roman" panose="02020603050405020304" pitchFamily="18" charset="0"/>
+              </a:rPr>
+              <a:t>endTime</a:t>
+            </a:r>
+            <a:endParaRPr lang="en-US" sz="800" dirty="0">
+              <a:solidFill>
+                <a:schemeClr val="tx1"/>
+              </a:solidFill>
+              <a:latin typeface="Times New Roman" panose="02020603050405020304" pitchFamily="18" charset="0"/>
+              <a:cs typeface="Times New Roman" panose="02020603050405020304" pitchFamily="18" charset="0"/>
+            </a:endParaRPr>
+          </a:p>
+          <a:p>
+            <a:r>
+              <a:rPr lang="en-US" sz="800" dirty="0">
+                <a:solidFill>
+                  <a:schemeClr val="tx1"/>
+                </a:solidFill>
+                <a:latin typeface="Times New Roman" panose="02020603050405020304" pitchFamily="18" charset="0"/>
+                <a:cs typeface="Times New Roman" panose="02020603050405020304" pitchFamily="18" charset="0"/>
+              </a:rPr>
+              <a:t>dt</a:t>
+            </a:r>
+          </a:p>
+          <a:p>
+            <a:r>
+              <a:rPr lang="en-US" sz="800" dirty="0" err="1">
+                <a:solidFill>
+                  <a:schemeClr val="tx1"/>
+                </a:solidFill>
+                <a:latin typeface="Times New Roman" panose="02020603050405020304" pitchFamily="18" charset="0"/>
+                <a:cs typeface="Times New Roman" panose="02020603050405020304" pitchFamily="18" charset="0"/>
+              </a:rPr>
+              <a:t>timeHistory</a:t>
+            </a:r>
+            <a:endParaRPr lang="en-US" sz="800" dirty="0">
+              <a:solidFill>
+                <a:schemeClr val="tx1"/>
+              </a:solidFill>
+              <a:latin typeface="Times New Roman" panose="02020603050405020304" pitchFamily="18" charset="0"/>
+              <a:cs typeface="Times New Roman" panose="02020603050405020304" pitchFamily="18" charset="0"/>
+            </a:endParaRPr>
+          </a:p>
+          <a:p>
+            <a:endParaRPr lang="en-US" sz="800" dirty="0">
+              <a:solidFill>
+                <a:schemeClr val="tx1"/>
+              </a:solidFill>
+              <a:latin typeface="Times New Roman" panose="02020603050405020304" pitchFamily="18" charset="0"/>
+              <a:cs typeface="Times New Roman" panose="02020603050405020304" pitchFamily="18" charset="0"/>
+            </a:endParaRPr>
+          </a:p>
+          <a:p>
+            <a:endParaRPr lang="en-US" sz="800" dirty="0">
+              <a:solidFill>
+                <a:schemeClr val="tx1"/>
+              </a:solidFill>
+              <a:latin typeface="Times New Roman" panose="02020603050405020304" pitchFamily="18" charset="0"/>
+              <a:cs typeface="Times New Roman" panose="02020603050405020304" pitchFamily="18" charset="0"/>
+            </a:endParaRPr>
+          </a:p>
+          <a:p>
+            <a:endParaRPr lang="en-US" sz="800" dirty="0">
+              <a:solidFill>
+                <a:schemeClr val="tx1"/>
+              </a:solidFill>
+              <a:latin typeface="Times New Roman" panose="02020603050405020304" pitchFamily="18" charset="0"/>
+              <a:cs typeface="Times New Roman" panose="02020603050405020304" pitchFamily="18" charset="0"/>
+            </a:endParaRPr>
+          </a:p>
+          <a:p>
+            <a:endParaRPr lang="en-US" sz="800" dirty="0">
+              <a:solidFill>
+                <a:schemeClr val="tx1"/>
+              </a:solidFill>
+              <a:latin typeface="Times New Roman" panose="02020603050405020304" pitchFamily="18" charset="0"/>
+              <a:cs typeface="Times New Roman" panose="02020603050405020304" pitchFamily="18" charset="0"/>
+            </a:endParaRPr>
+          </a:p>
+          <a:p>
+            <a:endParaRPr lang="en-US" sz="800" b="1" u="sng" dirty="0">
+              <a:solidFill>
+                <a:schemeClr val="tx1"/>
+              </a:solidFill>
+              <a:latin typeface="Times New Roman" panose="02020603050405020304" pitchFamily="18" charset="0"/>
+              <a:cs typeface="Times New Roman" panose="02020603050405020304" pitchFamily="18" charset="0"/>
+            </a:endParaRPr>
+          </a:p>
+        </p:txBody>
+      </p:sp>
+      <p:sp>
+        <p:nvSpPr>
+          <p:cNvPr id="8" name="Rectangle 7">
+            <a:extLst>
+              <a:ext uri="{FF2B5EF4-FFF2-40B4-BE49-F238E27FC236}">
+                <a16:creationId xmlns:a16="http://schemas.microsoft.com/office/drawing/2014/main" id="{B591D7BA-9E6B-447F-F89F-9C3173A286D8}"/>
+              </a:ext>
+            </a:extLst>
+          </p:cNvPr>
+          <p:cNvSpPr/>
+          <p:nvPr/>
+        </p:nvSpPr>
+        <p:spPr>
+          <a:xfrm>
+            <a:off x="3254287" y="162098"/>
+            <a:ext cx="1920240" cy="1737360"/>
+          </a:xfrm>
+          <a:prstGeom prst="rect">
+            <a:avLst/>
+          </a:prstGeom>
+          <a:solidFill>
+            <a:schemeClr val="bg1"/>
+          </a:solidFill>
+          <a:ln>
+            <a:solidFill>
+              <a:schemeClr val="tx1"/>
+            </a:solidFill>
+          </a:ln>
+        </p:spPr>
+        <p:style>
+          <a:lnRef idx="2">
+            <a:schemeClr val="accent1">
+              <a:shade val="15000"/>
+            </a:schemeClr>
+          </a:lnRef>
+          <a:fillRef idx="1">
+            <a:schemeClr val="accent1"/>
+          </a:fillRef>
+          <a:effectRef idx="0">
+            <a:schemeClr val="accent1"/>
+          </a:effectRef>
+          <a:fontRef idx="minor">
+            <a:schemeClr val="lt1"/>
+          </a:fontRef>
+        </p:style>
+        <p:txBody>
+          <a:bodyPr rtlCol="0" anchor="t"/>
+          <a:lstStyle/>
+          <a:p>
+            <a:r>
+              <a:rPr lang="en-US" sz="600" b="1" u="sng" dirty="0">
+                <a:solidFill>
+                  <a:schemeClr val="tx1"/>
+                </a:solidFill>
+                <a:latin typeface="Times New Roman" panose="02020603050405020304" pitchFamily="18" charset="0"/>
+                <a:cs typeface="Times New Roman" panose="02020603050405020304" pitchFamily="18" charset="0"/>
+              </a:rPr>
+              <a:t>Earth</a:t>
+            </a:r>
+          </a:p>
+          <a:p>
+            <a:endParaRPr lang="en-US" sz="600" b="1" u="sng" dirty="0">
+              <a:solidFill>
+                <a:schemeClr val="tx1"/>
+              </a:solidFill>
+              <a:latin typeface="Times New Roman" panose="02020603050405020304" pitchFamily="18" charset="0"/>
+              <a:cs typeface="Times New Roman" panose="02020603050405020304" pitchFamily="18" charset="0"/>
+            </a:endParaRPr>
+          </a:p>
+          <a:p>
+            <a:r>
+              <a:rPr lang="en-US" sz="600" b="1" u="sng" dirty="0">
+                <a:solidFill>
+                  <a:schemeClr val="tx1"/>
+                </a:solidFill>
+                <a:latin typeface="Times New Roman" panose="02020603050405020304" pitchFamily="18" charset="0"/>
+                <a:cs typeface="Times New Roman" panose="02020603050405020304" pitchFamily="18" charset="0"/>
+              </a:rPr>
+              <a:t>State Properties</a:t>
+            </a:r>
+          </a:p>
+          <a:p>
+            <a:r>
+              <a:rPr lang="en-US" sz="600" dirty="0" err="1">
+                <a:solidFill>
+                  <a:schemeClr val="tx1"/>
+                </a:solidFill>
+                <a:latin typeface="Times New Roman" panose="02020603050405020304" pitchFamily="18" charset="0"/>
+                <a:cs typeface="Times New Roman" panose="02020603050405020304" pitchFamily="18" charset="0"/>
+              </a:rPr>
+              <a:t>stateCurrent</a:t>
+            </a:r>
+            <a:r>
+              <a:rPr lang="en-US" sz="600" dirty="0">
+                <a:solidFill>
+                  <a:schemeClr val="tx1"/>
+                </a:solidFill>
+                <a:latin typeface="Times New Roman" panose="02020603050405020304" pitchFamily="18" charset="0"/>
+                <a:cs typeface="Times New Roman" panose="02020603050405020304" pitchFamily="18" charset="0"/>
+              </a:rPr>
+              <a:t> = [0,0,0,0,0,0]</a:t>
+            </a:r>
+          </a:p>
+          <a:p>
+            <a:r>
+              <a:rPr lang="en-US" sz="600" dirty="0" err="1">
+                <a:solidFill>
+                  <a:schemeClr val="tx1"/>
+                </a:solidFill>
+                <a:latin typeface="Times New Roman" panose="02020603050405020304" pitchFamily="18" charset="0"/>
+                <a:cs typeface="Times New Roman" panose="02020603050405020304" pitchFamily="18" charset="0"/>
+              </a:rPr>
+              <a:t>stateHistory</a:t>
+            </a:r>
+            <a:r>
+              <a:rPr lang="en-US" sz="600" dirty="0">
+                <a:solidFill>
+                  <a:schemeClr val="tx1"/>
+                </a:solidFill>
+                <a:latin typeface="Times New Roman" panose="02020603050405020304" pitchFamily="18" charset="0"/>
+                <a:cs typeface="Times New Roman" panose="02020603050405020304" pitchFamily="18" charset="0"/>
+              </a:rPr>
+              <a:t> = [0,0,0,0,0,0]</a:t>
+            </a:r>
+          </a:p>
+          <a:p>
+            <a:endParaRPr lang="en-US" sz="600" dirty="0">
+              <a:solidFill>
+                <a:schemeClr val="tx1"/>
+              </a:solidFill>
+              <a:latin typeface="Times New Roman" panose="02020603050405020304" pitchFamily="18" charset="0"/>
+              <a:cs typeface="Times New Roman" panose="02020603050405020304" pitchFamily="18" charset="0"/>
+            </a:endParaRPr>
+          </a:p>
+          <a:p>
+            <a:r>
+              <a:rPr lang="en-US" sz="600" b="1" u="sng" dirty="0">
+                <a:solidFill>
+                  <a:schemeClr val="tx1"/>
+                </a:solidFill>
+                <a:latin typeface="Times New Roman" panose="02020603050405020304" pitchFamily="18" charset="0"/>
+                <a:cs typeface="Times New Roman" panose="02020603050405020304" pitchFamily="18" charset="0"/>
+              </a:rPr>
+              <a:t>Physical Properties</a:t>
+            </a:r>
+          </a:p>
+          <a:p>
+            <a:r>
+              <a:rPr lang="en-US" sz="600" dirty="0">
+                <a:solidFill>
+                  <a:schemeClr val="tx1"/>
+                </a:solidFill>
+                <a:latin typeface="Times New Roman" panose="02020603050405020304" pitchFamily="18" charset="0"/>
+                <a:cs typeface="Times New Roman" panose="02020603050405020304" pitchFamily="18" charset="0"/>
+              </a:rPr>
+              <a:t>mass = mass</a:t>
+            </a:r>
+          </a:p>
+          <a:p>
+            <a:r>
+              <a:rPr lang="en-US" sz="600" dirty="0">
+                <a:solidFill>
+                  <a:schemeClr val="tx1"/>
+                </a:solidFill>
+                <a:latin typeface="Times New Roman" panose="02020603050405020304" pitchFamily="18" charset="0"/>
+                <a:cs typeface="Times New Roman" panose="02020603050405020304" pitchFamily="18" charset="0"/>
+              </a:rPr>
+              <a:t>mu = mu</a:t>
+            </a:r>
+          </a:p>
+          <a:p>
+            <a:r>
+              <a:rPr lang="en-US" sz="600" dirty="0">
+                <a:solidFill>
+                  <a:schemeClr val="tx1"/>
+                </a:solidFill>
+                <a:latin typeface="Times New Roman" panose="02020603050405020304" pitchFamily="18" charset="0"/>
+                <a:cs typeface="Times New Roman" panose="02020603050405020304" pitchFamily="18" charset="0"/>
+              </a:rPr>
+              <a:t>j2 = j2</a:t>
+            </a:r>
+          </a:p>
+          <a:p>
+            <a:r>
+              <a:rPr lang="en-US" sz="600" dirty="0">
+                <a:solidFill>
+                  <a:schemeClr val="tx1"/>
+                </a:solidFill>
+                <a:latin typeface="Times New Roman" panose="02020603050405020304" pitchFamily="18" charset="0"/>
+                <a:cs typeface="Times New Roman" panose="02020603050405020304" pitchFamily="18" charset="0"/>
+              </a:rPr>
+              <a:t>radius = radius</a:t>
+            </a:r>
+          </a:p>
+          <a:p>
+            <a:endParaRPr lang="en-US" sz="600" dirty="0">
+              <a:solidFill>
+                <a:schemeClr val="tx1"/>
+              </a:solidFill>
+              <a:latin typeface="Times New Roman" panose="02020603050405020304" pitchFamily="18" charset="0"/>
+              <a:cs typeface="Times New Roman" panose="02020603050405020304" pitchFamily="18" charset="0"/>
+            </a:endParaRPr>
+          </a:p>
+          <a:p>
+            <a:r>
+              <a:rPr lang="en-US" sz="600" b="1" u="sng" dirty="0">
+                <a:solidFill>
+                  <a:schemeClr val="tx1"/>
+                </a:solidFill>
+                <a:latin typeface="Times New Roman" panose="02020603050405020304" pitchFamily="18" charset="0"/>
+                <a:cs typeface="Times New Roman" panose="02020603050405020304" pitchFamily="18" charset="0"/>
+              </a:rPr>
+              <a:t>Propagation Properties</a:t>
+            </a:r>
+          </a:p>
+          <a:p>
+            <a:r>
+              <a:rPr lang="en-US" sz="600" dirty="0" err="1">
+                <a:solidFill>
+                  <a:schemeClr val="tx1"/>
+                </a:solidFill>
+                <a:latin typeface="Times New Roman" panose="02020603050405020304" pitchFamily="18" charset="0"/>
+                <a:cs typeface="Times New Roman" panose="02020603050405020304" pitchFamily="18" charset="0"/>
+              </a:rPr>
+              <a:t>forceModel</a:t>
+            </a:r>
+            <a:r>
+              <a:rPr lang="en-US" sz="600" dirty="0">
+                <a:solidFill>
+                  <a:schemeClr val="tx1"/>
+                </a:solidFill>
+                <a:latin typeface="Times New Roman" panose="02020603050405020304" pitchFamily="18" charset="0"/>
+                <a:cs typeface="Times New Roman" panose="02020603050405020304" pitchFamily="18" charset="0"/>
+              </a:rPr>
+              <a:t> = Fixed</a:t>
+            </a:r>
+          </a:p>
+          <a:p>
+            <a:r>
+              <a:rPr lang="en-US" sz="600" dirty="0">
+                <a:solidFill>
+                  <a:schemeClr val="tx1"/>
+                </a:solidFill>
+                <a:latin typeface="Times New Roman" panose="02020603050405020304" pitchFamily="18" charset="0"/>
+                <a:cs typeface="Times New Roman" panose="02020603050405020304" pitchFamily="18" charset="0"/>
+              </a:rPr>
+              <a:t>dynamics = </a:t>
+            </a:r>
+            <a:r>
+              <a:rPr lang="en-US" sz="600" dirty="0" err="1">
+                <a:solidFill>
+                  <a:schemeClr val="tx1"/>
+                </a:solidFill>
+                <a:latin typeface="Times New Roman" panose="02020603050405020304" pitchFamily="18" charset="0"/>
+                <a:cs typeface="Times New Roman" panose="02020603050405020304" pitchFamily="18" charset="0"/>
+              </a:rPr>
+              <a:t>forceModel</a:t>
+            </a:r>
+            <a:r>
+              <a:rPr lang="en-US" sz="600" dirty="0">
+                <a:solidFill>
+                  <a:schemeClr val="tx1"/>
+                </a:solidFill>
+                <a:latin typeface="Times New Roman" panose="02020603050405020304" pitchFamily="18" charset="0"/>
+                <a:cs typeface="Times New Roman" panose="02020603050405020304" pitchFamily="18" charset="0"/>
+              </a:rPr>
+              <a:t> </a:t>
+            </a:r>
+          </a:p>
+          <a:p>
+            <a:r>
+              <a:rPr lang="en-US" sz="600" dirty="0" err="1">
+                <a:solidFill>
+                  <a:schemeClr val="tx1"/>
+                </a:solidFill>
+                <a:latin typeface="Times New Roman" panose="02020603050405020304" pitchFamily="18" charset="0"/>
+                <a:cs typeface="Times New Roman" panose="02020603050405020304" pitchFamily="18" charset="0"/>
+              </a:rPr>
+              <a:t>integratorType</a:t>
+            </a:r>
+            <a:r>
+              <a:rPr lang="en-US" sz="600" dirty="0">
+                <a:solidFill>
+                  <a:schemeClr val="tx1"/>
+                </a:solidFill>
+                <a:latin typeface="Times New Roman" panose="02020603050405020304" pitchFamily="18" charset="0"/>
+                <a:cs typeface="Times New Roman" panose="02020603050405020304" pitchFamily="18" charset="0"/>
+              </a:rPr>
+              <a:t> = RK4</a:t>
+            </a:r>
+          </a:p>
+          <a:p>
+            <a:r>
+              <a:rPr lang="en-US" sz="600" dirty="0" err="1">
+                <a:solidFill>
+                  <a:schemeClr val="tx1"/>
+                </a:solidFill>
+                <a:latin typeface="Times New Roman" panose="02020603050405020304" pitchFamily="18" charset="0"/>
+                <a:cs typeface="Times New Roman" panose="02020603050405020304" pitchFamily="18" charset="0"/>
+              </a:rPr>
+              <a:t>relTol</a:t>
+            </a:r>
+            <a:r>
+              <a:rPr lang="en-US" sz="600" dirty="0">
+                <a:solidFill>
+                  <a:schemeClr val="tx1"/>
+                </a:solidFill>
+                <a:latin typeface="Times New Roman" panose="02020603050405020304" pitchFamily="18" charset="0"/>
+                <a:cs typeface="Times New Roman" panose="02020603050405020304" pitchFamily="18" charset="0"/>
+              </a:rPr>
+              <a:t> = 1E-12</a:t>
+            </a:r>
+          </a:p>
+          <a:p>
+            <a:r>
+              <a:rPr lang="en-US" sz="600" dirty="0" err="1">
+                <a:solidFill>
+                  <a:schemeClr val="tx1"/>
+                </a:solidFill>
+                <a:latin typeface="Times New Roman" panose="02020603050405020304" pitchFamily="18" charset="0"/>
+                <a:cs typeface="Times New Roman" panose="02020603050405020304" pitchFamily="18" charset="0"/>
+              </a:rPr>
+              <a:t>absTol</a:t>
+            </a:r>
+            <a:r>
+              <a:rPr lang="en-US" sz="600" dirty="0">
+                <a:solidFill>
+                  <a:schemeClr val="tx1"/>
+                </a:solidFill>
+                <a:latin typeface="Times New Roman" panose="02020603050405020304" pitchFamily="18" charset="0"/>
+                <a:cs typeface="Times New Roman" panose="02020603050405020304" pitchFamily="18" charset="0"/>
+              </a:rPr>
+              <a:t> = 1E-12</a:t>
+            </a:r>
+          </a:p>
+          <a:p>
+            <a:endParaRPr lang="en-US" sz="600" dirty="0">
+              <a:solidFill>
+                <a:schemeClr val="tx1"/>
+              </a:solidFill>
+              <a:latin typeface="Times New Roman" panose="02020603050405020304" pitchFamily="18" charset="0"/>
+              <a:cs typeface="Times New Roman" panose="02020603050405020304" pitchFamily="18" charset="0"/>
+            </a:endParaRPr>
+          </a:p>
+          <a:p>
+            <a:endParaRPr lang="en-US" sz="600" dirty="0">
+              <a:solidFill>
+                <a:schemeClr val="tx1"/>
+              </a:solidFill>
+              <a:latin typeface="Times New Roman" panose="02020603050405020304" pitchFamily="18" charset="0"/>
+              <a:cs typeface="Times New Roman" panose="02020603050405020304" pitchFamily="18" charset="0"/>
+            </a:endParaRPr>
+          </a:p>
+          <a:p>
+            <a:endParaRPr lang="en-US" sz="600" dirty="0">
+              <a:solidFill>
+                <a:schemeClr val="tx1"/>
+              </a:solidFill>
+              <a:latin typeface="Times New Roman" panose="02020603050405020304" pitchFamily="18" charset="0"/>
+              <a:cs typeface="Times New Roman" panose="02020603050405020304" pitchFamily="18" charset="0"/>
+            </a:endParaRPr>
+          </a:p>
+          <a:p>
+            <a:endParaRPr lang="en-US" sz="600" dirty="0">
+              <a:solidFill>
+                <a:schemeClr val="tx1"/>
+              </a:solidFill>
+              <a:latin typeface="Times New Roman" panose="02020603050405020304" pitchFamily="18" charset="0"/>
+              <a:cs typeface="Times New Roman" panose="02020603050405020304" pitchFamily="18" charset="0"/>
+            </a:endParaRPr>
+          </a:p>
+          <a:p>
+            <a:endParaRPr lang="en-US" sz="600" b="1" u="sng" dirty="0">
+              <a:solidFill>
+                <a:schemeClr val="tx1"/>
+              </a:solidFill>
+              <a:latin typeface="Times New Roman" panose="02020603050405020304" pitchFamily="18" charset="0"/>
+              <a:cs typeface="Times New Roman" panose="02020603050405020304" pitchFamily="18" charset="0"/>
+            </a:endParaRPr>
+          </a:p>
+        </p:txBody>
+      </p:sp>
+      <p:sp>
+        <p:nvSpPr>
+          <p:cNvPr id="9" name="Rectangle 8">
+            <a:extLst>
+              <a:ext uri="{FF2B5EF4-FFF2-40B4-BE49-F238E27FC236}">
+                <a16:creationId xmlns:a16="http://schemas.microsoft.com/office/drawing/2014/main" id="{B3340851-E874-6B94-9153-C9DDA2894EB9}"/>
+              </a:ext>
+            </a:extLst>
+          </p:cNvPr>
+          <p:cNvSpPr/>
+          <p:nvPr/>
+        </p:nvSpPr>
+        <p:spPr>
+          <a:xfrm>
+            <a:off x="3254287" y="2505006"/>
+            <a:ext cx="1920240" cy="1737360"/>
+          </a:xfrm>
+          <a:prstGeom prst="rect">
+            <a:avLst/>
+          </a:prstGeom>
+          <a:solidFill>
+            <a:schemeClr val="bg1"/>
+          </a:solidFill>
+          <a:ln>
+            <a:solidFill>
+              <a:schemeClr val="tx1"/>
+            </a:solidFill>
+          </a:ln>
+        </p:spPr>
+        <p:style>
+          <a:lnRef idx="2">
+            <a:schemeClr val="accent1">
+              <a:shade val="15000"/>
+            </a:schemeClr>
+          </a:lnRef>
+          <a:fillRef idx="1">
+            <a:schemeClr val="accent1"/>
+          </a:fillRef>
+          <a:effectRef idx="0">
+            <a:schemeClr val="accent1"/>
+          </a:effectRef>
+          <a:fontRef idx="minor">
+            <a:schemeClr val="lt1"/>
+          </a:fontRef>
+        </p:style>
+        <p:txBody>
+          <a:bodyPr rtlCol="0" anchor="t"/>
+          <a:lstStyle/>
+          <a:p>
+            <a:r>
+              <a:rPr lang="en-US" sz="600" b="1" u="sng" dirty="0">
+                <a:solidFill>
+                  <a:schemeClr val="tx1"/>
+                </a:solidFill>
+                <a:latin typeface="Times New Roman" panose="02020603050405020304" pitchFamily="18" charset="0"/>
+                <a:cs typeface="Times New Roman" panose="02020603050405020304" pitchFamily="18" charset="0"/>
+              </a:rPr>
+              <a:t>Moon</a:t>
+            </a:r>
+          </a:p>
+          <a:p>
+            <a:endParaRPr lang="en-US" sz="600" b="1" u="sng" dirty="0">
+              <a:solidFill>
+                <a:schemeClr val="tx1"/>
+              </a:solidFill>
+              <a:latin typeface="Times New Roman" panose="02020603050405020304" pitchFamily="18" charset="0"/>
+              <a:cs typeface="Times New Roman" panose="02020603050405020304" pitchFamily="18" charset="0"/>
+            </a:endParaRPr>
+          </a:p>
+          <a:p>
+            <a:r>
+              <a:rPr lang="en-US" sz="600" b="1" u="sng" dirty="0">
+                <a:solidFill>
+                  <a:schemeClr val="tx1"/>
+                </a:solidFill>
+                <a:latin typeface="Times New Roman" panose="02020603050405020304" pitchFamily="18" charset="0"/>
+                <a:cs typeface="Times New Roman" panose="02020603050405020304" pitchFamily="18" charset="0"/>
+              </a:rPr>
+              <a:t>State Properties</a:t>
+            </a:r>
+          </a:p>
+          <a:p>
+            <a:r>
+              <a:rPr lang="en-US" sz="600" dirty="0" err="1">
+                <a:solidFill>
+                  <a:schemeClr val="tx1"/>
+                </a:solidFill>
+                <a:latin typeface="Times New Roman" panose="02020603050405020304" pitchFamily="18" charset="0"/>
+                <a:cs typeface="Times New Roman" panose="02020603050405020304" pitchFamily="18" charset="0"/>
+              </a:rPr>
+              <a:t>stateCurrent</a:t>
+            </a:r>
+            <a:r>
+              <a:rPr lang="en-US" sz="600" dirty="0">
+                <a:solidFill>
+                  <a:schemeClr val="tx1"/>
+                </a:solidFill>
+                <a:latin typeface="Times New Roman" panose="02020603050405020304" pitchFamily="18" charset="0"/>
+                <a:cs typeface="Times New Roman" panose="02020603050405020304" pitchFamily="18" charset="0"/>
+              </a:rPr>
+              <a:t> = [rMoon,0,0,vMoon,0,0]</a:t>
+            </a:r>
+          </a:p>
+          <a:p>
+            <a:r>
+              <a:rPr lang="en-US" sz="600" dirty="0" err="1">
+                <a:solidFill>
+                  <a:schemeClr val="tx1"/>
+                </a:solidFill>
+                <a:latin typeface="Times New Roman" panose="02020603050405020304" pitchFamily="18" charset="0"/>
+                <a:cs typeface="Times New Roman" panose="02020603050405020304" pitchFamily="18" charset="0"/>
+              </a:rPr>
+              <a:t>stateHistory</a:t>
+            </a:r>
+            <a:r>
+              <a:rPr lang="en-US" sz="600" dirty="0">
+                <a:solidFill>
+                  <a:schemeClr val="tx1"/>
+                </a:solidFill>
+                <a:latin typeface="Times New Roman" panose="02020603050405020304" pitchFamily="18" charset="0"/>
+                <a:cs typeface="Times New Roman" panose="02020603050405020304" pitchFamily="18" charset="0"/>
+              </a:rPr>
+              <a:t> = [rMoon,0,0,vMoon,0,0]</a:t>
+            </a:r>
+          </a:p>
+          <a:p>
+            <a:endParaRPr lang="en-US" sz="600" dirty="0">
+              <a:solidFill>
+                <a:schemeClr val="tx1"/>
+              </a:solidFill>
+              <a:latin typeface="Times New Roman" panose="02020603050405020304" pitchFamily="18" charset="0"/>
+              <a:cs typeface="Times New Roman" panose="02020603050405020304" pitchFamily="18" charset="0"/>
+            </a:endParaRPr>
+          </a:p>
+          <a:p>
+            <a:r>
+              <a:rPr lang="en-US" sz="600" b="1" u="sng" dirty="0">
+                <a:solidFill>
+                  <a:schemeClr val="tx1"/>
+                </a:solidFill>
+                <a:latin typeface="Times New Roman" panose="02020603050405020304" pitchFamily="18" charset="0"/>
+                <a:cs typeface="Times New Roman" panose="02020603050405020304" pitchFamily="18" charset="0"/>
+              </a:rPr>
+              <a:t>Physical Properties</a:t>
+            </a:r>
+          </a:p>
+          <a:p>
+            <a:r>
+              <a:rPr lang="en-US" sz="600" dirty="0">
+                <a:solidFill>
+                  <a:schemeClr val="tx1"/>
+                </a:solidFill>
+                <a:latin typeface="Times New Roman" panose="02020603050405020304" pitchFamily="18" charset="0"/>
+                <a:cs typeface="Times New Roman" panose="02020603050405020304" pitchFamily="18" charset="0"/>
+              </a:rPr>
+              <a:t>mass = mass</a:t>
+            </a:r>
+          </a:p>
+          <a:p>
+            <a:r>
+              <a:rPr lang="en-US" sz="600" dirty="0">
+                <a:solidFill>
+                  <a:schemeClr val="tx1"/>
+                </a:solidFill>
+                <a:latin typeface="Times New Roman" panose="02020603050405020304" pitchFamily="18" charset="0"/>
+                <a:cs typeface="Times New Roman" panose="02020603050405020304" pitchFamily="18" charset="0"/>
+              </a:rPr>
+              <a:t>mu = mu</a:t>
+            </a:r>
+          </a:p>
+          <a:p>
+            <a:r>
+              <a:rPr lang="en-US" sz="600" dirty="0">
+                <a:solidFill>
+                  <a:schemeClr val="tx1"/>
+                </a:solidFill>
+                <a:latin typeface="Times New Roman" panose="02020603050405020304" pitchFamily="18" charset="0"/>
+                <a:cs typeface="Times New Roman" panose="02020603050405020304" pitchFamily="18" charset="0"/>
+              </a:rPr>
+              <a:t>j2 = j2</a:t>
+            </a:r>
+          </a:p>
+          <a:p>
+            <a:r>
+              <a:rPr lang="en-US" sz="600" dirty="0">
+                <a:solidFill>
+                  <a:schemeClr val="tx1"/>
+                </a:solidFill>
+                <a:latin typeface="Times New Roman" panose="02020603050405020304" pitchFamily="18" charset="0"/>
+                <a:cs typeface="Times New Roman" panose="02020603050405020304" pitchFamily="18" charset="0"/>
+              </a:rPr>
+              <a:t>radius = radius</a:t>
+            </a:r>
+          </a:p>
+          <a:p>
+            <a:endParaRPr lang="en-US" sz="600" dirty="0">
+              <a:solidFill>
+                <a:schemeClr val="tx1"/>
+              </a:solidFill>
+              <a:latin typeface="Times New Roman" panose="02020603050405020304" pitchFamily="18" charset="0"/>
+              <a:cs typeface="Times New Roman" panose="02020603050405020304" pitchFamily="18" charset="0"/>
+            </a:endParaRPr>
+          </a:p>
+          <a:p>
+            <a:r>
+              <a:rPr lang="en-US" sz="600" b="1" u="sng" dirty="0">
+                <a:solidFill>
+                  <a:schemeClr val="tx1"/>
+                </a:solidFill>
+                <a:latin typeface="Times New Roman" panose="02020603050405020304" pitchFamily="18" charset="0"/>
+                <a:cs typeface="Times New Roman" panose="02020603050405020304" pitchFamily="18" charset="0"/>
+              </a:rPr>
+              <a:t>Propagation Properties</a:t>
+            </a:r>
+          </a:p>
+          <a:p>
+            <a:r>
+              <a:rPr lang="en-US" sz="600" dirty="0" err="1">
+                <a:solidFill>
+                  <a:schemeClr val="tx1"/>
+                </a:solidFill>
+                <a:latin typeface="Times New Roman" panose="02020603050405020304" pitchFamily="18" charset="0"/>
+                <a:cs typeface="Times New Roman" panose="02020603050405020304" pitchFamily="18" charset="0"/>
+              </a:rPr>
+              <a:t>forceModel</a:t>
+            </a:r>
+            <a:r>
+              <a:rPr lang="en-US" sz="600" dirty="0">
+                <a:solidFill>
+                  <a:schemeClr val="tx1"/>
+                </a:solidFill>
+                <a:latin typeface="Times New Roman" panose="02020603050405020304" pitchFamily="18" charset="0"/>
+                <a:cs typeface="Times New Roman" panose="02020603050405020304" pitchFamily="18" charset="0"/>
+              </a:rPr>
+              <a:t> = </a:t>
+            </a:r>
+            <a:r>
+              <a:rPr lang="en-US" sz="600" dirty="0" err="1">
+                <a:solidFill>
+                  <a:schemeClr val="tx1"/>
+                </a:solidFill>
+                <a:latin typeface="Times New Roman" panose="02020603050405020304" pitchFamily="18" charset="0"/>
+                <a:cs typeface="Times New Roman" panose="02020603050405020304" pitchFamily="18" charset="0"/>
+              </a:rPr>
+              <a:t>EarthPointMass</a:t>
+            </a:r>
+            <a:endParaRPr lang="en-US" sz="600" dirty="0">
+              <a:solidFill>
+                <a:schemeClr val="tx1"/>
+              </a:solidFill>
+              <a:latin typeface="Times New Roman" panose="02020603050405020304" pitchFamily="18" charset="0"/>
+              <a:cs typeface="Times New Roman" panose="02020603050405020304" pitchFamily="18" charset="0"/>
+            </a:endParaRPr>
+          </a:p>
+          <a:p>
+            <a:r>
+              <a:rPr lang="en-US" sz="600" dirty="0">
+                <a:solidFill>
+                  <a:schemeClr val="tx1"/>
+                </a:solidFill>
+                <a:latin typeface="Times New Roman" panose="02020603050405020304" pitchFamily="18" charset="0"/>
+                <a:cs typeface="Times New Roman" panose="02020603050405020304" pitchFamily="18" charset="0"/>
+              </a:rPr>
+              <a:t>dynamics = </a:t>
+            </a:r>
+            <a:r>
+              <a:rPr lang="en-US" sz="600" dirty="0" err="1">
+                <a:solidFill>
+                  <a:schemeClr val="tx1"/>
+                </a:solidFill>
+                <a:latin typeface="Times New Roman" panose="02020603050405020304" pitchFamily="18" charset="0"/>
+                <a:cs typeface="Times New Roman" panose="02020603050405020304" pitchFamily="18" charset="0"/>
+              </a:rPr>
+              <a:t>forceModel</a:t>
+            </a:r>
+            <a:r>
+              <a:rPr lang="en-US" sz="600" dirty="0">
+                <a:solidFill>
+                  <a:schemeClr val="tx1"/>
+                </a:solidFill>
+                <a:latin typeface="Times New Roman" panose="02020603050405020304" pitchFamily="18" charset="0"/>
+                <a:cs typeface="Times New Roman" panose="02020603050405020304" pitchFamily="18" charset="0"/>
+              </a:rPr>
+              <a:t> </a:t>
+            </a:r>
+          </a:p>
+          <a:p>
+            <a:r>
+              <a:rPr lang="en-US" sz="600" dirty="0" err="1">
+                <a:solidFill>
+                  <a:schemeClr val="tx1"/>
+                </a:solidFill>
+                <a:latin typeface="Times New Roman" panose="02020603050405020304" pitchFamily="18" charset="0"/>
+                <a:cs typeface="Times New Roman" panose="02020603050405020304" pitchFamily="18" charset="0"/>
+              </a:rPr>
+              <a:t>integratorType</a:t>
+            </a:r>
+            <a:r>
+              <a:rPr lang="en-US" sz="600" dirty="0">
+                <a:solidFill>
+                  <a:schemeClr val="tx1"/>
+                </a:solidFill>
+                <a:latin typeface="Times New Roman" panose="02020603050405020304" pitchFamily="18" charset="0"/>
+                <a:cs typeface="Times New Roman" panose="02020603050405020304" pitchFamily="18" charset="0"/>
+              </a:rPr>
+              <a:t> = RK4</a:t>
+            </a:r>
+          </a:p>
+          <a:p>
+            <a:r>
+              <a:rPr lang="en-US" sz="600" dirty="0" err="1">
+                <a:solidFill>
+                  <a:schemeClr val="tx1"/>
+                </a:solidFill>
+                <a:latin typeface="Times New Roman" panose="02020603050405020304" pitchFamily="18" charset="0"/>
+                <a:cs typeface="Times New Roman" panose="02020603050405020304" pitchFamily="18" charset="0"/>
+              </a:rPr>
+              <a:t>relTol</a:t>
+            </a:r>
+            <a:r>
+              <a:rPr lang="en-US" sz="600" dirty="0">
+                <a:solidFill>
+                  <a:schemeClr val="tx1"/>
+                </a:solidFill>
+                <a:latin typeface="Times New Roman" panose="02020603050405020304" pitchFamily="18" charset="0"/>
+                <a:cs typeface="Times New Roman" panose="02020603050405020304" pitchFamily="18" charset="0"/>
+              </a:rPr>
+              <a:t> = 1E-12</a:t>
+            </a:r>
+          </a:p>
+          <a:p>
+            <a:r>
+              <a:rPr lang="en-US" sz="600" dirty="0" err="1">
+                <a:solidFill>
+                  <a:schemeClr val="tx1"/>
+                </a:solidFill>
+                <a:latin typeface="Times New Roman" panose="02020603050405020304" pitchFamily="18" charset="0"/>
+                <a:cs typeface="Times New Roman" panose="02020603050405020304" pitchFamily="18" charset="0"/>
+              </a:rPr>
+              <a:t>absTol</a:t>
+            </a:r>
+            <a:r>
+              <a:rPr lang="en-US" sz="600" dirty="0">
+                <a:solidFill>
+                  <a:schemeClr val="tx1"/>
+                </a:solidFill>
+                <a:latin typeface="Times New Roman" panose="02020603050405020304" pitchFamily="18" charset="0"/>
+                <a:cs typeface="Times New Roman" panose="02020603050405020304" pitchFamily="18" charset="0"/>
+              </a:rPr>
+              <a:t> = 1E-12</a:t>
+            </a:r>
+          </a:p>
+        </p:txBody>
+      </p:sp>
+      <p:sp>
+        <p:nvSpPr>
+          <p:cNvPr id="11" name="Rectangle 10">
+            <a:extLst>
+              <a:ext uri="{FF2B5EF4-FFF2-40B4-BE49-F238E27FC236}">
+                <a16:creationId xmlns:a16="http://schemas.microsoft.com/office/drawing/2014/main" id="{E055FABE-60CC-3EBD-5991-E34898FA4D46}"/>
+              </a:ext>
+            </a:extLst>
+          </p:cNvPr>
+          <p:cNvSpPr/>
+          <p:nvPr/>
+        </p:nvSpPr>
+        <p:spPr>
+          <a:xfrm>
+            <a:off x="3254287" y="4939785"/>
+            <a:ext cx="1920240" cy="1737360"/>
+          </a:xfrm>
+          <a:prstGeom prst="rect">
+            <a:avLst/>
+          </a:prstGeom>
+          <a:solidFill>
+            <a:schemeClr val="bg1"/>
+          </a:solidFill>
+          <a:ln>
+            <a:solidFill>
+              <a:schemeClr val="tx1"/>
+            </a:solidFill>
+          </a:ln>
+        </p:spPr>
+        <p:style>
+          <a:lnRef idx="2">
+            <a:schemeClr val="accent1">
+              <a:shade val="15000"/>
+            </a:schemeClr>
+          </a:lnRef>
+          <a:fillRef idx="1">
+            <a:schemeClr val="accent1"/>
+          </a:fillRef>
+          <a:effectRef idx="0">
+            <a:schemeClr val="accent1"/>
+          </a:effectRef>
+          <a:fontRef idx="minor">
+            <a:schemeClr val="lt1"/>
+          </a:fontRef>
+        </p:style>
+        <p:txBody>
+          <a:bodyPr rtlCol="0" anchor="t"/>
+          <a:lstStyle/>
+          <a:p>
+            <a:r>
+              <a:rPr lang="en-US" sz="600" b="1" u="sng" dirty="0">
+                <a:solidFill>
+                  <a:schemeClr val="tx1"/>
+                </a:solidFill>
+                <a:latin typeface="Times New Roman" panose="02020603050405020304" pitchFamily="18" charset="0"/>
+                <a:cs typeface="Times New Roman" panose="02020603050405020304" pitchFamily="18" charset="0"/>
+              </a:rPr>
+              <a:t>SV</a:t>
+            </a:r>
+          </a:p>
+          <a:p>
+            <a:endParaRPr lang="en-US" sz="600" b="1" u="sng" dirty="0">
+              <a:solidFill>
+                <a:schemeClr val="tx1"/>
+              </a:solidFill>
+              <a:latin typeface="Times New Roman" panose="02020603050405020304" pitchFamily="18" charset="0"/>
+              <a:cs typeface="Times New Roman" panose="02020603050405020304" pitchFamily="18" charset="0"/>
+            </a:endParaRPr>
+          </a:p>
+          <a:p>
+            <a:r>
+              <a:rPr lang="en-US" sz="600" b="1" u="sng" dirty="0">
+                <a:solidFill>
+                  <a:schemeClr val="tx1"/>
+                </a:solidFill>
+                <a:latin typeface="Times New Roman" panose="02020603050405020304" pitchFamily="18" charset="0"/>
+                <a:cs typeface="Times New Roman" panose="02020603050405020304" pitchFamily="18" charset="0"/>
+              </a:rPr>
+              <a:t>State Properties</a:t>
+            </a:r>
+          </a:p>
+          <a:p>
+            <a:r>
+              <a:rPr lang="en-US" sz="600" dirty="0" err="1">
+                <a:solidFill>
+                  <a:schemeClr val="tx1"/>
+                </a:solidFill>
+                <a:latin typeface="Times New Roman" panose="02020603050405020304" pitchFamily="18" charset="0"/>
+                <a:cs typeface="Times New Roman" panose="02020603050405020304" pitchFamily="18" charset="0"/>
+              </a:rPr>
+              <a:t>stateCurrent</a:t>
+            </a:r>
+            <a:r>
+              <a:rPr lang="en-US" sz="600" dirty="0">
+                <a:solidFill>
+                  <a:schemeClr val="tx1"/>
+                </a:solidFill>
+                <a:latin typeface="Times New Roman" panose="02020603050405020304" pitchFamily="18" charset="0"/>
+                <a:cs typeface="Times New Roman" panose="02020603050405020304" pitchFamily="18" charset="0"/>
+              </a:rPr>
+              <a:t> = [rSat,0,0,vSat,0,0]</a:t>
+            </a:r>
+          </a:p>
+          <a:p>
+            <a:r>
+              <a:rPr lang="en-US" sz="600" dirty="0" err="1">
+                <a:solidFill>
+                  <a:schemeClr val="tx1"/>
+                </a:solidFill>
+                <a:latin typeface="Times New Roman" panose="02020603050405020304" pitchFamily="18" charset="0"/>
+                <a:cs typeface="Times New Roman" panose="02020603050405020304" pitchFamily="18" charset="0"/>
+              </a:rPr>
+              <a:t>stateHistory</a:t>
+            </a:r>
+            <a:r>
+              <a:rPr lang="en-US" sz="600" dirty="0">
+                <a:solidFill>
+                  <a:schemeClr val="tx1"/>
+                </a:solidFill>
+                <a:latin typeface="Times New Roman" panose="02020603050405020304" pitchFamily="18" charset="0"/>
+                <a:cs typeface="Times New Roman" panose="02020603050405020304" pitchFamily="18" charset="0"/>
+              </a:rPr>
+              <a:t> = [rSat,0,0,vSat,0,0]</a:t>
+            </a:r>
+          </a:p>
+          <a:p>
+            <a:endParaRPr lang="en-US" sz="600" dirty="0">
+              <a:solidFill>
+                <a:schemeClr val="tx1"/>
+              </a:solidFill>
+              <a:latin typeface="Times New Roman" panose="02020603050405020304" pitchFamily="18" charset="0"/>
+              <a:cs typeface="Times New Roman" panose="02020603050405020304" pitchFamily="18" charset="0"/>
+            </a:endParaRPr>
+          </a:p>
+          <a:p>
+            <a:r>
+              <a:rPr lang="en-US" sz="600" b="1" u="sng" dirty="0">
+                <a:solidFill>
+                  <a:schemeClr val="tx1"/>
+                </a:solidFill>
+                <a:latin typeface="Times New Roman" panose="02020603050405020304" pitchFamily="18" charset="0"/>
+                <a:cs typeface="Times New Roman" panose="02020603050405020304" pitchFamily="18" charset="0"/>
+              </a:rPr>
+              <a:t>Physical Properties</a:t>
+            </a:r>
+          </a:p>
+          <a:p>
+            <a:r>
+              <a:rPr lang="en-US" sz="600" dirty="0">
+                <a:solidFill>
+                  <a:schemeClr val="tx1"/>
+                </a:solidFill>
+                <a:latin typeface="Times New Roman" panose="02020603050405020304" pitchFamily="18" charset="0"/>
+                <a:cs typeface="Times New Roman" panose="02020603050405020304" pitchFamily="18" charset="0"/>
+              </a:rPr>
+              <a:t>mass = mass</a:t>
+            </a:r>
+          </a:p>
+          <a:p>
+            <a:r>
+              <a:rPr lang="en-US" sz="600" dirty="0">
+                <a:solidFill>
+                  <a:schemeClr val="tx1"/>
+                </a:solidFill>
+                <a:latin typeface="Times New Roman" panose="02020603050405020304" pitchFamily="18" charset="0"/>
+                <a:cs typeface="Times New Roman" panose="02020603050405020304" pitchFamily="18" charset="0"/>
+              </a:rPr>
+              <a:t>mu = mu</a:t>
+            </a:r>
+          </a:p>
+          <a:p>
+            <a:r>
+              <a:rPr lang="en-US" sz="600" dirty="0">
+                <a:solidFill>
+                  <a:schemeClr val="tx1"/>
+                </a:solidFill>
+                <a:latin typeface="Times New Roman" panose="02020603050405020304" pitchFamily="18" charset="0"/>
+                <a:cs typeface="Times New Roman" panose="02020603050405020304" pitchFamily="18" charset="0"/>
+              </a:rPr>
+              <a:t>j2 = j2</a:t>
+            </a:r>
+          </a:p>
+          <a:p>
+            <a:r>
+              <a:rPr lang="en-US" sz="600" dirty="0">
+                <a:solidFill>
+                  <a:schemeClr val="tx1"/>
+                </a:solidFill>
+                <a:latin typeface="Times New Roman" panose="02020603050405020304" pitchFamily="18" charset="0"/>
+                <a:cs typeface="Times New Roman" panose="02020603050405020304" pitchFamily="18" charset="0"/>
+              </a:rPr>
+              <a:t>radius = radius</a:t>
+            </a:r>
+          </a:p>
+          <a:p>
+            <a:endParaRPr lang="en-US" sz="600" dirty="0">
+              <a:solidFill>
+                <a:schemeClr val="tx1"/>
+              </a:solidFill>
+              <a:latin typeface="Times New Roman" panose="02020603050405020304" pitchFamily="18" charset="0"/>
+              <a:cs typeface="Times New Roman" panose="02020603050405020304" pitchFamily="18" charset="0"/>
+            </a:endParaRPr>
+          </a:p>
+          <a:p>
+            <a:r>
+              <a:rPr lang="en-US" sz="600" b="1" u="sng" dirty="0">
+                <a:solidFill>
+                  <a:schemeClr val="tx1"/>
+                </a:solidFill>
+                <a:latin typeface="Times New Roman" panose="02020603050405020304" pitchFamily="18" charset="0"/>
+                <a:cs typeface="Times New Roman" panose="02020603050405020304" pitchFamily="18" charset="0"/>
+              </a:rPr>
+              <a:t>Propagation Properties</a:t>
+            </a:r>
+          </a:p>
+          <a:p>
+            <a:r>
+              <a:rPr lang="en-US" sz="600" dirty="0" err="1">
+                <a:solidFill>
+                  <a:schemeClr val="tx1"/>
+                </a:solidFill>
+                <a:latin typeface="Times New Roman" panose="02020603050405020304" pitchFamily="18" charset="0"/>
+                <a:cs typeface="Times New Roman" panose="02020603050405020304" pitchFamily="18" charset="0"/>
+              </a:rPr>
+              <a:t>forceModel</a:t>
+            </a:r>
+            <a:r>
+              <a:rPr lang="en-US" sz="600" dirty="0">
+                <a:solidFill>
+                  <a:schemeClr val="tx1"/>
+                </a:solidFill>
+                <a:latin typeface="Times New Roman" panose="02020603050405020304" pitchFamily="18" charset="0"/>
+                <a:cs typeface="Times New Roman" panose="02020603050405020304" pitchFamily="18" charset="0"/>
+              </a:rPr>
+              <a:t> = [</a:t>
+            </a:r>
+            <a:r>
+              <a:rPr lang="en-US" sz="600" dirty="0" err="1">
+                <a:solidFill>
+                  <a:schemeClr val="tx1"/>
+                </a:solidFill>
+                <a:latin typeface="Times New Roman" panose="02020603050405020304" pitchFamily="18" charset="0"/>
+                <a:cs typeface="Times New Roman" panose="02020603050405020304" pitchFamily="18" charset="0"/>
+              </a:rPr>
+              <a:t>EarthPointMass</a:t>
+            </a:r>
+            <a:r>
+              <a:rPr lang="en-US" sz="600" dirty="0">
+                <a:solidFill>
+                  <a:schemeClr val="tx1"/>
+                </a:solidFill>
+                <a:latin typeface="Times New Roman" panose="02020603050405020304" pitchFamily="18" charset="0"/>
+                <a:cs typeface="Times New Roman" panose="02020603050405020304" pitchFamily="18" charset="0"/>
+              </a:rPr>
+              <a:t>, </a:t>
+            </a:r>
+            <a:r>
+              <a:rPr lang="en-US" sz="600" dirty="0" err="1">
+                <a:solidFill>
+                  <a:schemeClr val="tx1"/>
+                </a:solidFill>
+                <a:latin typeface="Times New Roman" panose="02020603050405020304" pitchFamily="18" charset="0"/>
+                <a:cs typeface="Times New Roman" panose="02020603050405020304" pitchFamily="18" charset="0"/>
+              </a:rPr>
+              <a:t>MoonPointMass</a:t>
+            </a:r>
+            <a:r>
+              <a:rPr lang="en-US" sz="600" dirty="0">
+                <a:solidFill>
+                  <a:schemeClr val="tx1"/>
+                </a:solidFill>
+                <a:latin typeface="Times New Roman" panose="02020603050405020304" pitchFamily="18" charset="0"/>
+                <a:cs typeface="Times New Roman" panose="02020603050405020304" pitchFamily="18" charset="0"/>
+              </a:rPr>
+              <a:t>]</a:t>
+            </a:r>
+          </a:p>
+          <a:p>
+            <a:r>
+              <a:rPr lang="en-US" sz="600" dirty="0">
+                <a:solidFill>
+                  <a:schemeClr val="tx1"/>
+                </a:solidFill>
+                <a:latin typeface="Times New Roman" panose="02020603050405020304" pitchFamily="18" charset="0"/>
+                <a:cs typeface="Times New Roman" panose="02020603050405020304" pitchFamily="18" charset="0"/>
+              </a:rPr>
+              <a:t>dynamics = </a:t>
+            </a:r>
+            <a:r>
+              <a:rPr lang="en-US" sz="600" dirty="0" err="1">
+                <a:solidFill>
+                  <a:schemeClr val="tx1"/>
+                </a:solidFill>
+                <a:latin typeface="Times New Roman" panose="02020603050405020304" pitchFamily="18" charset="0"/>
+                <a:cs typeface="Times New Roman" panose="02020603050405020304" pitchFamily="18" charset="0"/>
+              </a:rPr>
+              <a:t>forceModel</a:t>
+            </a:r>
+            <a:endParaRPr lang="en-US" sz="600" dirty="0">
+              <a:solidFill>
+                <a:schemeClr val="tx1"/>
+              </a:solidFill>
+              <a:latin typeface="Times New Roman" panose="02020603050405020304" pitchFamily="18" charset="0"/>
+              <a:cs typeface="Times New Roman" panose="02020603050405020304" pitchFamily="18" charset="0"/>
+            </a:endParaRPr>
+          </a:p>
+          <a:p>
+            <a:r>
+              <a:rPr lang="en-US" sz="600" dirty="0" err="1">
+                <a:solidFill>
+                  <a:schemeClr val="tx1"/>
+                </a:solidFill>
+                <a:latin typeface="Times New Roman" panose="02020603050405020304" pitchFamily="18" charset="0"/>
+                <a:cs typeface="Times New Roman" panose="02020603050405020304" pitchFamily="18" charset="0"/>
+              </a:rPr>
+              <a:t>integratorType</a:t>
+            </a:r>
+            <a:r>
+              <a:rPr lang="en-US" sz="600" dirty="0">
+                <a:solidFill>
+                  <a:schemeClr val="tx1"/>
+                </a:solidFill>
+                <a:latin typeface="Times New Roman" panose="02020603050405020304" pitchFamily="18" charset="0"/>
+                <a:cs typeface="Times New Roman" panose="02020603050405020304" pitchFamily="18" charset="0"/>
+              </a:rPr>
+              <a:t> = DOPRI5</a:t>
+            </a:r>
+          </a:p>
+          <a:p>
+            <a:r>
+              <a:rPr lang="en-US" sz="600" dirty="0" err="1">
+                <a:solidFill>
+                  <a:schemeClr val="tx1"/>
+                </a:solidFill>
+                <a:latin typeface="Times New Roman" panose="02020603050405020304" pitchFamily="18" charset="0"/>
+                <a:cs typeface="Times New Roman" panose="02020603050405020304" pitchFamily="18" charset="0"/>
+              </a:rPr>
+              <a:t>relTol</a:t>
+            </a:r>
+            <a:r>
+              <a:rPr lang="en-US" sz="600" dirty="0">
+                <a:solidFill>
+                  <a:schemeClr val="tx1"/>
+                </a:solidFill>
+                <a:latin typeface="Times New Roman" panose="02020603050405020304" pitchFamily="18" charset="0"/>
+                <a:cs typeface="Times New Roman" panose="02020603050405020304" pitchFamily="18" charset="0"/>
+              </a:rPr>
+              <a:t> = 1E-12</a:t>
+            </a:r>
+          </a:p>
+          <a:p>
+            <a:r>
+              <a:rPr lang="en-US" sz="600" dirty="0" err="1">
+                <a:solidFill>
+                  <a:schemeClr val="tx1"/>
+                </a:solidFill>
+                <a:latin typeface="Times New Roman" panose="02020603050405020304" pitchFamily="18" charset="0"/>
+                <a:cs typeface="Times New Roman" panose="02020603050405020304" pitchFamily="18" charset="0"/>
+              </a:rPr>
+              <a:t>absTol</a:t>
+            </a:r>
+            <a:r>
+              <a:rPr lang="en-US" sz="600" dirty="0">
+                <a:solidFill>
+                  <a:schemeClr val="tx1"/>
+                </a:solidFill>
+                <a:latin typeface="Times New Roman" panose="02020603050405020304" pitchFamily="18" charset="0"/>
+                <a:cs typeface="Times New Roman" panose="02020603050405020304" pitchFamily="18" charset="0"/>
+              </a:rPr>
+              <a:t> = 1E-12</a:t>
+            </a:r>
+          </a:p>
+        </p:txBody>
+      </p:sp>
+      <p:cxnSp>
+        <p:nvCxnSpPr>
+          <p:cNvPr id="13" name="Straight Arrow Connector 12">
+            <a:extLst>
+              <a:ext uri="{FF2B5EF4-FFF2-40B4-BE49-F238E27FC236}">
+                <a16:creationId xmlns:a16="http://schemas.microsoft.com/office/drawing/2014/main" id="{718209C4-9823-543A-A2FA-DB68F2BC2C50}"/>
+              </a:ext>
+            </a:extLst>
+          </p:cNvPr>
+          <p:cNvCxnSpPr>
+            <a:cxnSpLocks/>
+            <a:stCxn id="6" idx="2"/>
+            <a:endCxn id="3" idx="0"/>
+          </p:cNvCxnSpPr>
+          <p:nvPr/>
+        </p:nvCxnSpPr>
+        <p:spPr>
+          <a:xfrm>
+            <a:off x="9071582" y="1614240"/>
+            <a:ext cx="1" cy="879797"/>
+          </a:xfrm>
+          <a:prstGeom prst="straightConnector1">
+            <a:avLst/>
+          </a:prstGeom>
+          <a:ln>
+            <a:tailEnd type="triangle"/>
+          </a:ln>
+        </p:spPr>
+        <p:style>
+          <a:lnRef idx="2">
+            <a:schemeClr val="accent1"/>
+          </a:lnRef>
+          <a:fillRef idx="0">
+            <a:schemeClr val="accent1"/>
+          </a:fillRef>
+          <a:effectRef idx="1">
+            <a:schemeClr val="accent1"/>
+          </a:effectRef>
+          <a:fontRef idx="minor">
+            <a:schemeClr val="tx1"/>
+          </a:fontRef>
+        </p:style>
+      </p:cxnSp>
+      <p:sp>
+        <p:nvSpPr>
+          <p:cNvPr id="16" name="Oval 15">
+            <a:extLst>
+              <a:ext uri="{FF2B5EF4-FFF2-40B4-BE49-F238E27FC236}">
+                <a16:creationId xmlns:a16="http://schemas.microsoft.com/office/drawing/2014/main" id="{3A78EADD-AEB6-B2BD-7C80-FD7B981594C6}"/>
+              </a:ext>
+            </a:extLst>
+          </p:cNvPr>
+          <p:cNvSpPr/>
+          <p:nvPr/>
+        </p:nvSpPr>
+        <p:spPr>
+          <a:xfrm>
+            <a:off x="6077715" y="3158115"/>
+            <a:ext cx="431142" cy="431142"/>
+          </a:xfrm>
+          <a:prstGeom prst="ellipse">
+            <a:avLst/>
+          </a:prstGeom>
+        </p:spPr>
+        <p:style>
+          <a:lnRef idx="2">
+            <a:schemeClr val="accent1">
+              <a:shade val="15000"/>
+            </a:schemeClr>
+          </a:lnRef>
+          <a:fillRef idx="1">
+            <a:schemeClr val="accent1"/>
+          </a:fillRef>
+          <a:effectRef idx="0">
+            <a:schemeClr val="accent1"/>
+          </a:effectRef>
+          <a:fontRef idx="minor">
+            <a:schemeClr val="lt1"/>
+          </a:fontRef>
+        </p:style>
+        <p:txBody>
+          <a:bodyPr rtlCol="0" anchor="ctr"/>
+          <a:lstStyle/>
+          <a:p>
+            <a:pPr algn="ctr"/>
+            <a:r>
+              <a:rPr lang="en-US" dirty="0"/>
+              <a:t>+</a:t>
+            </a:r>
+          </a:p>
+        </p:txBody>
+      </p:sp>
+      <p:cxnSp>
+        <p:nvCxnSpPr>
+          <p:cNvPr id="18" name="Connector: Elbow 17">
+            <a:extLst>
+              <a:ext uri="{FF2B5EF4-FFF2-40B4-BE49-F238E27FC236}">
+                <a16:creationId xmlns:a16="http://schemas.microsoft.com/office/drawing/2014/main" id="{305DAD26-A538-9B43-4791-0FDBB537EE6B}"/>
+              </a:ext>
+            </a:extLst>
+          </p:cNvPr>
+          <p:cNvCxnSpPr>
+            <a:stCxn id="8" idx="3"/>
+            <a:endCxn id="16" idx="0"/>
+          </p:cNvCxnSpPr>
+          <p:nvPr/>
+        </p:nvCxnSpPr>
+        <p:spPr>
+          <a:xfrm>
+            <a:off x="5174527" y="1030778"/>
+            <a:ext cx="1118759" cy="2127337"/>
+          </a:xfrm>
+          <a:prstGeom prst="bentConnector2">
+            <a:avLst/>
+          </a:prstGeom>
+          <a:ln>
+            <a:tailEnd type="triangle"/>
+          </a:ln>
+        </p:spPr>
+        <p:style>
+          <a:lnRef idx="2">
+            <a:schemeClr val="accent1"/>
+          </a:lnRef>
+          <a:fillRef idx="0">
+            <a:schemeClr val="accent1"/>
+          </a:fillRef>
+          <a:effectRef idx="1">
+            <a:schemeClr val="accent1"/>
+          </a:effectRef>
+          <a:fontRef idx="minor">
+            <a:schemeClr val="tx1"/>
+          </a:fontRef>
+        </p:style>
+      </p:cxnSp>
+      <p:cxnSp>
+        <p:nvCxnSpPr>
+          <p:cNvPr id="19" name="Connector: Elbow 18">
+            <a:extLst>
+              <a:ext uri="{FF2B5EF4-FFF2-40B4-BE49-F238E27FC236}">
+                <a16:creationId xmlns:a16="http://schemas.microsoft.com/office/drawing/2014/main" id="{9F2F0B1E-CA3E-48DC-F47D-EB5B91153E07}"/>
+              </a:ext>
+            </a:extLst>
+          </p:cNvPr>
+          <p:cNvCxnSpPr>
+            <a:cxnSpLocks/>
+            <a:stCxn id="11" idx="3"/>
+            <a:endCxn id="16" idx="4"/>
+          </p:cNvCxnSpPr>
+          <p:nvPr/>
+        </p:nvCxnSpPr>
+        <p:spPr>
+          <a:xfrm flipV="1">
+            <a:off x="5174527" y="3589257"/>
+            <a:ext cx="1118759" cy="2219208"/>
+          </a:xfrm>
+          <a:prstGeom prst="bentConnector2">
+            <a:avLst/>
+          </a:prstGeom>
+          <a:ln>
+            <a:tailEnd type="triangle"/>
+          </a:ln>
+        </p:spPr>
+        <p:style>
+          <a:lnRef idx="2">
+            <a:schemeClr val="accent1"/>
+          </a:lnRef>
+          <a:fillRef idx="0">
+            <a:schemeClr val="accent1"/>
+          </a:fillRef>
+          <a:effectRef idx="1">
+            <a:schemeClr val="accent1"/>
+          </a:effectRef>
+          <a:fontRef idx="minor">
+            <a:schemeClr val="tx1"/>
+          </a:fontRef>
+        </p:style>
+      </p:cxnSp>
+      <p:cxnSp>
+        <p:nvCxnSpPr>
+          <p:cNvPr id="23" name="Straight Arrow Connector 22">
+            <a:extLst>
+              <a:ext uri="{FF2B5EF4-FFF2-40B4-BE49-F238E27FC236}">
+                <a16:creationId xmlns:a16="http://schemas.microsoft.com/office/drawing/2014/main" id="{89290E71-05C3-05F3-7576-5C16DADCB22C}"/>
+              </a:ext>
+            </a:extLst>
+          </p:cNvPr>
+          <p:cNvCxnSpPr>
+            <a:stCxn id="9" idx="3"/>
+            <a:endCxn id="16" idx="2"/>
+          </p:cNvCxnSpPr>
+          <p:nvPr/>
+        </p:nvCxnSpPr>
+        <p:spPr>
+          <a:xfrm>
+            <a:off x="5174527" y="3373686"/>
+            <a:ext cx="903188" cy="0"/>
+          </a:xfrm>
+          <a:prstGeom prst="straightConnector1">
+            <a:avLst/>
+          </a:prstGeom>
+          <a:ln>
+            <a:tailEnd type="triangle"/>
+          </a:ln>
+        </p:spPr>
+        <p:style>
+          <a:lnRef idx="2">
+            <a:schemeClr val="accent1"/>
+          </a:lnRef>
+          <a:fillRef idx="0">
+            <a:schemeClr val="accent1"/>
+          </a:fillRef>
+          <a:effectRef idx="1">
+            <a:schemeClr val="accent1"/>
+          </a:effectRef>
+          <a:fontRef idx="minor">
+            <a:schemeClr val="tx1"/>
+          </a:fontRef>
+        </p:style>
+      </p:cxnSp>
+      <p:cxnSp>
+        <p:nvCxnSpPr>
+          <p:cNvPr id="24" name="Straight Arrow Connector 23">
+            <a:extLst>
+              <a:ext uri="{FF2B5EF4-FFF2-40B4-BE49-F238E27FC236}">
+                <a16:creationId xmlns:a16="http://schemas.microsoft.com/office/drawing/2014/main" id="{C4B9F300-0A08-F5B9-EFCB-C7595696F5BE}"/>
+              </a:ext>
+            </a:extLst>
+          </p:cNvPr>
+          <p:cNvCxnSpPr>
+            <a:cxnSpLocks/>
+            <a:stCxn id="16" idx="6"/>
+            <a:endCxn id="3" idx="1"/>
+          </p:cNvCxnSpPr>
+          <p:nvPr/>
+        </p:nvCxnSpPr>
+        <p:spPr>
+          <a:xfrm>
+            <a:off x="6508857" y="3373686"/>
+            <a:ext cx="512861" cy="0"/>
+          </a:xfrm>
+          <a:prstGeom prst="straightConnector1">
+            <a:avLst/>
+          </a:prstGeom>
+          <a:ln>
+            <a:tailEnd type="triangle"/>
+          </a:ln>
+        </p:spPr>
+        <p:style>
+          <a:lnRef idx="2">
+            <a:schemeClr val="accent1"/>
+          </a:lnRef>
+          <a:fillRef idx="0">
+            <a:schemeClr val="accent1"/>
+          </a:fillRef>
+          <a:effectRef idx="1">
+            <a:schemeClr val="accent1"/>
+          </a:effectRef>
+          <a:fontRef idx="minor">
+            <a:schemeClr val="tx1"/>
+          </a:fontRef>
+        </p:style>
+      </p:cxnSp>
+      <p:sp>
+        <p:nvSpPr>
+          <p:cNvPr id="27" name="Rectangle 26">
+            <a:extLst>
+              <a:ext uri="{FF2B5EF4-FFF2-40B4-BE49-F238E27FC236}">
+                <a16:creationId xmlns:a16="http://schemas.microsoft.com/office/drawing/2014/main" id="{56B0BC65-6560-B59B-120D-2606BB1C8CC7}"/>
+              </a:ext>
+            </a:extLst>
+          </p:cNvPr>
+          <p:cNvSpPr/>
+          <p:nvPr/>
+        </p:nvSpPr>
+        <p:spPr>
+          <a:xfrm>
+            <a:off x="164073" y="1740962"/>
+            <a:ext cx="1181252" cy="621894"/>
+          </a:xfrm>
+          <a:prstGeom prst="rect">
+            <a:avLst/>
+          </a:prstGeom>
+          <a:noFill/>
+          <a:ln>
+            <a:solidFill>
+              <a:schemeClr val="tx1"/>
+            </a:solidFill>
+          </a:ln>
+        </p:spPr>
+        <p:style>
+          <a:lnRef idx="2">
+            <a:schemeClr val="accent1">
+              <a:shade val="15000"/>
+            </a:schemeClr>
+          </a:lnRef>
+          <a:fillRef idx="1">
+            <a:schemeClr val="accent1"/>
+          </a:fillRef>
+          <a:effectRef idx="0">
+            <a:schemeClr val="accent1"/>
+          </a:effectRef>
+          <a:fontRef idx="minor">
+            <a:schemeClr val="lt1"/>
+          </a:fontRef>
+        </p:style>
+        <p:txBody>
+          <a:bodyPr rtlCol="0" anchor="t"/>
+          <a:lstStyle/>
+          <a:p>
+            <a:r>
+              <a:rPr lang="en-US" sz="800" b="1" u="sng" dirty="0">
+                <a:solidFill>
+                  <a:schemeClr val="tx1"/>
+                </a:solidFill>
+                <a:latin typeface="Times New Roman" panose="02020603050405020304" pitchFamily="18" charset="0"/>
+                <a:cs typeface="Times New Roman" panose="02020603050405020304" pitchFamily="18" charset="0"/>
+              </a:rPr>
+              <a:t>Integrator Element</a:t>
+            </a:r>
+          </a:p>
+          <a:p>
+            <a:r>
+              <a:rPr lang="en-US" sz="800" dirty="0">
+                <a:solidFill>
+                  <a:schemeClr val="tx1"/>
+                </a:solidFill>
+                <a:latin typeface="Times New Roman" panose="02020603050405020304" pitchFamily="18" charset="0"/>
+                <a:cs typeface="Times New Roman" panose="02020603050405020304" pitchFamily="18" charset="0"/>
+              </a:rPr>
+              <a:t>RK4</a:t>
+            </a:r>
+          </a:p>
+          <a:p>
+            <a:r>
+              <a:rPr lang="en-US" sz="800" dirty="0">
+                <a:solidFill>
+                  <a:schemeClr val="tx1"/>
+                </a:solidFill>
+                <a:latin typeface="Times New Roman" panose="02020603050405020304" pitchFamily="18" charset="0"/>
+                <a:cs typeface="Times New Roman" panose="02020603050405020304" pitchFamily="18" charset="0"/>
+              </a:rPr>
+              <a:t>DOPRI5</a:t>
+            </a:r>
+          </a:p>
+          <a:p>
+            <a:endParaRPr lang="en-US" sz="800" dirty="0">
+              <a:solidFill>
+                <a:schemeClr val="tx1"/>
+              </a:solidFill>
+              <a:latin typeface="Times New Roman" panose="02020603050405020304" pitchFamily="18" charset="0"/>
+              <a:cs typeface="Times New Roman" panose="02020603050405020304" pitchFamily="18" charset="0"/>
+            </a:endParaRPr>
+          </a:p>
+          <a:p>
+            <a:endParaRPr lang="en-US" sz="800" dirty="0">
+              <a:solidFill>
+                <a:schemeClr val="tx1"/>
+              </a:solidFill>
+              <a:latin typeface="Times New Roman" panose="02020603050405020304" pitchFamily="18" charset="0"/>
+              <a:cs typeface="Times New Roman" panose="02020603050405020304" pitchFamily="18" charset="0"/>
+            </a:endParaRPr>
+          </a:p>
+          <a:p>
+            <a:endParaRPr lang="en-US" sz="800" dirty="0">
+              <a:solidFill>
+                <a:schemeClr val="tx1"/>
+              </a:solidFill>
+              <a:latin typeface="Times New Roman" panose="02020603050405020304" pitchFamily="18" charset="0"/>
+              <a:cs typeface="Times New Roman" panose="02020603050405020304" pitchFamily="18" charset="0"/>
+            </a:endParaRPr>
+          </a:p>
+          <a:p>
+            <a:endParaRPr lang="en-US" sz="800" b="1" u="sng" dirty="0">
+              <a:solidFill>
+                <a:schemeClr val="tx1"/>
+              </a:solidFill>
+              <a:latin typeface="Times New Roman" panose="02020603050405020304" pitchFamily="18" charset="0"/>
+              <a:cs typeface="Times New Roman" panose="02020603050405020304" pitchFamily="18" charset="0"/>
+            </a:endParaRPr>
+          </a:p>
+        </p:txBody>
+      </p:sp>
+      <p:sp>
+        <p:nvSpPr>
+          <p:cNvPr id="41" name="Rectangle 40">
+            <a:extLst>
+              <a:ext uri="{FF2B5EF4-FFF2-40B4-BE49-F238E27FC236}">
+                <a16:creationId xmlns:a16="http://schemas.microsoft.com/office/drawing/2014/main" id="{B193178C-CC37-0FD2-439F-BB98E7EF40F1}"/>
+              </a:ext>
+            </a:extLst>
+          </p:cNvPr>
+          <p:cNvSpPr/>
+          <p:nvPr/>
+        </p:nvSpPr>
+        <p:spPr>
+          <a:xfrm>
+            <a:off x="1206936" y="2725354"/>
+            <a:ext cx="731520" cy="274320"/>
+          </a:xfrm>
+          <a:prstGeom prst="rect">
+            <a:avLst/>
+          </a:prstGeom>
+          <a:noFill/>
+          <a:ln>
+            <a:solidFill>
+              <a:schemeClr val="tx1"/>
+            </a:solidFill>
+          </a:ln>
+        </p:spPr>
+        <p:style>
+          <a:lnRef idx="2">
+            <a:schemeClr val="accent1">
+              <a:shade val="15000"/>
+            </a:schemeClr>
+          </a:lnRef>
+          <a:fillRef idx="1">
+            <a:schemeClr val="accent1"/>
+          </a:fillRef>
+          <a:effectRef idx="0">
+            <a:schemeClr val="accent1"/>
+          </a:effectRef>
+          <a:fontRef idx="minor">
+            <a:schemeClr val="lt1"/>
+          </a:fontRef>
+        </p:style>
+        <p:txBody>
+          <a:bodyPr rtlCol="0" anchor="t"/>
+          <a:lstStyle/>
+          <a:p>
+            <a:r>
+              <a:rPr lang="en-US" sz="800" b="1" u="sng" dirty="0">
+                <a:solidFill>
+                  <a:schemeClr val="tx1"/>
+                </a:solidFill>
+                <a:latin typeface="Times New Roman" panose="02020603050405020304" pitchFamily="18" charset="0"/>
+                <a:cs typeface="Times New Roman" panose="02020603050405020304" pitchFamily="18" charset="0"/>
+              </a:rPr>
+              <a:t>RK4</a:t>
+            </a:r>
+          </a:p>
+          <a:p>
+            <a:endParaRPr lang="en-US" sz="800" dirty="0">
+              <a:solidFill>
+                <a:schemeClr val="tx1"/>
+              </a:solidFill>
+              <a:latin typeface="Times New Roman" panose="02020603050405020304" pitchFamily="18" charset="0"/>
+              <a:cs typeface="Times New Roman" panose="02020603050405020304" pitchFamily="18" charset="0"/>
+            </a:endParaRPr>
+          </a:p>
+          <a:p>
+            <a:endParaRPr lang="en-US" sz="800" dirty="0">
+              <a:solidFill>
+                <a:schemeClr val="tx1"/>
+              </a:solidFill>
+              <a:latin typeface="Times New Roman" panose="02020603050405020304" pitchFamily="18" charset="0"/>
+              <a:cs typeface="Times New Roman" panose="02020603050405020304" pitchFamily="18" charset="0"/>
+            </a:endParaRPr>
+          </a:p>
+          <a:p>
+            <a:endParaRPr lang="en-US" sz="800" dirty="0">
+              <a:solidFill>
+                <a:schemeClr val="tx1"/>
+              </a:solidFill>
+              <a:latin typeface="Times New Roman" panose="02020603050405020304" pitchFamily="18" charset="0"/>
+              <a:cs typeface="Times New Roman" panose="02020603050405020304" pitchFamily="18" charset="0"/>
+            </a:endParaRPr>
+          </a:p>
+          <a:p>
+            <a:endParaRPr lang="en-US" sz="800" b="1" u="sng" dirty="0">
+              <a:solidFill>
+                <a:schemeClr val="tx1"/>
+              </a:solidFill>
+              <a:latin typeface="Times New Roman" panose="02020603050405020304" pitchFamily="18" charset="0"/>
+              <a:cs typeface="Times New Roman" panose="02020603050405020304" pitchFamily="18" charset="0"/>
+            </a:endParaRPr>
+          </a:p>
+        </p:txBody>
+      </p:sp>
+      <p:sp>
+        <p:nvSpPr>
+          <p:cNvPr id="42" name="Rectangle 41">
+            <a:extLst>
+              <a:ext uri="{FF2B5EF4-FFF2-40B4-BE49-F238E27FC236}">
+                <a16:creationId xmlns:a16="http://schemas.microsoft.com/office/drawing/2014/main" id="{262188FC-CCB8-FC79-9576-BE02493DA860}"/>
+              </a:ext>
+            </a:extLst>
+          </p:cNvPr>
+          <p:cNvSpPr/>
+          <p:nvPr/>
+        </p:nvSpPr>
+        <p:spPr>
+          <a:xfrm>
+            <a:off x="1186838" y="3399854"/>
+            <a:ext cx="731520" cy="274320"/>
+          </a:xfrm>
+          <a:prstGeom prst="rect">
+            <a:avLst/>
+          </a:prstGeom>
+          <a:noFill/>
+          <a:ln>
+            <a:solidFill>
+              <a:schemeClr val="tx1"/>
+            </a:solidFill>
+          </a:ln>
+        </p:spPr>
+        <p:style>
+          <a:lnRef idx="2">
+            <a:schemeClr val="accent1">
+              <a:shade val="15000"/>
+            </a:schemeClr>
+          </a:lnRef>
+          <a:fillRef idx="1">
+            <a:schemeClr val="accent1"/>
+          </a:fillRef>
+          <a:effectRef idx="0">
+            <a:schemeClr val="accent1"/>
+          </a:effectRef>
+          <a:fontRef idx="minor">
+            <a:schemeClr val="lt1"/>
+          </a:fontRef>
+        </p:style>
+        <p:txBody>
+          <a:bodyPr rtlCol="0" anchor="t"/>
+          <a:lstStyle/>
+          <a:p>
+            <a:r>
+              <a:rPr lang="en-US" sz="800" b="1" u="sng" dirty="0">
+                <a:solidFill>
+                  <a:schemeClr val="tx1"/>
+                </a:solidFill>
+                <a:latin typeface="Times New Roman" panose="02020603050405020304" pitchFamily="18" charset="0"/>
+                <a:cs typeface="Times New Roman" panose="02020603050405020304" pitchFamily="18" charset="0"/>
+              </a:rPr>
+              <a:t>DOPRI5</a:t>
+            </a:r>
+          </a:p>
+          <a:p>
+            <a:endParaRPr lang="en-US" sz="800" dirty="0">
+              <a:solidFill>
+                <a:schemeClr val="tx1"/>
+              </a:solidFill>
+              <a:latin typeface="Times New Roman" panose="02020603050405020304" pitchFamily="18" charset="0"/>
+              <a:cs typeface="Times New Roman" panose="02020603050405020304" pitchFamily="18" charset="0"/>
+            </a:endParaRPr>
+          </a:p>
+          <a:p>
+            <a:endParaRPr lang="en-US" sz="800" dirty="0">
+              <a:solidFill>
+                <a:schemeClr val="tx1"/>
+              </a:solidFill>
+              <a:latin typeface="Times New Roman" panose="02020603050405020304" pitchFamily="18" charset="0"/>
+              <a:cs typeface="Times New Roman" panose="02020603050405020304" pitchFamily="18" charset="0"/>
+            </a:endParaRPr>
+          </a:p>
+          <a:p>
+            <a:endParaRPr lang="en-US" sz="800" dirty="0">
+              <a:solidFill>
+                <a:schemeClr val="tx1"/>
+              </a:solidFill>
+              <a:latin typeface="Times New Roman" panose="02020603050405020304" pitchFamily="18" charset="0"/>
+              <a:cs typeface="Times New Roman" panose="02020603050405020304" pitchFamily="18" charset="0"/>
+            </a:endParaRPr>
+          </a:p>
+          <a:p>
+            <a:endParaRPr lang="en-US" sz="800" b="1" u="sng" dirty="0">
+              <a:solidFill>
+                <a:schemeClr val="tx1"/>
+              </a:solidFill>
+              <a:latin typeface="Times New Roman" panose="02020603050405020304" pitchFamily="18" charset="0"/>
+              <a:cs typeface="Times New Roman" panose="02020603050405020304" pitchFamily="18" charset="0"/>
+            </a:endParaRPr>
+          </a:p>
+        </p:txBody>
+      </p:sp>
+      <p:cxnSp>
+        <p:nvCxnSpPr>
+          <p:cNvPr id="43" name="Connector: Elbow 42">
+            <a:extLst>
+              <a:ext uri="{FF2B5EF4-FFF2-40B4-BE49-F238E27FC236}">
+                <a16:creationId xmlns:a16="http://schemas.microsoft.com/office/drawing/2014/main" id="{083A02CF-7C4D-A691-5AAB-7EEEC7FD54E3}"/>
+              </a:ext>
+            </a:extLst>
+          </p:cNvPr>
+          <p:cNvCxnSpPr>
+            <a:cxnSpLocks/>
+            <a:stCxn id="27" idx="2"/>
+            <a:endCxn id="41" idx="1"/>
+          </p:cNvCxnSpPr>
+          <p:nvPr/>
+        </p:nvCxnSpPr>
+        <p:spPr>
+          <a:xfrm rot="16200000" flipH="1">
+            <a:off x="730988" y="2386566"/>
+            <a:ext cx="499658" cy="452237"/>
+          </a:xfrm>
+          <a:prstGeom prst="bentConnector2">
+            <a:avLst/>
+          </a:prstGeom>
+          <a:ln>
+            <a:tailEnd type="triangle"/>
+          </a:ln>
+        </p:spPr>
+        <p:style>
+          <a:lnRef idx="2">
+            <a:schemeClr val="accent1"/>
+          </a:lnRef>
+          <a:fillRef idx="0">
+            <a:schemeClr val="accent1"/>
+          </a:fillRef>
+          <a:effectRef idx="1">
+            <a:schemeClr val="accent1"/>
+          </a:effectRef>
+          <a:fontRef idx="minor">
+            <a:schemeClr val="tx1"/>
+          </a:fontRef>
+        </p:style>
+      </p:cxnSp>
+      <p:cxnSp>
+        <p:nvCxnSpPr>
+          <p:cNvPr id="47" name="Connector: Elbow 46">
+            <a:extLst>
+              <a:ext uri="{FF2B5EF4-FFF2-40B4-BE49-F238E27FC236}">
+                <a16:creationId xmlns:a16="http://schemas.microsoft.com/office/drawing/2014/main" id="{E8D9B3AC-B26C-4A60-6359-05D8C34DD71F}"/>
+              </a:ext>
+            </a:extLst>
+          </p:cNvPr>
+          <p:cNvCxnSpPr>
+            <a:cxnSpLocks/>
+            <a:stCxn id="27" idx="2"/>
+            <a:endCxn id="42" idx="1"/>
+          </p:cNvCxnSpPr>
+          <p:nvPr/>
+        </p:nvCxnSpPr>
+        <p:spPr>
+          <a:xfrm rot="16200000" flipH="1">
+            <a:off x="383689" y="2733865"/>
+            <a:ext cx="1174158" cy="432139"/>
+          </a:xfrm>
+          <a:prstGeom prst="bentConnector2">
+            <a:avLst/>
+          </a:prstGeom>
+          <a:ln>
+            <a:tailEnd type="triangle"/>
+          </a:ln>
+        </p:spPr>
+        <p:style>
+          <a:lnRef idx="2">
+            <a:schemeClr val="accent1"/>
+          </a:lnRef>
+          <a:fillRef idx="0">
+            <a:schemeClr val="accent1"/>
+          </a:fillRef>
+          <a:effectRef idx="1">
+            <a:schemeClr val="accent1"/>
+          </a:effectRef>
+          <a:fontRef idx="minor">
+            <a:schemeClr val="tx1"/>
+          </a:fontRef>
+        </p:style>
+      </p:cxnSp>
+      <p:cxnSp>
+        <p:nvCxnSpPr>
+          <p:cNvPr id="50" name="Connector: Elbow 49">
+            <a:extLst>
+              <a:ext uri="{FF2B5EF4-FFF2-40B4-BE49-F238E27FC236}">
+                <a16:creationId xmlns:a16="http://schemas.microsoft.com/office/drawing/2014/main" id="{14F4983A-08E0-AB64-01BE-3E7DC81FF60C}"/>
+              </a:ext>
+            </a:extLst>
+          </p:cNvPr>
+          <p:cNvCxnSpPr>
+            <a:cxnSpLocks/>
+            <a:stCxn id="41" idx="3"/>
+            <a:endCxn id="2" idx="1"/>
+          </p:cNvCxnSpPr>
+          <p:nvPr/>
+        </p:nvCxnSpPr>
+        <p:spPr>
+          <a:xfrm flipV="1">
+            <a:off x="1938456" y="1030778"/>
+            <a:ext cx="412643" cy="1831736"/>
+          </a:xfrm>
+          <a:prstGeom prst="bentConnector3">
+            <a:avLst>
+              <a:gd name="adj1" fmla="val 50000"/>
+            </a:avLst>
+          </a:prstGeom>
+          <a:ln>
+            <a:tailEnd type="triangle"/>
+          </a:ln>
+        </p:spPr>
+        <p:style>
+          <a:lnRef idx="2">
+            <a:schemeClr val="accent1"/>
+          </a:lnRef>
+          <a:fillRef idx="0">
+            <a:schemeClr val="accent1"/>
+          </a:fillRef>
+          <a:effectRef idx="1">
+            <a:schemeClr val="accent1"/>
+          </a:effectRef>
+          <a:fontRef idx="minor">
+            <a:schemeClr val="tx1"/>
+          </a:fontRef>
+        </p:style>
+      </p:cxnSp>
+      <p:cxnSp>
+        <p:nvCxnSpPr>
+          <p:cNvPr id="53" name="Connector: Elbow 52">
+            <a:extLst>
+              <a:ext uri="{FF2B5EF4-FFF2-40B4-BE49-F238E27FC236}">
+                <a16:creationId xmlns:a16="http://schemas.microsoft.com/office/drawing/2014/main" id="{63D84F03-044C-AEBA-8A4A-5320B055F3E1}"/>
+              </a:ext>
+            </a:extLst>
+          </p:cNvPr>
+          <p:cNvCxnSpPr>
+            <a:cxnSpLocks/>
+            <a:stCxn id="41" idx="3"/>
+            <a:endCxn id="4" idx="1"/>
+          </p:cNvCxnSpPr>
+          <p:nvPr/>
+        </p:nvCxnSpPr>
+        <p:spPr>
+          <a:xfrm>
+            <a:off x="1938456" y="2862514"/>
+            <a:ext cx="412643" cy="511172"/>
+          </a:xfrm>
+          <a:prstGeom prst="bentConnector3">
+            <a:avLst>
+              <a:gd name="adj1" fmla="val 50000"/>
+            </a:avLst>
+          </a:prstGeom>
+          <a:ln>
+            <a:tailEnd type="triangle"/>
+          </a:ln>
+        </p:spPr>
+        <p:style>
+          <a:lnRef idx="2">
+            <a:schemeClr val="accent1"/>
+          </a:lnRef>
+          <a:fillRef idx="0">
+            <a:schemeClr val="accent1"/>
+          </a:fillRef>
+          <a:effectRef idx="1">
+            <a:schemeClr val="accent1"/>
+          </a:effectRef>
+          <a:fontRef idx="minor">
+            <a:schemeClr val="tx1"/>
+          </a:fontRef>
+        </p:style>
+      </p:cxnSp>
+      <p:cxnSp>
+        <p:nvCxnSpPr>
+          <p:cNvPr id="56" name="Connector: Elbow 55">
+            <a:extLst>
+              <a:ext uri="{FF2B5EF4-FFF2-40B4-BE49-F238E27FC236}">
+                <a16:creationId xmlns:a16="http://schemas.microsoft.com/office/drawing/2014/main" id="{9B865541-EF84-9A8D-F550-604298D53FAD}"/>
+              </a:ext>
+            </a:extLst>
+          </p:cNvPr>
+          <p:cNvCxnSpPr>
+            <a:cxnSpLocks/>
+            <a:stCxn id="42" idx="3"/>
+            <a:endCxn id="5" idx="1"/>
+          </p:cNvCxnSpPr>
+          <p:nvPr/>
+        </p:nvCxnSpPr>
+        <p:spPr>
+          <a:xfrm>
+            <a:off x="1918358" y="3537014"/>
+            <a:ext cx="432741" cy="2271451"/>
+          </a:xfrm>
+          <a:prstGeom prst="bentConnector3">
+            <a:avLst>
+              <a:gd name="adj1" fmla="val 50000"/>
+            </a:avLst>
+          </a:prstGeom>
+          <a:ln>
+            <a:tailEnd type="triangle"/>
+          </a:ln>
+        </p:spPr>
+        <p:style>
+          <a:lnRef idx="2">
+            <a:schemeClr val="accent1"/>
+          </a:lnRef>
+          <a:fillRef idx="0">
+            <a:schemeClr val="accent1"/>
+          </a:fillRef>
+          <a:effectRef idx="1">
+            <a:schemeClr val="accent1"/>
+          </a:effectRef>
+          <a:fontRef idx="minor">
+            <a:schemeClr val="tx1"/>
+          </a:fontRef>
+        </p:style>
+      </p:cxnSp>
+    </p:spTree>
+    <p:extLst>
+      <p:ext uri="{BB962C8B-B14F-4D97-AF65-F5344CB8AC3E}">
+        <p14:creationId xmlns:p14="http://schemas.microsoft.com/office/powerpoint/2010/main" val="1947636907"/>
       </p:ext>
     </p:extLst>
   </p:cSld>

--- a/Integrated Masters Project.pptx
+++ b/Integrated Masters Project.pptx
@@ -10,6 +10,8 @@
     <p:sldId id="258" r:id="rId4"/>
     <p:sldId id="259" r:id="rId5"/>
     <p:sldId id="260" r:id="rId6"/>
+    <p:sldId id="262" r:id="rId7"/>
+    <p:sldId id="263" r:id="rId8"/>
   </p:sldIdLst>
   <p:sldSz cx="12192000" cy="6858000"/>
   <p:notesSz cx="6858000" cy="9144000"/>
@@ -108,6 +110,11 @@
       </a:defRPr>
     </a:lvl9pPr>
   </p:defaultTextStyle>
+  <p:extLst>
+    <p:ext uri="{EFAFB233-063F-42B5-8137-9DF3F51BA10A}">
+      <p15:sldGuideLst xmlns:p15="http://schemas.microsoft.com/office/powerpoint/2012/main"/>
+    </p:ext>
+  </p:extLst>
 </p:presentation>
 </file>
 
@@ -258,7 +265,7 @@
           <a:p>
             <a:fld id="{3E415712-9535-4045-B0C7-D22E271B7415}" type="datetimeFigureOut">
               <a:rPr lang="en-US" smtClean="0"/>
-              <a:t>12/22/2025</a:t>
+              <a:t>12/28/2025</a:t>
             </a:fld>
             <a:endParaRPr lang="en-US"/>
           </a:p>
@@ -456,7 +463,7 @@
           <a:p>
             <a:fld id="{3E415712-9535-4045-B0C7-D22E271B7415}" type="datetimeFigureOut">
               <a:rPr lang="en-US" smtClean="0"/>
-              <a:t>12/22/2025</a:t>
+              <a:t>12/28/2025</a:t>
             </a:fld>
             <a:endParaRPr lang="en-US"/>
           </a:p>
@@ -664,7 +671,7 @@
           <a:p>
             <a:fld id="{3E415712-9535-4045-B0C7-D22E271B7415}" type="datetimeFigureOut">
               <a:rPr lang="en-US" smtClean="0"/>
-              <a:t>12/22/2025</a:t>
+              <a:t>12/28/2025</a:t>
             </a:fld>
             <a:endParaRPr lang="en-US"/>
           </a:p>
@@ -862,7 +869,7 @@
           <a:p>
             <a:fld id="{3E415712-9535-4045-B0C7-D22E271B7415}" type="datetimeFigureOut">
               <a:rPr lang="en-US" smtClean="0"/>
-              <a:t>12/22/2025</a:t>
+              <a:t>12/28/2025</a:t>
             </a:fld>
             <a:endParaRPr lang="en-US"/>
           </a:p>
@@ -1137,7 +1144,7 @@
           <a:p>
             <a:fld id="{3E415712-9535-4045-B0C7-D22E271B7415}" type="datetimeFigureOut">
               <a:rPr lang="en-US" smtClean="0"/>
-              <a:t>12/22/2025</a:t>
+              <a:t>12/28/2025</a:t>
             </a:fld>
             <a:endParaRPr lang="en-US"/>
           </a:p>
@@ -1402,7 +1409,7 @@
           <a:p>
             <a:fld id="{3E415712-9535-4045-B0C7-D22E271B7415}" type="datetimeFigureOut">
               <a:rPr lang="en-US" smtClean="0"/>
-              <a:t>12/22/2025</a:t>
+              <a:t>12/28/2025</a:t>
             </a:fld>
             <a:endParaRPr lang="en-US"/>
           </a:p>
@@ -1814,7 +1821,7 @@
           <a:p>
             <a:fld id="{3E415712-9535-4045-B0C7-D22E271B7415}" type="datetimeFigureOut">
               <a:rPr lang="en-US" smtClean="0"/>
-              <a:t>12/22/2025</a:t>
+              <a:t>12/28/2025</a:t>
             </a:fld>
             <a:endParaRPr lang="en-US"/>
           </a:p>
@@ -1955,7 +1962,7 @@
           <a:p>
             <a:fld id="{3E415712-9535-4045-B0C7-D22E271B7415}" type="datetimeFigureOut">
               <a:rPr lang="en-US" smtClean="0"/>
-              <a:t>12/22/2025</a:t>
+              <a:t>12/28/2025</a:t>
             </a:fld>
             <a:endParaRPr lang="en-US"/>
           </a:p>
@@ -2068,7 +2075,7 @@
           <a:p>
             <a:fld id="{3E415712-9535-4045-B0C7-D22E271B7415}" type="datetimeFigureOut">
               <a:rPr lang="en-US" smtClean="0"/>
-              <a:t>12/22/2025</a:t>
+              <a:t>12/28/2025</a:t>
             </a:fld>
             <a:endParaRPr lang="en-US"/>
           </a:p>
@@ -2379,7 +2386,7 @@
           <a:p>
             <a:fld id="{3E415712-9535-4045-B0C7-D22E271B7415}" type="datetimeFigureOut">
               <a:rPr lang="en-US" smtClean="0"/>
-              <a:t>12/22/2025</a:t>
+              <a:t>12/28/2025</a:t>
             </a:fld>
             <a:endParaRPr lang="en-US"/>
           </a:p>
@@ -2667,7 +2674,7 @@
           <a:p>
             <a:fld id="{3E415712-9535-4045-B0C7-D22E271B7415}" type="datetimeFigureOut">
               <a:rPr lang="en-US" smtClean="0"/>
-              <a:t>12/22/2025</a:t>
+              <a:t>12/28/2025</a:t>
             </a:fld>
             <a:endParaRPr lang="en-US"/>
           </a:p>
@@ -2908,7 +2915,7 @@
           <a:p>
             <a:fld id="{3E415712-9535-4045-B0C7-D22E271B7415}" type="datetimeFigureOut">
               <a:rPr lang="en-US" smtClean="0"/>
-              <a:t>12/22/2025</a:t>
+              <a:t>12/28/2025</a:t>
             </a:fld>
             <a:endParaRPr lang="en-US"/>
           </a:p>
@@ -13122,6 +13129,5238 @@
 </p:sld>
 </file>
 
+<file path=ppt/slides/slide6.xml><?xml version="1.0" encoding="utf-8"?>
+<p:sld xmlns:a="http://schemas.openxmlformats.org/drawingml/2006/main" xmlns:r="http://schemas.openxmlformats.org/officeDocument/2006/relationships" xmlns:p="http://schemas.openxmlformats.org/presentationml/2006/main">
+  <p:cSld>
+    <p:spTree>
+      <p:nvGrpSpPr>
+        <p:cNvPr id="1" name="">
+          <a:extLst>
+            <a:ext uri="{FF2B5EF4-FFF2-40B4-BE49-F238E27FC236}">
+              <a16:creationId xmlns:a16="http://schemas.microsoft.com/office/drawing/2014/main" id="{7B0D0D3A-9796-E161-5DDD-4C7916B7F028}"/>
+            </a:ext>
+          </a:extLst>
+        </p:cNvPr>
+        <p:cNvGrpSpPr/>
+        <p:nvPr/>
+      </p:nvGrpSpPr>
+      <p:grpSpPr>
+        <a:xfrm>
+          <a:off x="0" y="0"/>
+          <a:ext cx="0" cy="0"/>
+          <a:chOff x="0" y="0"/>
+          <a:chExt cx="0" cy="0"/>
+        </a:xfrm>
+      </p:grpSpPr>
+      <p:sp>
+        <p:nvSpPr>
+          <p:cNvPr id="2" name="Rectangle 1">
+            <a:extLst>
+              <a:ext uri="{FF2B5EF4-FFF2-40B4-BE49-F238E27FC236}">
+                <a16:creationId xmlns:a16="http://schemas.microsoft.com/office/drawing/2014/main" id="{67547310-7B6A-3FA1-3090-2EA63D98FC96}"/>
+              </a:ext>
+            </a:extLst>
+          </p:cNvPr>
+          <p:cNvSpPr/>
+          <p:nvPr/>
+        </p:nvSpPr>
+        <p:spPr>
+          <a:xfrm>
+            <a:off x="2351099" y="162098"/>
+            <a:ext cx="1920240" cy="2103120"/>
+          </a:xfrm>
+          <a:prstGeom prst="rect">
+            <a:avLst/>
+          </a:prstGeom>
+          <a:noFill/>
+          <a:ln>
+            <a:solidFill>
+              <a:schemeClr val="tx1"/>
+            </a:solidFill>
+          </a:ln>
+        </p:spPr>
+        <p:style>
+          <a:lnRef idx="2">
+            <a:schemeClr val="accent1">
+              <a:shade val="15000"/>
+            </a:schemeClr>
+          </a:lnRef>
+          <a:fillRef idx="1">
+            <a:schemeClr val="accent1"/>
+          </a:fillRef>
+          <a:effectRef idx="0">
+            <a:schemeClr val="accent1"/>
+          </a:effectRef>
+          <a:fontRef idx="minor">
+            <a:schemeClr val="lt1"/>
+          </a:fontRef>
+        </p:style>
+        <p:txBody>
+          <a:bodyPr rtlCol="0" anchor="t"/>
+          <a:lstStyle/>
+          <a:p>
+            <a:r>
+              <a:rPr lang="en-US" sz="600" b="1" u="sng" dirty="0">
+                <a:solidFill>
+                  <a:schemeClr val="tx1"/>
+                </a:solidFill>
+                <a:latin typeface="Times New Roman" panose="02020603050405020304" pitchFamily="18" charset="0"/>
+                <a:cs typeface="Times New Roman" panose="02020603050405020304" pitchFamily="18" charset="0"/>
+              </a:rPr>
+              <a:t>Body 1</a:t>
+            </a:r>
+          </a:p>
+          <a:p>
+            <a:endParaRPr lang="en-US" sz="600" b="1" u="sng" dirty="0">
+              <a:solidFill>
+                <a:schemeClr val="tx1"/>
+              </a:solidFill>
+              <a:latin typeface="Times New Roman" panose="02020603050405020304" pitchFamily="18" charset="0"/>
+              <a:cs typeface="Times New Roman" panose="02020603050405020304" pitchFamily="18" charset="0"/>
+            </a:endParaRPr>
+          </a:p>
+          <a:p>
+            <a:r>
+              <a:rPr lang="en-US" sz="600" b="1" u="sng" dirty="0">
+                <a:solidFill>
+                  <a:schemeClr val="tx1"/>
+                </a:solidFill>
+                <a:latin typeface="Times New Roman" panose="02020603050405020304" pitchFamily="18" charset="0"/>
+                <a:cs typeface="Times New Roman" panose="02020603050405020304" pitchFamily="18" charset="0"/>
+              </a:rPr>
+              <a:t>State Properties</a:t>
+            </a:r>
+          </a:p>
+          <a:p>
+            <a:r>
+              <a:rPr lang="en-US" sz="600" dirty="0" err="1">
+                <a:solidFill>
+                  <a:schemeClr val="tx1"/>
+                </a:solidFill>
+                <a:latin typeface="Times New Roman" panose="02020603050405020304" pitchFamily="18" charset="0"/>
+                <a:cs typeface="Times New Roman" panose="02020603050405020304" pitchFamily="18" charset="0"/>
+              </a:rPr>
+              <a:t>stateCurrent</a:t>
+            </a:r>
+            <a:endParaRPr lang="en-US" sz="600" dirty="0">
+              <a:solidFill>
+                <a:schemeClr val="tx1"/>
+              </a:solidFill>
+              <a:latin typeface="Times New Roman" panose="02020603050405020304" pitchFamily="18" charset="0"/>
+              <a:cs typeface="Times New Roman" panose="02020603050405020304" pitchFamily="18" charset="0"/>
+            </a:endParaRPr>
+          </a:p>
+          <a:p>
+            <a:r>
+              <a:rPr lang="en-US" sz="600" dirty="0" err="1">
+                <a:solidFill>
+                  <a:schemeClr val="tx1"/>
+                </a:solidFill>
+                <a:latin typeface="Times New Roman" panose="02020603050405020304" pitchFamily="18" charset="0"/>
+                <a:cs typeface="Times New Roman" panose="02020603050405020304" pitchFamily="18" charset="0"/>
+              </a:rPr>
+              <a:t>stateHistory</a:t>
+            </a:r>
+            <a:endParaRPr lang="en-US" sz="600" dirty="0">
+              <a:solidFill>
+                <a:schemeClr val="tx1"/>
+              </a:solidFill>
+              <a:latin typeface="Times New Roman" panose="02020603050405020304" pitchFamily="18" charset="0"/>
+              <a:cs typeface="Times New Roman" panose="02020603050405020304" pitchFamily="18" charset="0"/>
+            </a:endParaRPr>
+          </a:p>
+          <a:p>
+            <a:endParaRPr lang="en-US" sz="600" dirty="0">
+              <a:solidFill>
+                <a:schemeClr val="tx1"/>
+              </a:solidFill>
+              <a:latin typeface="Times New Roman" panose="02020603050405020304" pitchFamily="18" charset="0"/>
+              <a:cs typeface="Times New Roman" panose="02020603050405020304" pitchFamily="18" charset="0"/>
+            </a:endParaRPr>
+          </a:p>
+          <a:p>
+            <a:r>
+              <a:rPr lang="en-US" sz="600" b="1" u="sng" dirty="0">
+                <a:solidFill>
+                  <a:schemeClr val="tx1"/>
+                </a:solidFill>
+                <a:latin typeface="Times New Roman" panose="02020603050405020304" pitchFamily="18" charset="0"/>
+                <a:cs typeface="Times New Roman" panose="02020603050405020304" pitchFamily="18" charset="0"/>
+              </a:rPr>
+              <a:t>Physical Properties</a:t>
+            </a:r>
+          </a:p>
+          <a:p>
+            <a:r>
+              <a:rPr lang="en-US" sz="600" dirty="0">
+                <a:solidFill>
+                  <a:schemeClr val="tx1"/>
+                </a:solidFill>
+                <a:latin typeface="Times New Roman" panose="02020603050405020304" pitchFamily="18" charset="0"/>
+                <a:cs typeface="Times New Roman" panose="02020603050405020304" pitchFamily="18" charset="0"/>
+              </a:rPr>
+              <a:t>mass</a:t>
+            </a:r>
+          </a:p>
+          <a:p>
+            <a:r>
+              <a:rPr lang="en-US" sz="600" dirty="0">
+                <a:solidFill>
+                  <a:schemeClr val="tx1"/>
+                </a:solidFill>
+                <a:latin typeface="Times New Roman" panose="02020603050405020304" pitchFamily="18" charset="0"/>
+                <a:cs typeface="Times New Roman" panose="02020603050405020304" pitchFamily="18" charset="0"/>
+              </a:rPr>
+              <a:t>mu</a:t>
+            </a:r>
+          </a:p>
+          <a:p>
+            <a:r>
+              <a:rPr lang="en-US" sz="600" dirty="0">
+                <a:solidFill>
+                  <a:schemeClr val="tx1"/>
+                </a:solidFill>
+                <a:latin typeface="Times New Roman" panose="02020603050405020304" pitchFamily="18" charset="0"/>
+                <a:cs typeface="Times New Roman" panose="02020603050405020304" pitchFamily="18" charset="0"/>
+              </a:rPr>
+              <a:t>j2</a:t>
+            </a:r>
+          </a:p>
+          <a:p>
+            <a:r>
+              <a:rPr lang="en-US" sz="600" dirty="0">
+                <a:solidFill>
+                  <a:schemeClr val="tx1"/>
+                </a:solidFill>
+                <a:latin typeface="Times New Roman" panose="02020603050405020304" pitchFamily="18" charset="0"/>
+                <a:cs typeface="Times New Roman" panose="02020603050405020304" pitchFamily="18" charset="0"/>
+              </a:rPr>
+              <a:t>radius</a:t>
+            </a:r>
+          </a:p>
+          <a:p>
+            <a:endParaRPr lang="en-US" sz="600" dirty="0">
+              <a:solidFill>
+                <a:schemeClr val="tx1"/>
+              </a:solidFill>
+              <a:latin typeface="Times New Roman" panose="02020603050405020304" pitchFamily="18" charset="0"/>
+              <a:cs typeface="Times New Roman" panose="02020603050405020304" pitchFamily="18" charset="0"/>
+            </a:endParaRPr>
+          </a:p>
+          <a:p>
+            <a:r>
+              <a:rPr lang="en-US" sz="600" b="1" u="sng" dirty="0">
+                <a:solidFill>
+                  <a:schemeClr val="tx1"/>
+                </a:solidFill>
+                <a:latin typeface="Times New Roman" panose="02020603050405020304" pitchFamily="18" charset="0"/>
+                <a:cs typeface="Times New Roman" panose="02020603050405020304" pitchFamily="18" charset="0"/>
+              </a:rPr>
+              <a:t>Propagation Properties</a:t>
+            </a:r>
+          </a:p>
+          <a:p>
+            <a:r>
+              <a:rPr lang="en-US" sz="600" dirty="0" err="1">
+                <a:solidFill>
+                  <a:schemeClr val="tx1"/>
+                </a:solidFill>
+                <a:latin typeface="Times New Roman" panose="02020603050405020304" pitchFamily="18" charset="0"/>
+                <a:cs typeface="Times New Roman" panose="02020603050405020304" pitchFamily="18" charset="0"/>
+              </a:rPr>
+              <a:t>forceModel</a:t>
+            </a:r>
+            <a:endParaRPr lang="en-US" sz="600" dirty="0">
+              <a:solidFill>
+                <a:schemeClr val="tx1"/>
+              </a:solidFill>
+              <a:latin typeface="Times New Roman" panose="02020603050405020304" pitchFamily="18" charset="0"/>
+              <a:cs typeface="Times New Roman" panose="02020603050405020304" pitchFamily="18" charset="0"/>
+            </a:endParaRPr>
+          </a:p>
+          <a:p>
+            <a:r>
+              <a:rPr lang="en-US" sz="600" dirty="0">
+                <a:solidFill>
+                  <a:schemeClr val="tx1"/>
+                </a:solidFill>
+                <a:latin typeface="Times New Roman" panose="02020603050405020304" pitchFamily="18" charset="0"/>
+                <a:cs typeface="Times New Roman" panose="02020603050405020304" pitchFamily="18" charset="0"/>
+              </a:rPr>
+              <a:t>dynamics</a:t>
+            </a:r>
+          </a:p>
+          <a:p>
+            <a:r>
+              <a:rPr lang="en-US" sz="600" dirty="0" err="1">
+                <a:solidFill>
+                  <a:schemeClr val="tx1"/>
+                </a:solidFill>
+                <a:latin typeface="Times New Roman" panose="02020603050405020304" pitchFamily="18" charset="0"/>
+                <a:cs typeface="Times New Roman" panose="02020603050405020304" pitchFamily="18" charset="0"/>
+              </a:rPr>
+              <a:t>integratorType</a:t>
+            </a:r>
+            <a:endParaRPr lang="en-US" sz="600" dirty="0">
+              <a:solidFill>
+                <a:schemeClr val="tx1"/>
+              </a:solidFill>
+              <a:latin typeface="Times New Roman" panose="02020603050405020304" pitchFamily="18" charset="0"/>
+              <a:cs typeface="Times New Roman" panose="02020603050405020304" pitchFamily="18" charset="0"/>
+            </a:endParaRPr>
+          </a:p>
+          <a:p>
+            <a:r>
+              <a:rPr lang="en-US" sz="600" dirty="0" err="1">
+                <a:solidFill>
+                  <a:schemeClr val="tx1"/>
+                </a:solidFill>
+                <a:latin typeface="Times New Roman" panose="02020603050405020304" pitchFamily="18" charset="0"/>
+                <a:cs typeface="Times New Roman" panose="02020603050405020304" pitchFamily="18" charset="0"/>
+              </a:rPr>
+              <a:t>relTol</a:t>
+            </a:r>
+            <a:r>
+              <a:rPr lang="en-US" sz="600" dirty="0">
+                <a:solidFill>
+                  <a:schemeClr val="tx1"/>
+                </a:solidFill>
+                <a:latin typeface="Times New Roman" panose="02020603050405020304" pitchFamily="18" charset="0"/>
+                <a:cs typeface="Times New Roman" panose="02020603050405020304" pitchFamily="18" charset="0"/>
+              </a:rPr>
+              <a:t> </a:t>
+            </a:r>
+          </a:p>
+          <a:p>
+            <a:r>
+              <a:rPr lang="en-US" sz="600" dirty="0" err="1">
+                <a:solidFill>
+                  <a:schemeClr val="tx1"/>
+                </a:solidFill>
+                <a:latin typeface="Times New Roman" panose="02020603050405020304" pitchFamily="18" charset="0"/>
+                <a:cs typeface="Times New Roman" panose="02020603050405020304" pitchFamily="18" charset="0"/>
+              </a:rPr>
+              <a:t>absTol</a:t>
+            </a:r>
+            <a:endParaRPr lang="en-US" sz="600" dirty="0">
+              <a:solidFill>
+                <a:schemeClr val="tx1"/>
+              </a:solidFill>
+              <a:latin typeface="Times New Roman" panose="02020603050405020304" pitchFamily="18" charset="0"/>
+              <a:cs typeface="Times New Roman" panose="02020603050405020304" pitchFamily="18" charset="0"/>
+            </a:endParaRPr>
+          </a:p>
+          <a:p>
+            <a:endParaRPr lang="en-US" sz="600" dirty="0">
+              <a:solidFill>
+                <a:schemeClr val="tx1"/>
+              </a:solidFill>
+              <a:latin typeface="Times New Roman" panose="02020603050405020304" pitchFamily="18" charset="0"/>
+              <a:cs typeface="Times New Roman" panose="02020603050405020304" pitchFamily="18" charset="0"/>
+            </a:endParaRPr>
+          </a:p>
+          <a:p>
+            <a:endParaRPr lang="en-US" sz="600" dirty="0">
+              <a:solidFill>
+                <a:schemeClr val="tx1"/>
+              </a:solidFill>
+              <a:latin typeface="Times New Roman" panose="02020603050405020304" pitchFamily="18" charset="0"/>
+              <a:cs typeface="Times New Roman" panose="02020603050405020304" pitchFamily="18" charset="0"/>
+            </a:endParaRPr>
+          </a:p>
+          <a:p>
+            <a:endParaRPr lang="en-US" sz="600" dirty="0">
+              <a:solidFill>
+                <a:schemeClr val="tx1"/>
+              </a:solidFill>
+              <a:latin typeface="Times New Roman" panose="02020603050405020304" pitchFamily="18" charset="0"/>
+              <a:cs typeface="Times New Roman" panose="02020603050405020304" pitchFamily="18" charset="0"/>
+            </a:endParaRPr>
+          </a:p>
+          <a:p>
+            <a:endParaRPr lang="en-US" sz="600" dirty="0">
+              <a:solidFill>
+                <a:schemeClr val="tx1"/>
+              </a:solidFill>
+              <a:latin typeface="Times New Roman" panose="02020603050405020304" pitchFamily="18" charset="0"/>
+              <a:cs typeface="Times New Roman" panose="02020603050405020304" pitchFamily="18" charset="0"/>
+            </a:endParaRPr>
+          </a:p>
+          <a:p>
+            <a:endParaRPr lang="en-US" sz="600" b="1" u="sng" dirty="0">
+              <a:solidFill>
+                <a:schemeClr val="tx1"/>
+              </a:solidFill>
+              <a:latin typeface="Times New Roman" panose="02020603050405020304" pitchFamily="18" charset="0"/>
+              <a:cs typeface="Times New Roman" panose="02020603050405020304" pitchFamily="18" charset="0"/>
+            </a:endParaRPr>
+          </a:p>
+        </p:txBody>
+      </p:sp>
+      <p:sp>
+        <p:nvSpPr>
+          <p:cNvPr id="3" name="Rectangle 2">
+            <a:extLst>
+              <a:ext uri="{FF2B5EF4-FFF2-40B4-BE49-F238E27FC236}">
+                <a16:creationId xmlns:a16="http://schemas.microsoft.com/office/drawing/2014/main" id="{41489C90-EDA6-3335-0A52-0BAD5FEBAEEB}"/>
+              </a:ext>
+            </a:extLst>
+          </p:cNvPr>
+          <p:cNvSpPr/>
+          <p:nvPr/>
+        </p:nvSpPr>
+        <p:spPr>
+          <a:xfrm>
+            <a:off x="7021718" y="2494037"/>
+            <a:ext cx="4099729" cy="1759298"/>
+          </a:xfrm>
+          <a:prstGeom prst="rect">
+            <a:avLst/>
+          </a:prstGeom>
+          <a:noFill/>
+          <a:ln>
+            <a:solidFill>
+              <a:schemeClr val="tx1"/>
+            </a:solidFill>
+          </a:ln>
+        </p:spPr>
+        <p:style>
+          <a:lnRef idx="2">
+            <a:schemeClr val="accent1">
+              <a:shade val="15000"/>
+            </a:schemeClr>
+          </a:lnRef>
+          <a:fillRef idx="1">
+            <a:schemeClr val="accent1"/>
+          </a:fillRef>
+          <a:effectRef idx="0">
+            <a:schemeClr val="accent1"/>
+          </a:effectRef>
+          <a:fontRef idx="minor">
+            <a:schemeClr val="lt1"/>
+          </a:fontRef>
+        </p:style>
+        <p:txBody>
+          <a:bodyPr rtlCol="0" anchor="t"/>
+          <a:lstStyle/>
+          <a:p>
+            <a:r>
+              <a:rPr lang="en-US" sz="800" b="1" u="sng" dirty="0">
+                <a:solidFill>
+                  <a:schemeClr val="tx1"/>
+                </a:solidFill>
+                <a:latin typeface="Times New Roman" panose="02020603050405020304" pitchFamily="18" charset="0"/>
+                <a:cs typeface="Times New Roman" panose="02020603050405020304" pitchFamily="18" charset="0"/>
+              </a:rPr>
+              <a:t>Propagator</a:t>
+            </a:r>
+            <a:endParaRPr lang="en-US" sz="800" dirty="0">
+              <a:solidFill>
+                <a:schemeClr val="tx1"/>
+              </a:solidFill>
+              <a:latin typeface="Times New Roman" panose="02020603050405020304" pitchFamily="18" charset="0"/>
+              <a:cs typeface="Times New Roman" panose="02020603050405020304" pitchFamily="18" charset="0"/>
+            </a:endParaRPr>
+          </a:p>
+          <a:p>
+            <a:r>
+              <a:rPr lang="en-US" sz="800" dirty="0">
+                <a:solidFill>
+                  <a:schemeClr val="tx1"/>
+                </a:solidFill>
+                <a:latin typeface="Times New Roman" panose="02020603050405020304" pitchFamily="18" charset="0"/>
+                <a:cs typeface="Times New Roman" panose="02020603050405020304" pitchFamily="18" charset="0"/>
+              </a:rPr>
+              <a:t>for time in </a:t>
+            </a:r>
+            <a:r>
+              <a:rPr lang="en-US" sz="800" dirty="0" err="1">
+                <a:solidFill>
+                  <a:schemeClr val="tx1"/>
+                </a:solidFill>
+                <a:latin typeface="Times New Roman" panose="02020603050405020304" pitchFamily="18" charset="0"/>
+                <a:cs typeface="Times New Roman" panose="02020603050405020304" pitchFamily="18" charset="0"/>
+              </a:rPr>
+              <a:t>TimeVector</a:t>
+            </a:r>
+            <a:r>
+              <a:rPr lang="en-US" sz="800" dirty="0">
+                <a:solidFill>
+                  <a:schemeClr val="tx1"/>
+                </a:solidFill>
+                <a:latin typeface="Times New Roman" panose="02020603050405020304" pitchFamily="18" charset="0"/>
+                <a:cs typeface="Times New Roman" panose="02020603050405020304" pitchFamily="18" charset="0"/>
+              </a:rPr>
+              <a:t>:</a:t>
+            </a:r>
+          </a:p>
+          <a:p>
+            <a:r>
+              <a:rPr lang="en-US" sz="800" dirty="0">
+                <a:solidFill>
+                  <a:schemeClr val="tx1"/>
+                </a:solidFill>
+                <a:latin typeface="Times New Roman" panose="02020603050405020304" pitchFamily="18" charset="0"/>
+                <a:cs typeface="Times New Roman" panose="02020603050405020304" pitchFamily="18" charset="0"/>
+              </a:rPr>
+              <a:t>  for each body in </a:t>
+            </a:r>
+            <a:r>
+              <a:rPr lang="en-US" sz="800" dirty="0" err="1">
+                <a:solidFill>
+                  <a:schemeClr val="tx1"/>
+                </a:solidFill>
+                <a:latin typeface="Times New Roman" panose="02020603050405020304" pitchFamily="18" charset="0"/>
+                <a:cs typeface="Times New Roman" panose="02020603050405020304" pitchFamily="18" charset="0"/>
+              </a:rPr>
+              <a:t>bodyList</a:t>
+            </a:r>
+            <a:r>
+              <a:rPr lang="en-US" sz="800" dirty="0">
+                <a:solidFill>
+                  <a:schemeClr val="tx1"/>
+                </a:solidFill>
+                <a:latin typeface="Times New Roman" panose="02020603050405020304" pitchFamily="18" charset="0"/>
+                <a:cs typeface="Times New Roman" panose="02020603050405020304" pitchFamily="18" charset="0"/>
+              </a:rPr>
+              <a:t>:</a:t>
+            </a:r>
+          </a:p>
+          <a:p>
+            <a:r>
+              <a:rPr lang="en-US" sz="800" dirty="0">
+                <a:solidFill>
+                  <a:schemeClr val="tx1"/>
+                </a:solidFill>
+                <a:latin typeface="Times New Roman" panose="02020603050405020304" pitchFamily="18" charset="0"/>
+                <a:cs typeface="Times New Roman" panose="02020603050405020304" pitchFamily="18" charset="0"/>
+              </a:rPr>
+              <a:t>      State = </a:t>
+            </a:r>
+            <a:r>
+              <a:rPr lang="en-US" sz="800" dirty="0" err="1">
+                <a:solidFill>
+                  <a:schemeClr val="tx1"/>
+                </a:solidFill>
+                <a:latin typeface="Times New Roman" panose="02020603050405020304" pitchFamily="18" charset="0"/>
+                <a:cs typeface="Times New Roman" panose="02020603050405020304" pitchFamily="18" charset="0"/>
+              </a:rPr>
+              <a:t>Integrator.step</a:t>
+            </a:r>
+            <a:r>
+              <a:rPr lang="en-US" sz="800" dirty="0">
+                <a:solidFill>
+                  <a:schemeClr val="tx1"/>
+                </a:solidFill>
+                <a:latin typeface="Times New Roman" panose="02020603050405020304" pitchFamily="18" charset="0"/>
+                <a:cs typeface="Times New Roman" panose="02020603050405020304" pitchFamily="18" charset="0"/>
+              </a:rPr>
+              <a:t>(</a:t>
+            </a:r>
+            <a:r>
+              <a:rPr lang="en-US" sz="800" dirty="0" err="1">
+                <a:solidFill>
+                  <a:schemeClr val="tx1"/>
+                </a:solidFill>
+                <a:latin typeface="Times New Roman" panose="02020603050405020304" pitchFamily="18" charset="0"/>
+                <a:cs typeface="Times New Roman" panose="02020603050405020304" pitchFamily="18" charset="0"/>
+              </a:rPr>
+              <a:t>deriv_func</a:t>
+            </a:r>
+            <a:r>
+              <a:rPr lang="en-US" sz="800" dirty="0">
+                <a:solidFill>
+                  <a:schemeClr val="tx1"/>
+                </a:solidFill>
+                <a:latin typeface="Times New Roman" panose="02020603050405020304" pitchFamily="18" charset="0"/>
+                <a:cs typeface="Times New Roman" panose="02020603050405020304" pitchFamily="18" charset="0"/>
+              </a:rPr>
+              <a:t> = Dynamics, </a:t>
+            </a:r>
+          </a:p>
+          <a:p>
+            <a:r>
+              <a:rPr lang="en-US" sz="800" dirty="0">
+                <a:solidFill>
+                  <a:schemeClr val="tx1"/>
+                </a:solidFill>
+                <a:latin typeface="Times New Roman" panose="02020603050405020304" pitchFamily="18" charset="0"/>
+                <a:cs typeface="Times New Roman" panose="02020603050405020304" pitchFamily="18" charset="0"/>
+              </a:rPr>
+              <a:t>                                state = State, </a:t>
+            </a:r>
+          </a:p>
+          <a:p>
+            <a:r>
+              <a:rPr lang="en-US" sz="800" dirty="0">
+                <a:solidFill>
+                  <a:schemeClr val="tx1"/>
+                </a:solidFill>
+                <a:latin typeface="Times New Roman" panose="02020603050405020304" pitchFamily="18" charset="0"/>
+                <a:cs typeface="Times New Roman" panose="02020603050405020304" pitchFamily="18" charset="0"/>
+              </a:rPr>
+              <a:t>                                time = time, </a:t>
+            </a:r>
+          </a:p>
+          <a:p>
+            <a:r>
+              <a:rPr lang="en-US" sz="800" dirty="0">
+                <a:solidFill>
+                  <a:schemeClr val="tx1"/>
+                </a:solidFill>
+                <a:latin typeface="Times New Roman" panose="02020603050405020304" pitchFamily="18" charset="0"/>
+                <a:cs typeface="Times New Roman" panose="02020603050405020304" pitchFamily="18" charset="0"/>
+              </a:rPr>
+              <a:t>                                dt = </a:t>
+            </a:r>
+            <a:r>
+              <a:rPr lang="en-US" sz="800" dirty="0" err="1">
+                <a:solidFill>
+                  <a:schemeClr val="tx1"/>
+                </a:solidFill>
+                <a:latin typeface="Times New Roman" panose="02020603050405020304" pitchFamily="18" charset="0"/>
+                <a:cs typeface="Times New Roman" panose="02020603050405020304" pitchFamily="18" charset="0"/>
+              </a:rPr>
+              <a:t>TimeElement.timeStep</a:t>
+            </a:r>
+            <a:r>
+              <a:rPr lang="en-US" sz="800" dirty="0">
+                <a:solidFill>
+                  <a:schemeClr val="tx1"/>
+                </a:solidFill>
+                <a:latin typeface="Times New Roman" panose="02020603050405020304" pitchFamily="18" charset="0"/>
+                <a:cs typeface="Times New Roman" panose="02020603050405020304" pitchFamily="18" charset="0"/>
+              </a:rPr>
+              <a:t>)</a:t>
+            </a:r>
+          </a:p>
+          <a:p>
+            <a:r>
+              <a:rPr lang="en-US" sz="800" dirty="0">
+                <a:solidFill>
+                  <a:schemeClr val="tx1"/>
+                </a:solidFill>
+                <a:latin typeface="Times New Roman" panose="02020603050405020304" pitchFamily="18" charset="0"/>
+                <a:cs typeface="Times New Roman" panose="02020603050405020304" pitchFamily="18" charset="0"/>
+              </a:rPr>
+              <a:t>        </a:t>
+            </a:r>
+            <a:r>
+              <a:rPr lang="en-US" sz="800" dirty="0" err="1">
+                <a:solidFill>
+                  <a:schemeClr val="tx1"/>
+                </a:solidFill>
+                <a:latin typeface="Times New Roman" panose="02020603050405020304" pitchFamily="18" charset="0"/>
+                <a:cs typeface="Times New Roman" panose="02020603050405020304" pitchFamily="18" charset="0"/>
+              </a:rPr>
+              <a:t>state_history</a:t>
+            </a:r>
+            <a:r>
+              <a:rPr lang="en-US" sz="800" dirty="0">
+                <a:solidFill>
+                  <a:schemeClr val="tx1"/>
+                </a:solidFill>
+                <a:latin typeface="Times New Roman" panose="02020603050405020304" pitchFamily="18" charset="0"/>
+                <a:cs typeface="Times New Roman" panose="02020603050405020304" pitchFamily="18" charset="0"/>
+              </a:rPr>
+              <a:t> = </a:t>
+            </a:r>
+            <a:r>
+              <a:rPr lang="en-US" sz="800" dirty="0" err="1">
+                <a:solidFill>
+                  <a:schemeClr val="tx1"/>
+                </a:solidFill>
+                <a:latin typeface="Times New Roman" panose="02020603050405020304" pitchFamily="18" charset="0"/>
+                <a:cs typeface="Times New Roman" panose="02020603050405020304" pitchFamily="18" charset="0"/>
+              </a:rPr>
+              <a:t>np.vstack</a:t>
+            </a:r>
+            <a:r>
+              <a:rPr lang="en-US" sz="800" dirty="0">
+                <a:solidFill>
+                  <a:schemeClr val="tx1"/>
+                </a:solidFill>
+                <a:latin typeface="Times New Roman" panose="02020603050405020304" pitchFamily="18" charset="0"/>
+                <a:cs typeface="Times New Roman" panose="02020603050405020304" pitchFamily="18" charset="0"/>
+              </a:rPr>
+              <a:t>((</a:t>
+            </a:r>
+            <a:r>
+              <a:rPr lang="en-US" sz="800" dirty="0" err="1">
+                <a:solidFill>
+                  <a:schemeClr val="tx1"/>
+                </a:solidFill>
+                <a:latin typeface="Times New Roman" panose="02020603050405020304" pitchFamily="18" charset="0"/>
+                <a:cs typeface="Times New Roman" panose="02020603050405020304" pitchFamily="18" charset="0"/>
+              </a:rPr>
+              <a:t>state_history</a:t>
+            </a:r>
+            <a:r>
+              <a:rPr lang="en-US" sz="800" dirty="0">
+                <a:solidFill>
+                  <a:schemeClr val="tx1"/>
+                </a:solidFill>
+                <a:latin typeface="Times New Roman" panose="02020603050405020304" pitchFamily="18" charset="0"/>
+                <a:cs typeface="Times New Roman" panose="02020603050405020304" pitchFamily="18" charset="0"/>
+              </a:rPr>
+              <a:t>, State))</a:t>
+            </a:r>
+          </a:p>
+          <a:p>
+            <a:endParaRPr lang="en-US" sz="800" dirty="0">
+              <a:solidFill>
+                <a:schemeClr val="tx1"/>
+              </a:solidFill>
+              <a:latin typeface="Times New Roman" panose="02020603050405020304" pitchFamily="18" charset="0"/>
+              <a:cs typeface="Times New Roman" panose="02020603050405020304" pitchFamily="18" charset="0"/>
+            </a:endParaRPr>
+          </a:p>
+          <a:p>
+            <a:endParaRPr lang="en-US" sz="800" b="1" u="sng" dirty="0">
+              <a:solidFill>
+                <a:schemeClr val="tx1"/>
+              </a:solidFill>
+              <a:latin typeface="Times New Roman" panose="02020603050405020304" pitchFamily="18" charset="0"/>
+              <a:cs typeface="Times New Roman" panose="02020603050405020304" pitchFamily="18" charset="0"/>
+            </a:endParaRPr>
+          </a:p>
+        </p:txBody>
+      </p:sp>
+      <p:sp>
+        <p:nvSpPr>
+          <p:cNvPr id="4" name="Rectangle 3">
+            <a:extLst>
+              <a:ext uri="{FF2B5EF4-FFF2-40B4-BE49-F238E27FC236}">
+                <a16:creationId xmlns:a16="http://schemas.microsoft.com/office/drawing/2014/main" id="{54707CF0-9ACA-73E1-DBB1-A6F1B8ADF15A}"/>
+              </a:ext>
+            </a:extLst>
+          </p:cNvPr>
+          <p:cNvSpPr/>
+          <p:nvPr/>
+        </p:nvSpPr>
+        <p:spPr>
+          <a:xfrm>
+            <a:off x="2351099" y="2458976"/>
+            <a:ext cx="1920240" cy="2103120"/>
+          </a:xfrm>
+          <a:prstGeom prst="rect">
+            <a:avLst/>
+          </a:prstGeom>
+          <a:noFill/>
+          <a:ln>
+            <a:solidFill>
+              <a:schemeClr val="tx1"/>
+            </a:solidFill>
+          </a:ln>
+        </p:spPr>
+        <p:style>
+          <a:lnRef idx="2">
+            <a:schemeClr val="accent1">
+              <a:shade val="15000"/>
+            </a:schemeClr>
+          </a:lnRef>
+          <a:fillRef idx="1">
+            <a:schemeClr val="accent1"/>
+          </a:fillRef>
+          <a:effectRef idx="0">
+            <a:schemeClr val="accent1"/>
+          </a:effectRef>
+          <a:fontRef idx="minor">
+            <a:schemeClr val="lt1"/>
+          </a:fontRef>
+        </p:style>
+        <p:txBody>
+          <a:bodyPr rtlCol="0" anchor="t"/>
+          <a:lstStyle/>
+          <a:p>
+            <a:r>
+              <a:rPr lang="en-US" sz="600" b="1" u="sng" dirty="0">
+                <a:solidFill>
+                  <a:schemeClr val="tx1"/>
+                </a:solidFill>
+                <a:latin typeface="Times New Roman" panose="02020603050405020304" pitchFamily="18" charset="0"/>
+                <a:cs typeface="Times New Roman" panose="02020603050405020304" pitchFamily="18" charset="0"/>
+              </a:rPr>
+              <a:t>Body 2</a:t>
+            </a:r>
+          </a:p>
+          <a:p>
+            <a:r>
+              <a:rPr lang="en-US" sz="600" b="1" u="sng" dirty="0">
+                <a:solidFill>
+                  <a:schemeClr val="tx1"/>
+                </a:solidFill>
+                <a:latin typeface="Times New Roman" panose="02020603050405020304" pitchFamily="18" charset="0"/>
+                <a:cs typeface="Times New Roman" panose="02020603050405020304" pitchFamily="18" charset="0"/>
+              </a:rPr>
+              <a:t>State Properties</a:t>
+            </a:r>
+          </a:p>
+          <a:p>
+            <a:r>
+              <a:rPr lang="en-US" sz="600" dirty="0" err="1">
+                <a:solidFill>
+                  <a:schemeClr val="tx1"/>
+                </a:solidFill>
+                <a:latin typeface="Times New Roman" panose="02020603050405020304" pitchFamily="18" charset="0"/>
+                <a:cs typeface="Times New Roman" panose="02020603050405020304" pitchFamily="18" charset="0"/>
+              </a:rPr>
+              <a:t>stateCurrent</a:t>
+            </a:r>
+            <a:endParaRPr lang="en-US" sz="600" dirty="0">
+              <a:solidFill>
+                <a:schemeClr val="tx1"/>
+              </a:solidFill>
+              <a:latin typeface="Times New Roman" panose="02020603050405020304" pitchFamily="18" charset="0"/>
+              <a:cs typeface="Times New Roman" panose="02020603050405020304" pitchFamily="18" charset="0"/>
+            </a:endParaRPr>
+          </a:p>
+          <a:p>
+            <a:r>
+              <a:rPr lang="en-US" sz="600" dirty="0" err="1">
+                <a:solidFill>
+                  <a:schemeClr val="tx1"/>
+                </a:solidFill>
+                <a:latin typeface="Times New Roman" panose="02020603050405020304" pitchFamily="18" charset="0"/>
+                <a:cs typeface="Times New Roman" panose="02020603050405020304" pitchFamily="18" charset="0"/>
+              </a:rPr>
+              <a:t>stateHistory</a:t>
+            </a:r>
+            <a:endParaRPr lang="en-US" sz="600" dirty="0">
+              <a:solidFill>
+                <a:schemeClr val="tx1"/>
+              </a:solidFill>
+              <a:latin typeface="Times New Roman" panose="02020603050405020304" pitchFamily="18" charset="0"/>
+              <a:cs typeface="Times New Roman" panose="02020603050405020304" pitchFamily="18" charset="0"/>
+            </a:endParaRPr>
+          </a:p>
+          <a:p>
+            <a:r>
+              <a:rPr lang="en-US" sz="600" b="1" u="sng" dirty="0">
+                <a:solidFill>
+                  <a:schemeClr val="tx1"/>
+                </a:solidFill>
+                <a:latin typeface="Times New Roman" panose="02020603050405020304" pitchFamily="18" charset="0"/>
+                <a:cs typeface="Times New Roman" panose="02020603050405020304" pitchFamily="18" charset="0"/>
+              </a:rPr>
+              <a:t>Physical Properties</a:t>
+            </a:r>
+          </a:p>
+          <a:p>
+            <a:r>
+              <a:rPr lang="en-US" sz="600" dirty="0">
+                <a:solidFill>
+                  <a:schemeClr val="tx1"/>
+                </a:solidFill>
+                <a:latin typeface="Times New Roman" panose="02020603050405020304" pitchFamily="18" charset="0"/>
+                <a:cs typeface="Times New Roman" panose="02020603050405020304" pitchFamily="18" charset="0"/>
+              </a:rPr>
+              <a:t>mass</a:t>
+            </a:r>
+          </a:p>
+          <a:p>
+            <a:r>
+              <a:rPr lang="en-US" sz="600" dirty="0">
+                <a:solidFill>
+                  <a:schemeClr val="tx1"/>
+                </a:solidFill>
+                <a:latin typeface="Times New Roman" panose="02020603050405020304" pitchFamily="18" charset="0"/>
+                <a:cs typeface="Times New Roman" panose="02020603050405020304" pitchFamily="18" charset="0"/>
+              </a:rPr>
+              <a:t>mu</a:t>
+            </a:r>
+          </a:p>
+          <a:p>
+            <a:r>
+              <a:rPr lang="en-US" sz="600" dirty="0">
+                <a:solidFill>
+                  <a:schemeClr val="tx1"/>
+                </a:solidFill>
+                <a:latin typeface="Times New Roman" panose="02020603050405020304" pitchFamily="18" charset="0"/>
+                <a:cs typeface="Times New Roman" panose="02020603050405020304" pitchFamily="18" charset="0"/>
+              </a:rPr>
+              <a:t>j2</a:t>
+            </a:r>
+          </a:p>
+          <a:p>
+            <a:r>
+              <a:rPr lang="en-US" sz="600" dirty="0">
+                <a:solidFill>
+                  <a:schemeClr val="tx1"/>
+                </a:solidFill>
+                <a:latin typeface="Times New Roman" panose="02020603050405020304" pitchFamily="18" charset="0"/>
+                <a:cs typeface="Times New Roman" panose="02020603050405020304" pitchFamily="18" charset="0"/>
+              </a:rPr>
+              <a:t>radius</a:t>
+            </a:r>
+          </a:p>
+          <a:p>
+            <a:r>
+              <a:rPr lang="en-US" sz="600" b="1" u="sng" dirty="0">
+                <a:solidFill>
+                  <a:schemeClr val="tx1"/>
+                </a:solidFill>
+                <a:latin typeface="Times New Roman" panose="02020603050405020304" pitchFamily="18" charset="0"/>
+                <a:cs typeface="Times New Roman" panose="02020603050405020304" pitchFamily="18" charset="0"/>
+              </a:rPr>
+              <a:t>Propagation Properties</a:t>
+            </a:r>
+          </a:p>
+          <a:p>
+            <a:r>
+              <a:rPr lang="en-US" sz="600" dirty="0" err="1">
+                <a:solidFill>
+                  <a:schemeClr val="tx1"/>
+                </a:solidFill>
+                <a:latin typeface="Times New Roman" panose="02020603050405020304" pitchFamily="18" charset="0"/>
+                <a:cs typeface="Times New Roman" panose="02020603050405020304" pitchFamily="18" charset="0"/>
+              </a:rPr>
+              <a:t>forceModel</a:t>
+            </a:r>
+            <a:endParaRPr lang="en-US" sz="600" dirty="0">
+              <a:solidFill>
+                <a:schemeClr val="tx1"/>
+              </a:solidFill>
+              <a:latin typeface="Times New Roman" panose="02020603050405020304" pitchFamily="18" charset="0"/>
+              <a:cs typeface="Times New Roman" panose="02020603050405020304" pitchFamily="18" charset="0"/>
+            </a:endParaRPr>
+          </a:p>
+          <a:p>
+            <a:r>
+              <a:rPr lang="en-US" sz="600" dirty="0">
+                <a:solidFill>
+                  <a:schemeClr val="tx1"/>
+                </a:solidFill>
+                <a:latin typeface="Times New Roman" panose="02020603050405020304" pitchFamily="18" charset="0"/>
+                <a:cs typeface="Times New Roman" panose="02020603050405020304" pitchFamily="18" charset="0"/>
+              </a:rPr>
+              <a:t>dynamics</a:t>
+            </a:r>
+          </a:p>
+          <a:p>
+            <a:r>
+              <a:rPr lang="en-US" sz="600" dirty="0" err="1">
+                <a:solidFill>
+                  <a:schemeClr val="tx1"/>
+                </a:solidFill>
+                <a:latin typeface="Times New Roman" panose="02020603050405020304" pitchFamily="18" charset="0"/>
+                <a:cs typeface="Times New Roman" panose="02020603050405020304" pitchFamily="18" charset="0"/>
+              </a:rPr>
+              <a:t>integratorType</a:t>
+            </a:r>
+            <a:endParaRPr lang="en-US" sz="600" dirty="0">
+              <a:solidFill>
+                <a:schemeClr val="tx1"/>
+              </a:solidFill>
+              <a:latin typeface="Times New Roman" panose="02020603050405020304" pitchFamily="18" charset="0"/>
+              <a:cs typeface="Times New Roman" panose="02020603050405020304" pitchFamily="18" charset="0"/>
+            </a:endParaRPr>
+          </a:p>
+          <a:p>
+            <a:r>
+              <a:rPr lang="en-US" sz="600" dirty="0" err="1">
+                <a:solidFill>
+                  <a:schemeClr val="tx1"/>
+                </a:solidFill>
+                <a:latin typeface="Times New Roman" panose="02020603050405020304" pitchFamily="18" charset="0"/>
+                <a:cs typeface="Times New Roman" panose="02020603050405020304" pitchFamily="18" charset="0"/>
+              </a:rPr>
+              <a:t>relTol</a:t>
+            </a:r>
+            <a:r>
+              <a:rPr lang="en-US" sz="600" dirty="0">
+                <a:solidFill>
+                  <a:schemeClr val="tx1"/>
+                </a:solidFill>
+                <a:latin typeface="Times New Roman" panose="02020603050405020304" pitchFamily="18" charset="0"/>
+                <a:cs typeface="Times New Roman" panose="02020603050405020304" pitchFamily="18" charset="0"/>
+              </a:rPr>
+              <a:t> </a:t>
+            </a:r>
+          </a:p>
+          <a:p>
+            <a:r>
+              <a:rPr lang="en-US" sz="600" dirty="0" err="1">
+                <a:solidFill>
+                  <a:schemeClr val="tx1"/>
+                </a:solidFill>
+                <a:latin typeface="Times New Roman" panose="02020603050405020304" pitchFamily="18" charset="0"/>
+                <a:cs typeface="Times New Roman" panose="02020603050405020304" pitchFamily="18" charset="0"/>
+              </a:rPr>
+              <a:t>absTol</a:t>
+            </a:r>
+            <a:endParaRPr lang="en-US" sz="600" dirty="0">
+              <a:solidFill>
+                <a:schemeClr val="tx1"/>
+              </a:solidFill>
+              <a:latin typeface="Times New Roman" panose="02020603050405020304" pitchFamily="18" charset="0"/>
+              <a:cs typeface="Times New Roman" panose="02020603050405020304" pitchFamily="18" charset="0"/>
+            </a:endParaRPr>
+          </a:p>
+          <a:p>
+            <a:endParaRPr lang="en-US" sz="600" dirty="0">
+              <a:solidFill>
+                <a:schemeClr val="tx1"/>
+              </a:solidFill>
+              <a:latin typeface="Times New Roman" panose="02020603050405020304" pitchFamily="18" charset="0"/>
+              <a:cs typeface="Times New Roman" panose="02020603050405020304" pitchFamily="18" charset="0"/>
+            </a:endParaRPr>
+          </a:p>
+          <a:p>
+            <a:endParaRPr lang="en-US" sz="600" dirty="0">
+              <a:solidFill>
+                <a:schemeClr val="tx1"/>
+              </a:solidFill>
+              <a:latin typeface="Times New Roman" panose="02020603050405020304" pitchFamily="18" charset="0"/>
+              <a:cs typeface="Times New Roman" panose="02020603050405020304" pitchFamily="18" charset="0"/>
+            </a:endParaRPr>
+          </a:p>
+          <a:p>
+            <a:endParaRPr lang="en-US" sz="600" dirty="0">
+              <a:solidFill>
+                <a:schemeClr val="tx1"/>
+              </a:solidFill>
+              <a:latin typeface="Times New Roman" panose="02020603050405020304" pitchFamily="18" charset="0"/>
+              <a:cs typeface="Times New Roman" panose="02020603050405020304" pitchFamily="18" charset="0"/>
+            </a:endParaRPr>
+          </a:p>
+          <a:p>
+            <a:endParaRPr lang="en-US" sz="600" b="1" u="sng" dirty="0">
+              <a:solidFill>
+                <a:schemeClr val="tx1"/>
+              </a:solidFill>
+              <a:latin typeface="Times New Roman" panose="02020603050405020304" pitchFamily="18" charset="0"/>
+              <a:cs typeface="Times New Roman" panose="02020603050405020304" pitchFamily="18" charset="0"/>
+            </a:endParaRPr>
+          </a:p>
+        </p:txBody>
+      </p:sp>
+      <p:sp>
+        <p:nvSpPr>
+          <p:cNvPr id="5" name="Rectangle 4">
+            <a:extLst>
+              <a:ext uri="{FF2B5EF4-FFF2-40B4-BE49-F238E27FC236}">
+                <a16:creationId xmlns:a16="http://schemas.microsoft.com/office/drawing/2014/main" id="{6E19B75F-DEAB-91EC-71A0-F6AF3C9C26D1}"/>
+              </a:ext>
+            </a:extLst>
+          </p:cNvPr>
+          <p:cNvSpPr/>
+          <p:nvPr/>
+        </p:nvSpPr>
+        <p:spPr>
+          <a:xfrm>
+            <a:off x="2351099" y="4755855"/>
+            <a:ext cx="1920240" cy="2103120"/>
+          </a:xfrm>
+          <a:prstGeom prst="rect">
+            <a:avLst/>
+          </a:prstGeom>
+          <a:noFill/>
+          <a:ln>
+            <a:solidFill>
+              <a:schemeClr val="tx1"/>
+            </a:solidFill>
+          </a:ln>
+        </p:spPr>
+        <p:style>
+          <a:lnRef idx="2">
+            <a:schemeClr val="accent1">
+              <a:shade val="15000"/>
+            </a:schemeClr>
+          </a:lnRef>
+          <a:fillRef idx="1">
+            <a:schemeClr val="accent1"/>
+          </a:fillRef>
+          <a:effectRef idx="0">
+            <a:schemeClr val="accent1"/>
+          </a:effectRef>
+          <a:fontRef idx="minor">
+            <a:schemeClr val="lt1"/>
+          </a:fontRef>
+        </p:style>
+        <p:txBody>
+          <a:bodyPr rtlCol="0" anchor="t"/>
+          <a:lstStyle/>
+          <a:p>
+            <a:r>
+              <a:rPr lang="en-US" sz="600" b="1" u="sng" dirty="0">
+                <a:solidFill>
+                  <a:schemeClr val="tx1"/>
+                </a:solidFill>
+                <a:latin typeface="Times New Roman" panose="02020603050405020304" pitchFamily="18" charset="0"/>
+                <a:cs typeface="Times New Roman" panose="02020603050405020304" pitchFamily="18" charset="0"/>
+              </a:rPr>
+              <a:t>Body 3</a:t>
+            </a:r>
+          </a:p>
+          <a:p>
+            <a:r>
+              <a:rPr lang="en-US" sz="600" b="1" u="sng" dirty="0">
+                <a:solidFill>
+                  <a:schemeClr val="tx1"/>
+                </a:solidFill>
+                <a:latin typeface="Times New Roman" panose="02020603050405020304" pitchFamily="18" charset="0"/>
+                <a:cs typeface="Times New Roman" panose="02020603050405020304" pitchFamily="18" charset="0"/>
+              </a:rPr>
+              <a:t>State Properties</a:t>
+            </a:r>
+          </a:p>
+          <a:p>
+            <a:r>
+              <a:rPr lang="en-US" sz="600" dirty="0" err="1">
+                <a:solidFill>
+                  <a:schemeClr val="tx1"/>
+                </a:solidFill>
+                <a:latin typeface="Times New Roman" panose="02020603050405020304" pitchFamily="18" charset="0"/>
+                <a:cs typeface="Times New Roman" panose="02020603050405020304" pitchFamily="18" charset="0"/>
+              </a:rPr>
+              <a:t>stateCurrent</a:t>
+            </a:r>
+            <a:endParaRPr lang="en-US" sz="600" dirty="0">
+              <a:solidFill>
+                <a:schemeClr val="tx1"/>
+              </a:solidFill>
+              <a:latin typeface="Times New Roman" panose="02020603050405020304" pitchFamily="18" charset="0"/>
+              <a:cs typeface="Times New Roman" panose="02020603050405020304" pitchFamily="18" charset="0"/>
+            </a:endParaRPr>
+          </a:p>
+          <a:p>
+            <a:r>
+              <a:rPr lang="en-US" sz="600" dirty="0" err="1">
+                <a:solidFill>
+                  <a:schemeClr val="tx1"/>
+                </a:solidFill>
+                <a:latin typeface="Times New Roman" panose="02020603050405020304" pitchFamily="18" charset="0"/>
+                <a:cs typeface="Times New Roman" panose="02020603050405020304" pitchFamily="18" charset="0"/>
+              </a:rPr>
+              <a:t>stateHistory</a:t>
+            </a:r>
+            <a:endParaRPr lang="en-US" sz="600" dirty="0">
+              <a:solidFill>
+                <a:schemeClr val="tx1"/>
+              </a:solidFill>
+              <a:latin typeface="Times New Roman" panose="02020603050405020304" pitchFamily="18" charset="0"/>
+              <a:cs typeface="Times New Roman" panose="02020603050405020304" pitchFamily="18" charset="0"/>
+            </a:endParaRPr>
+          </a:p>
+          <a:p>
+            <a:r>
+              <a:rPr lang="en-US" sz="600" b="1" u="sng" dirty="0">
+                <a:solidFill>
+                  <a:schemeClr val="tx1"/>
+                </a:solidFill>
+                <a:latin typeface="Times New Roman" panose="02020603050405020304" pitchFamily="18" charset="0"/>
+                <a:cs typeface="Times New Roman" panose="02020603050405020304" pitchFamily="18" charset="0"/>
+              </a:rPr>
+              <a:t>Physical Properties</a:t>
+            </a:r>
+          </a:p>
+          <a:p>
+            <a:r>
+              <a:rPr lang="en-US" sz="600" dirty="0">
+                <a:solidFill>
+                  <a:schemeClr val="tx1"/>
+                </a:solidFill>
+                <a:latin typeface="Times New Roman" panose="02020603050405020304" pitchFamily="18" charset="0"/>
+                <a:cs typeface="Times New Roman" panose="02020603050405020304" pitchFamily="18" charset="0"/>
+              </a:rPr>
+              <a:t>mass</a:t>
+            </a:r>
+          </a:p>
+          <a:p>
+            <a:r>
+              <a:rPr lang="en-US" sz="600" dirty="0">
+                <a:solidFill>
+                  <a:schemeClr val="tx1"/>
+                </a:solidFill>
+                <a:latin typeface="Times New Roman" panose="02020603050405020304" pitchFamily="18" charset="0"/>
+                <a:cs typeface="Times New Roman" panose="02020603050405020304" pitchFamily="18" charset="0"/>
+              </a:rPr>
+              <a:t>mu</a:t>
+            </a:r>
+          </a:p>
+          <a:p>
+            <a:r>
+              <a:rPr lang="en-US" sz="600" dirty="0">
+                <a:solidFill>
+                  <a:schemeClr val="tx1"/>
+                </a:solidFill>
+                <a:latin typeface="Times New Roman" panose="02020603050405020304" pitchFamily="18" charset="0"/>
+                <a:cs typeface="Times New Roman" panose="02020603050405020304" pitchFamily="18" charset="0"/>
+              </a:rPr>
+              <a:t>j2</a:t>
+            </a:r>
+          </a:p>
+          <a:p>
+            <a:r>
+              <a:rPr lang="en-US" sz="600" dirty="0">
+                <a:solidFill>
+                  <a:schemeClr val="tx1"/>
+                </a:solidFill>
+                <a:latin typeface="Times New Roman" panose="02020603050405020304" pitchFamily="18" charset="0"/>
+                <a:cs typeface="Times New Roman" panose="02020603050405020304" pitchFamily="18" charset="0"/>
+              </a:rPr>
+              <a:t>radius</a:t>
+            </a:r>
+          </a:p>
+          <a:p>
+            <a:r>
+              <a:rPr lang="en-US" sz="600" b="1" u="sng" dirty="0">
+                <a:solidFill>
+                  <a:schemeClr val="tx1"/>
+                </a:solidFill>
+                <a:latin typeface="Times New Roman" panose="02020603050405020304" pitchFamily="18" charset="0"/>
+                <a:cs typeface="Times New Roman" panose="02020603050405020304" pitchFamily="18" charset="0"/>
+              </a:rPr>
+              <a:t>Propagation Properties</a:t>
+            </a:r>
+          </a:p>
+          <a:p>
+            <a:r>
+              <a:rPr lang="en-US" sz="600" dirty="0" err="1">
+                <a:solidFill>
+                  <a:schemeClr val="tx1"/>
+                </a:solidFill>
+                <a:latin typeface="Times New Roman" panose="02020603050405020304" pitchFamily="18" charset="0"/>
+                <a:cs typeface="Times New Roman" panose="02020603050405020304" pitchFamily="18" charset="0"/>
+              </a:rPr>
+              <a:t>forceModel</a:t>
+            </a:r>
+            <a:endParaRPr lang="en-US" sz="600" dirty="0">
+              <a:solidFill>
+                <a:schemeClr val="tx1"/>
+              </a:solidFill>
+              <a:latin typeface="Times New Roman" panose="02020603050405020304" pitchFamily="18" charset="0"/>
+              <a:cs typeface="Times New Roman" panose="02020603050405020304" pitchFamily="18" charset="0"/>
+            </a:endParaRPr>
+          </a:p>
+          <a:p>
+            <a:r>
+              <a:rPr lang="en-US" sz="600" dirty="0">
+                <a:solidFill>
+                  <a:schemeClr val="tx1"/>
+                </a:solidFill>
+                <a:latin typeface="Times New Roman" panose="02020603050405020304" pitchFamily="18" charset="0"/>
+                <a:cs typeface="Times New Roman" panose="02020603050405020304" pitchFamily="18" charset="0"/>
+              </a:rPr>
+              <a:t>dynamics</a:t>
+            </a:r>
+          </a:p>
+          <a:p>
+            <a:r>
+              <a:rPr lang="en-US" sz="600" dirty="0" err="1">
+                <a:solidFill>
+                  <a:schemeClr val="tx1"/>
+                </a:solidFill>
+                <a:latin typeface="Times New Roman" panose="02020603050405020304" pitchFamily="18" charset="0"/>
+                <a:cs typeface="Times New Roman" panose="02020603050405020304" pitchFamily="18" charset="0"/>
+              </a:rPr>
+              <a:t>integratorType</a:t>
+            </a:r>
+            <a:endParaRPr lang="en-US" sz="600" dirty="0">
+              <a:solidFill>
+                <a:schemeClr val="tx1"/>
+              </a:solidFill>
+              <a:latin typeface="Times New Roman" panose="02020603050405020304" pitchFamily="18" charset="0"/>
+              <a:cs typeface="Times New Roman" panose="02020603050405020304" pitchFamily="18" charset="0"/>
+            </a:endParaRPr>
+          </a:p>
+          <a:p>
+            <a:r>
+              <a:rPr lang="en-US" sz="600" dirty="0" err="1">
+                <a:solidFill>
+                  <a:schemeClr val="tx1"/>
+                </a:solidFill>
+                <a:latin typeface="Times New Roman" panose="02020603050405020304" pitchFamily="18" charset="0"/>
+                <a:cs typeface="Times New Roman" panose="02020603050405020304" pitchFamily="18" charset="0"/>
+              </a:rPr>
+              <a:t>relTol</a:t>
+            </a:r>
+            <a:r>
+              <a:rPr lang="en-US" sz="600" dirty="0">
+                <a:solidFill>
+                  <a:schemeClr val="tx1"/>
+                </a:solidFill>
+                <a:latin typeface="Times New Roman" panose="02020603050405020304" pitchFamily="18" charset="0"/>
+                <a:cs typeface="Times New Roman" panose="02020603050405020304" pitchFamily="18" charset="0"/>
+              </a:rPr>
+              <a:t> </a:t>
+            </a:r>
+          </a:p>
+          <a:p>
+            <a:r>
+              <a:rPr lang="en-US" sz="600" dirty="0" err="1">
+                <a:solidFill>
+                  <a:schemeClr val="tx1"/>
+                </a:solidFill>
+                <a:latin typeface="Times New Roman" panose="02020603050405020304" pitchFamily="18" charset="0"/>
+                <a:cs typeface="Times New Roman" panose="02020603050405020304" pitchFamily="18" charset="0"/>
+              </a:rPr>
+              <a:t>absTol</a:t>
+            </a:r>
+            <a:endParaRPr lang="en-US" sz="600" dirty="0">
+              <a:solidFill>
+                <a:schemeClr val="tx1"/>
+              </a:solidFill>
+              <a:latin typeface="Times New Roman" panose="02020603050405020304" pitchFamily="18" charset="0"/>
+              <a:cs typeface="Times New Roman" panose="02020603050405020304" pitchFamily="18" charset="0"/>
+            </a:endParaRPr>
+          </a:p>
+          <a:p>
+            <a:endParaRPr lang="en-US" sz="600" dirty="0">
+              <a:solidFill>
+                <a:schemeClr val="tx1"/>
+              </a:solidFill>
+              <a:latin typeface="Times New Roman" panose="02020603050405020304" pitchFamily="18" charset="0"/>
+              <a:cs typeface="Times New Roman" panose="02020603050405020304" pitchFamily="18" charset="0"/>
+            </a:endParaRPr>
+          </a:p>
+          <a:p>
+            <a:endParaRPr lang="en-US" sz="600" dirty="0">
+              <a:solidFill>
+                <a:schemeClr val="tx1"/>
+              </a:solidFill>
+              <a:latin typeface="Times New Roman" panose="02020603050405020304" pitchFamily="18" charset="0"/>
+              <a:cs typeface="Times New Roman" panose="02020603050405020304" pitchFamily="18" charset="0"/>
+            </a:endParaRPr>
+          </a:p>
+          <a:p>
+            <a:endParaRPr lang="en-US" sz="600" dirty="0">
+              <a:solidFill>
+                <a:schemeClr val="tx1"/>
+              </a:solidFill>
+              <a:latin typeface="Times New Roman" panose="02020603050405020304" pitchFamily="18" charset="0"/>
+              <a:cs typeface="Times New Roman" panose="02020603050405020304" pitchFamily="18" charset="0"/>
+            </a:endParaRPr>
+          </a:p>
+          <a:p>
+            <a:endParaRPr lang="en-US" sz="600" dirty="0">
+              <a:solidFill>
+                <a:schemeClr val="tx1"/>
+              </a:solidFill>
+              <a:latin typeface="Times New Roman" panose="02020603050405020304" pitchFamily="18" charset="0"/>
+              <a:cs typeface="Times New Roman" panose="02020603050405020304" pitchFamily="18" charset="0"/>
+            </a:endParaRPr>
+          </a:p>
+          <a:p>
+            <a:endParaRPr lang="en-US" sz="600" b="1" u="sng" dirty="0">
+              <a:solidFill>
+                <a:schemeClr val="tx1"/>
+              </a:solidFill>
+              <a:latin typeface="Times New Roman" panose="02020603050405020304" pitchFamily="18" charset="0"/>
+              <a:cs typeface="Times New Roman" panose="02020603050405020304" pitchFamily="18" charset="0"/>
+            </a:endParaRPr>
+          </a:p>
+        </p:txBody>
+      </p:sp>
+      <p:sp>
+        <p:nvSpPr>
+          <p:cNvPr id="6" name="Rectangle 5">
+            <a:extLst>
+              <a:ext uri="{FF2B5EF4-FFF2-40B4-BE49-F238E27FC236}">
+                <a16:creationId xmlns:a16="http://schemas.microsoft.com/office/drawing/2014/main" id="{3F3103CA-E567-685D-0081-DC348E06C05A}"/>
+              </a:ext>
+            </a:extLst>
+          </p:cNvPr>
+          <p:cNvSpPr/>
+          <p:nvPr/>
+        </p:nvSpPr>
+        <p:spPr>
+          <a:xfrm>
+            <a:off x="8157182" y="586796"/>
+            <a:ext cx="1828800" cy="1027444"/>
+          </a:xfrm>
+          <a:prstGeom prst="rect">
+            <a:avLst/>
+          </a:prstGeom>
+          <a:noFill/>
+          <a:ln>
+            <a:solidFill>
+              <a:schemeClr val="tx1"/>
+            </a:solidFill>
+          </a:ln>
+        </p:spPr>
+        <p:style>
+          <a:lnRef idx="2">
+            <a:schemeClr val="accent1">
+              <a:shade val="15000"/>
+            </a:schemeClr>
+          </a:lnRef>
+          <a:fillRef idx="1">
+            <a:schemeClr val="accent1"/>
+          </a:fillRef>
+          <a:effectRef idx="0">
+            <a:schemeClr val="accent1"/>
+          </a:effectRef>
+          <a:fontRef idx="minor">
+            <a:schemeClr val="lt1"/>
+          </a:fontRef>
+        </p:style>
+        <p:txBody>
+          <a:bodyPr rtlCol="0" anchor="t"/>
+          <a:lstStyle/>
+          <a:p>
+            <a:r>
+              <a:rPr lang="en-US" sz="800" b="1" u="sng" dirty="0">
+                <a:solidFill>
+                  <a:schemeClr val="tx1"/>
+                </a:solidFill>
+                <a:latin typeface="Times New Roman" panose="02020603050405020304" pitchFamily="18" charset="0"/>
+                <a:cs typeface="Times New Roman" panose="02020603050405020304" pitchFamily="18" charset="0"/>
+              </a:rPr>
+              <a:t>Time Element</a:t>
+            </a:r>
+          </a:p>
+          <a:p>
+            <a:r>
+              <a:rPr lang="en-US" sz="800" dirty="0" err="1">
+                <a:solidFill>
+                  <a:schemeClr val="tx1"/>
+                </a:solidFill>
+                <a:latin typeface="Times New Roman" panose="02020603050405020304" pitchFamily="18" charset="0"/>
+                <a:cs typeface="Times New Roman" panose="02020603050405020304" pitchFamily="18" charset="0"/>
+              </a:rPr>
+              <a:t>timeFrame</a:t>
+            </a:r>
+            <a:endParaRPr lang="en-US" sz="800" dirty="0">
+              <a:solidFill>
+                <a:schemeClr val="tx1"/>
+              </a:solidFill>
+              <a:latin typeface="Times New Roman" panose="02020603050405020304" pitchFamily="18" charset="0"/>
+              <a:cs typeface="Times New Roman" panose="02020603050405020304" pitchFamily="18" charset="0"/>
+            </a:endParaRPr>
+          </a:p>
+          <a:p>
+            <a:r>
+              <a:rPr lang="en-US" sz="800" dirty="0" err="1">
+                <a:solidFill>
+                  <a:schemeClr val="tx1"/>
+                </a:solidFill>
+                <a:latin typeface="Times New Roman" panose="02020603050405020304" pitchFamily="18" charset="0"/>
+                <a:cs typeface="Times New Roman" panose="02020603050405020304" pitchFamily="18" charset="0"/>
+              </a:rPr>
+              <a:t>currentTime</a:t>
+            </a:r>
+            <a:endParaRPr lang="en-US" sz="800" dirty="0">
+              <a:solidFill>
+                <a:schemeClr val="tx1"/>
+              </a:solidFill>
+              <a:latin typeface="Times New Roman" panose="02020603050405020304" pitchFamily="18" charset="0"/>
+              <a:cs typeface="Times New Roman" panose="02020603050405020304" pitchFamily="18" charset="0"/>
+            </a:endParaRPr>
+          </a:p>
+          <a:p>
+            <a:r>
+              <a:rPr lang="en-US" sz="800" dirty="0" err="1">
+                <a:solidFill>
+                  <a:schemeClr val="tx1"/>
+                </a:solidFill>
+                <a:latin typeface="Times New Roman" panose="02020603050405020304" pitchFamily="18" charset="0"/>
+                <a:cs typeface="Times New Roman" panose="02020603050405020304" pitchFamily="18" charset="0"/>
+              </a:rPr>
+              <a:t>startTime</a:t>
+            </a:r>
+            <a:endParaRPr lang="en-US" sz="800" dirty="0">
+              <a:solidFill>
+                <a:schemeClr val="tx1"/>
+              </a:solidFill>
+              <a:latin typeface="Times New Roman" panose="02020603050405020304" pitchFamily="18" charset="0"/>
+              <a:cs typeface="Times New Roman" panose="02020603050405020304" pitchFamily="18" charset="0"/>
+            </a:endParaRPr>
+          </a:p>
+          <a:p>
+            <a:r>
+              <a:rPr lang="en-US" sz="800" dirty="0" err="1">
+                <a:solidFill>
+                  <a:schemeClr val="tx1"/>
+                </a:solidFill>
+                <a:latin typeface="Times New Roman" panose="02020603050405020304" pitchFamily="18" charset="0"/>
+                <a:cs typeface="Times New Roman" panose="02020603050405020304" pitchFamily="18" charset="0"/>
+              </a:rPr>
+              <a:t>endTime</a:t>
+            </a:r>
+            <a:endParaRPr lang="en-US" sz="800" dirty="0">
+              <a:solidFill>
+                <a:schemeClr val="tx1"/>
+              </a:solidFill>
+              <a:latin typeface="Times New Roman" panose="02020603050405020304" pitchFamily="18" charset="0"/>
+              <a:cs typeface="Times New Roman" panose="02020603050405020304" pitchFamily="18" charset="0"/>
+            </a:endParaRPr>
+          </a:p>
+          <a:p>
+            <a:r>
+              <a:rPr lang="en-US" sz="800" dirty="0">
+                <a:solidFill>
+                  <a:schemeClr val="tx1"/>
+                </a:solidFill>
+                <a:latin typeface="Times New Roman" panose="02020603050405020304" pitchFamily="18" charset="0"/>
+                <a:cs typeface="Times New Roman" panose="02020603050405020304" pitchFamily="18" charset="0"/>
+              </a:rPr>
+              <a:t>dt</a:t>
+            </a:r>
+          </a:p>
+          <a:p>
+            <a:r>
+              <a:rPr lang="en-US" sz="800" dirty="0" err="1">
+                <a:solidFill>
+                  <a:schemeClr val="tx1"/>
+                </a:solidFill>
+                <a:latin typeface="Times New Roman" panose="02020603050405020304" pitchFamily="18" charset="0"/>
+                <a:cs typeface="Times New Roman" panose="02020603050405020304" pitchFamily="18" charset="0"/>
+              </a:rPr>
+              <a:t>timeHistory</a:t>
+            </a:r>
+            <a:endParaRPr lang="en-US" sz="800" dirty="0">
+              <a:solidFill>
+                <a:schemeClr val="tx1"/>
+              </a:solidFill>
+              <a:latin typeface="Times New Roman" panose="02020603050405020304" pitchFamily="18" charset="0"/>
+              <a:cs typeface="Times New Roman" panose="02020603050405020304" pitchFamily="18" charset="0"/>
+            </a:endParaRPr>
+          </a:p>
+          <a:p>
+            <a:endParaRPr lang="en-US" sz="800" dirty="0">
+              <a:solidFill>
+                <a:schemeClr val="tx1"/>
+              </a:solidFill>
+              <a:latin typeface="Times New Roman" panose="02020603050405020304" pitchFamily="18" charset="0"/>
+              <a:cs typeface="Times New Roman" panose="02020603050405020304" pitchFamily="18" charset="0"/>
+            </a:endParaRPr>
+          </a:p>
+          <a:p>
+            <a:endParaRPr lang="en-US" sz="800" dirty="0">
+              <a:solidFill>
+                <a:schemeClr val="tx1"/>
+              </a:solidFill>
+              <a:latin typeface="Times New Roman" panose="02020603050405020304" pitchFamily="18" charset="0"/>
+              <a:cs typeface="Times New Roman" panose="02020603050405020304" pitchFamily="18" charset="0"/>
+            </a:endParaRPr>
+          </a:p>
+          <a:p>
+            <a:endParaRPr lang="en-US" sz="800" dirty="0">
+              <a:solidFill>
+                <a:schemeClr val="tx1"/>
+              </a:solidFill>
+              <a:latin typeface="Times New Roman" panose="02020603050405020304" pitchFamily="18" charset="0"/>
+              <a:cs typeface="Times New Roman" panose="02020603050405020304" pitchFamily="18" charset="0"/>
+            </a:endParaRPr>
+          </a:p>
+          <a:p>
+            <a:endParaRPr lang="en-US" sz="800" dirty="0">
+              <a:solidFill>
+                <a:schemeClr val="tx1"/>
+              </a:solidFill>
+              <a:latin typeface="Times New Roman" panose="02020603050405020304" pitchFamily="18" charset="0"/>
+              <a:cs typeface="Times New Roman" panose="02020603050405020304" pitchFamily="18" charset="0"/>
+            </a:endParaRPr>
+          </a:p>
+          <a:p>
+            <a:endParaRPr lang="en-US" sz="800" b="1" u="sng" dirty="0">
+              <a:solidFill>
+                <a:schemeClr val="tx1"/>
+              </a:solidFill>
+              <a:latin typeface="Times New Roman" panose="02020603050405020304" pitchFamily="18" charset="0"/>
+              <a:cs typeface="Times New Roman" panose="02020603050405020304" pitchFamily="18" charset="0"/>
+            </a:endParaRPr>
+          </a:p>
+        </p:txBody>
+      </p:sp>
+      <p:sp>
+        <p:nvSpPr>
+          <p:cNvPr id="8" name="Rectangle 7">
+            <a:extLst>
+              <a:ext uri="{FF2B5EF4-FFF2-40B4-BE49-F238E27FC236}">
+                <a16:creationId xmlns:a16="http://schemas.microsoft.com/office/drawing/2014/main" id="{06C258A4-065E-E87D-1E6B-1FC43411BF18}"/>
+              </a:ext>
+            </a:extLst>
+          </p:cNvPr>
+          <p:cNvSpPr/>
+          <p:nvPr/>
+        </p:nvSpPr>
+        <p:spPr>
+          <a:xfrm>
+            <a:off x="3254287" y="162098"/>
+            <a:ext cx="1920240" cy="2103120"/>
+          </a:xfrm>
+          <a:prstGeom prst="rect">
+            <a:avLst/>
+          </a:prstGeom>
+          <a:solidFill>
+            <a:schemeClr val="bg1"/>
+          </a:solidFill>
+          <a:ln>
+            <a:solidFill>
+              <a:schemeClr val="tx1"/>
+            </a:solidFill>
+          </a:ln>
+        </p:spPr>
+        <p:style>
+          <a:lnRef idx="2">
+            <a:schemeClr val="accent1">
+              <a:shade val="15000"/>
+            </a:schemeClr>
+          </a:lnRef>
+          <a:fillRef idx="1">
+            <a:schemeClr val="accent1"/>
+          </a:fillRef>
+          <a:effectRef idx="0">
+            <a:schemeClr val="accent1"/>
+          </a:effectRef>
+          <a:fontRef idx="minor">
+            <a:schemeClr val="lt1"/>
+          </a:fontRef>
+        </p:style>
+        <p:txBody>
+          <a:bodyPr rtlCol="0" anchor="t"/>
+          <a:lstStyle/>
+          <a:p>
+            <a:r>
+              <a:rPr lang="en-US" sz="600" b="1" u="sng" dirty="0">
+                <a:solidFill>
+                  <a:schemeClr val="tx1"/>
+                </a:solidFill>
+                <a:latin typeface="Times New Roman" panose="02020603050405020304" pitchFamily="18" charset="0"/>
+                <a:cs typeface="Times New Roman" panose="02020603050405020304" pitchFamily="18" charset="0"/>
+              </a:rPr>
+              <a:t>Earth</a:t>
+            </a:r>
+          </a:p>
+          <a:p>
+            <a:endParaRPr lang="en-US" sz="600" b="1" u="sng" dirty="0">
+              <a:solidFill>
+                <a:schemeClr val="tx1"/>
+              </a:solidFill>
+              <a:latin typeface="Times New Roman" panose="02020603050405020304" pitchFamily="18" charset="0"/>
+              <a:cs typeface="Times New Roman" panose="02020603050405020304" pitchFamily="18" charset="0"/>
+            </a:endParaRPr>
+          </a:p>
+          <a:p>
+            <a:r>
+              <a:rPr lang="en-US" sz="600" b="1" u="sng" dirty="0">
+                <a:solidFill>
+                  <a:schemeClr val="tx1"/>
+                </a:solidFill>
+                <a:latin typeface="Times New Roman" panose="02020603050405020304" pitchFamily="18" charset="0"/>
+                <a:cs typeface="Times New Roman" panose="02020603050405020304" pitchFamily="18" charset="0"/>
+              </a:rPr>
+              <a:t>State Properties</a:t>
+            </a:r>
+          </a:p>
+          <a:p>
+            <a:r>
+              <a:rPr lang="en-US" sz="600" dirty="0" err="1">
+                <a:solidFill>
+                  <a:schemeClr val="tx1"/>
+                </a:solidFill>
+                <a:latin typeface="Times New Roman" panose="02020603050405020304" pitchFamily="18" charset="0"/>
+                <a:cs typeface="Times New Roman" panose="02020603050405020304" pitchFamily="18" charset="0"/>
+              </a:rPr>
+              <a:t>stateCurrent</a:t>
+            </a:r>
+            <a:r>
+              <a:rPr lang="en-US" sz="600" dirty="0">
+                <a:solidFill>
+                  <a:schemeClr val="tx1"/>
+                </a:solidFill>
+                <a:latin typeface="Times New Roman" panose="02020603050405020304" pitchFamily="18" charset="0"/>
+                <a:cs typeface="Times New Roman" panose="02020603050405020304" pitchFamily="18" charset="0"/>
+              </a:rPr>
+              <a:t> = [0,0,0,0,0,0]</a:t>
+            </a:r>
+          </a:p>
+          <a:p>
+            <a:r>
+              <a:rPr lang="en-US" sz="600" dirty="0" err="1">
+                <a:solidFill>
+                  <a:schemeClr val="tx1"/>
+                </a:solidFill>
+                <a:latin typeface="Times New Roman" panose="02020603050405020304" pitchFamily="18" charset="0"/>
+                <a:cs typeface="Times New Roman" panose="02020603050405020304" pitchFamily="18" charset="0"/>
+              </a:rPr>
+              <a:t>stateHistory</a:t>
+            </a:r>
+            <a:r>
+              <a:rPr lang="en-US" sz="600" dirty="0">
+                <a:solidFill>
+                  <a:schemeClr val="tx1"/>
+                </a:solidFill>
+                <a:latin typeface="Times New Roman" panose="02020603050405020304" pitchFamily="18" charset="0"/>
+                <a:cs typeface="Times New Roman" panose="02020603050405020304" pitchFamily="18" charset="0"/>
+              </a:rPr>
+              <a:t> = [0,0,0,0,0,0]</a:t>
+            </a:r>
+          </a:p>
+          <a:p>
+            <a:endParaRPr lang="en-US" sz="600" dirty="0">
+              <a:solidFill>
+                <a:schemeClr val="tx1"/>
+              </a:solidFill>
+              <a:latin typeface="Times New Roman" panose="02020603050405020304" pitchFamily="18" charset="0"/>
+              <a:cs typeface="Times New Roman" panose="02020603050405020304" pitchFamily="18" charset="0"/>
+            </a:endParaRPr>
+          </a:p>
+          <a:p>
+            <a:r>
+              <a:rPr lang="en-US" sz="600" b="1" u="sng" dirty="0">
+                <a:solidFill>
+                  <a:schemeClr val="tx1"/>
+                </a:solidFill>
+                <a:latin typeface="Times New Roman" panose="02020603050405020304" pitchFamily="18" charset="0"/>
+                <a:cs typeface="Times New Roman" panose="02020603050405020304" pitchFamily="18" charset="0"/>
+              </a:rPr>
+              <a:t>Physical Properties</a:t>
+            </a:r>
+          </a:p>
+          <a:p>
+            <a:r>
+              <a:rPr lang="en-US" sz="600" dirty="0">
+                <a:solidFill>
+                  <a:schemeClr val="tx1"/>
+                </a:solidFill>
+                <a:latin typeface="Times New Roman" panose="02020603050405020304" pitchFamily="18" charset="0"/>
+                <a:cs typeface="Times New Roman" panose="02020603050405020304" pitchFamily="18" charset="0"/>
+              </a:rPr>
+              <a:t>mass = mass</a:t>
+            </a:r>
+          </a:p>
+          <a:p>
+            <a:r>
+              <a:rPr lang="en-US" sz="600" dirty="0">
+                <a:solidFill>
+                  <a:schemeClr val="tx1"/>
+                </a:solidFill>
+                <a:latin typeface="Times New Roman" panose="02020603050405020304" pitchFamily="18" charset="0"/>
+                <a:cs typeface="Times New Roman" panose="02020603050405020304" pitchFamily="18" charset="0"/>
+              </a:rPr>
+              <a:t>mu = mu</a:t>
+            </a:r>
+          </a:p>
+          <a:p>
+            <a:r>
+              <a:rPr lang="en-US" sz="600" dirty="0">
+                <a:solidFill>
+                  <a:schemeClr val="tx1"/>
+                </a:solidFill>
+                <a:latin typeface="Times New Roman" panose="02020603050405020304" pitchFamily="18" charset="0"/>
+                <a:cs typeface="Times New Roman" panose="02020603050405020304" pitchFamily="18" charset="0"/>
+              </a:rPr>
+              <a:t>j2 = j2</a:t>
+            </a:r>
+          </a:p>
+          <a:p>
+            <a:r>
+              <a:rPr lang="en-US" sz="600" dirty="0">
+                <a:solidFill>
+                  <a:schemeClr val="tx1"/>
+                </a:solidFill>
+                <a:latin typeface="Times New Roman" panose="02020603050405020304" pitchFamily="18" charset="0"/>
+                <a:cs typeface="Times New Roman" panose="02020603050405020304" pitchFamily="18" charset="0"/>
+              </a:rPr>
+              <a:t>radius = radius</a:t>
+            </a:r>
+          </a:p>
+          <a:p>
+            <a:endParaRPr lang="en-US" sz="600" dirty="0">
+              <a:solidFill>
+                <a:schemeClr val="tx1"/>
+              </a:solidFill>
+              <a:latin typeface="Times New Roman" panose="02020603050405020304" pitchFamily="18" charset="0"/>
+              <a:cs typeface="Times New Roman" panose="02020603050405020304" pitchFamily="18" charset="0"/>
+            </a:endParaRPr>
+          </a:p>
+          <a:p>
+            <a:r>
+              <a:rPr lang="en-US" sz="600" b="1" u="sng" dirty="0">
+                <a:solidFill>
+                  <a:schemeClr val="tx1"/>
+                </a:solidFill>
+                <a:latin typeface="Times New Roman" panose="02020603050405020304" pitchFamily="18" charset="0"/>
+                <a:cs typeface="Times New Roman" panose="02020603050405020304" pitchFamily="18" charset="0"/>
+              </a:rPr>
+              <a:t>Propagation Properties</a:t>
+            </a:r>
+          </a:p>
+          <a:p>
+            <a:r>
+              <a:rPr lang="en-US" sz="600" dirty="0" err="1">
+                <a:solidFill>
+                  <a:schemeClr val="tx1"/>
+                </a:solidFill>
+                <a:latin typeface="Times New Roman" panose="02020603050405020304" pitchFamily="18" charset="0"/>
+                <a:cs typeface="Times New Roman" panose="02020603050405020304" pitchFamily="18" charset="0"/>
+              </a:rPr>
+              <a:t>forceModel</a:t>
+            </a:r>
+            <a:r>
+              <a:rPr lang="en-US" sz="600" dirty="0">
+                <a:solidFill>
+                  <a:schemeClr val="tx1"/>
+                </a:solidFill>
+                <a:latin typeface="Times New Roman" panose="02020603050405020304" pitchFamily="18" charset="0"/>
+                <a:cs typeface="Times New Roman" panose="02020603050405020304" pitchFamily="18" charset="0"/>
+              </a:rPr>
+              <a:t> = Fixed</a:t>
+            </a:r>
+          </a:p>
+          <a:p>
+            <a:r>
+              <a:rPr lang="en-US" sz="600" dirty="0">
+                <a:solidFill>
+                  <a:schemeClr val="tx1"/>
+                </a:solidFill>
+                <a:latin typeface="Times New Roman" panose="02020603050405020304" pitchFamily="18" charset="0"/>
+                <a:cs typeface="Times New Roman" panose="02020603050405020304" pitchFamily="18" charset="0"/>
+              </a:rPr>
+              <a:t>dynamics = </a:t>
+            </a:r>
+            <a:r>
+              <a:rPr lang="en-US" sz="600" dirty="0" err="1">
+                <a:solidFill>
+                  <a:schemeClr val="tx1"/>
+                </a:solidFill>
+                <a:latin typeface="Times New Roman" panose="02020603050405020304" pitchFamily="18" charset="0"/>
+                <a:cs typeface="Times New Roman" panose="02020603050405020304" pitchFamily="18" charset="0"/>
+              </a:rPr>
+              <a:t>forceModel</a:t>
+            </a:r>
+            <a:r>
+              <a:rPr lang="en-US" sz="600" dirty="0">
+                <a:solidFill>
+                  <a:schemeClr val="tx1"/>
+                </a:solidFill>
+                <a:latin typeface="Times New Roman" panose="02020603050405020304" pitchFamily="18" charset="0"/>
+                <a:cs typeface="Times New Roman" panose="02020603050405020304" pitchFamily="18" charset="0"/>
+              </a:rPr>
+              <a:t> </a:t>
+            </a:r>
+          </a:p>
+          <a:p>
+            <a:r>
+              <a:rPr lang="en-US" sz="600" dirty="0" err="1">
+                <a:solidFill>
+                  <a:schemeClr val="tx1"/>
+                </a:solidFill>
+                <a:latin typeface="Times New Roman" panose="02020603050405020304" pitchFamily="18" charset="0"/>
+                <a:cs typeface="Times New Roman" panose="02020603050405020304" pitchFamily="18" charset="0"/>
+              </a:rPr>
+              <a:t>integratorType</a:t>
+            </a:r>
+            <a:r>
+              <a:rPr lang="en-US" sz="600" dirty="0">
+                <a:solidFill>
+                  <a:schemeClr val="tx1"/>
+                </a:solidFill>
+                <a:latin typeface="Times New Roman" panose="02020603050405020304" pitchFamily="18" charset="0"/>
+                <a:cs typeface="Times New Roman" panose="02020603050405020304" pitchFamily="18" charset="0"/>
+              </a:rPr>
+              <a:t> = RK4</a:t>
+            </a:r>
+          </a:p>
+          <a:p>
+            <a:r>
+              <a:rPr lang="en-US" sz="600" dirty="0" err="1">
+                <a:solidFill>
+                  <a:schemeClr val="tx1"/>
+                </a:solidFill>
+                <a:latin typeface="Times New Roman" panose="02020603050405020304" pitchFamily="18" charset="0"/>
+                <a:cs typeface="Times New Roman" panose="02020603050405020304" pitchFamily="18" charset="0"/>
+              </a:rPr>
+              <a:t>relTol</a:t>
+            </a:r>
+            <a:r>
+              <a:rPr lang="en-US" sz="600" dirty="0">
+                <a:solidFill>
+                  <a:schemeClr val="tx1"/>
+                </a:solidFill>
+                <a:latin typeface="Times New Roman" panose="02020603050405020304" pitchFamily="18" charset="0"/>
+                <a:cs typeface="Times New Roman" panose="02020603050405020304" pitchFamily="18" charset="0"/>
+              </a:rPr>
+              <a:t> = 1E-12</a:t>
+            </a:r>
+          </a:p>
+          <a:p>
+            <a:r>
+              <a:rPr lang="en-US" sz="600" dirty="0" err="1">
+                <a:solidFill>
+                  <a:schemeClr val="tx1"/>
+                </a:solidFill>
+                <a:latin typeface="Times New Roman" panose="02020603050405020304" pitchFamily="18" charset="0"/>
+                <a:cs typeface="Times New Roman" panose="02020603050405020304" pitchFamily="18" charset="0"/>
+              </a:rPr>
+              <a:t>absTol</a:t>
+            </a:r>
+            <a:r>
+              <a:rPr lang="en-US" sz="600" dirty="0">
+                <a:solidFill>
+                  <a:schemeClr val="tx1"/>
+                </a:solidFill>
+                <a:latin typeface="Times New Roman" panose="02020603050405020304" pitchFamily="18" charset="0"/>
+                <a:cs typeface="Times New Roman" panose="02020603050405020304" pitchFamily="18" charset="0"/>
+              </a:rPr>
+              <a:t> = 1E-12</a:t>
+            </a:r>
+          </a:p>
+          <a:p>
+            <a:endParaRPr lang="en-US" sz="600" dirty="0">
+              <a:solidFill>
+                <a:schemeClr val="tx1"/>
+              </a:solidFill>
+              <a:latin typeface="Times New Roman" panose="02020603050405020304" pitchFamily="18" charset="0"/>
+              <a:cs typeface="Times New Roman" panose="02020603050405020304" pitchFamily="18" charset="0"/>
+            </a:endParaRPr>
+          </a:p>
+          <a:p>
+            <a:endParaRPr lang="en-US" sz="600" dirty="0">
+              <a:solidFill>
+                <a:schemeClr val="tx1"/>
+              </a:solidFill>
+              <a:latin typeface="Times New Roman" panose="02020603050405020304" pitchFamily="18" charset="0"/>
+              <a:cs typeface="Times New Roman" panose="02020603050405020304" pitchFamily="18" charset="0"/>
+            </a:endParaRPr>
+          </a:p>
+          <a:p>
+            <a:endParaRPr lang="en-US" sz="600" dirty="0">
+              <a:solidFill>
+                <a:schemeClr val="tx1"/>
+              </a:solidFill>
+              <a:latin typeface="Times New Roman" panose="02020603050405020304" pitchFamily="18" charset="0"/>
+              <a:cs typeface="Times New Roman" panose="02020603050405020304" pitchFamily="18" charset="0"/>
+            </a:endParaRPr>
+          </a:p>
+          <a:p>
+            <a:endParaRPr lang="en-US" sz="600" dirty="0">
+              <a:solidFill>
+                <a:schemeClr val="tx1"/>
+              </a:solidFill>
+              <a:latin typeface="Times New Roman" panose="02020603050405020304" pitchFamily="18" charset="0"/>
+              <a:cs typeface="Times New Roman" panose="02020603050405020304" pitchFamily="18" charset="0"/>
+            </a:endParaRPr>
+          </a:p>
+          <a:p>
+            <a:endParaRPr lang="en-US" sz="600" b="1" u="sng" dirty="0">
+              <a:solidFill>
+                <a:schemeClr val="tx1"/>
+              </a:solidFill>
+              <a:latin typeface="Times New Roman" panose="02020603050405020304" pitchFamily="18" charset="0"/>
+              <a:cs typeface="Times New Roman" panose="02020603050405020304" pitchFamily="18" charset="0"/>
+            </a:endParaRPr>
+          </a:p>
+        </p:txBody>
+      </p:sp>
+      <p:sp>
+        <p:nvSpPr>
+          <p:cNvPr id="9" name="Rectangle 8">
+            <a:extLst>
+              <a:ext uri="{FF2B5EF4-FFF2-40B4-BE49-F238E27FC236}">
+                <a16:creationId xmlns:a16="http://schemas.microsoft.com/office/drawing/2014/main" id="{C23A1888-8E37-B724-31E7-E1D18E0FB2C3}"/>
+              </a:ext>
+            </a:extLst>
+          </p:cNvPr>
+          <p:cNvSpPr/>
+          <p:nvPr/>
+        </p:nvSpPr>
+        <p:spPr>
+          <a:xfrm>
+            <a:off x="3254287" y="2458976"/>
+            <a:ext cx="1920240" cy="2103120"/>
+          </a:xfrm>
+          <a:prstGeom prst="rect">
+            <a:avLst/>
+          </a:prstGeom>
+          <a:solidFill>
+            <a:schemeClr val="bg1"/>
+          </a:solidFill>
+          <a:ln>
+            <a:solidFill>
+              <a:schemeClr val="tx1"/>
+            </a:solidFill>
+          </a:ln>
+        </p:spPr>
+        <p:style>
+          <a:lnRef idx="2">
+            <a:schemeClr val="accent1">
+              <a:shade val="15000"/>
+            </a:schemeClr>
+          </a:lnRef>
+          <a:fillRef idx="1">
+            <a:schemeClr val="accent1"/>
+          </a:fillRef>
+          <a:effectRef idx="0">
+            <a:schemeClr val="accent1"/>
+          </a:effectRef>
+          <a:fontRef idx="minor">
+            <a:schemeClr val="lt1"/>
+          </a:fontRef>
+        </p:style>
+        <p:txBody>
+          <a:bodyPr rtlCol="0" anchor="t"/>
+          <a:lstStyle/>
+          <a:p>
+            <a:r>
+              <a:rPr lang="en-US" sz="600" b="1" u="sng" dirty="0">
+                <a:solidFill>
+                  <a:schemeClr val="tx1"/>
+                </a:solidFill>
+                <a:latin typeface="Times New Roman" panose="02020603050405020304" pitchFamily="18" charset="0"/>
+                <a:cs typeface="Times New Roman" panose="02020603050405020304" pitchFamily="18" charset="0"/>
+              </a:rPr>
+              <a:t>Moon</a:t>
+            </a:r>
+          </a:p>
+          <a:p>
+            <a:endParaRPr lang="en-US" sz="600" b="1" u="sng" dirty="0">
+              <a:solidFill>
+                <a:schemeClr val="tx1"/>
+              </a:solidFill>
+              <a:latin typeface="Times New Roman" panose="02020603050405020304" pitchFamily="18" charset="0"/>
+              <a:cs typeface="Times New Roman" panose="02020603050405020304" pitchFamily="18" charset="0"/>
+            </a:endParaRPr>
+          </a:p>
+          <a:p>
+            <a:r>
+              <a:rPr lang="en-US" sz="600" b="1" u="sng" dirty="0">
+                <a:solidFill>
+                  <a:schemeClr val="tx1"/>
+                </a:solidFill>
+                <a:latin typeface="Times New Roman" panose="02020603050405020304" pitchFamily="18" charset="0"/>
+                <a:cs typeface="Times New Roman" panose="02020603050405020304" pitchFamily="18" charset="0"/>
+              </a:rPr>
+              <a:t>State Properties</a:t>
+            </a:r>
+          </a:p>
+          <a:p>
+            <a:r>
+              <a:rPr lang="en-US" sz="600" dirty="0" err="1">
+                <a:solidFill>
+                  <a:schemeClr val="tx1"/>
+                </a:solidFill>
+                <a:latin typeface="Times New Roman" panose="02020603050405020304" pitchFamily="18" charset="0"/>
+                <a:cs typeface="Times New Roman" panose="02020603050405020304" pitchFamily="18" charset="0"/>
+              </a:rPr>
+              <a:t>stateCurrent</a:t>
+            </a:r>
+            <a:r>
+              <a:rPr lang="en-US" sz="600" dirty="0">
+                <a:solidFill>
+                  <a:schemeClr val="tx1"/>
+                </a:solidFill>
+                <a:latin typeface="Times New Roman" panose="02020603050405020304" pitchFamily="18" charset="0"/>
+                <a:cs typeface="Times New Roman" panose="02020603050405020304" pitchFamily="18" charset="0"/>
+              </a:rPr>
+              <a:t> = [rMoon,0,0,vMoon,0,0]</a:t>
+            </a:r>
+          </a:p>
+          <a:p>
+            <a:r>
+              <a:rPr lang="en-US" sz="600" dirty="0" err="1">
+                <a:solidFill>
+                  <a:schemeClr val="tx1"/>
+                </a:solidFill>
+                <a:latin typeface="Times New Roman" panose="02020603050405020304" pitchFamily="18" charset="0"/>
+                <a:cs typeface="Times New Roman" panose="02020603050405020304" pitchFamily="18" charset="0"/>
+              </a:rPr>
+              <a:t>stateHistory</a:t>
+            </a:r>
+            <a:r>
+              <a:rPr lang="en-US" sz="600" dirty="0">
+                <a:solidFill>
+                  <a:schemeClr val="tx1"/>
+                </a:solidFill>
+                <a:latin typeface="Times New Roman" panose="02020603050405020304" pitchFamily="18" charset="0"/>
+                <a:cs typeface="Times New Roman" panose="02020603050405020304" pitchFamily="18" charset="0"/>
+              </a:rPr>
+              <a:t> = [rMoon,0,0,vMoon,0,0]</a:t>
+            </a:r>
+          </a:p>
+          <a:p>
+            <a:endParaRPr lang="en-US" sz="600" dirty="0">
+              <a:solidFill>
+                <a:schemeClr val="tx1"/>
+              </a:solidFill>
+              <a:latin typeface="Times New Roman" panose="02020603050405020304" pitchFamily="18" charset="0"/>
+              <a:cs typeface="Times New Roman" panose="02020603050405020304" pitchFamily="18" charset="0"/>
+            </a:endParaRPr>
+          </a:p>
+          <a:p>
+            <a:r>
+              <a:rPr lang="en-US" sz="600" b="1" u="sng" dirty="0">
+                <a:solidFill>
+                  <a:schemeClr val="tx1"/>
+                </a:solidFill>
+                <a:latin typeface="Times New Roman" panose="02020603050405020304" pitchFamily="18" charset="0"/>
+                <a:cs typeface="Times New Roman" panose="02020603050405020304" pitchFamily="18" charset="0"/>
+              </a:rPr>
+              <a:t>Physical Properties</a:t>
+            </a:r>
+          </a:p>
+          <a:p>
+            <a:r>
+              <a:rPr lang="en-US" sz="600" dirty="0">
+                <a:solidFill>
+                  <a:schemeClr val="tx1"/>
+                </a:solidFill>
+                <a:latin typeface="Times New Roman" panose="02020603050405020304" pitchFamily="18" charset="0"/>
+                <a:cs typeface="Times New Roman" panose="02020603050405020304" pitchFamily="18" charset="0"/>
+              </a:rPr>
+              <a:t>mass = mass</a:t>
+            </a:r>
+          </a:p>
+          <a:p>
+            <a:r>
+              <a:rPr lang="en-US" sz="600" dirty="0">
+                <a:solidFill>
+                  <a:schemeClr val="tx1"/>
+                </a:solidFill>
+                <a:latin typeface="Times New Roman" panose="02020603050405020304" pitchFamily="18" charset="0"/>
+                <a:cs typeface="Times New Roman" panose="02020603050405020304" pitchFamily="18" charset="0"/>
+              </a:rPr>
+              <a:t>mu = mu</a:t>
+            </a:r>
+          </a:p>
+          <a:p>
+            <a:r>
+              <a:rPr lang="en-US" sz="600" dirty="0">
+                <a:solidFill>
+                  <a:schemeClr val="tx1"/>
+                </a:solidFill>
+                <a:latin typeface="Times New Roman" panose="02020603050405020304" pitchFamily="18" charset="0"/>
+                <a:cs typeface="Times New Roman" panose="02020603050405020304" pitchFamily="18" charset="0"/>
+              </a:rPr>
+              <a:t>j2 = j2</a:t>
+            </a:r>
+          </a:p>
+          <a:p>
+            <a:r>
+              <a:rPr lang="en-US" sz="600" dirty="0">
+                <a:solidFill>
+                  <a:schemeClr val="tx1"/>
+                </a:solidFill>
+                <a:latin typeface="Times New Roman" panose="02020603050405020304" pitchFamily="18" charset="0"/>
+                <a:cs typeface="Times New Roman" panose="02020603050405020304" pitchFamily="18" charset="0"/>
+              </a:rPr>
+              <a:t>radius = radius</a:t>
+            </a:r>
+          </a:p>
+          <a:p>
+            <a:endParaRPr lang="en-US" sz="600" dirty="0">
+              <a:solidFill>
+                <a:schemeClr val="tx1"/>
+              </a:solidFill>
+              <a:latin typeface="Times New Roman" panose="02020603050405020304" pitchFamily="18" charset="0"/>
+              <a:cs typeface="Times New Roman" panose="02020603050405020304" pitchFamily="18" charset="0"/>
+            </a:endParaRPr>
+          </a:p>
+          <a:p>
+            <a:r>
+              <a:rPr lang="en-US" sz="600" b="1" u="sng" dirty="0">
+                <a:solidFill>
+                  <a:schemeClr val="tx1"/>
+                </a:solidFill>
+                <a:latin typeface="Times New Roman" panose="02020603050405020304" pitchFamily="18" charset="0"/>
+                <a:cs typeface="Times New Roman" panose="02020603050405020304" pitchFamily="18" charset="0"/>
+              </a:rPr>
+              <a:t>Propagation Properties</a:t>
+            </a:r>
+          </a:p>
+          <a:p>
+            <a:r>
+              <a:rPr lang="en-US" sz="600" dirty="0" err="1">
+                <a:solidFill>
+                  <a:schemeClr val="tx1"/>
+                </a:solidFill>
+                <a:latin typeface="Times New Roman" panose="02020603050405020304" pitchFamily="18" charset="0"/>
+                <a:cs typeface="Times New Roman" panose="02020603050405020304" pitchFamily="18" charset="0"/>
+              </a:rPr>
+              <a:t>forceModel</a:t>
+            </a:r>
+            <a:r>
+              <a:rPr lang="en-US" sz="600" dirty="0">
+                <a:solidFill>
+                  <a:schemeClr val="tx1"/>
+                </a:solidFill>
+                <a:latin typeface="Times New Roman" panose="02020603050405020304" pitchFamily="18" charset="0"/>
+                <a:cs typeface="Times New Roman" panose="02020603050405020304" pitchFamily="18" charset="0"/>
+              </a:rPr>
+              <a:t> = </a:t>
+            </a:r>
+            <a:r>
+              <a:rPr lang="en-US" sz="600" dirty="0" err="1">
+                <a:solidFill>
+                  <a:schemeClr val="tx1"/>
+                </a:solidFill>
+                <a:latin typeface="Times New Roman" panose="02020603050405020304" pitchFamily="18" charset="0"/>
+                <a:cs typeface="Times New Roman" panose="02020603050405020304" pitchFamily="18" charset="0"/>
+              </a:rPr>
+              <a:t>EarthPointMass</a:t>
+            </a:r>
+            <a:endParaRPr lang="en-US" sz="600" dirty="0">
+              <a:solidFill>
+                <a:schemeClr val="tx1"/>
+              </a:solidFill>
+              <a:latin typeface="Times New Roman" panose="02020603050405020304" pitchFamily="18" charset="0"/>
+              <a:cs typeface="Times New Roman" panose="02020603050405020304" pitchFamily="18" charset="0"/>
+            </a:endParaRPr>
+          </a:p>
+          <a:p>
+            <a:r>
+              <a:rPr lang="en-US" sz="600" dirty="0">
+                <a:solidFill>
+                  <a:schemeClr val="tx1"/>
+                </a:solidFill>
+                <a:latin typeface="Times New Roman" panose="02020603050405020304" pitchFamily="18" charset="0"/>
+                <a:cs typeface="Times New Roman" panose="02020603050405020304" pitchFamily="18" charset="0"/>
+              </a:rPr>
+              <a:t>dynamics = </a:t>
+            </a:r>
+            <a:r>
+              <a:rPr lang="en-US" sz="600" dirty="0" err="1">
+                <a:solidFill>
+                  <a:schemeClr val="tx1"/>
+                </a:solidFill>
+                <a:latin typeface="Times New Roman" panose="02020603050405020304" pitchFamily="18" charset="0"/>
+                <a:cs typeface="Times New Roman" panose="02020603050405020304" pitchFamily="18" charset="0"/>
+              </a:rPr>
+              <a:t>forceModel</a:t>
+            </a:r>
+            <a:r>
+              <a:rPr lang="en-US" sz="600" dirty="0">
+                <a:solidFill>
+                  <a:schemeClr val="tx1"/>
+                </a:solidFill>
+                <a:latin typeface="Times New Roman" panose="02020603050405020304" pitchFamily="18" charset="0"/>
+                <a:cs typeface="Times New Roman" panose="02020603050405020304" pitchFamily="18" charset="0"/>
+              </a:rPr>
+              <a:t> </a:t>
+            </a:r>
+          </a:p>
+          <a:p>
+            <a:r>
+              <a:rPr lang="en-US" sz="600" dirty="0" err="1">
+                <a:solidFill>
+                  <a:schemeClr val="tx1"/>
+                </a:solidFill>
+                <a:latin typeface="Times New Roman" panose="02020603050405020304" pitchFamily="18" charset="0"/>
+                <a:cs typeface="Times New Roman" panose="02020603050405020304" pitchFamily="18" charset="0"/>
+              </a:rPr>
+              <a:t>integratorType</a:t>
+            </a:r>
+            <a:r>
+              <a:rPr lang="en-US" sz="600" dirty="0">
+                <a:solidFill>
+                  <a:schemeClr val="tx1"/>
+                </a:solidFill>
+                <a:latin typeface="Times New Roman" panose="02020603050405020304" pitchFamily="18" charset="0"/>
+                <a:cs typeface="Times New Roman" panose="02020603050405020304" pitchFamily="18" charset="0"/>
+              </a:rPr>
+              <a:t> = RK4</a:t>
+            </a:r>
+          </a:p>
+          <a:p>
+            <a:r>
+              <a:rPr lang="en-US" sz="600" dirty="0" err="1">
+                <a:solidFill>
+                  <a:schemeClr val="tx1"/>
+                </a:solidFill>
+                <a:latin typeface="Times New Roman" panose="02020603050405020304" pitchFamily="18" charset="0"/>
+                <a:cs typeface="Times New Roman" panose="02020603050405020304" pitchFamily="18" charset="0"/>
+              </a:rPr>
+              <a:t>relTol</a:t>
+            </a:r>
+            <a:r>
+              <a:rPr lang="en-US" sz="600" dirty="0">
+                <a:solidFill>
+                  <a:schemeClr val="tx1"/>
+                </a:solidFill>
+                <a:latin typeface="Times New Roman" panose="02020603050405020304" pitchFamily="18" charset="0"/>
+                <a:cs typeface="Times New Roman" panose="02020603050405020304" pitchFamily="18" charset="0"/>
+              </a:rPr>
+              <a:t> = 1E-12</a:t>
+            </a:r>
+          </a:p>
+          <a:p>
+            <a:r>
+              <a:rPr lang="en-US" sz="600" dirty="0" err="1">
+                <a:solidFill>
+                  <a:schemeClr val="tx1"/>
+                </a:solidFill>
+                <a:latin typeface="Times New Roman" panose="02020603050405020304" pitchFamily="18" charset="0"/>
+                <a:cs typeface="Times New Roman" panose="02020603050405020304" pitchFamily="18" charset="0"/>
+              </a:rPr>
+              <a:t>absTol</a:t>
+            </a:r>
+            <a:r>
+              <a:rPr lang="en-US" sz="600" dirty="0">
+                <a:solidFill>
+                  <a:schemeClr val="tx1"/>
+                </a:solidFill>
+                <a:latin typeface="Times New Roman" panose="02020603050405020304" pitchFamily="18" charset="0"/>
+                <a:cs typeface="Times New Roman" panose="02020603050405020304" pitchFamily="18" charset="0"/>
+              </a:rPr>
+              <a:t> = 1E-12</a:t>
+            </a:r>
+          </a:p>
+        </p:txBody>
+      </p:sp>
+      <p:sp>
+        <p:nvSpPr>
+          <p:cNvPr id="11" name="Rectangle 10">
+            <a:extLst>
+              <a:ext uri="{FF2B5EF4-FFF2-40B4-BE49-F238E27FC236}">
+                <a16:creationId xmlns:a16="http://schemas.microsoft.com/office/drawing/2014/main" id="{56FE54DF-8655-C878-247D-293C70EAC49A}"/>
+              </a:ext>
+            </a:extLst>
+          </p:cNvPr>
+          <p:cNvSpPr/>
+          <p:nvPr/>
+        </p:nvSpPr>
+        <p:spPr>
+          <a:xfrm>
+            <a:off x="3254287" y="4755855"/>
+            <a:ext cx="1920240" cy="2103120"/>
+          </a:xfrm>
+          <a:prstGeom prst="rect">
+            <a:avLst/>
+          </a:prstGeom>
+          <a:solidFill>
+            <a:schemeClr val="bg1"/>
+          </a:solidFill>
+          <a:ln>
+            <a:solidFill>
+              <a:schemeClr val="tx1"/>
+            </a:solidFill>
+          </a:ln>
+        </p:spPr>
+        <p:style>
+          <a:lnRef idx="2">
+            <a:schemeClr val="accent1">
+              <a:shade val="15000"/>
+            </a:schemeClr>
+          </a:lnRef>
+          <a:fillRef idx="1">
+            <a:schemeClr val="accent1"/>
+          </a:fillRef>
+          <a:effectRef idx="0">
+            <a:schemeClr val="accent1"/>
+          </a:effectRef>
+          <a:fontRef idx="minor">
+            <a:schemeClr val="lt1"/>
+          </a:fontRef>
+        </p:style>
+        <p:txBody>
+          <a:bodyPr rtlCol="0" anchor="t"/>
+          <a:lstStyle/>
+          <a:p>
+            <a:r>
+              <a:rPr lang="en-US" sz="600" b="1" u="sng" dirty="0">
+                <a:solidFill>
+                  <a:schemeClr val="tx1"/>
+                </a:solidFill>
+                <a:latin typeface="Times New Roman" panose="02020603050405020304" pitchFamily="18" charset="0"/>
+                <a:cs typeface="Times New Roman" panose="02020603050405020304" pitchFamily="18" charset="0"/>
+              </a:rPr>
+              <a:t>SV</a:t>
+            </a:r>
+          </a:p>
+          <a:p>
+            <a:endParaRPr lang="en-US" sz="600" b="1" u="sng" dirty="0">
+              <a:solidFill>
+                <a:schemeClr val="tx1"/>
+              </a:solidFill>
+              <a:latin typeface="Times New Roman" panose="02020603050405020304" pitchFamily="18" charset="0"/>
+              <a:cs typeface="Times New Roman" panose="02020603050405020304" pitchFamily="18" charset="0"/>
+            </a:endParaRPr>
+          </a:p>
+          <a:p>
+            <a:r>
+              <a:rPr lang="en-US" sz="600" b="1" u="sng" dirty="0">
+                <a:solidFill>
+                  <a:schemeClr val="tx1"/>
+                </a:solidFill>
+                <a:latin typeface="Times New Roman" panose="02020603050405020304" pitchFamily="18" charset="0"/>
+                <a:cs typeface="Times New Roman" panose="02020603050405020304" pitchFamily="18" charset="0"/>
+              </a:rPr>
+              <a:t>State Properties</a:t>
+            </a:r>
+          </a:p>
+          <a:p>
+            <a:r>
+              <a:rPr lang="en-US" sz="600" dirty="0" err="1">
+                <a:solidFill>
+                  <a:schemeClr val="tx1"/>
+                </a:solidFill>
+                <a:latin typeface="Times New Roman" panose="02020603050405020304" pitchFamily="18" charset="0"/>
+                <a:cs typeface="Times New Roman" panose="02020603050405020304" pitchFamily="18" charset="0"/>
+              </a:rPr>
+              <a:t>stateCurrent</a:t>
+            </a:r>
+            <a:r>
+              <a:rPr lang="en-US" sz="600" dirty="0">
+                <a:solidFill>
+                  <a:schemeClr val="tx1"/>
+                </a:solidFill>
+                <a:latin typeface="Times New Roman" panose="02020603050405020304" pitchFamily="18" charset="0"/>
+                <a:cs typeface="Times New Roman" panose="02020603050405020304" pitchFamily="18" charset="0"/>
+              </a:rPr>
+              <a:t> = [rSat,0,0,vSat,0,0]</a:t>
+            </a:r>
+          </a:p>
+          <a:p>
+            <a:r>
+              <a:rPr lang="en-US" sz="600" dirty="0" err="1">
+                <a:solidFill>
+                  <a:schemeClr val="tx1"/>
+                </a:solidFill>
+                <a:latin typeface="Times New Roman" panose="02020603050405020304" pitchFamily="18" charset="0"/>
+                <a:cs typeface="Times New Roman" panose="02020603050405020304" pitchFamily="18" charset="0"/>
+              </a:rPr>
+              <a:t>stateHistory</a:t>
+            </a:r>
+            <a:r>
+              <a:rPr lang="en-US" sz="600" dirty="0">
+                <a:solidFill>
+                  <a:schemeClr val="tx1"/>
+                </a:solidFill>
+                <a:latin typeface="Times New Roman" panose="02020603050405020304" pitchFamily="18" charset="0"/>
+                <a:cs typeface="Times New Roman" panose="02020603050405020304" pitchFamily="18" charset="0"/>
+              </a:rPr>
+              <a:t> = [rSat,0,0,vSat,0,0]</a:t>
+            </a:r>
+          </a:p>
+          <a:p>
+            <a:endParaRPr lang="en-US" sz="600" dirty="0">
+              <a:solidFill>
+                <a:schemeClr val="tx1"/>
+              </a:solidFill>
+              <a:latin typeface="Times New Roman" panose="02020603050405020304" pitchFamily="18" charset="0"/>
+              <a:cs typeface="Times New Roman" panose="02020603050405020304" pitchFamily="18" charset="0"/>
+            </a:endParaRPr>
+          </a:p>
+          <a:p>
+            <a:r>
+              <a:rPr lang="en-US" sz="600" b="1" u="sng" dirty="0">
+                <a:solidFill>
+                  <a:schemeClr val="tx1"/>
+                </a:solidFill>
+                <a:latin typeface="Times New Roman" panose="02020603050405020304" pitchFamily="18" charset="0"/>
+                <a:cs typeface="Times New Roman" panose="02020603050405020304" pitchFamily="18" charset="0"/>
+              </a:rPr>
+              <a:t>Physical Properties</a:t>
+            </a:r>
+          </a:p>
+          <a:p>
+            <a:r>
+              <a:rPr lang="en-US" sz="600" dirty="0">
+                <a:solidFill>
+                  <a:schemeClr val="tx1"/>
+                </a:solidFill>
+                <a:latin typeface="Times New Roman" panose="02020603050405020304" pitchFamily="18" charset="0"/>
+                <a:cs typeface="Times New Roman" panose="02020603050405020304" pitchFamily="18" charset="0"/>
+              </a:rPr>
+              <a:t>mass = mass</a:t>
+            </a:r>
+          </a:p>
+          <a:p>
+            <a:r>
+              <a:rPr lang="en-US" sz="600" dirty="0">
+                <a:solidFill>
+                  <a:schemeClr val="tx1"/>
+                </a:solidFill>
+                <a:latin typeface="Times New Roman" panose="02020603050405020304" pitchFamily="18" charset="0"/>
+                <a:cs typeface="Times New Roman" panose="02020603050405020304" pitchFamily="18" charset="0"/>
+              </a:rPr>
+              <a:t>mu = mu</a:t>
+            </a:r>
+          </a:p>
+          <a:p>
+            <a:r>
+              <a:rPr lang="en-US" sz="600" dirty="0">
+                <a:solidFill>
+                  <a:schemeClr val="tx1"/>
+                </a:solidFill>
+                <a:latin typeface="Times New Roman" panose="02020603050405020304" pitchFamily="18" charset="0"/>
+                <a:cs typeface="Times New Roman" panose="02020603050405020304" pitchFamily="18" charset="0"/>
+              </a:rPr>
+              <a:t>j2 = j2</a:t>
+            </a:r>
+          </a:p>
+          <a:p>
+            <a:r>
+              <a:rPr lang="en-US" sz="600" dirty="0">
+                <a:solidFill>
+                  <a:schemeClr val="tx1"/>
+                </a:solidFill>
+                <a:latin typeface="Times New Roman" panose="02020603050405020304" pitchFamily="18" charset="0"/>
+                <a:cs typeface="Times New Roman" panose="02020603050405020304" pitchFamily="18" charset="0"/>
+              </a:rPr>
+              <a:t>radius = radius</a:t>
+            </a:r>
+          </a:p>
+          <a:p>
+            <a:endParaRPr lang="en-US" sz="600" dirty="0">
+              <a:solidFill>
+                <a:schemeClr val="tx1"/>
+              </a:solidFill>
+              <a:latin typeface="Times New Roman" panose="02020603050405020304" pitchFamily="18" charset="0"/>
+              <a:cs typeface="Times New Roman" panose="02020603050405020304" pitchFamily="18" charset="0"/>
+            </a:endParaRPr>
+          </a:p>
+          <a:p>
+            <a:r>
+              <a:rPr lang="en-US" sz="600" b="1" u="sng" dirty="0">
+                <a:solidFill>
+                  <a:schemeClr val="tx1"/>
+                </a:solidFill>
+                <a:latin typeface="Times New Roman" panose="02020603050405020304" pitchFamily="18" charset="0"/>
+                <a:cs typeface="Times New Roman" panose="02020603050405020304" pitchFamily="18" charset="0"/>
+              </a:rPr>
+              <a:t>Propagation Properties</a:t>
+            </a:r>
+          </a:p>
+          <a:p>
+            <a:r>
+              <a:rPr lang="en-US" sz="600" dirty="0" err="1">
+                <a:solidFill>
+                  <a:schemeClr val="tx1"/>
+                </a:solidFill>
+                <a:latin typeface="Times New Roman" panose="02020603050405020304" pitchFamily="18" charset="0"/>
+                <a:cs typeface="Times New Roman" panose="02020603050405020304" pitchFamily="18" charset="0"/>
+              </a:rPr>
+              <a:t>forceModel</a:t>
+            </a:r>
+            <a:r>
+              <a:rPr lang="en-US" sz="600" dirty="0">
+                <a:solidFill>
+                  <a:schemeClr val="tx1"/>
+                </a:solidFill>
+                <a:latin typeface="Times New Roman" panose="02020603050405020304" pitchFamily="18" charset="0"/>
+                <a:cs typeface="Times New Roman" panose="02020603050405020304" pitchFamily="18" charset="0"/>
+              </a:rPr>
+              <a:t> = [</a:t>
+            </a:r>
+            <a:r>
+              <a:rPr lang="en-US" sz="600" dirty="0" err="1">
+                <a:solidFill>
+                  <a:schemeClr val="tx1"/>
+                </a:solidFill>
+                <a:latin typeface="Times New Roman" panose="02020603050405020304" pitchFamily="18" charset="0"/>
+                <a:cs typeface="Times New Roman" panose="02020603050405020304" pitchFamily="18" charset="0"/>
+              </a:rPr>
+              <a:t>EarthPointMass</a:t>
+            </a:r>
+            <a:r>
+              <a:rPr lang="en-US" sz="600" dirty="0">
+                <a:solidFill>
+                  <a:schemeClr val="tx1"/>
+                </a:solidFill>
+                <a:latin typeface="Times New Roman" panose="02020603050405020304" pitchFamily="18" charset="0"/>
+                <a:cs typeface="Times New Roman" panose="02020603050405020304" pitchFamily="18" charset="0"/>
+              </a:rPr>
+              <a:t>, </a:t>
+            </a:r>
+            <a:r>
+              <a:rPr lang="en-US" sz="600" dirty="0" err="1">
+                <a:solidFill>
+                  <a:schemeClr val="tx1"/>
+                </a:solidFill>
+                <a:latin typeface="Times New Roman" panose="02020603050405020304" pitchFamily="18" charset="0"/>
+                <a:cs typeface="Times New Roman" panose="02020603050405020304" pitchFamily="18" charset="0"/>
+              </a:rPr>
+              <a:t>MoonPointMass</a:t>
+            </a:r>
+            <a:r>
+              <a:rPr lang="en-US" sz="600" dirty="0">
+                <a:solidFill>
+                  <a:schemeClr val="tx1"/>
+                </a:solidFill>
+                <a:latin typeface="Times New Roman" panose="02020603050405020304" pitchFamily="18" charset="0"/>
+                <a:cs typeface="Times New Roman" panose="02020603050405020304" pitchFamily="18" charset="0"/>
+              </a:rPr>
+              <a:t>]</a:t>
+            </a:r>
+          </a:p>
+          <a:p>
+            <a:r>
+              <a:rPr lang="en-US" sz="600" dirty="0">
+                <a:solidFill>
+                  <a:schemeClr val="tx1"/>
+                </a:solidFill>
+                <a:latin typeface="Times New Roman" panose="02020603050405020304" pitchFamily="18" charset="0"/>
+                <a:cs typeface="Times New Roman" panose="02020603050405020304" pitchFamily="18" charset="0"/>
+              </a:rPr>
+              <a:t>dynamics = </a:t>
+            </a:r>
+            <a:r>
+              <a:rPr lang="en-US" sz="600" dirty="0" err="1">
+                <a:solidFill>
+                  <a:schemeClr val="tx1"/>
+                </a:solidFill>
+                <a:latin typeface="Times New Roman" panose="02020603050405020304" pitchFamily="18" charset="0"/>
+                <a:cs typeface="Times New Roman" panose="02020603050405020304" pitchFamily="18" charset="0"/>
+              </a:rPr>
+              <a:t>forceModel</a:t>
+            </a:r>
+            <a:endParaRPr lang="en-US" sz="600" dirty="0">
+              <a:solidFill>
+                <a:schemeClr val="tx1"/>
+              </a:solidFill>
+              <a:latin typeface="Times New Roman" panose="02020603050405020304" pitchFamily="18" charset="0"/>
+              <a:cs typeface="Times New Roman" panose="02020603050405020304" pitchFamily="18" charset="0"/>
+            </a:endParaRPr>
+          </a:p>
+          <a:p>
+            <a:r>
+              <a:rPr lang="en-US" sz="600" dirty="0" err="1">
+                <a:solidFill>
+                  <a:schemeClr val="tx1"/>
+                </a:solidFill>
+                <a:latin typeface="Times New Roman" panose="02020603050405020304" pitchFamily="18" charset="0"/>
+                <a:cs typeface="Times New Roman" panose="02020603050405020304" pitchFamily="18" charset="0"/>
+              </a:rPr>
+              <a:t>integratorType</a:t>
+            </a:r>
+            <a:r>
+              <a:rPr lang="en-US" sz="600" dirty="0">
+                <a:solidFill>
+                  <a:schemeClr val="tx1"/>
+                </a:solidFill>
+                <a:latin typeface="Times New Roman" panose="02020603050405020304" pitchFamily="18" charset="0"/>
+                <a:cs typeface="Times New Roman" panose="02020603050405020304" pitchFamily="18" charset="0"/>
+              </a:rPr>
+              <a:t> = DOPRI5</a:t>
+            </a:r>
+          </a:p>
+          <a:p>
+            <a:r>
+              <a:rPr lang="en-US" sz="600" dirty="0" err="1">
+                <a:solidFill>
+                  <a:schemeClr val="tx1"/>
+                </a:solidFill>
+                <a:latin typeface="Times New Roman" panose="02020603050405020304" pitchFamily="18" charset="0"/>
+                <a:cs typeface="Times New Roman" panose="02020603050405020304" pitchFamily="18" charset="0"/>
+              </a:rPr>
+              <a:t>relTol</a:t>
+            </a:r>
+            <a:r>
+              <a:rPr lang="en-US" sz="600" dirty="0">
+                <a:solidFill>
+                  <a:schemeClr val="tx1"/>
+                </a:solidFill>
+                <a:latin typeface="Times New Roman" panose="02020603050405020304" pitchFamily="18" charset="0"/>
+                <a:cs typeface="Times New Roman" panose="02020603050405020304" pitchFamily="18" charset="0"/>
+              </a:rPr>
+              <a:t> = 1E-12</a:t>
+            </a:r>
+          </a:p>
+          <a:p>
+            <a:r>
+              <a:rPr lang="en-US" sz="600" dirty="0" err="1">
+                <a:solidFill>
+                  <a:schemeClr val="tx1"/>
+                </a:solidFill>
+                <a:latin typeface="Times New Roman" panose="02020603050405020304" pitchFamily="18" charset="0"/>
+                <a:cs typeface="Times New Roman" panose="02020603050405020304" pitchFamily="18" charset="0"/>
+              </a:rPr>
+              <a:t>absTol</a:t>
+            </a:r>
+            <a:r>
+              <a:rPr lang="en-US" sz="600" dirty="0">
+                <a:solidFill>
+                  <a:schemeClr val="tx1"/>
+                </a:solidFill>
+                <a:latin typeface="Times New Roman" panose="02020603050405020304" pitchFamily="18" charset="0"/>
+                <a:cs typeface="Times New Roman" panose="02020603050405020304" pitchFamily="18" charset="0"/>
+              </a:rPr>
+              <a:t> = 1E-12</a:t>
+            </a:r>
+          </a:p>
+        </p:txBody>
+      </p:sp>
+      <p:cxnSp>
+        <p:nvCxnSpPr>
+          <p:cNvPr id="13" name="Straight Arrow Connector 12">
+            <a:extLst>
+              <a:ext uri="{FF2B5EF4-FFF2-40B4-BE49-F238E27FC236}">
+                <a16:creationId xmlns:a16="http://schemas.microsoft.com/office/drawing/2014/main" id="{D0A66021-E201-14B6-0E86-EA29938A1E6B}"/>
+              </a:ext>
+            </a:extLst>
+          </p:cNvPr>
+          <p:cNvCxnSpPr>
+            <a:cxnSpLocks/>
+            <a:stCxn id="6" idx="2"/>
+            <a:endCxn id="3" idx="0"/>
+          </p:cNvCxnSpPr>
+          <p:nvPr/>
+        </p:nvCxnSpPr>
+        <p:spPr>
+          <a:xfrm>
+            <a:off x="9071582" y="1614240"/>
+            <a:ext cx="1" cy="879797"/>
+          </a:xfrm>
+          <a:prstGeom prst="straightConnector1">
+            <a:avLst/>
+          </a:prstGeom>
+          <a:ln>
+            <a:tailEnd type="triangle"/>
+          </a:ln>
+        </p:spPr>
+        <p:style>
+          <a:lnRef idx="2">
+            <a:schemeClr val="accent1"/>
+          </a:lnRef>
+          <a:fillRef idx="0">
+            <a:schemeClr val="accent1"/>
+          </a:fillRef>
+          <a:effectRef idx="1">
+            <a:schemeClr val="accent1"/>
+          </a:effectRef>
+          <a:fontRef idx="minor">
+            <a:schemeClr val="tx1"/>
+          </a:fontRef>
+        </p:style>
+      </p:cxnSp>
+      <p:sp>
+        <p:nvSpPr>
+          <p:cNvPr id="16" name="Oval 15">
+            <a:extLst>
+              <a:ext uri="{FF2B5EF4-FFF2-40B4-BE49-F238E27FC236}">
+                <a16:creationId xmlns:a16="http://schemas.microsoft.com/office/drawing/2014/main" id="{5F9F20AD-4A6A-222B-BEDA-14EBC1019BF0}"/>
+              </a:ext>
+            </a:extLst>
+          </p:cNvPr>
+          <p:cNvSpPr/>
+          <p:nvPr/>
+        </p:nvSpPr>
+        <p:spPr>
+          <a:xfrm>
+            <a:off x="6077715" y="3158115"/>
+            <a:ext cx="431142" cy="431142"/>
+          </a:xfrm>
+          <a:prstGeom prst="ellipse">
+            <a:avLst/>
+          </a:prstGeom>
+        </p:spPr>
+        <p:style>
+          <a:lnRef idx="2">
+            <a:schemeClr val="accent1">
+              <a:shade val="15000"/>
+            </a:schemeClr>
+          </a:lnRef>
+          <a:fillRef idx="1">
+            <a:schemeClr val="accent1"/>
+          </a:fillRef>
+          <a:effectRef idx="0">
+            <a:schemeClr val="accent1"/>
+          </a:effectRef>
+          <a:fontRef idx="minor">
+            <a:schemeClr val="lt1"/>
+          </a:fontRef>
+        </p:style>
+        <p:txBody>
+          <a:bodyPr rtlCol="0" anchor="ctr"/>
+          <a:lstStyle/>
+          <a:p>
+            <a:pPr algn="ctr"/>
+            <a:r>
+              <a:rPr lang="en-US" dirty="0"/>
+              <a:t>+</a:t>
+            </a:r>
+          </a:p>
+        </p:txBody>
+      </p:sp>
+      <p:cxnSp>
+        <p:nvCxnSpPr>
+          <p:cNvPr id="18" name="Connector: Elbow 17">
+            <a:extLst>
+              <a:ext uri="{FF2B5EF4-FFF2-40B4-BE49-F238E27FC236}">
+                <a16:creationId xmlns:a16="http://schemas.microsoft.com/office/drawing/2014/main" id="{7A1F0F9A-4999-C798-5162-5C408CB898E7}"/>
+              </a:ext>
+            </a:extLst>
+          </p:cNvPr>
+          <p:cNvCxnSpPr>
+            <a:stCxn id="8" idx="3"/>
+            <a:endCxn id="16" idx="0"/>
+          </p:cNvCxnSpPr>
+          <p:nvPr/>
+        </p:nvCxnSpPr>
+        <p:spPr>
+          <a:xfrm>
+            <a:off x="5174527" y="1213658"/>
+            <a:ext cx="1118759" cy="1944457"/>
+          </a:xfrm>
+          <a:prstGeom prst="bentConnector2">
+            <a:avLst/>
+          </a:prstGeom>
+          <a:ln>
+            <a:tailEnd type="triangle"/>
+          </a:ln>
+        </p:spPr>
+        <p:style>
+          <a:lnRef idx="2">
+            <a:schemeClr val="accent1"/>
+          </a:lnRef>
+          <a:fillRef idx="0">
+            <a:schemeClr val="accent1"/>
+          </a:fillRef>
+          <a:effectRef idx="1">
+            <a:schemeClr val="accent1"/>
+          </a:effectRef>
+          <a:fontRef idx="minor">
+            <a:schemeClr val="tx1"/>
+          </a:fontRef>
+        </p:style>
+      </p:cxnSp>
+      <p:cxnSp>
+        <p:nvCxnSpPr>
+          <p:cNvPr id="19" name="Connector: Elbow 18">
+            <a:extLst>
+              <a:ext uri="{FF2B5EF4-FFF2-40B4-BE49-F238E27FC236}">
+                <a16:creationId xmlns:a16="http://schemas.microsoft.com/office/drawing/2014/main" id="{A6FB97C6-641A-9B59-71C0-931716E8DF07}"/>
+              </a:ext>
+            </a:extLst>
+          </p:cNvPr>
+          <p:cNvCxnSpPr>
+            <a:cxnSpLocks/>
+            <a:stCxn id="11" idx="3"/>
+            <a:endCxn id="16" idx="4"/>
+          </p:cNvCxnSpPr>
+          <p:nvPr/>
+        </p:nvCxnSpPr>
+        <p:spPr>
+          <a:xfrm flipV="1">
+            <a:off x="5174527" y="3589257"/>
+            <a:ext cx="1118759" cy="2218158"/>
+          </a:xfrm>
+          <a:prstGeom prst="bentConnector2">
+            <a:avLst/>
+          </a:prstGeom>
+          <a:ln>
+            <a:tailEnd type="triangle"/>
+          </a:ln>
+        </p:spPr>
+        <p:style>
+          <a:lnRef idx="2">
+            <a:schemeClr val="accent1"/>
+          </a:lnRef>
+          <a:fillRef idx="0">
+            <a:schemeClr val="accent1"/>
+          </a:fillRef>
+          <a:effectRef idx="1">
+            <a:schemeClr val="accent1"/>
+          </a:effectRef>
+          <a:fontRef idx="minor">
+            <a:schemeClr val="tx1"/>
+          </a:fontRef>
+        </p:style>
+      </p:cxnSp>
+      <p:cxnSp>
+        <p:nvCxnSpPr>
+          <p:cNvPr id="23" name="Straight Arrow Connector 22">
+            <a:extLst>
+              <a:ext uri="{FF2B5EF4-FFF2-40B4-BE49-F238E27FC236}">
+                <a16:creationId xmlns:a16="http://schemas.microsoft.com/office/drawing/2014/main" id="{4543EF83-5DCB-F0DF-601B-812672C0EF7E}"/>
+              </a:ext>
+            </a:extLst>
+          </p:cNvPr>
+          <p:cNvCxnSpPr>
+            <a:stCxn id="9" idx="3"/>
+            <a:endCxn id="16" idx="2"/>
+          </p:cNvCxnSpPr>
+          <p:nvPr/>
+        </p:nvCxnSpPr>
+        <p:spPr>
+          <a:xfrm flipV="1">
+            <a:off x="5174527" y="3373686"/>
+            <a:ext cx="903188" cy="136850"/>
+          </a:xfrm>
+          <a:prstGeom prst="straightConnector1">
+            <a:avLst/>
+          </a:prstGeom>
+          <a:ln>
+            <a:tailEnd type="triangle"/>
+          </a:ln>
+        </p:spPr>
+        <p:style>
+          <a:lnRef idx="2">
+            <a:schemeClr val="accent1"/>
+          </a:lnRef>
+          <a:fillRef idx="0">
+            <a:schemeClr val="accent1"/>
+          </a:fillRef>
+          <a:effectRef idx="1">
+            <a:schemeClr val="accent1"/>
+          </a:effectRef>
+          <a:fontRef idx="minor">
+            <a:schemeClr val="tx1"/>
+          </a:fontRef>
+        </p:style>
+      </p:cxnSp>
+      <p:cxnSp>
+        <p:nvCxnSpPr>
+          <p:cNvPr id="24" name="Straight Arrow Connector 23">
+            <a:extLst>
+              <a:ext uri="{FF2B5EF4-FFF2-40B4-BE49-F238E27FC236}">
+                <a16:creationId xmlns:a16="http://schemas.microsoft.com/office/drawing/2014/main" id="{ACF95DD1-88AE-4C91-46AD-E0185E9DF9C3}"/>
+              </a:ext>
+            </a:extLst>
+          </p:cNvPr>
+          <p:cNvCxnSpPr>
+            <a:cxnSpLocks/>
+            <a:stCxn id="16" idx="6"/>
+            <a:endCxn id="3" idx="1"/>
+          </p:cNvCxnSpPr>
+          <p:nvPr/>
+        </p:nvCxnSpPr>
+        <p:spPr>
+          <a:xfrm>
+            <a:off x="6508857" y="3373686"/>
+            <a:ext cx="512861" cy="0"/>
+          </a:xfrm>
+          <a:prstGeom prst="straightConnector1">
+            <a:avLst/>
+          </a:prstGeom>
+          <a:ln>
+            <a:tailEnd type="triangle"/>
+          </a:ln>
+        </p:spPr>
+        <p:style>
+          <a:lnRef idx="2">
+            <a:schemeClr val="accent1"/>
+          </a:lnRef>
+          <a:fillRef idx="0">
+            <a:schemeClr val="accent1"/>
+          </a:fillRef>
+          <a:effectRef idx="1">
+            <a:schemeClr val="accent1"/>
+          </a:effectRef>
+          <a:fontRef idx="minor">
+            <a:schemeClr val="tx1"/>
+          </a:fontRef>
+        </p:style>
+      </p:cxnSp>
+      <p:sp>
+        <p:nvSpPr>
+          <p:cNvPr id="27" name="Rectangle 26">
+            <a:extLst>
+              <a:ext uri="{FF2B5EF4-FFF2-40B4-BE49-F238E27FC236}">
+                <a16:creationId xmlns:a16="http://schemas.microsoft.com/office/drawing/2014/main" id="{30079021-73CD-EFC4-7A3C-92B2DEBBB76C}"/>
+              </a:ext>
+            </a:extLst>
+          </p:cNvPr>
+          <p:cNvSpPr/>
+          <p:nvPr/>
+        </p:nvSpPr>
+        <p:spPr>
+          <a:xfrm>
+            <a:off x="164073" y="1740962"/>
+            <a:ext cx="1181252" cy="621894"/>
+          </a:xfrm>
+          <a:prstGeom prst="rect">
+            <a:avLst/>
+          </a:prstGeom>
+          <a:noFill/>
+          <a:ln>
+            <a:solidFill>
+              <a:schemeClr val="tx1"/>
+            </a:solidFill>
+          </a:ln>
+        </p:spPr>
+        <p:style>
+          <a:lnRef idx="2">
+            <a:schemeClr val="accent1">
+              <a:shade val="15000"/>
+            </a:schemeClr>
+          </a:lnRef>
+          <a:fillRef idx="1">
+            <a:schemeClr val="accent1"/>
+          </a:fillRef>
+          <a:effectRef idx="0">
+            <a:schemeClr val="accent1"/>
+          </a:effectRef>
+          <a:fontRef idx="minor">
+            <a:schemeClr val="lt1"/>
+          </a:fontRef>
+        </p:style>
+        <p:txBody>
+          <a:bodyPr rtlCol="0" anchor="t"/>
+          <a:lstStyle/>
+          <a:p>
+            <a:r>
+              <a:rPr lang="en-US" sz="800" b="1" u="sng" dirty="0">
+                <a:solidFill>
+                  <a:schemeClr val="tx1"/>
+                </a:solidFill>
+                <a:latin typeface="Times New Roman" panose="02020603050405020304" pitchFamily="18" charset="0"/>
+                <a:cs typeface="Times New Roman" panose="02020603050405020304" pitchFamily="18" charset="0"/>
+              </a:rPr>
+              <a:t>Integrator Element</a:t>
+            </a:r>
+          </a:p>
+          <a:p>
+            <a:r>
+              <a:rPr lang="en-US" sz="800" dirty="0">
+                <a:solidFill>
+                  <a:schemeClr val="tx1"/>
+                </a:solidFill>
+                <a:latin typeface="Times New Roman" panose="02020603050405020304" pitchFamily="18" charset="0"/>
+                <a:cs typeface="Times New Roman" panose="02020603050405020304" pitchFamily="18" charset="0"/>
+              </a:rPr>
+              <a:t>Ephemeris</a:t>
+            </a:r>
+          </a:p>
+          <a:p>
+            <a:r>
+              <a:rPr lang="en-US" sz="800" dirty="0">
+                <a:solidFill>
+                  <a:schemeClr val="tx1"/>
+                </a:solidFill>
+                <a:latin typeface="Times New Roman" panose="02020603050405020304" pitchFamily="18" charset="0"/>
+                <a:cs typeface="Times New Roman" panose="02020603050405020304" pitchFamily="18" charset="0"/>
+              </a:rPr>
+              <a:t>RK4 Adaptive</a:t>
+            </a:r>
+          </a:p>
+          <a:p>
+            <a:endParaRPr lang="en-US" sz="800" dirty="0">
+              <a:solidFill>
+                <a:schemeClr val="tx1"/>
+              </a:solidFill>
+              <a:latin typeface="Times New Roman" panose="02020603050405020304" pitchFamily="18" charset="0"/>
+              <a:cs typeface="Times New Roman" panose="02020603050405020304" pitchFamily="18" charset="0"/>
+            </a:endParaRPr>
+          </a:p>
+          <a:p>
+            <a:endParaRPr lang="en-US" sz="800" dirty="0">
+              <a:solidFill>
+                <a:schemeClr val="tx1"/>
+              </a:solidFill>
+              <a:latin typeface="Times New Roman" panose="02020603050405020304" pitchFamily="18" charset="0"/>
+              <a:cs typeface="Times New Roman" panose="02020603050405020304" pitchFamily="18" charset="0"/>
+            </a:endParaRPr>
+          </a:p>
+          <a:p>
+            <a:endParaRPr lang="en-US" sz="800" dirty="0">
+              <a:solidFill>
+                <a:schemeClr val="tx1"/>
+              </a:solidFill>
+              <a:latin typeface="Times New Roman" panose="02020603050405020304" pitchFamily="18" charset="0"/>
+              <a:cs typeface="Times New Roman" panose="02020603050405020304" pitchFamily="18" charset="0"/>
+            </a:endParaRPr>
+          </a:p>
+          <a:p>
+            <a:endParaRPr lang="en-US" sz="800" b="1" u="sng" dirty="0">
+              <a:solidFill>
+                <a:schemeClr val="tx1"/>
+              </a:solidFill>
+              <a:latin typeface="Times New Roman" panose="02020603050405020304" pitchFamily="18" charset="0"/>
+              <a:cs typeface="Times New Roman" panose="02020603050405020304" pitchFamily="18" charset="0"/>
+            </a:endParaRPr>
+          </a:p>
+        </p:txBody>
+      </p:sp>
+      <p:sp>
+        <p:nvSpPr>
+          <p:cNvPr id="41" name="Rectangle 40">
+            <a:extLst>
+              <a:ext uri="{FF2B5EF4-FFF2-40B4-BE49-F238E27FC236}">
+                <a16:creationId xmlns:a16="http://schemas.microsoft.com/office/drawing/2014/main" id="{44C20633-8F01-E4ED-26AC-87C7196A2970}"/>
+              </a:ext>
+            </a:extLst>
+          </p:cNvPr>
+          <p:cNvSpPr/>
+          <p:nvPr/>
+        </p:nvSpPr>
+        <p:spPr>
+          <a:xfrm>
+            <a:off x="977462" y="2725354"/>
+            <a:ext cx="914400" cy="274320"/>
+          </a:xfrm>
+          <a:prstGeom prst="rect">
+            <a:avLst/>
+          </a:prstGeom>
+          <a:noFill/>
+          <a:ln>
+            <a:solidFill>
+              <a:schemeClr val="tx1"/>
+            </a:solidFill>
+          </a:ln>
+        </p:spPr>
+        <p:style>
+          <a:lnRef idx="2">
+            <a:schemeClr val="accent1">
+              <a:shade val="15000"/>
+            </a:schemeClr>
+          </a:lnRef>
+          <a:fillRef idx="1">
+            <a:schemeClr val="accent1"/>
+          </a:fillRef>
+          <a:effectRef idx="0">
+            <a:schemeClr val="accent1"/>
+          </a:effectRef>
+          <a:fontRef idx="minor">
+            <a:schemeClr val="lt1"/>
+          </a:fontRef>
+        </p:style>
+        <p:txBody>
+          <a:bodyPr rtlCol="0" anchor="t"/>
+          <a:lstStyle/>
+          <a:p>
+            <a:r>
+              <a:rPr lang="en-US" sz="800" b="1" u="sng" dirty="0">
+                <a:solidFill>
+                  <a:schemeClr val="tx1"/>
+                </a:solidFill>
+                <a:latin typeface="Times New Roman" panose="02020603050405020304" pitchFamily="18" charset="0"/>
+                <a:cs typeface="Times New Roman" panose="02020603050405020304" pitchFamily="18" charset="0"/>
+              </a:rPr>
+              <a:t>Ephemeris</a:t>
+            </a:r>
+          </a:p>
+          <a:p>
+            <a:endParaRPr lang="en-US" sz="800" dirty="0">
+              <a:solidFill>
+                <a:schemeClr val="tx1"/>
+              </a:solidFill>
+              <a:latin typeface="Times New Roman" panose="02020603050405020304" pitchFamily="18" charset="0"/>
+              <a:cs typeface="Times New Roman" panose="02020603050405020304" pitchFamily="18" charset="0"/>
+            </a:endParaRPr>
+          </a:p>
+          <a:p>
+            <a:endParaRPr lang="en-US" sz="800" dirty="0">
+              <a:solidFill>
+                <a:schemeClr val="tx1"/>
+              </a:solidFill>
+              <a:latin typeface="Times New Roman" panose="02020603050405020304" pitchFamily="18" charset="0"/>
+              <a:cs typeface="Times New Roman" panose="02020603050405020304" pitchFamily="18" charset="0"/>
+            </a:endParaRPr>
+          </a:p>
+          <a:p>
+            <a:endParaRPr lang="en-US" sz="800" dirty="0">
+              <a:solidFill>
+                <a:schemeClr val="tx1"/>
+              </a:solidFill>
+              <a:latin typeface="Times New Roman" panose="02020603050405020304" pitchFamily="18" charset="0"/>
+              <a:cs typeface="Times New Roman" panose="02020603050405020304" pitchFamily="18" charset="0"/>
+            </a:endParaRPr>
+          </a:p>
+          <a:p>
+            <a:endParaRPr lang="en-US" sz="800" b="1" u="sng" dirty="0">
+              <a:solidFill>
+                <a:schemeClr val="tx1"/>
+              </a:solidFill>
+              <a:latin typeface="Times New Roman" panose="02020603050405020304" pitchFamily="18" charset="0"/>
+              <a:cs typeface="Times New Roman" panose="02020603050405020304" pitchFamily="18" charset="0"/>
+            </a:endParaRPr>
+          </a:p>
+        </p:txBody>
+      </p:sp>
+      <p:sp>
+        <p:nvSpPr>
+          <p:cNvPr id="42" name="Rectangle 41">
+            <a:extLst>
+              <a:ext uri="{FF2B5EF4-FFF2-40B4-BE49-F238E27FC236}">
+                <a16:creationId xmlns:a16="http://schemas.microsoft.com/office/drawing/2014/main" id="{2A88E550-9FE2-D197-F029-EA63A8125821}"/>
+              </a:ext>
+            </a:extLst>
+          </p:cNvPr>
+          <p:cNvSpPr/>
+          <p:nvPr/>
+        </p:nvSpPr>
+        <p:spPr>
+          <a:xfrm>
+            <a:off x="977462" y="3399854"/>
+            <a:ext cx="914400" cy="274320"/>
+          </a:xfrm>
+          <a:prstGeom prst="rect">
+            <a:avLst/>
+          </a:prstGeom>
+          <a:noFill/>
+          <a:ln>
+            <a:solidFill>
+              <a:schemeClr val="tx1"/>
+            </a:solidFill>
+          </a:ln>
+        </p:spPr>
+        <p:style>
+          <a:lnRef idx="2">
+            <a:schemeClr val="accent1">
+              <a:shade val="15000"/>
+            </a:schemeClr>
+          </a:lnRef>
+          <a:fillRef idx="1">
+            <a:schemeClr val="accent1"/>
+          </a:fillRef>
+          <a:effectRef idx="0">
+            <a:schemeClr val="accent1"/>
+          </a:effectRef>
+          <a:fontRef idx="minor">
+            <a:schemeClr val="lt1"/>
+          </a:fontRef>
+        </p:style>
+        <p:txBody>
+          <a:bodyPr rtlCol="0" anchor="t"/>
+          <a:lstStyle/>
+          <a:p>
+            <a:r>
+              <a:rPr lang="en-US" sz="800" b="1" u="sng" dirty="0">
+                <a:solidFill>
+                  <a:schemeClr val="tx1"/>
+                </a:solidFill>
+                <a:latin typeface="Times New Roman" panose="02020603050405020304" pitchFamily="18" charset="0"/>
+                <a:cs typeface="Times New Roman" panose="02020603050405020304" pitchFamily="18" charset="0"/>
+              </a:rPr>
+              <a:t>RK4 Adaptive</a:t>
+            </a:r>
+          </a:p>
+          <a:p>
+            <a:endParaRPr lang="en-US" sz="800" b="1" u="sng" dirty="0">
+              <a:solidFill>
+                <a:schemeClr val="tx1"/>
+              </a:solidFill>
+              <a:latin typeface="Times New Roman" panose="02020603050405020304" pitchFamily="18" charset="0"/>
+              <a:cs typeface="Times New Roman" panose="02020603050405020304" pitchFamily="18" charset="0"/>
+            </a:endParaRPr>
+          </a:p>
+          <a:p>
+            <a:endParaRPr lang="en-US" sz="800" b="1" u="sng" dirty="0">
+              <a:solidFill>
+                <a:schemeClr val="tx1"/>
+              </a:solidFill>
+              <a:latin typeface="Times New Roman" panose="02020603050405020304" pitchFamily="18" charset="0"/>
+              <a:cs typeface="Times New Roman" panose="02020603050405020304" pitchFamily="18" charset="0"/>
+            </a:endParaRPr>
+          </a:p>
+          <a:p>
+            <a:endParaRPr lang="en-US" sz="800" b="1" u="sng" dirty="0">
+              <a:solidFill>
+                <a:schemeClr val="tx1"/>
+              </a:solidFill>
+              <a:latin typeface="Times New Roman" panose="02020603050405020304" pitchFamily="18" charset="0"/>
+              <a:cs typeface="Times New Roman" panose="02020603050405020304" pitchFamily="18" charset="0"/>
+            </a:endParaRPr>
+          </a:p>
+          <a:p>
+            <a:endParaRPr lang="en-US" sz="800" b="1" u="sng" dirty="0">
+              <a:solidFill>
+                <a:schemeClr val="tx1"/>
+              </a:solidFill>
+              <a:latin typeface="Times New Roman" panose="02020603050405020304" pitchFamily="18" charset="0"/>
+              <a:cs typeface="Times New Roman" panose="02020603050405020304" pitchFamily="18" charset="0"/>
+            </a:endParaRPr>
+          </a:p>
+        </p:txBody>
+      </p:sp>
+      <p:cxnSp>
+        <p:nvCxnSpPr>
+          <p:cNvPr id="43" name="Connector: Elbow 42">
+            <a:extLst>
+              <a:ext uri="{FF2B5EF4-FFF2-40B4-BE49-F238E27FC236}">
+                <a16:creationId xmlns:a16="http://schemas.microsoft.com/office/drawing/2014/main" id="{F39BFF06-FE8B-FD35-4977-E060BB1FC5BA}"/>
+              </a:ext>
+            </a:extLst>
+          </p:cNvPr>
+          <p:cNvCxnSpPr>
+            <a:cxnSpLocks/>
+            <a:stCxn id="27" idx="2"/>
+            <a:endCxn id="41" idx="1"/>
+          </p:cNvCxnSpPr>
+          <p:nvPr/>
+        </p:nvCxnSpPr>
+        <p:spPr>
+          <a:xfrm rot="16200000" flipH="1">
+            <a:off x="616251" y="2501303"/>
+            <a:ext cx="499658" cy="222763"/>
+          </a:xfrm>
+          <a:prstGeom prst="bentConnector2">
+            <a:avLst/>
+          </a:prstGeom>
+          <a:ln>
+            <a:tailEnd type="triangle"/>
+          </a:ln>
+        </p:spPr>
+        <p:style>
+          <a:lnRef idx="2">
+            <a:schemeClr val="accent1"/>
+          </a:lnRef>
+          <a:fillRef idx="0">
+            <a:schemeClr val="accent1"/>
+          </a:fillRef>
+          <a:effectRef idx="1">
+            <a:schemeClr val="accent1"/>
+          </a:effectRef>
+          <a:fontRef idx="minor">
+            <a:schemeClr val="tx1"/>
+          </a:fontRef>
+        </p:style>
+      </p:cxnSp>
+      <p:cxnSp>
+        <p:nvCxnSpPr>
+          <p:cNvPr id="47" name="Connector: Elbow 46">
+            <a:extLst>
+              <a:ext uri="{FF2B5EF4-FFF2-40B4-BE49-F238E27FC236}">
+                <a16:creationId xmlns:a16="http://schemas.microsoft.com/office/drawing/2014/main" id="{3ACED8A8-5605-AAA7-4654-50B1465EFAAF}"/>
+              </a:ext>
+            </a:extLst>
+          </p:cNvPr>
+          <p:cNvCxnSpPr>
+            <a:cxnSpLocks/>
+            <a:stCxn id="27" idx="2"/>
+            <a:endCxn id="42" idx="1"/>
+          </p:cNvCxnSpPr>
+          <p:nvPr/>
+        </p:nvCxnSpPr>
+        <p:spPr>
+          <a:xfrm rot="16200000" flipH="1">
+            <a:off x="279001" y="2838553"/>
+            <a:ext cx="1174158" cy="222763"/>
+          </a:xfrm>
+          <a:prstGeom prst="bentConnector2">
+            <a:avLst/>
+          </a:prstGeom>
+          <a:ln>
+            <a:tailEnd type="triangle"/>
+          </a:ln>
+        </p:spPr>
+        <p:style>
+          <a:lnRef idx="2">
+            <a:schemeClr val="accent1"/>
+          </a:lnRef>
+          <a:fillRef idx="0">
+            <a:schemeClr val="accent1"/>
+          </a:fillRef>
+          <a:effectRef idx="1">
+            <a:schemeClr val="accent1"/>
+          </a:effectRef>
+          <a:fontRef idx="minor">
+            <a:schemeClr val="tx1"/>
+          </a:fontRef>
+        </p:style>
+      </p:cxnSp>
+      <p:cxnSp>
+        <p:nvCxnSpPr>
+          <p:cNvPr id="50" name="Connector: Elbow 49">
+            <a:extLst>
+              <a:ext uri="{FF2B5EF4-FFF2-40B4-BE49-F238E27FC236}">
+                <a16:creationId xmlns:a16="http://schemas.microsoft.com/office/drawing/2014/main" id="{454D8930-DB6A-48DD-0CBC-63A9D5DB8C4F}"/>
+              </a:ext>
+            </a:extLst>
+          </p:cNvPr>
+          <p:cNvCxnSpPr>
+            <a:cxnSpLocks/>
+            <a:stCxn id="41" idx="3"/>
+            <a:endCxn id="2" idx="1"/>
+          </p:cNvCxnSpPr>
+          <p:nvPr/>
+        </p:nvCxnSpPr>
+        <p:spPr>
+          <a:xfrm flipV="1">
+            <a:off x="1891862" y="1213658"/>
+            <a:ext cx="459237" cy="1648856"/>
+          </a:xfrm>
+          <a:prstGeom prst="bentConnector3">
+            <a:avLst>
+              <a:gd name="adj1" fmla="val 50000"/>
+            </a:avLst>
+          </a:prstGeom>
+          <a:ln>
+            <a:tailEnd type="triangle"/>
+          </a:ln>
+        </p:spPr>
+        <p:style>
+          <a:lnRef idx="2">
+            <a:schemeClr val="accent1"/>
+          </a:lnRef>
+          <a:fillRef idx="0">
+            <a:schemeClr val="accent1"/>
+          </a:fillRef>
+          <a:effectRef idx="1">
+            <a:schemeClr val="accent1"/>
+          </a:effectRef>
+          <a:fontRef idx="minor">
+            <a:schemeClr val="tx1"/>
+          </a:fontRef>
+        </p:style>
+      </p:cxnSp>
+      <p:cxnSp>
+        <p:nvCxnSpPr>
+          <p:cNvPr id="53" name="Connector: Elbow 52">
+            <a:extLst>
+              <a:ext uri="{FF2B5EF4-FFF2-40B4-BE49-F238E27FC236}">
+                <a16:creationId xmlns:a16="http://schemas.microsoft.com/office/drawing/2014/main" id="{4413DC83-3041-6D9A-737E-02A6F888EEF9}"/>
+              </a:ext>
+            </a:extLst>
+          </p:cNvPr>
+          <p:cNvCxnSpPr>
+            <a:cxnSpLocks/>
+            <a:stCxn id="41" idx="3"/>
+            <a:endCxn id="4" idx="1"/>
+          </p:cNvCxnSpPr>
+          <p:nvPr/>
+        </p:nvCxnSpPr>
+        <p:spPr>
+          <a:xfrm>
+            <a:off x="1891862" y="2862514"/>
+            <a:ext cx="459237" cy="648022"/>
+          </a:xfrm>
+          <a:prstGeom prst="bentConnector3">
+            <a:avLst>
+              <a:gd name="adj1" fmla="val 50000"/>
+            </a:avLst>
+          </a:prstGeom>
+          <a:ln>
+            <a:tailEnd type="triangle"/>
+          </a:ln>
+        </p:spPr>
+        <p:style>
+          <a:lnRef idx="2">
+            <a:schemeClr val="accent1"/>
+          </a:lnRef>
+          <a:fillRef idx="0">
+            <a:schemeClr val="accent1"/>
+          </a:fillRef>
+          <a:effectRef idx="1">
+            <a:schemeClr val="accent1"/>
+          </a:effectRef>
+          <a:fontRef idx="minor">
+            <a:schemeClr val="tx1"/>
+          </a:fontRef>
+        </p:style>
+      </p:cxnSp>
+      <p:cxnSp>
+        <p:nvCxnSpPr>
+          <p:cNvPr id="56" name="Connector: Elbow 55">
+            <a:extLst>
+              <a:ext uri="{FF2B5EF4-FFF2-40B4-BE49-F238E27FC236}">
+                <a16:creationId xmlns:a16="http://schemas.microsoft.com/office/drawing/2014/main" id="{3D8801CD-580E-2DBB-D4CA-0694FFC7B1E1}"/>
+              </a:ext>
+            </a:extLst>
+          </p:cNvPr>
+          <p:cNvCxnSpPr>
+            <a:cxnSpLocks/>
+            <a:stCxn id="42" idx="3"/>
+            <a:endCxn id="5" idx="1"/>
+          </p:cNvCxnSpPr>
+          <p:nvPr/>
+        </p:nvCxnSpPr>
+        <p:spPr>
+          <a:xfrm>
+            <a:off x="1891862" y="3537014"/>
+            <a:ext cx="459237" cy="2270401"/>
+          </a:xfrm>
+          <a:prstGeom prst="bentConnector3">
+            <a:avLst>
+              <a:gd name="adj1" fmla="val 50000"/>
+            </a:avLst>
+          </a:prstGeom>
+          <a:ln>
+            <a:tailEnd type="triangle"/>
+          </a:ln>
+        </p:spPr>
+        <p:style>
+          <a:lnRef idx="2">
+            <a:schemeClr val="accent1"/>
+          </a:lnRef>
+          <a:fillRef idx="0">
+            <a:schemeClr val="accent1"/>
+          </a:fillRef>
+          <a:effectRef idx="1">
+            <a:schemeClr val="accent1"/>
+          </a:effectRef>
+          <a:fontRef idx="minor">
+            <a:schemeClr val="tx1"/>
+          </a:fontRef>
+        </p:style>
+      </p:cxnSp>
+    </p:spTree>
+    <p:extLst>
+      <p:ext uri="{BB962C8B-B14F-4D97-AF65-F5344CB8AC3E}">
+        <p14:creationId xmlns:p14="http://schemas.microsoft.com/office/powerpoint/2010/main" val="4260990898"/>
+      </p:ext>
+    </p:extLst>
+  </p:cSld>
+  <p:clrMapOvr>
+    <a:masterClrMapping/>
+  </p:clrMapOvr>
+</p:sld>
+</file>
+
+<file path=ppt/slides/slide7.xml><?xml version="1.0" encoding="utf-8"?>
+<p:sld xmlns:a="http://schemas.openxmlformats.org/drawingml/2006/main" xmlns:r="http://schemas.openxmlformats.org/officeDocument/2006/relationships" xmlns:p="http://schemas.openxmlformats.org/presentationml/2006/main">
+  <p:cSld>
+    <p:spTree>
+      <p:nvGrpSpPr>
+        <p:cNvPr id="1" name=""/>
+        <p:cNvGrpSpPr/>
+        <p:nvPr/>
+      </p:nvGrpSpPr>
+      <p:grpSpPr>
+        <a:xfrm>
+          <a:off x="0" y="0"/>
+          <a:ext cx="0" cy="0"/>
+          <a:chOff x="0" y="0"/>
+          <a:chExt cx="0" cy="0"/>
+        </a:xfrm>
+      </p:grpSpPr>
+      <p:sp>
+        <p:nvSpPr>
+          <p:cNvPr id="2" name="Rectangle 1">
+            <a:extLst>
+              <a:ext uri="{FF2B5EF4-FFF2-40B4-BE49-F238E27FC236}">
+                <a16:creationId xmlns:a16="http://schemas.microsoft.com/office/drawing/2014/main" id="{8FB709F5-BF33-ACA7-C6B3-84EE3F0869FD}"/>
+              </a:ext>
+            </a:extLst>
+          </p:cNvPr>
+          <p:cNvSpPr/>
+          <p:nvPr/>
+        </p:nvSpPr>
+        <p:spPr>
+          <a:xfrm>
+            <a:off x="274604" y="288588"/>
+            <a:ext cx="5364196" cy="6569411"/>
+          </a:xfrm>
+          <a:prstGeom prst="rect">
+            <a:avLst/>
+          </a:prstGeom>
+          <a:solidFill>
+            <a:schemeClr val="bg1"/>
+          </a:solidFill>
+          <a:ln>
+            <a:solidFill>
+              <a:schemeClr val="tx1"/>
+            </a:solidFill>
+          </a:ln>
+        </p:spPr>
+        <p:style>
+          <a:lnRef idx="2">
+            <a:schemeClr val="accent1">
+              <a:shade val="15000"/>
+            </a:schemeClr>
+          </a:lnRef>
+          <a:fillRef idx="1">
+            <a:schemeClr val="accent1"/>
+          </a:fillRef>
+          <a:effectRef idx="0">
+            <a:schemeClr val="accent1"/>
+          </a:effectRef>
+          <a:fontRef idx="minor">
+            <a:schemeClr val="lt1"/>
+          </a:fontRef>
+        </p:style>
+        <p:txBody>
+          <a:bodyPr rtlCol="0" anchor="t"/>
+          <a:lstStyle/>
+          <a:p>
+            <a:r>
+              <a:rPr lang="en-US" sz="1200" b="1" u="sng" dirty="0">
+                <a:solidFill>
+                  <a:schemeClr val="tx1"/>
+                </a:solidFill>
+                <a:latin typeface="Times New Roman" panose="02020603050405020304" pitchFamily="18" charset="0"/>
+                <a:cs typeface="Times New Roman" panose="02020603050405020304" pitchFamily="18" charset="0"/>
+              </a:rPr>
+              <a:t>Order of Operations</a:t>
+            </a:r>
+          </a:p>
+          <a:p>
+            <a:endParaRPr lang="en-US" sz="1200" b="1" u="sng" dirty="0">
+              <a:solidFill>
+                <a:schemeClr val="tx1"/>
+              </a:solidFill>
+              <a:latin typeface="Times New Roman" panose="02020603050405020304" pitchFamily="18" charset="0"/>
+              <a:cs typeface="Times New Roman" panose="02020603050405020304" pitchFamily="18" charset="0"/>
+            </a:endParaRPr>
+          </a:p>
+          <a:p>
+            <a:pPr marL="228600" indent="-228600">
+              <a:buAutoNum type="arabicPeriod"/>
+            </a:pPr>
+            <a:r>
+              <a:rPr lang="en-US" sz="1200" dirty="0">
+                <a:solidFill>
+                  <a:schemeClr val="tx1"/>
+                </a:solidFill>
+                <a:latin typeface="Times New Roman" panose="02020603050405020304" pitchFamily="18" charset="0"/>
+                <a:cs typeface="Times New Roman" panose="02020603050405020304" pitchFamily="18" charset="0"/>
+              </a:rPr>
+              <a:t>Time element is created</a:t>
+            </a:r>
+          </a:p>
+          <a:p>
+            <a:pPr marL="685800" lvl="1" indent="-228600">
+              <a:buAutoNum type="arabicPeriod"/>
+            </a:pPr>
+            <a:r>
+              <a:rPr lang="en-US" sz="1200" dirty="0">
+                <a:solidFill>
+                  <a:schemeClr val="tx1"/>
+                </a:solidFill>
+                <a:latin typeface="Times New Roman" panose="02020603050405020304" pitchFamily="18" charset="0"/>
+                <a:cs typeface="Times New Roman" panose="02020603050405020304" pitchFamily="18" charset="0"/>
+              </a:rPr>
+              <a:t>Start Time</a:t>
+            </a:r>
+          </a:p>
+          <a:p>
+            <a:pPr marL="685800" lvl="1" indent="-228600">
+              <a:buAutoNum type="arabicPeriod"/>
+            </a:pPr>
+            <a:r>
+              <a:rPr lang="en-US" sz="1200" dirty="0">
+                <a:solidFill>
+                  <a:schemeClr val="tx1"/>
+                </a:solidFill>
+                <a:latin typeface="Times New Roman" panose="02020603050405020304" pitchFamily="18" charset="0"/>
+                <a:cs typeface="Times New Roman" panose="02020603050405020304" pitchFamily="18" charset="0"/>
+              </a:rPr>
+              <a:t>End Time</a:t>
+            </a:r>
+          </a:p>
+          <a:p>
+            <a:pPr marL="228600" indent="-228600">
+              <a:buAutoNum type="arabicPeriod"/>
+            </a:pPr>
+            <a:r>
+              <a:rPr lang="en-US" sz="1200" dirty="0">
+                <a:solidFill>
+                  <a:schemeClr val="tx1"/>
+                </a:solidFill>
+                <a:latin typeface="Times New Roman" panose="02020603050405020304" pitchFamily="18" charset="0"/>
+                <a:cs typeface="Times New Roman" panose="02020603050405020304" pitchFamily="18" charset="0"/>
+              </a:rPr>
+              <a:t>Bodies are created</a:t>
+            </a:r>
+          </a:p>
+          <a:p>
+            <a:pPr marL="228600" indent="-228600">
+              <a:buAutoNum type="arabicPeriod"/>
+            </a:pPr>
+            <a:r>
+              <a:rPr lang="en-US" sz="1200" dirty="0">
+                <a:solidFill>
+                  <a:schemeClr val="tx1"/>
+                </a:solidFill>
+                <a:latin typeface="Times New Roman" panose="02020603050405020304" pitchFamily="18" charset="0"/>
+                <a:cs typeface="Times New Roman" panose="02020603050405020304" pitchFamily="18" charset="0"/>
+              </a:rPr>
+              <a:t>Integrators are created</a:t>
+            </a:r>
+          </a:p>
+          <a:p>
+            <a:pPr marL="685800" lvl="1" indent="-228600">
+              <a:buAutoNum type="arabicPeriod"/>
+            </a:pPr>
+            <a:r>
+              <a:rPr lang="en-US" sz="1200" dirty="0">
+                <a:solidFill>
+                  <a:schemeClr val="tx1"/>
+                </a:solidFill>
+                <a:latin typeface="Times New Roman" panose="02020603050405020304" pitchFamily="18" charset="0"/>
+                <a:cs typeface="Times New Roman" panose="02020603050405020304" pitchFamily="18" charset="0"/>
+              </a:rPr>
+              <a:t>Fixed</a:t>
+            </a:r>
+          </a:p>
+          <a:p>
+            <a:pPr marL="685800" lvl="1" indent="-228600">
+              <a:buAutoNum type="arabicPeriod"/>
+            </a:pPr>
+            <a:r>
+              <a:rPr lang="en-US" sz="1200" dirty="0">
+                <a:solidFill>
+                  <a:schemeClr val="tx1"/>
+                </a:solidFill>
+                <a:latin typeface="Times New Roman" panose="02020603050405020304" pitchFamily="18" charset="0"/>
+                <a:cs typeface="Times New Roman" panose="02020603050405020304" pitchFamily="18" charset="0"/>
+              </a:rPr>
+              <a:t>Ephemeris</a:t>
+            </a:r>
+          </a:p>
+          <a:p>
+            <a:pPr marL="685800" lvl="1" indent="-228600">
+              <a:buAutoNum type="arabicPeriod"/>
+            </a:pPr>
+            <a:r>
+              <a:rPr lang="en-US" sz="1200" dirty="0">
+                <a:solidFill>
+                  <a:schemeClr val="tx1"/>
+                </a:solidFill>
+                <a:latin typeface="Times New Roman" panose="02020603050405020304" pitchFamily="18" charset="0"/>
+                <a:cs typeface="Times New Roman" panose="02020603050405020304" pitchFamily="18" charset="0"/>
+              </a:rPr>
+              <a:t>RK4 Adaptive</a:t>
+            </a:r>
+          </a:p>
+          <a:p>
+            <a:pPr marL="228600" indent="-228600">
+              <a:buAutoNum type="arabicPeriod"/>
+            </a:pPr>
+            <a:r>
+              <a:rPr lang="en-US" sz="1200" dirty="0">
+                <a:solidFill>
+                  <a:schemeClr val="tx1"/>
+                </a:solidFill>
+                <a:latin typeface="Times New Roman" panose="02020603050405020304" pitchFamily="18" charset="0"/>
+                <a:cs typeface="Times New Roman" panose="02020603050405020304" pitchFamily="18" charset="0"/>
+              </a:rPr>
+              <a:t>Body Properties are set</a:t>
+            </a:r>
+          </a:p>
+          <a:p>
+            <a:pPr marL="685800" lvl="1" indent="-228600">
+              <a:buAutoNum type="arabicPeriod"/>
+            </a:pPr>
+            <a:r>
+              <a:rPr lang="en-US" sz="1200" dirty="0">
+                <a:solidFill>
+                  <a:schemeClr val="tx1"/>
+                </a:solidFill>
+                <a:latin typeface="Times New Roman" panose="02020603050405020304" pitchFamily="18" charset="0"/>
+                <a:cs typeface="Times New Roman" panose="02020603050405020304" pitchFamily="18" charset="0"/>
+              </a:rPr>
+              <a:t>Initial State</a:t>
+            </a:r>
+          </a:p>
+          <a:p>
+            <a:pPr marL="685800" lvl="1" indent="-228600">
+              <a:buAutoNum type="arabicPeriod"/>
+            </a:pPr>
+            <a:r>
+              <a:rPr lang="en-US" sz="1200" dirty="0">
+                <a:solidFill>
+                  <a:schemeClr val="tx1"/>
+                </a:solidFill>
+                <a:latin typeface="Times New Roman" panose="02020603050405020304" pitchFamily="18" charset="0"/>
+                <a:cs typeface="Times New Roman" panose="02020603050405020304" pitchFamily="18" charset="0"/>
+              </a:rPr>
+              <a:t>Integrator Type</a:t>
+            </a:r>
+          </a:p>
+          <a:p>
+            <a:pPr marL="685800" lvl="1" indent="-228600">
+              <a:buAutoNum type="arabicPeriod"/>
+            </a:pPr>
+            <a:r>
+              <a:rPr lang="en-US" sz="1200" dirty="0">
+                <a:solidFill>
+                  <a:schemeClr val="tx1"/>
+                </a:solidFill>
+                <a:latin typeface="Times New Roman" panose="02020603050405020304" pitchFamily="18" charset="0"/>
+                <a:cs typeface="Times New Roman" panose="02020603050405020304" pitchFamily="18" charset="0"/>
+              </a:rPr>
+              <a:t>Force Models</a:t>
+            </a:r>
+          </a:p>
+          <a:p>
+            <a:pPr marL="685800" lvl="1" indent="-228600">
+              <a:buAutoNum type="arabicPeriod"/>
+            </a:pPr>
+            <a:r>
+              <a:rPr lang="en-US" sz="1200" dirty="0">
+                <a:solidFill>
+                  <a:schemeClr val="tx1"/>
+                </a:solidFill>
+                <a:latin typeface="Times New Roman" panose="02020603050405020304" pitchFamily="18" charset="0"/>
+                <a:cs typeface="Times New Roman" panose="02020603050405020304" pitchFamily="18" charset="0"/>
+              </a:rPr>
+              <a:t>dt, </a:t>
+            </a:r>
+            <a:r>
+              <a:rPr lang="en-US" sz="1200" dirty="0" err="1">
+                <a:solidFill>
+                  <a:schemeClr val="tx1"/>
+                </a:solidFill>
+                <a:latin typeface="Times New Roman" panose="02020603050405020304" pitchFamily="18" charset="0"/>
+                <a:cs typeface="Times New Roman" panose="02020603050405020304" pitchFamily="18" charset="0"/>
+              </a:rPr>
+              <a:t>min_dt</a:t>
+            </a:r>
+            <a:r>
+              <a:rPr lang="en-US" sz="1200" dirty="0">
+                <a:solidFill>
+                  <a:schemeClr val="tx1"/>
+                </a:solidFill>
+                <a:latin typeface="Times New Roman" panose="02020603050405020304" pitchFamily="18" charset="0"/>
+                <a:cs typeface="Times New Roman" panose="02020603050405020304" pitchFamily="18" charset="0"/>
+              </a:rPr>
+              <a:t>, </a:t>
+            </a:r>
+            <a:r>
+              <a:rPr lang="en-US" sz="1200" dirty="0" err="1">
+                <a:solidFill>
+                  <a:schemeClr val="tx1"/>
+                </a:solidFill>
+                <a:latin typeface="Times New Roman" panose="02020603050405020304" pitchFamily="18" charset="0"/>
+                <a:cs typeface="Times New Roman" panose="02020603050405020304" pitchFamily="18" charset="0"/>
+              </a:rPr>
+              <a:t>max_dt</a:t>
+            </a:r>
+            <a:endParaRPr lang="en-US" sz="1200" dirty="0">
+              <a:solidFill>
+                <a:schemeClr val="tx1"/>
+              </a:solidFill>
+              <a:latin typeface="Times New Roman" panose="02020603050405020304" pitchFamily="18" charset="0"/>
+              <a:cs typeface="Times New Roman" panose="02020603050405020304" pitchFamily="18" charset="0"/>
+            </a:endParaRPr>
+          </a:p>
+          <a:p>
+            <a:pPr marL="685800" lvl="1" indent="-228600">
+              <a:buAutoNum type="arabicPeriod"/>
+            </a:pPr>
+            <a:r>
+              <a:rPr lang="en-US" sz="1200" dirty="0" err="1">
+                <a:solidFill>
+                  <a:schemeClr val="tx1"/>
+                </a:solidFill>
+                <a:latin typeface="Times New Roman" panose="02020603050405020304" pitchFamily="18" charset="0"/>
+                <a:cs typeface="Times New Roman" panose="02020603050405020304" pitchFamily="18" charset="0"/>
+              </a:rPr>
+              <a:t>absTol</a:t>
+            </a:r>
+            <a:r>
+              <a:rPr lang="en-US" sz="1200" dirty="0">
+                <a:solidFill>
+                  <a:schemeClr val="tx1"/>
+                </a:solidFill>
+                <a:latin typeface="Times New Roman" panose="02020603050405020304" pitchFamily="18" charset="0"/>
+                <a:cs typeface="Times New Roman" panose="02020603050405020304" pitchFamily="18" charset="0"/>
+              </a:rPr>
+              <a:t>, </a:t>
+            </a:r>
+            <a:r>
+              <a:rPr lang="en-US" sz="1200" dirty="0" err="1">
+                <a:solidFill>
+                  <a:schemeClr val="tx1"/>
+                </a:solidFill>
+                <a:latin typeface="Times New Roman" panose="02020603050405020304" pitchFamily="18" charset="0"/>
+                <a:cs typeface="Times New Roman" panose="02020603050405020304" pitchFamily="18" charset="0"/>
+              </a:rPr>
+              <a:t>relTol</a:t>
+            </a:r>
+            <a:endParaRPr lang="en-US" sz="1200" dirty="0">
+              <a:solidFill>
+                <a:schemeClr val="tx1"/>
+              </a:solidFill>
+              <a:latin typeface="Times New Roman" panose="02020603050405020304" pitchFamily="18" charset="0"/>
+              <a:cs typeface="Times New Roman" panose="02020603050405020304" pitchFamily="18" charset="0"/>
+            </a:endParaRPr>
+          </a:p>
+          <a:p>
+            <a:pPr marL="228600" indent="-228600">
+              <a:buAutoNum type="arabicPeriod"/>
+            </a:pPr>
+            <a:r>
+              <a:rPr lang="en-US" sz="1200" dirty="0">
+                <a:solidFill>
+                  <a:schemeClr val="tx1"/>
+                </a:solidFill>
+                <a:latin typeface="Times New Roman" panose="02020603050405020304" pitchFamily="18" charset="0"/>
+                <a:cs typeface="Times New Roman" panose="02020603050405020304" pitchFamily="18" charset="0"/>
+              </a:rPr>
+              <a:t>Propagation Begins</a:t>
+            </a:r>
+          </a:p>
+          <a:p>
+            <a:pPr marL="685800" lvl="1" indent="-228600">
+              <a:buAutoNum type="arabicPeriod"/>
+            </a:pPr>
+            <a:r>
+              <a:rPr lang="en-US" sz="1200" dirty="0">
+                <a:solidFill>
+                  <a:schemeClr val="tx1"/>
+                </a:solidFill>
+                <a:latin typeface="Times New Roman" panose="02020603050405020304" pitchFamily="18" charset="0"/>
+                <a:cs typeface="Times New Roman" panose="02020603050405020304" pitchFamily="18" charset="0"/>
+              </a:rPr>
+              <a:t>Start and End Times were already defined in Time Element</a:t>
+            </a:r>
+          </a:p>
+          <a:p>
+            <a:pPr marL="685800" lvl="1" indent="-228600">
+              <a:buAutoNum type="arabicPeriod"/>
+            </a:pPr>
+            <a:r>
+              <a:rPr lang="en-US" sz="1200" dirty="0">
+                <a:solidFill>
+                  <a:schemeClr val="tx1"/>
+                </a:solidFill>
+                <a:latin typeface="Times New Roman" panose="02020603050405020304" pitchFamily="18" charset="0"/>
+                <a:cs typeface="Times New Roman" panose="02020603050405020304" pitchFamily="18" charset="0"/>
+              </a:rPr>
+              <a:t>Propagate Planets</a:t>
+            </a:r>
+          </a:p>
+          <a:p>
+            <a:pPr marL="1143000" lvl="2" indent="-228600">
+              <a:buAutoNum type="arabicPeriod"/>
+            </a:pPr>
+            <a:r>
+              <a:rPr lang="en-US" sz="1200" dirty="0">
+                <a:solidFill>
+                  <a:schemeClr val="tx1"/>
+                </a:solidFill>
+                <a:latin typeface="Times New Roman" panose="02020603050405020304" pitchFamily="18" charset="0"/>
+                <a:cs typeface="Times New Roman" panose="02020603050405020304" pitchFamily="18" charset="0"/>
+              </a:rPr>
+              <a:t>Currently items designated as planets will use an ephemeris</a:t>
+            </a:r>
+          </a:p>
+          <a:p>
+            <a:pPr marL="1143000" lvl="2" indent="-228600">
+              <a:buAutoNum type="arabicPeriod"/>
+            </a:pPr>
+            <a:r>
+              <a:rPr lang="en-US" sz="1200" dirty="0">
+                <a:solidFill>
+                  <a:schemeClr val="tx1"/>
+                </a:solidFill>
+                <a:latin typeface="Times New Roman" panose="02020603050405020304" pitchFamily="18" charset="0"/>
+                <a:cs typeface="Times New Roman" panose="02020603050405020304" pitchFamily="18" charset="0"/>
+              </a:rPr>
+              <a:t>This will be fine enough for visualization and to be used in the satellite propagation</a:t>
+            </a:r>
+          </a:p>
+          <a:p>
+            <a:pPr marL="685800" lvl="1" indent="-228600">
+              <a:buAutoNum type="arabicPeriod"/>
+            </a:pPr>
+            <a:r>
+              <a:rPr lang="en-US" sz="1200" dirty="0">
+                <a:solidFill>
+                  <a:schemeClr val="tx1"/>
+                </a:solidFill>
+                <a:latin typeface="Times New Roman" panose="02020603050405020304" pitchFamily="18" charset="0"/>
+                <a:cs typeface="Times New Roman" panose="02020603050405020304" pitchFamily="18" charset="0"/>
+              </a:rPr>
+              <a:t>Propagate Satellites and Other Bodies</a:t>
+            </a:r>
+          </a:p>
+          <a:p>
+            <a:pPr marL="1143000" lvl="2" indent="-228600">
+              <a:buAutoNum type="arabicPeriod"/>
+            </a:pPr>
+            <a:r>
+              <a:rPr lang="en-US" sz="1200" dirty="0">
+                <a:solidFill>
+                  <a:schemeClr val="tx1"/>
+                </a:solidFill>
+                <a:latin typeface="Times New Roman" panose="02020603050405020304" pitchFamily="18" charset="0"/>
+                <a:cs typeface="Times New Roman" panose="02020603050405020304" pitchFamily="18" charset="0"/>
+              </a:rPr>
+              <a:t>Satellites will use adaptive </a:t>
+            </a:r>
+            <a:r>
+              <a:rPr lang="en-US" sz="1200" dirty="0" err="1">
+                <a:solidFill>
+                  <a:schemeClr val="tx1"/>
+                </a:solidFill>
+                <a:latin typeface="Times New Roman" panose="02020603050405020304" pitchFamily="18" charset="0"/>
+                <a:cs typeface="Times New Roman" panose="02020603050405020304" pitchFamily="18" charset="0"/>
+              </a:rPr>
+              <a:t>dts</a:t>
+            </a:r>
+            <a:r>
+              <a:rPr lang="en-US" sz="1200" dirty="0">
+                <a:solidFill>
+                  <a:schemeClr val="tx1"/>
+                </a:solidFill>
+                <a:latin typeface="Times New Roman" panose="02020603050405020304" pitchFamily="18" charset="0"/>
+                <a:cs typeface="Times New Roman" panose="02020603050405020304" pitchFamily="18" charset="0"/>
+              </a:rPr>
+              <a:t> (depending on the integrator)</a:t>
+            </a:r>
+          </a:p>
+          <a:p>
+            <a:pPr marL="1143000" lvl="2" indent="-228600">
+              <a:buAutoNum type="arabicPeriod"/>
+            </a:pPr>
+            <a:r>
+              <a:rPr lang="en-US" sz="1200" dirty="0">
+                <a:solidFill>
+                  <a:schemeClr val="tx1"/>
+                </a:solidFill>
+                <a:latin typeface="Times New Roman" panose="02020603050405020304" pitchFamily="18" charset="0"/>
+                <a:cs typeface="Times New Roman" panose="02020603050405020304" pitchFamily="18" charset="0"/>
+              </a:rPr>
+              <a:t>Depending on the force models, the location of the planets will be computed using the ephemeris data that was propagated during propagate planets – also will use an interpolation scheme to compute the values in between time steps</a:t>
+            </a:r>
+          </a:p>
+          <a:p>
+            <a:pPr marL="1143000" lvl="2" indent="-228600">
+              <a:buAutoNum type="arabicPeriod"/>
+            </a:pPr>
+            <a:r>
+              <a:rPr lang="en-US" sz="1200" dirty="0">
+                <a:solidFill>
+                  <a:schemeClr val="tx1"/>
+                </a:solidFill>
+                <a:latin typeface="Times New Roman" panose="02020603050405020304" pitchFamily="18" charset="0"/>
+                <a:cs typeface="Times New Roman" panose="02020603050405020304" pitchFamily="18" charset="0"/>
+              </a:rPr>
+              <a:t>Each body will have a time vector that records the times it gets propagated at</a:t>
+            </a:r>
+          </a:p>
+          <a:p>
+            <a:pPr marL="1143000" lvl="2" indent="-228600">
+              <a:buAutoNum type="arabicPeriod"/>
+            </a:pPr>
+            <a:r>
+              <a:rPr lang="en-US" sz="1200" dirty="0">
+                <a:solidFill>
+                  <a:schemeClr val="tx1"/>
+                </a:solidFill>
+                <a:latin typeface="Times New Roman" panose="02020603050405020304" pitchFamily="18" charset="0"/>
+                <a:cs typeface="Times New Roman" panose="02020603050405020304" pitchFamily="18" charset="0"/>
+              </a:rPr>
+              <a:t>At each propagation, it will be checked if it has collided with a body</a:t>
+            </a:r>
+          </a:p>
+          <a:p>
+            <a:pPr marL="228600" indent="-228600">
+              <a:buAutoNum type="arabicPeriod"/>
+            </a:pPr>
+            <a:r>
+              <a:rPr lang="en-US" sz="1200" dirty="0">
+                <a:solidFill>
+                  <a:schemeClr val="tx1"/>
+                </a:solidFill>
+                <a:latin typeface="Times New Roman" panose="02020603050405020304" pitchFamily="18" charset="0"/>
+                <a:cs typeface="Times New Roman" panose="02020603050405020304" pitchFamily="18" charset="0"/>
+              </a:rPr>
+              <a:t>Visualization</a:t>
+            </a:r>
+          </a:p>
+        </p:txBody>
+      </p:sp>
+      <p:cxnSp>
+        <p:nvCxnSpPr>
+          <p:cNvPr id="4" name="Straight Arrow Connector 3">
+            <a:extLst>
+              <a:ext uri="{FF2B5EF4-FFF2-40B4-BE49-F238E27FC236}">
+                <a16:creationId xmlns:a16="http://schemas.microsoft.com/office/drawing/2014/main" id="{DA140F43-7767-CAAF-22A0-FB6FD97E03EE}"/>
+              </a:ext>
+            </a:extLst>
+          </p:cNvPr>
+          <p:cNvCxnSpPr/>
+          <p:nvPr/>
+        </p:nvCxnSpPr>
+        <p:spPr>
+          <a:xfrm>
+            <a:off x="6936174" y="696460"/>
+            <a:ext cx="4505671" cy="0"/>
+          </a:xfrm>
+          <a:prstGeom prst="straightConnector1">
+            <a:avLst/>
+          </a:prstGeom>
+          <a:ln w="38100">
+            <a:solidFill>
+              <a:schemeClr val="accent1"/>
+            </a:solidFill>
+            <a:tailEnd type="triangle"/>
+          </a:ln>
+        </p:spPr>
+        <p:style>
+          <a:lnRef idx="2">
+            <a:schemeClr val="accent1"/>
+          </a:lnRef>
+          <a:fillRef idx="0">
+            <a:schemeClr val="accent1"/>
+          </a:fillRef>
+          <a:effectRef idx="1">
+            <a:schemeClr val="accent1"/>
+          </a:effectRef>
+          <a:fontRef idx="minor">
+            <a:schemeClr val="tx1"/>
+          </a:fontRef>
+        </p:style>
+      </p:cxnSp>
+      <p:cxnSp>
+        <p:nvCxnSpPr>
+          <p:cNvPr id="7" name="Straight Connector 6">
+            <a:extLst>
+              <a:ext uri="{FF2B5EF4-FFF2-40B4-BE49-F238E27FC236}">
+                <a16:creationId xmlns:a16="http://schemas.microsoft.com/office/drawing/2014/main" id="{CFE8C85A-5809-9788-F0C2-610DC1064F6D}"/>
+              </a:ext>
+            </a:extLst>
+          </p:cNvPr>
+          <p:cNvCxnSpPr>
+            <a:cxnSpLocks/>
+          </p:cNvCxnSpPr>
+          <p:nvPr/>
+        </p:nvCxnSpPr>
+        <p:spPr>
+          <a:xfrm flipV="1">
+            <a:off x="6945650" y="696678"/>
+            <a:ext cx="0" cy="1399936"/>
+          </a:xfrm>
+          <a:prstGeom prst="line">
+            <a:avLst/>
+          </a:prstGeom>
+          <a:ln>
+            <a:solidFill>
+              <a:schemeClr val="accent1"/>
+            </a:solidFill>
+          </a:ln>
+        </p:spPr>
+        <p:style>
+          <a:lnRef idx="2">
+            <a:schemeClr val="accent1"/>
+          </a:lnRef>
+          <a:fillRef idx="0">
+            <a:schemeClr val="accent1"/>
+          </a:fillRef>
+          <a:effectRef idx="1">
+            <a:schemeClr val="accent1"/>
+          </a:effectRef>
+          <a:fontRef idx="minor">
+            <a:schemeClr val="tx1"/>
+          </a:fontRef>
+        </p:style>
+      </p:cxnSp>
+      <p:sp>
+        <p:nvSpPr>
+          <p:cNvPr id="10" name="Oval 9">
+            <a:extLst>
+              <a:ext uri="{FF2B5EF4-FFF2-40B4-BE49-F238E27FC236}">
+                <a16:creationId xmlns:a16="http://schemas.microsoft.com/office/drawing/2014/main" id="{55F774FF-885B-8AC6-7BD1-9FCB490B8D4C}"/>
+              </a:ext>
+            </a:extLst>
+          </p:cNvPr>
+          <p:cNvSpPr/>
+          <p:nvPr/>
+        </p:nvSpPr>
+        <p:spPr>
+          <a:xfrm>
+            <a:off x="6730087" y="2150971"/>
+            <a:ext cx="431125" cy="397975"/>
+          </a:xfrm>
+          <a:prstGeom prst="ellipse">
+            <a:avLst/>
+          </a:prstGeom>
+          <a:ln>
+            <a:solidFill>
+              <a:schemeClr val="accent6"/>
+            </a:solidFill>
+          </a:ln>
+        </p:spPr>
+        <p:style>
+          <a:lnRef idx="2">
+            <a:schemeClr val="dk1">
+              <a:shade val="15000"/>
+            </a:schemeClr>
+          </a:lnRef>
+          <a:fillRef idx="1">
+            <a:schemeClr val="dk1"/>
+          </a:fillRef>
+          <a:effectRef idx="0">
+            <a:schemeClr val="dk1"/>
+          </a:effectRef>
+          <a:fontRef idx="minor">
+            <a:schemeClr val="lt1"/>
+          </a:fontRef>
+        </p:style>
+        <p:txBody>
+          <a:bodyPr rtlCol="0" anchor="ctr"/>
+          <a:lstStyle/>
+          <a:p>
+            <a:pPr algn="ctr"/>
+            <a:r>
+              <a:rPr lang="en-US" sz="800" dirty="0"/>
+              <a:t>B1</a:t>
+            </a:r>
+          </a:p>
+        </p:txBody>
+      </p:sp>
+      <p:cxnSp>
+        <p:nvCxnSpPr>
+          <p:cNvPr id="12" name="Straight Arrow Connector 11">
+            <a:extLst>
+              <a:ext uri="{FF2B5EF4-FFF2-40B4-BE49-F238E27FC236}">
+                <a16:creationId xmlns:a16="http://schemas.microsoft.com/office/drawing/2014/main" id="{F6C3B4CD-A4C6-5C79-FD07-0E35FDBF1EA9}"/>
+              </a:ext>
+            </a:extLst>
+          </p:cNvPr>
+          <p:cNvCxnSpPr>
+            <a:stCxn id="10" idx="6"/>
+          </p:cNvCxnSpPr>
+          <p:nvPr/>
+        </p:nvCxnSpPr>
+        <p:spPr>
+          <a:xfrm flipV="1">
+            <a:off x="7161212" y="2349958"/>
+            <a:ext cx="471422" cy="1"/>
+          </a:xfrm>
+          <a:prstGeom prst="straightConnector1">
+            <a:avLst/>
+          </a:prstGeom>
+          <a:ln>
+            <a:solidFill>
+              <a:schemeClr val="accent6"/>
+            </a:solidFill>
+            <a:tailEnd type="triangle"/>
+          </a:ln>
+        </p:spPr>
+        <p:style>
+          <a:lnRef idx="2">
+            <a:schemeClr val="accent1"/>
+          </a:lnRef>
+          <a:fillRef idx="0">
+            <a:schemeClr val="accent1"/>
+          </a:fillRef>
+          <a:effectRef idx="1">
+            <a:schemeClr val="accent1"/>
+          </a:effectRef>
+          <a:fontRef idx="minor">
+            <a:schemeClr val="tx1"/>
+          </a:fontRef>
+        </p:style>
+      </p:cxnSp>
+      <p:sp>
+        <p:nvSpPr>
+          <p:cNvPr id="13" name="TextBox 12">
+            <a:extLst>
+              <a:ext uri="{FF2B5EF4-FFF2-40B4-BE49-F238E27FC236}">
+                <a16:creationId xmlns:a16="http://schemas.microsoft.com/office/drawing/2014/main" id="{5F096A15-9818-036D-832D-17E2780D51EC}"/>
+              </a:ext>
+            </a:extLst>
+          </p:cNvPr>
+          <p:cNvSpPr txBox="1"/>
+          <p:nvPr/>
+        </p:nvSpPr>
+        <p:spPr>
+          <a:xfrm>
+            <a:off x="7154141" y="2038510"/>
+            <a:ext cx="803425" cy="215444"/>
+          </a:xfrm>
+          <a:prstGeom prst="rect">
+            <a:avLst/>
+          </a:prstGeom>
+          <a:noFill/>
+        </p:spPr>
+        <p:txBody>
+          <a:bodyPr wrap="none" rtlCol="0">
+            <a:spAutoFit/>
+          </a:bodyPr>
+          <a:lstStyle/>
+          <a:p>
+            <a:r>
+              <a:rPr lang="en-US" sz="800" dirty="0"/>
+              <a:t>t1 = t0 + dt_b1</a:t>
+            </a:r>
+          </a:p>
+        </p:txBody>
+      </p:sp>
+      <p:sp>
+        <p:nvSpPr>
+          <p:cNvPr id="14" name="Oval 13">
+            <a:extLst>
+              <a:ext uri="{FF2B5EF4-FFF2-40B4-BE49-F238E27FC236}">
+                <a16:creationId xmlns:a16="http://schemas.microsoft.com/office/drawing/2014/main" id="{388307E2-D905-2E6B-A85B-8897C6D0AEB4}"/>
+              </a:ext>
+            </a:extLst>
+          </p:cNvPr>
+          <p:cNvSpPr/>
+          <p:nvPr/>
+        </p:nvSpPr>
+        <p:spPr>
+          <a:xfrm>
+            <a:off x="6730087" y="2696610"/>
+            <a:ext cx="431125" cy="397975"/>
+          </a:xfrm>
+          <a:prstGeom prst="ellipse">
+            <a:avLst/>
+          </a:prstGeom>
+          <a:ln>
+            <a:solidFill>
+              <a:srgbClr val="FF0000"/>
+            </a:solidFill>
+          </a:ln>
+        </p:spPr>
+        <p:style>
+          <a:lnRef idx="2">
+            <a:schemeClr val="dk1">
+              <a:shade val="15000"/>
+            </a:schemeClr>
+          </a:lnRef>
+          <a:fillRef idx="1">
+            <a:schemeClr val="dk1"/>
+          </a:fillRef>
+          <a:effectRef idx="0">
+            <a:schemeClr val="dk1"/>
+          </a:effectRef>
+          <a:fontRef idx="minor">
+            <a:schemeClr val="lt1"/>
+          </a:fontRef>
+        </p:style>
+        <p:txBody>
+          <a:bodyPr rtlCol="0" anchor="ctr"/>
+          <a:lstStyle/>
+          <a:p>
+            <a:pPr algn="ctr"/>
+            <a:r>
+              <a:rPr lang="en-US" sz="800" dirty="0"/>
+              <a:t>B2</a:t>
+            </a:r>
+          </a:p>
+        </p:txBody>
+      </p:sp>
+      <p:cxnSp>
+        <p:nvCxnSpPr>
+          <p:cNvPr id="15" name="Straight Arrow Connector 14">
+            <a:extLst>
+              <a:ext uri="{FF2B5EF4-FFF2-40B4-BE49-F238E27FC236}">
+                <a16:creationId xmlns:a16="http://schemas.microsoft.com/office/drawing/2014/main" id="{F525894B-00C6-7F20-DC07-EB8DC506F95C}"/>
+              </a:ext>
+            </a:extLst>
+          </p:cNvPr>
+          <p:cNvCxnSpPr>
+            <a:cxnSpLocks/>
+            <a:stCxn id="14" idx="6"/>
+          </p:cNvCxnSpPr>
+          <p:nvPr/>
+        </p:nvCxnSpPr>
+        <p:spPr>
+          <a:xfrm flipV="1">
+            <a:off x="7161212" y="2895597"/>
+            <a:ext cx="781747" cy="1"/>
+          </a:xfrm>
+          <a:prstGeom prst="straightConnector1">
+            <a:avLst/>
+          </a:prstGeom>
+          <a:ln>
+            <a:solidFill>
+              <a:srgbClr val="FF0000"/>
+            </a:solidFill>
+            <a:tailEnd type="triangle"/>
+          </a:ln>
+        </p:spPr>
+        <p:style>
+          <a:lnRef idx="2">
+            <a:schemeClr val="accent1"/>
+          </a:lnRef>
+          <a:fillRef idx="0">
+            <a:schemeClr val="accent1"/>
+          </a:fillRef>
+          <a:effectRef idx="1">
+            <a:schemeClr val="accent1"/>
+          </a:effectRef>
+          <a:fontRef idx="minor">
+            <a:schemeClr val="tx1"/>
+          </a:fontRef>
+        </p:style>
+      </p:cxnSp>
+      <p:sp>
+        <p:nvSpPr>
+          <p:cNvPr id="17" name="TextBox 16">
+            <a:extLst>
+              <a:ext uri="{FF2B5EF4-FFF2-40B4-BE49-F238E27FC236}">
+                <a16:creationId xmlns:a16="http://schemas.microsoft.com/office/drawing/2014/main" id="{B0D5FA39-CE31-DC21-D831-EF7316C360F0}"/>
+              </a:ext>
+            </a:extLst>
+          </p:cNvPr>
+          <p:cNvSpPr txBox="1"/>
+          <p:nvPr/>
+        </p:nvSpPr>
+        <p:spPr>
+          <a:xfrm>
+            <a:off x="7503593" y="2618772"/>
+            <a:ext cx="824265" cy="215444"/>
+          </a:xfrm>
+          <a:prstGeom prst="rect">
+            <a:avLst/>
+          </a:prstGeom>
+          <a:noFill/>
+        </p:spPr>
+        <p:txBody>
+          <a:bodyPr wrap="none" rtlCol="0">
+            <a:spAutoFit/>
+          </a:bodyPr>
+          <a:lstStyle/>
+          <a:p>
+            <a:r>
+              <a:rPr lang="en-US" sz="800" dirty="0"/>
+              <a:t>t1 = t0 + dt_b2</a:t>
+            </a:r>
+          </a:p>
+        </p:txBody>
+      </p:sp>
+      <p:cxnSp>
+        <p:nvCxnSpPr>
+          <p:cNvPr id="19" name="Straight Connector 18">
+            <a:extLst>
+              <a:ext uri="{FF2B5EF4-FFF2-40B4-BE49-F238E27FC236}">
+                <a16:creationId xmlns:a16="http://schemas.microsoft.com/office/drawing/2014/main" id="{F3903602-9DB6-3BB3-DDB5-E52D9DF683DC}"/>
+              </a:ext>
+            </a:extLst>
+          </p:cNvPr>
+          <p:cNvCxnSpPr>
+            <a:cxnSpLocks/>
+          </p:cNvCxnSpPr>
+          <p:nvPr/>
+        </p:nvCxnSpPr>
+        <p:spPr>
+          <a:xfrm flipV="1">
+            <a:off x="7603018" y="615915"/>
+            <a:ext cx="0" cy="1338560"/>
+          </a:xfrm>
+          <a:prstGeom prst="line">
+            <a:avLst/>
+          </a:prstGeom>
+          <a:ln>
+            <a:solidFill>
+              <a:schemeClr val="accent6"/>
+            </a:solidFill>
+          </a:ln>
+        </p:spPr>
+        <p:style>
+          <a:lnRef idx="2">
+            <a:schemeClr val="accent1"/>
+          </a:lnRef>
+          <a:fillRef idx="0">
+            <a:schemeClr val="accent1"/>
+          </a:fillRef>
+          <a:effectRef idx="1">
+            <a:schemeClr val="accent1"/>
+          </a:effectRef>
+          <a:fontRef idx="minor">
+            <a:schemeClr val="tx1"/>
+          </a:fontRef>
+        </p:style>
+      </p:cxnSp>
+      <p:cxnSp>
+        <p:nvCxnSpPr>
+          <p:cNvPr id="20" name="Straight Connector 19">
+            <a:extLst>
+              <a:ext uri="{FF2B5EF4-FFF2-40B4-BE49-F238E27FC236}">
+                <a16:creationId xmlns:a16="http://schemas.microsoft.com/office/drawing/2014/main" id="{82B2A2B7-5993-DF95-B9AF-6E21AE4FA0DE}"/>
+              </a:ext>
+            </a:extLst>
+          </p:cNvPr>
+          <p:cNvCxnSpPr>
+            <a:cxnSpLocks/>
+          </p:cNvCxnSpPr>
+          <p:nvPr/>
+        </p:nvCxnSpPr>
+        <p:spPr>
+          <a:xfrm flipH="1" flipV="1">
+            <a:off x="7915126" y="615915"/>
+            <a:ext cx="600" cy="1874934"/>
+          </a:xfrm>
+          <a:prstGeom prst="line">
+            <a:avLst/>
+          </a:prstGeom>
+          <a:ln>
+            <a:solidFill>
+              <a:srgbClr val="FF0000"/>
+            </a:solidFill>
+          </a:ln>
+        </p:spPr>
+        <p:style>
+          <a:lnRef idx="2">
+            <a:schemeClr val="accent1"/>
+          </a:lnRef>
+          <a:fillRef idx="0">
+            <a:schemeClr val="accent1"/>
+          </a:fillRef>
+          <a:effectRef idx="1">
+            <a:schemeClr val="accent1"/>
+          </a:effectRef>
+          <a:fontRef idx="minor">
+            <a:schemeClr val="tx1"/>
+          </a:fontRef>
+        </p:style>
+      </p:cxnSp>
+      <p:sp>
+        <p:nvSpPr>
+          <p:cNvPr id="28" name="TextBox 27">
+            <a:extLst>
+              <a:ext uri="{FF2B5EF4-FFF2-40B4-BE49-F238E27FC236}">
+                <a16:creationId xmlns:a16="http://schemas.microsoft.com/office/drawing/2014/main" id="{EC66B079-3ED2-8A50-EB5D-22B561F8CB03}"/>
+              </a:ext>
+            </a:extLst>
+          </p:cNvPr>
+          <p:cNvSpPr txBox="1"/>
+          <p:nvPr/>
+        </p:nvSpPr>
+        <p:spPr>
+          <a:xfrm>
+            <a:off x="6744687" y="3262269"/>
+            <a:ext cx="4888643" cy="2031325"/>
+          </a:xfrm>
+          <a:prstGeom prst="rect">
+            <a:avLst/>
+          </a:prstGeom>
+          <a:noFill/>
+        </p:spPr>
+        <p:txBody>
+          <a:bodyPr wrap="square" rtlCol="0">
+            <a:spAutoFit/>
+          </a:bodyPr>
+          <a:lstStyle/>
+          <a:p>
+            <a:pPr marL="342900" indent="-342900">
+              <a:buAutoNum type="arabicPeriod"/>
+            </a:pPr>
+            <a:r>
+              <a:rPr lang="en-US" dirty="0"/>
+              <a:t>Through one iteration, B1 and B2 will be out of sync. t0 + dt_b1 and t0 + dt_b1</a:t>
+            </a:r>
+          </a:p>
+          <a:p>
+            <a:pPr marL="342900" indent="-342900">
+              <a:buAutoNum type="arabicPeriod"/>
+            </a:pPr>
+            <a:r>
+              <a:rPr lang="en-US" dirty="0"/>
+              <a:t>After each iteration, check to see if B1 or B2 has a larger “last time”. In this case, B2 would have the largest time. </a:t>
+            </a:r>
+          </a:p>
+          <a:p>
+            <a:pPr marL="342900" indent="-342900">
+              <a:buAutoNum type="arabicPeriod"/>
+            </a:pPr>
+            <a:r>
+              <a:rPr lang="en-US" dirty="0"/>
+              <a:t>On the next iteration, B2 will be skipped until B1 has a larger “last time”</a:t>
+            </a:r>
+          </a:p>
+        </p:txBody>
+      </p:sp>
+      <p:cxnSp>
+        <p:nvCxnSpPr>
+          <p:cNvPr id="29" name="Straight Arrow Connector 28">
+            <a:extLst>
+              <a:ext uri="{FF2B5EF4-FFF2-40B4-BE49-F238E27FC236}">
+                <a16:creationId xmlns:a16="http://schemas.microsoft.com/office/drawing/2014/main" id="{B0362DF2-26E3-40E9-A763-825E41F3FBCE}"/>
+              </a:ext>
+            </a:extLst>
+          </p:cNvPr>
+          <p:cNvCxnSpPr/>
+          <p:nvPr/>
+        </p:nvCxnSpPr>
+        <p:spPr>
+          <a:xfrm flipV="1">
+            <a:off x="7613683" y="2349957"/>
+            <a:ext cx="471422" cy="1"/>
+          </a:xfrm>
+          <a:prstGeom prst="straightConnector1">
+            <a:avLst/>
+          </a:prstGeom>
+          <a:ln>
+            <a:solidFill>
+              <a:schemeClr val="accent6"/>
+            </a:solidFill>
+            <a:tailEnd type="triangle"/>
+          </a:ln>
+        </p:spPr>
+        <p:style>
+          <a:lnRef idx="2">
+            <a:schemeClr val="accent1"/>
+          </a:lnRef>
+          <a:fillRef idx="0">
+            <a:schemeClr val="accent1"/>
+          </a:fillRef>
+          <a:effectRef idx="1">
+            <a:schemeClr val="accent1"/>
+          </a:effectRef>
+          <a:fontRef idx="minor">
+            <a:schemeClr val="tx1"/>
+          </a:fontRef>
+        </p:style>
+      </p:cxnSp>
+      <p:cxnSp>
+        <p:nvCxnSpPr>
+          <p:cNvPr id="30" name="Straight Connector 29">
+            <a:extLst>
+              <a:ext uri="{FF2B5EF4-FFF2-40B4-BE49-F238E27FC236}">
+                <a16:creationId xmlns:a16="http://schemas.microsoft.com/office/drawing/2014/main" id="{4CE0ADF6-9319-444C-25B8-F08A84EAFBDF}"/>
+              </a:ext>
+            </a:extLst>
+          </p:cNvPr>
+          <p:cNvCxnSpPr>
+            <a:cxnSpLocks/>
+          </p:cNvCxnSpPr>
+          <p:nvPr/>
+        </p:nvCxnSpPr>
+        <p:spPr>
+          <a:xfrm flipV="1">
+            <a:off x="8085105" y="615915"/>
+            <a:ext cx="0" cy="1338560"/>
+          </a:xfrm>
+          <a:prstGeom prst="line">
+            <a:avLst/>
+          </a:prstGeom>
+          <a:ln>
+            <a:solidFill>
+              <a:schemeClr val="accent6"/>
+            </a:solidFill>
+          </a:ln>
+        </p:spPr>
+        <p:style>
+          <a:lnRef idx="2">
+            <a:schemeClr val="accent1"/>
+          </a:lnRef>
+          <a:fillRef idx="0">
+            <a:schemeClr val="accent1"/>
+          </a:fillRef>
+          <a:effectRef idx="1">
+            <a:schemeClr val="accent1"/>
+          </a:effectRef>
+          <a:fontRef idx="minor">
+            <a:schemeClr val="tx1"/>
+          </a:fontRef>
+        </p:style>
+      </p:cxnSp>
+      <p:sp>
+        <p:nvSpPr>
+          <p:cNvPr id="31" name="TextBox 30">
+            <a:extLst>
+              <a:ext uri="{FF2B5EF4-FFF2-40B4-BE49-F238E27FC236}">
+                <a16:creationId xmlns:a16="http://schemas.microsoft.com/office/drawing/2014/main" id="{5806FB9F-C1A3-1A2C-7DBC-F1A4545ABCAD}"/>
+              </a:ext>
+            </a:extLst>
+          </p:cNvPr>
+          <p:cNvSpPr txBox="1"/>
+          <p:nvPr/>
+        </p:nvSpPr>
+        <p:spPr>
+          <a:xfrm>
+            <a:off x="7957566" y="2043249"/>
+            <a:ext cx="803425" cy="215444"/>
+          </a:xfrm>
+          <a:prstGeom prst="rect">
+            <a:avLst/>
+          </a:prstGeom>
+          <a:noFill/>
+        </p:spPr>
+        <p:txBody>
+          <a:bodyPr wrap="none" rtlCol="0">
+            <a:spAutoFit/>
+          </a:bodyPr>
+          <a:lstStyle/>
+          <a:p>
+            <a:r>
+              <a:rPr lang="en-US" sz="800" dirty="0"/>
+              <a:t>t2 = t1 + dt_b1</a:t>
+            </a:r>
+          </a:p>
+        </p:txBody>
+      </p:sp>
+      <p:cxnSp>
+        <p:nvCxnSpPr>
+          <p:cNvPr id="34" name="Straight Arrow Connector 33">
+            <a:extLst>
+              <a:ext uri="{FF2B5EF4-FFF2-40B4-BE49-F238E27FC236}">
+                <a16:creationId xmlns:a16="http://schemas.microsoft.com/office/drawing/2014/main" id="{03682070-D275-6B32-9DCD-178FFA7DDAC9}"/>
+              </a:ext>
+            </a:extLst>
+          </p:cNvPr>
+          <p:cNvCxnSpPr>
+            <a:cxnSpLocks/>
+          </p:cNvCxnSpPr>
+          <p:nvPr/>
+        </p:nvCxnSpPr>
+        <p:spPr>
+          <a:xfrm flipV="1">
+            <a:off x="7915126" y="2893898"/>
+            <a:ext cx="781747" cy="1"/>
+          </a:xfrm>
+          <a:prstGeom prst="straightConnector1">
+            <a:avLst/>
+          </a:prstGeom>
+          <a:ln>
+            <a:solidFill>
+              <a:srgbClr val="FF0000"/>
+            </a:solidFill>
+            <a:tailEnd type="triangle"/>
+          </a:ln>
+        </p:spPr>
+        <p:style>
+          <a:lnRef idx="2">
+            <a:schemeClr val="accent1"/>
+          </a:lnRef>
+          <a:fillRef idx="0">
+            <a:schemeClr val="accent1"/>
+          </a:fillRef>
+          <a:effectRef idx="1">
+            <a:schemeClr val="accent1"/>
+          </a:effectRef>
+          <a:fontRef idx="minor">
+            <a:schemeClr val="tx1"/>
+          </a:fontRef>
+        </p:style>
+      </p:cxnSp>
+      <p:cxnSp>
+        <p:nvCxnSpPr>
+          <p:cNvPr id="38" name="Straight Connector 37">
+            <a:extLst>
+              <a:ext uri="{FF2B5EF4-FFF2-40B4-BE49-F238E27FC236}">
+                <a16:creationId xmlns:a16="http://schemas.microsoft.com/office/drawing/2014/main" id="{31D5FA74-8A36-5E8B-01B6-909BEFAB059C}"/>
+              </a:ext>
+            </a:extLst>
+          </p:cNvPr>
+          <p:cNvCxnSpPr>
+            <a:cxnSpLocks/>
+          </p:cNvCxnSpPr>
+          <p:nvPr/>
+        </p:nvCxnSpPr>
+        <p:spPr>
+          <a:xfrm flipH="1" flipV="1">
+            <a:off x="8696873" y="615915"/>
+            <a:ext cx="600" cy="1874934"/>
+          </a:xfrm>
+          <a:prstGeom prst="line">
+            <a:avLst/>
+          </a:prstGeom>
+          <a:ln>
+            <a:solidFill>
+              <a:srgbClr val="FF0000"/>
+            </a:solidFill>
+          </a:ln>
+        </p:spPr>
+        <p:style>
+          <a:lnRef idx="2">
+            <a:schemeClr val="accent1"/>
+          </a:lnRef>
+          <a:fillRef idx="0">
+            <a:schemeClr val="accent1"/>
+          </a:fillRef>
+          <a:effectRef idx="1">
+            <a:schemeClr val="accent1"/>
+          </a:effectRef>
+          <a:fontRef idx="minor">
+            <a:schemeClr val="tx1"/>
+          </a:fontRef>
+        </p:style>
+      </p:cxnSp>
+      <p:sp>
+        <p:nvSpPr>
+          <p:cNvPr id="39" name="TextBox 38">
+            <a:extLst>
+              <a:ext uri="{FF2B5EF4-FFF2-40B4-BE49-F238E27FC236}">
+                <a16:creationId xmlns:a16="http://schemas.microsoft.com/office/drawing/2014/main" id="{3375031D-EDFB-EBBF-7FC0-8D0F7C62294B}"/>
+              </a:ext>
+            </a:extLst>
+          </p:cNvPr>
+          <p:cNvSpPr txBox="1"/>
+          <p:nvPr/>
+        </p:nvSpPr>
+        <p:spPr>
+          <a:xfrm>
+            <a:off x="8359278" y="2663540"/>
+            <a:ext cx="803425" cy="215444"/>
+          </a:xfrm>
+          <a:prstGeom prst="rect">
+            <a:avLst/>
+          </a:prstGeom>
+          <a:noFill/>
+        </p:spPr>
+        <p:txBody>
+          <a:bodyPr wrap="none" rtlCol="0">
+            <a:spAutoFit/>
+          </a:bodyPr>
+          <a:lstStyle/>
+          <a:p>
+            <a:r>
+              <a:rPr lang="en-US" sz="800" dirty="0"/>
+              <a:t>t2 = t1 + dt_b2</a:t>
+            </a:r>
+          </a:p>
+        </p:txBody>
+      </p:sp>
+      <p:sp>
+        <p:nvSpPr>
+          <p:cNvPr id="41" name="Rectangle 40">
+            <a:extLst>
+              <a:ext uri="{FF2B5EF4-FFF2-40B4-BE49-F238E27FC236}">
+                <a16:creationId xmlns:a16="http://schemas.microsoft.com/office/drawing/2014/main" id="{33A8D058-EF6B-988B-D388-B336841557F0}"/>
+              </a:ext>
+            </a:extLst>
+          </p:cNvPr>
+          <p:cNvSpPr/>
+          <p:nvPr/>
+        </p:nvSpPr>
+        <p:spPr>
+          <a:xfrm>
+            <a:off x="7576966" y="157410"/>
+            <a:ext cx="272428" cy="274320"/>
+          </a:xfrm>
+          <a:prstGeom prst="rect">
+            <a:avLst/>
+          </a:prstGeom>
+          <a:solidFill>
+            <a:schemeClr val="bg2">
+              <a:lumMod val="75000"/>
+            </a:schemeClr>
+          </a:solidFill>
+          <a:ln>
+            <a:solidFill>
+              <a:schemeClr val="tx1"/>
+            </a:solidFill>
+          </a:ln>
+        </p:spPr>
+        <p:style>
+          <a:lnRef idx="2">
+            <a:schemeClr val="accent1">
+              <a:shade val="15000"/>
+            </a:schemeClr>
+          </a:lnRef>
+          <a:fillRef idx="1">
+            <a:schemeClr val="accent1"/>
+          </a:fillRef>
+          <a:effectRef idx="0">
+            <a:schemeClr val="accent1"/>
+          </a:effectRef>
+          <a:fontRef idx="minor">
+            <a:schemeClr val="lt1"/>
+          </a:fontRef>
+        </p:style>
+        <p:txBody>
+          <a:bodyPr rtlCol="0" anchor="ctr"/>
+          <a:lstStyle/>
+          <a:p>
+            <a:pPr algn="ctr"/>
+            <a:r>
+              <a:rPr lang="en-US" sz="800" dirty="0">
+                <a:solidFill>
+                  <a:schemeClr val="tx1"/>
+                </a:solidFill>
+              </a:rPr>
+              <a:t>1</a:t>
+            </a:r>
+          </a:p>
+        </p:txBody>
+      </p:sp>
+      <p:cxnSp>
+        <p:nvCxnSpPr>
+          <p:cNvPr id="44" name="Straight Arrow Connector 43">
+            <a:extLst>
+              <a:ext uri="{FF2B5EF4-FFF2-40B4-BE49-F238E27FC236}">
+                <a16:creationId xmlns:a16="http://schemas.microsoft.com/office/drawing/2014/main" id="{A4074E49-3BDA-0A00-77AE-ECA533CC9F81}"/>
+              </a:ext>
+            </a:extLst>
+          </p:cNvPr>
+          <p:cNvCxnSpPr>
+            <a:stCxn id="41" idx="2"/>
+          </p:cNvCxnSpPr>
+          <p:nvPr/>
+        </p:nvCxnSpPr>
+        <p:spPr>
+          <a:xfrm flipH="1">
+            <a:off x="7603018" y="431730"/>
+            <a:ext cx="110162" cy="184185"/>
+          </a:xfrm>
+          <a:prstGeom prst="straightConnector1">
+            <a:avLst/>
+          </a:prstGeom>
+          <a:ln>
+            <a:tailEnd type="triangle"/>
+          </a:ln>
+        </p:spPr>
+        <p:style>
+          <a:lnRef idx="2">
+            <a:schemeClr val="accent1"/>
+          </a:lnRef>
+          <a:fillRef idx="0">
+            <a:schemeClr val="accent1"/>
+          </a:fillRef>
+          <a:effectRef idx="1">
+            <a:schemeClr val="accent1"/>
+          </a:effectRef>
+          <a:fontRef idx="minor">
+            <a:schemeClr val="tx1"/>
+          </a:fontRef>
+        </p:style>
+      </p:cxnSp>
+      <p:cxnSp>
+        <p:nvCxnSpPr>
+          <p:cNvPr id="45" name="Straight Arrow Connector 44">
+            <a:extLst>
+              <a:ext uri="{FF2B5EF4-FFF2-40B4-BE49-F238E27FC236}">
+                <a16:creationId xmlns:a16="http://schemas.microsoft.com/office/drawing/2014/main" id="{C02FE065-9B91-26E0-700A-C1CCCC9C3648}"/>
+              </a:ext>
+            </a:extLst>
+          </p:cNvPr>
+          <p:cNvCxnSpPr>
+            <a:cxnSpLocks/>
+            <a:stCxn id="41" idx="2"/>
+          </p:cNvCxnSpPr>
+          <p:nvPr/>
+        </p:nvCxnSpPr>
+        <p:spPr>
+          <a:xfrm>
+            <a:off x="7713180" y="431730"/>
+            <a:ext cx="213186" cy="198987"/>
+          </a:xfrm>
+          <a:prstGeom prst="straightConnector1">
+            <a:avLst/>
+          </a:prstGeom>
+          <a:ln>
+            <a:tailEnd type="triangle"/>
+          </a:ln>
+        </p:spPr>
+        <p:style>
+          <a:lnRef idx="2">
+            <a:schemeClr val="accent1"/>
+          </a:lnRef>
+          <a:fillRef idx="0">
+            <a:schemeClr val="accent1"/>
+          </a:fillRef>
+          <a:effectRef idx="1">
+            <a:schemeClr val="accent1"/>
+          </a:effectRef>
+          <a:fontRef idx="minor">
+            <a:schemeClr val="tx1"/>
+          </a:fontRef>
+        </p:style>
+      </p:cxnSp>
+      <p:sp>
+        <p:nvSpPr>
+          <p:cNvPr id="48" name="Rectangle 47">
+            <a:extLst>
+              <a:ext uri="{FF2B5EF4-FFF2-40B4-BE49-F238E27FC236}">
+                <a16:creationId xmlns:a16="http://schemas.microsoft.com/office/drawing/2014/main" id="{288682F4-4AFF-8BEE-14D5-2178D1C37D13}"/>
+              </a:ext>
+            </a:extLst>
+          </p:cNvPr>
+          <p:cNvSpPr/>
+          <p:nvPr/>
+        </p:nvSpPr>
+        <p:spPr>
+          <a:xfrm>
+            <a:off x="8010580" y="118676"/>
+            <a:ext cx="272428" cy="274320"/>
+          </a:xfrm>
+          <a:prstGeom prst="rect">
+            <a:avLst/>
+          </a:prstGeom>
+          <a:solidFill>
+            <a:schemeClr val="bg2">
+              <a:lumMod val="75000"/>
+            </a:schemeClr>
+          </a:solidFill>
+          <a:ln>
+            <a:solidFill>
+              <a:schemeClr val="tx1"/>
+            </a:solidFill>
+          </a:ln>
+        </p:spPr>
+        <p:style>
+          <a:lnRef idx="2">
+            <a:schemeClr val="accent1">
+              <a:shade val="15000"/>
+            </a:schemeClr>
+          </a:lnRef>
+          <a:fillRef idx="1">
+            <a:schemeClr val="accent1"/>
+          </a:fillRef>
+          <a:effectRef idx="0">
+            <a:schemeClr val="accent1"/>
+          </a:effectRef>
+          <a:fontRef idx="minor">
+            <a:schemeClr val="lt1"/>
+          </a:fontRef>
+        </p:style>
+        <p:txBody>
+          <a:bodyPr rtlCol="0" anchor="ctr"/>
+          <a:lstStyle/>
+          <a:p>
+            <a:pPr algn="ctr"/>
+            <a:r>
+              <a:rPr lang="en-US" sz="800" dirty="0">
+                <a:solidFill>
+                  <a:schemeClr val="tx1"/>
+                </a:solidFill>
+              </a:rPr>
+              <a:t>2</a:t>
+            </a:r>
+          </a:p>
+        </p:txBody>
+      </p:sp>
+      <p:cxnSp>
+        <p:nvCxnSpPr>
+          <p:cNvPr id="49" name="Straight Arrow Connector 48">
+            <a:extLst>
+              <a:ext uri="{FF2B5EF4-FFF2-40B4-BE49-F238E27FC236}">
+                <a16:creationId xmlns:a16="http://schemas.microsoft.com/office/drawing/2014/main" id="{66658AAC-1CD2-36D8-3561-9C694E0239D8}"/>
+              </a:ext>
+            </a:extLst>
+          </p:cNvPr>
+          <p:cNvCxnSpPr>
+            <a:cxnSpLocks/>
+            <a:stCxn id="48" idx="2"/>
+          </p:cNvCxnSpPr>
+          <p:nvPr/>
+        </p:nvCxnSpPr>
+        <p:spPr>
+          <a:xfrm flipH="1">
+            <a:off x="8085105" y="392996"/>
+            <a:ext cx="61689" cy="207533"/>
+          </a:xfrm>
+          <a:prstGeom prst="straightConnector1">
+            <a:avLst/>
+          </a:prstGeom>
+          <a:ln>
+            <a:tailEnd type="triangle"/>
+          </a:ln>
+        </p:spPr>
+        <p:style>
+          <a:lnRef idx="2">
+            <a:schemeClr val="accent1"/>
+          </a:lnRef>
+          <a:fillRef idx="0">
+            <a:schemeClr val="accent1"/>
+          </a:fillRef>
+          <a:effectRef idx="1">
+            <a:schemeClr val="accent1"/>
+          </a:effectRef>
+          <a:fontRef idx="minor">
+            <a:schemeClr val="tx1"/>
+          </a:fontRef>
+        </p:style>
+      </p:cxnSp>
+      <p:sp>
+        <p:nvSpPr>
+          <p:cNvPr id="52" name="Rectangle 51">
+            <a:extLst>
+              <a:ext uri="{FF2B5EF4-FFF2-40B4-BE49-F238E27FC236}">
+                <a16:creationId xmlns:a16="http://schemas.microsoft.com/office/drawing/2014/main" id="{B678AD91-1E75-F50A-130D-D2F53A3D3F9A}"/>
+              </a:ext>
+            </a:extLst>
+          </p:cNvPr>
+          <p:cNvSpPr/>
+          <p:nvPr/>
+        </p:nvSpPr>
+        <p:spPr>
+          <a:xfrm>
+            <a:off x="8518719" y="133248"/>
+            <a:ext cx="272428" cy="274320"/>
+          </a:xfrm>
+          <a:prstGeom prst="rect">
+            <a:avLst/>
+          </a:prstGeom>
+          <a:solidFill>
+            <a:schemeClr val="bg2">
+              <a:lumMod val="75000"/>
+            </a:schemeClr>
+          </a:solidFill>
+          <a:ln>
+            <a:solidFill>
+              <a:schemeClr val="tx1"/>
+            </a:solidFill>
+          </a:ln>
+        </p:spPr>
+        <p:style>
+          <a:lnRef idx="2">
+            <a:schemeClr val="accent1">
+              <a:shade val="15000"/>
+            </a:schemeClr>
+          </a:lnRef>
+          <a:fillRef idx="1">
+            <a:schemeClr val="accent1"/>
+          </a:fillRef>
+          <a:effectRef idx="0">
+            <a:schemeClr val="accent1"/>
+          </a:effectRef>
+          <a:fontRef idx="minor">
+            <a:schemeClr val="lt1"/>
+          </a:fontRef>
+        </p:style>
+        <p:txBody>
+          <a:bodyPr rtlCol="0" anchor="ctr"/>
+          <a:lstStyle/>
+          <a:p>
+            <a:pPr algn="ctr"/>
+            <a:r>
+              <a:rPr lang="en-US" sz="800" dirty="0">
+                <a:solidFill>
+                  <a:schemeClr val="tx1"/>
+                </a:solidFill>
+              </a:rPr>
+              <a:t>3</a:t>
+            </a:r>
+          </a:p>
+        </p:txBody>
+      </p:sp>
+      <p:cxnSp>
+        <p:nvCxnSpPr>
+          <p:cNvPr id="53" name="Straight Arrow Connector 52">
+            <a:extLst>
+              <a:ext uri="{FF2B5EF4-FFF2-40B4-BE49-F238E27FC236}">
+                <a16:creationId xmlns:a16="http://schemas.microsoft.com/office/drawing/2014/main" id="{432C6912-E3E9-B058-9AAB-40C72C25607C}"/>
+              </a:ext>
+            </a:extLst>
+          </p:cNvPr>
+          <p:cNvCxnSpPr>
+            <a:cxnSpLocks/>
+            <a:stCxn id="52" idx="2"/>
+          </p:cNvCxnSpPr>
+          <p:nvPr/>
+        </p:nvCxnSpPr>
+        <p:spPr>
+          <a:xfrm>
+            <a:off x="8654933" y="407568"/>
+            <a:ext cx="52580" cy="192961"/>
+          </a:xfrm>
+          <a:prstGeom prst="straightConnector1">
+            <a:avLst/>
+          </a:prstGeom>
+          <a:ln>
+            <a:tailEnd type="triangle"/>
+          </a:ln>
+        </p:spPr>
+        <p:style>
+          <a:lnRef idx="2">
+            <a:schemeClr val="accent1"/>
+          </a:lnRef>
+          <a:fillRef idx="0">
+            <a:schemeClr val="accent1"/>
+          </a:fillRef>
+          <a:effectRef idx="1">
+            <a:schemeClr val="accent1"/>
+          </a:effectRef>
+          <a:fontRef idx="minor">
+            <a:schemeClr val="tx1"/>
+          </a:fontRef>
+        </p:style>
+      </p:cxnSp>
+      <p:sp>
+        <p:nvSpPr>
+          <p:cNvPr id="56" name="Rectangle 55">
+            <a:extLst>
+              <a:ext uri="{FF2B5EF4-FFF2-40B4-BE49-F238E27FC236}">
+                <a16:creationId xmlns:a16="http://schemas.microsoft.com/office/drawing/2014/main" id="{8BDB0B38-CC2A-72F5-5244-F1ED3E36AF0D}"/>
+              </a:ext>
+            </a:extLst>
+          </p:cNvPr>
+          <p:cNvSpPr/>
+          <p:nvPr/>
+        </p:nvSpPr>
+        <p:spPr>
+          <a:xfrm>
+            <a:off x="10618503" y="359602"/>
+            <a:ext cx="533893" cy="274320"/>
+          </a:xfrm>
+          <a:prstGeom prst="rect">
+            <a:avLst/>
+          </a:prstGeom>
+          <a:solidFill>
+            <a:schemeClr val="bg2">
+              <a:lumMod val="75000"/>
+            </a:schemeClr>
+          </a:solidFill>
+          <a:ln>
+            <a:solidFill>
+              <a:schemeClr val="tx1"/>
+            </a:solidFill>
+          </a:ln>
+        </p:spPr>
+        <p:style>
+          <a:lnRef idx="2">
+            <a:schemeClr val="accent1">
+              <a:shade val="15000"/>
+            </a:schemeClr>
+          </a:lnRef>
+          <a:fillRef idx="1">
+            <a:schemeClr val="accent1"/>
+          </a:fillRef>
+          <a:effectRef idx="0">
+            <a:schemeClr val="accent1"/>
+          </a:effectRef>
+          <a:fontRef idx="minor">
+            <a:schemeClr val="lt1"/>
+          </a:fontRef>
+        </p:style>
+        <p:txBody>
+          <a:bodyPr rtlCol="0" anchor="ctr"/>
+          <a:lstStyle/>
+          <a:p>
+            <a:pPr algn="ctr"/>
+            <a:r>
+              <a:rPr lang="en-US" sz="800" dirty="0">
+                <a:solidFill>
+                  <a:schemeClr val="tx1"/>
+                </a:solidFill>
+              </a:rPr>
+              <a:t>Time</a:t>
+            </a:r>
+          </a:p>
+        </p:txBody>
+      </p:sp>
+      <p:sp>
+        <p:nvSpPr>
+          <p:cNvPr id="57" name="Rectangle 56">
+            <a:extLst>
+              <a:ext uri="{FF2B5EF4-FFF2-40B4-BE49-F238E27FC236}">
+                <a16:creationId xmlns:a16="http://schemas.microsoft.com/office/drawing/2014/main" id="{CBFF57E8-2B20-8541-96F1-A5BA4B732363}"/>
+              </a:ext>
+            </a:extLst>
+          </p:cNvPr>
+          <p:cNvSpPr/>
+          <p:nvPr/>
+        </p:nvSpPr>
+        <p:spPr>
+          <a:xfrm>
+            <a:off x="9309240" y="1767835"/>
+            <a:ext cx="1349132" cy="1003427"/>
+          </a:xfrm>
+          <a:prstGeom prst="rect">
+            <a:avLst/>
+          </a:prstGeom>
+          <a:solidFill>
+            <a:schemeClr val="bg2">
+              <a:lumMod val="75000"/>
+            </a:schemeClr>
+          </a:solidFill>
+          <a:ln>
+            <a:solidFill>
+              <a:schemeClr val="tx1"/>
+            </a:solidFill>
+          </a:ln>
+        </p:spPr>
+        <p:style>
+          <a:lnRef idx="2">
+            <a:schemeClr val="accent1">
+              <a:shade val="15000"/>
+            </a:schemeClr>
+          </a:lnRef>
+          <a:fillRef idx="1">
+            <a:schemeClr val="accent1"/>
+          </a:fillRef>
+          <a:effectRef idx="0">
+            <a:schemeClr val="accent1"/>
+          </a:effectRef>
+          <a:fontRef idx="minor">
+            <a:schemeClr val="lt1"/>
+          </a:fontRef>
+        </p:style>
+        <p:txBody>
+          <a:bodyPr rtlCol="0" anchor="ctr"/>
+          <a:lstStyle/>
+          <a:p>
+            <a:pPr algn="ctr"/>
+            <a:r>
+              <a:rPr lang="en-US" sz="800" dirty="0">
+                <a:solidFill>
+                  <a:schemeClr val="tx1"/>
+                </a:solidFill>
+              </a:rPr>
+              <a:t>If B1 is dependent on B3, it will use an interpolation function to compute the state of B2</a:t>
+            </a:r>
+          </a:p>
+        </p:txBody>
+      </p:sp>
+    </p:spTree>
+    <p:extLst>
+      <p:ext uri="{BB962C8B-B14F-4D97-AF65-F5344CB8AC3E}">
+        <p14:creationId xmlns:p14="http://schemas.microsoft.com/office/powerpoint/2010/main" val="4171196633"/>
+      </p:ext>
+    </p:extLst>
+  </p:cSld>
+  <p:clrMapOvr>
+    <a:masterClrMapping/>
+  </p:clrMapOvr>
+</p:sld>
+</file>
+
 <file path=ppt/theme/theme1.xml><?xml version="1.0" encoding="utf-8"?>
 <a:theme xmlns:a="http://schemas.openxmlformats.org/drawingml/2006/main" name="Office Theme">
   <a:themeElements>

--- a/Integrated Masters Project.pptx
+++ b/Integrated Masters Project.pptx
@@ -11,6 +11,7 @@
     <p:sldId id="264" r:id="rId5"/>
     <p:sldId id="265" r:id="rId6"/>
     <p:sldId id="266" r:id="rId7"/>
+    <p:sldId id="267" r:id="rId8"/>
   </p:sldIdLst>
   <p:sldSz cx="12192000" cy="6858000"/>
   <p:notesSz cx="6858000" cy="9144000"/>
@@ -264,7 +265,7 @@
           <a:p>
             <a:fld id="{3E415712-9535-4045-B0C7-D22E271B7415}" type="datetimeFigureOut">
               <a:rPr lang="en-US" smtClean="0"/>
-              <a:t>1/8/2026</a:t>
+              <a:t>1/9/2026</a:t>
             </a:fld>
             <a:endParaRPr lang="en-US"/>
           </a:p>
@@ -462,7 +463,7 @@
           <a:p>
             <a:fld id="{3E415712-9535-4045-B0C7-D22E271B7415}" type="datetimeFigureOut">
               <a:rPr lang="en-US" smtClean="0"/>
-              <a:t>1/8/2026</a:t>
+              <a:t>1/9/2026</a:t>
             </a:fld>
             <a:endParaRPr lang="en-US"/>
           </a:p>
@@ -670,7 +671,7 @@
           <a:p>
             <a:fld id="{3E415712-9535-4045-B0C7-D22E271B7415}" type="datetimeFigureOut">
               <a:rPr lang="en-US" smtClean="0"/>
-              <a:t>1/8/2026</a:t>
+              <a:t>1/9/2026</a:t>
             </a:fld>
             <a:endParaRPr lang="en-US"/>
           </a:p>
@@ -868,7 +869,7 @@
           <a:p>
             <a:fld id="{3E415712-9535-4045-B0C7-D22E271B7415}" type="datetimeFigureOut">
               <a:rPr lang="en-US" smtClean="0"/>
-              <a:t>1/8/2026</a:t>
+              <a:t>1/9/2026</a:t>
             </a:fld>
             <a:endParaRPr lang="en-US"/>
           </a:p>
@@ -1143,7 +1144,7 @@
           <a:p>
             <a:fld id="{3E415712-9535-4045-B0C7-D22E271B7415}" type="datetimeFigureOut">
               <a:rPr lang="en-US" smtClean="0"/>
-              <a:t>1/8/2026</a:t>
+              <a:t>1/9/2026</a:t>
             </a:fld>
             <a:endParaRPr lang="en-US"/>
           </a:p>
@@ -1408,7 +1409,7 @@
           <a:p>
             <a:fld id="{3E415712-9535-4045-B0C7-D22E271B7415}" type="datetimeFigureOut">
               <a:rPr lang="en-US" smtClean="0"/>
-              <a:t>1/8/2026</a:t>
+              <a:t>1/9/2026</a:t>
             </a:fld>
             <a:endParaRPr lang="en-US"/>
           </a:p>
@@ -1820,7 +1821,7 @@
           <a:p>
             <a:fld id="{3E415712-9535-4045-B0C7-D22E271B7415}" type="datetimeFigureOut">
               <a:rPr lang="en-US" smtClean="0"/>
-              <a:t>1/8/2026</a:t>
+              <a:t>1/9/2026</a:t>
             </a:fld>
             <a:endParaRPr lang="en-US"/>
           </a:p>
@@ -1961,7 +1962,7 @@
           <a:p>
             <a:fld id="{3E415712-9535-4045-B0C7-D22E271B7415}" type="datetimeFigureOut">
               <a:rPr lang="en-US" smtClean="0"/>
-              <a:t>1/8/2026</a:t>
+              <a:t>1/9/2026</a:t>
             </a:fld>
             <a:endParaRPr lang="en-US"/>
           </a:p>
@@ -2074,7 +2075,7 @@
           <a:p>
             <a:fld id="{3E415712-9535-4045-B0C7-D22E271B7415}" type="datetimeFigureOut">
               <a:rPr lang="en-US" smtClean="0"/>
-              <a:t>1/8/2026</a:t>
+              <a:t>1/9/2026</a:t>
             </a:fld>
             <a:endParaRPr lang="en-US"/>
           </a:p>
@@ -2385,7 +2386,7 @@
           <a:p>
             <a:fld id="{3E415712-9535-4045-B0C7-D22E271B7415}" type="datetimeFigureOut">
               <a:rPr lang="en-US" smtClean="0"/>
-              <a:t>1/8/2026</a:t>
+              <a:t>1/9/2026</a:t>
             </a:fld>
             <a:endParaRPr lang="en-US"/>
           </a:p>
@@ -2673,7 +2674,7 @@
           <a:p>
             <a:fld id="{3E415712-9535-4045-B0C7-D22E271B7415}" type="datetimeFigureOut">
               <a:rPr lang="en-US" smtClean="0"/>
-              <a:t>1/8/2026</a:t>
+              <a:t>1/9/2026</a:t>
             </a:fld>
             <a:endParaRPr lang="en-US"/>
           </a:p>
@@ -2914,7 +2915,7 @@
           <a:p>
             <a:fld id="{3E415712-9535-4045-B0C7-D22E271B7415}" type="datetimeFigureOut">
               <a:rPr lang="en-US" smtClean="0"/>
-              <a:t>1/8/2026</a:t>
+              <a:t>1/9/2026</a:t>
             </a:fld>
             <a:endParaRPr lang="en-US"/>
           </a:p>
@@ -11920,6 +11921,552 @@
     <p:extLst>
       <p:ext uri="{BB962C8B-B14F-4D97-AF65-F5344CB8AC3E}">
         <p14:creationId xmlns:p14="http://schemas.microsoft.com/office/powerpoint/2010/main" val="174448397"/>
+      </p:ext>
+    </p:extLst>
+  </p:cSld>
+  <p:clrMapOvr>
+    <a:masterClrMapping/>
+  </p:clrMapOvr>
+</p:sld>
+</file>
+
+<file path=ppt/slides/slide7.xml><?xml version="1.0" encoding="utf-8"?>
+<p:sld xmlns:a="http://schemas.openxmlformats.org/drawingml/2006/main" xmlns:r="http://schemas.openxmlformats.org/officeDocument/2006/relationships" xmlns:p="http://schemas.openxmlformats.org/presentationml/2006/main">
+  <p:cSld>
+    <p:spTree>
+      <p:nvGrpSpPr>
+        <p:cNvPr id="1" name=""/>
+        <p:cNvGrpSpPr/>
+        <p:nvPr/>
+      </p:nvGrpSpPr>
+      <p:grpSpPr>
+        <a:xfrm>
+          <a:off x="0" y="0"/>
+          <a:ext cx="0" cy="0"/>
+          <a:chOff x="0" y="0"/>
+          <a:chExt cx="0" cy="0"/>
+        </a:xfrm>
+      </p:grpSpPr>
+      <p:sp>
+        <p:nvSpPr>
+          <p:cNvPr id="2" name="Rectangle 1">
+            <a:extLst>
+              <a:ext uri="{FF2B5EF4-FFF2-40B4-BE49-F238E27FC236}">
+                <a16:creationId xmlns:a16="http://schemas.microsoft.com/office/drawing/2014/main" id="{785EA5C9-D7B9-682C-363F-19FCB2EACC10}"/>
+              </a:ext>
+            </a:extLst>
+          </p:cNvPr>
+          <p:cNvSpPr/>
+          <p:nvPr/>
+        </p:nvSpPr>
+        <p:spPr>
+          <a:xfrm>
+            <a:off x="3825572" y="842444"/>
+            <a:ext cx="2779459" cy="505809"/>
+          </a:xfrm>
+          <a:prstGeom prst="rect">
+            <a:avLst/>
+          </a:prstGeom>
+          <a:solidFill>
+            <a:schemeClr val="bg2">
+              <a:lumMod val="75000"/>
+            </a:schemeClr>
+          </a:solidFill>
+          <a:ln>
+            <a:solidFill>
+              <a:schemeClr val="tx1"/>
+            </a:solidFill>
+          </a:ln>
+        </p:spPr>
+        <p:style>
+          <a:lnRef idx="2">
+            <a:schemeClr val="accent1">
+              <a:shade val="15000"/>
+            </a:schemeClr>
+          </a:lnRef>
+          <a:fillRef idx="1">
+            <a:schemeClr val="accent1"/>
+          </a:fillRef>
+          <a:effectRef idx="0">
+            <a:schemeClr val="accent1"/>
+          </a:effectRef>
+          <a:fontRef idx="minor">
+            <a:schemeClr val="lt1"/>
+          </a:fontRef>
+        </p:style>
+        <p:txBody>
+          <a:bodyPr rtlCol="0" anchor="t"/>
+          <a:lstStyle/>
+          <a:p>
+            <a:r>
+              <a:rPr lang="en-US" sz="800" dirty="0">
+                <a:solidFill>
+                  <a:schemeClr val="tx1"/>
+                </a:solidFill>
+              </a:rPr>
+              <a:t>Integrator</a:t>
+            </a:r>
+          </a:p>
+        </p:txBody>
+      </p:sp>
+      <p:sp>
+        <p:nvSpPr>
+          <p:cNvPr id="3" name="Rectangle 2">
+            <a:extLst>
+              <a:ext uri="{FF2B5EF4-FFF2-40B4-BE49-F238E27FC236}">
+                <a16:creationId xmlns:a16="http://schemas.microsoft.com/office/drawing/2014/main" id="{6444955A-557B-8DA0-FB6D-DE10CE56865E}"/>
+              </a:ext>
+            </a:extLst>
+          </p:cNvPr>
+          <p:cNvSpPr/>
+          <p:nvPr/>
+        </p:nvSpPr>
+        <p:spPr>
+          <a:xfrm>
+            <a:off x="1002419" y="2322368"/>
+            <a:ext cx="1788078" cy="1552008"/>
+          </a:xfrm>
+          <a:prstGeom prst="rect">
+            <a:avLst/>
+          </a:prstGeom>
+          <a:solidFill>
+            <a:schemeClr val="bg2">
+              <a:lumMod val="75000"/>
+            </a:schemeClr>
+          </a:solidFill>
+          <a:ln>
+            <a:solidFill>
+              <a:schemeClr val="tx1"/>
+            </a:solidFill>
+          </a:ln>
+        </p:spPr>
+        <p:style>
+          <a:lnRef idx="2">
+            <a:schemeClr val="accent1">
+              <a:shade val="15000"/>
+            </a:schemeClr>
+          </a:lnRef>
+          <a:fillRef idx="1">
+            <a:schemeClr val="accent1"/>
+          </a:fillRef>
+          <a:effectRef idx="0">
+            <a:schemeClr val="accent1"/>
+          </a:effectRef>
+          <a:fontRef idx="minor">
+            <a:schemeClr val="lt1"/>
+          </a:fontRef>
+        </p:style>
+        <p:txBody>
+          <a:bodyPr rtlCol="0" anchor="t"/>
+          <a:lstStyle/>
+          <a:p>
+            <a:r>
+              <a:rPr lang="en-US" sz="800" dirty="0">
+                <a:solidFill>
+                  <a:schemeClr val="tx1"/>
+                </a:solidFill>
+              </a:rPr>
+              <a:t>Spacecraft</a:t>
+            </a:r>
+          </a:p>
+          <a:p>
+            <a:r>
+              <a:rPr lang="en-US" sz="600">
+                <a:solidFill>
+                  <a:schemeClr val="tx1"/>
+                </a:solidFill>
+              </a:rPr>
+              <a:t>Perform_</a:t>
+            </a:r>
+            <a:r>
+              <a:rPr lang="en-US" sz="600" dirty="0">
+                <a:solidFill>
+                  <a:schemeClr val="tx1"/>
+                </a:solidFill>
+              </a:rPr>
+              <a:t>Impulsive_burn()</a:t>
+            </a:r>
+          </a:p>
+          <a:p>
+            <a:r>
+              <a:rPr lang="en-US" sz="600" dirty="0">
+                <a:solidFill>
+                  <a:schemeClr val="tx1"/>
+                </a:solidFill>
+              </a:rPr>
+              <a:t>Perform_Maneuver()</a:t>
+            </a:r>
+          </a:p>
+          <a:p>
+            <a:r>
+              <a:rPr lang="en-US" sz="600" dirty="0">
+                <a:solidFill>
+                  <a:schemeClr val="tx1"/>
+                </a:solidFill>
+              </a:rPr>
+              <a:t>Perform_AttitudeChangeManeuver() </a:t>
+            </a:r>
+          </a:p>
+          <a:p>
+            <a:r>
+              <a:rPr lang="en-US" sz="600" dirty="0">
+                <a:solidFill>
+                  <a:schemeClr val="tx1"/>
+                </a:solidFill>
+              </a:rPr>
+              <a:t>Perform_ReactionWheelDesaturation():</a:t>
+            </a:r>
+          </a:p>
+          <a:p>
+            <a:r>
+              <a:rPr lang="en-US" sz="600" dirty="0">
+                <a:solidFill>
+                  <a:schemeClr val="tx1"/>
+                </a:solidFill>
+              </a:rPr>
+              <a:t>Perform_Communications():</a:t>
+            </a:r>
+          </a:p>
+          <a:p>
+            <a:r>
+              <a:rPr lang="en-US" sz="600" dirty="0">
+                <a:solidFill>
+                  <a:schemeClr val="tx1"/>
+                </a:solidFill>
+              </a:rPr>
+              <a:t>Perform_Downlink():</a:t>
+            </a:r>
+          </a:p>
+          <a:p>
+            <a:r>
+              <a:rPr lang="en-US" sz="600" dirty="0">
+                <a:solidFill>
+                  <a:schemeClr val="tx1"/>
+                </a:solidFill>
+              </a:rPr>
+              <a:t>Perform_Crosslink():</a:t>
+            </a:r>
+          </a:p>
+          <a:p>
+            <a:r>
+              <a:rPr lang="en-US" sz="600" dirty="0">
+                <a:solidFill>
+                  <a:schemeClr val="tx1"/>
+                </a:solidFill>
+              </a:rPr>
+              <a:t>Perform_CommandCancel():</a:t>
+            </a:r>
+          </a:p>
+          <a:p>
+            <a:r>
+              <a:rPr lang="en-US" sz="600" dirty="0">
+                <a:solidFill>
+                  <a:schemeClr val="tx1"/>
+                </a:solidFill>
+              </a:rPr>
+              <a:t>Perform_StationKeeping():</a:t>
+            </a:r>
+          </a:p>
+          <a:p>
+            <a:r>
+              <a:rPr lang="en-US" sz="600" dirty="0">
+                <a:solidFill>
+                  <a:schemeClr val="tx1"/>
+                </a:solidFill>
+              </a:rPr>
+              <a:t>Perform_SafeMode():</a:t>
+            </a:r>
+          </a:p>
+          <a:p>
+            <a:r>
+              <a:rPr lang="en-US" sz="600" dirty="0">
+                <a:solidFill>
+                  <a:schemeClr val="tx1"/>
+                </a:solidFill>
+              </a:rPr>
+              <a:t>Perform_StartUp():</a:t>
+            </a:r>
+          </a:p>
+          <a:p>
+            <a:r>
+              <a:rPr lang="en-US" sz="600" dirty="0">
+                <a:solidFill>
+                  <a:schemeClr val="tx1"/>
+                </a:solidFill>
+              </a:rPr>
+              <a:t>Perform_BuiltInTest():</a:t>
+            </a:r>
+          </a:p>
+          <a:p>
+            <a:r>
+              <a:rPr lang="en-US" sz="600" dirty="0">
+                <a:solidFill>
+                  <a:schemeClr val="tx1"/>
+                </a:solidFill>
+              </a:rPr>
+              <a:t>…</a:t>
+            </a:r>
+          </a:p>
+        </p:txBody>
+      </p:sp>
+      <p:sp>
+        <p:nvSpPr>
+          <p:cNvPr id="4" name="Rectangle 3">
+            <a:extLst>
+              <a:ext uri="{FF2B5EF4-FFF2-40B4-BE49-F238E27FC236}">
+                <a16:creationId xmlns:a16="http://schemas.microsoft.com/office/drawing/2014/main" id="{1920CCB9-68AE-E89F-8F40-BAB2F91588DF}"/>
+              </a:ext>
+            </a:extLst>
+          </p:cNvPr>
+          <p:cNvSpPr/>
+          <p:nvPr/>
+        </p:nvSpPr>
+        <p:spPr>
+          <a:xfrm>
+            <a:off x="5435847" y="2091648"/>
+            <a:ext cx="1645920" cy="999673"/>
+          </a:xfrm>
+          <a:prstGeom prst="rect">
+            <a:avLst/>
+          </a:prstGeom>
+          <a:solidFill>
+            <a:schemeClr val="bg2">
+              <a:lumMod val="75000"/>
+            </a:schemeClr>
+          </a:solidFill>
+          <a:ln>
+            <a:solidFill>
+              <a:schemeClr val="tx1"/>
+            </a:solidFill>
+          </a:ln>
+        </p:spPr>
+        <p:style>
+          <a:lnRef idx="2">
+            <a:schemeClr val="accent1">
+              <a:shade val="15000"/>
+            </a:schemeClr>
+          </a:lnRef>
+          <a:fillRef idx="1">
+            <a:schemeClr val="accent1"/>
+          </a:fillRef>
+          <a:effectRef idx="0">
+            <a:schemeClr val="accent1"/>
+          </a:effectRef>
+          <a:fontRef idx="minor">
+            <a:schemeClr val="lt1"/>
+          </a:fontRef>
+        </p:style>
+        <p:txBody>
+          <a:bodyPr rtlCol="0" anchor="t"/>
+          <a:lstStyle/>
+          <a:p>
+            <a:r>
+              <a:rPr lang="en-US" sz="800" dirty="0">
+                <a:solidFill>
+                  <a:schemeClr val="tx1"/>
+                </a:solidFill>
+              </a:rPr>
+              <a:t>Planetary Body</a:t>
+            </a:r>
+          </a:p>
+        </p:txBody>
+      </p:sp>
+      <p:sp>
+        <p:nvSpPr>
+          <p:cNvPr id="5" name="Rectangle 4">
+            <a:extLst>
+              <a:ext uri="{FF2B5EF4-FFF2-40B4-BE49-F238E27FC236}">
+                <a16:creationId xmlns:a16="http://schemas.microsoft.com/office/drawing/2014/main" id="{AE4886BC-F11A-F2EE-8757-12E9D9504591}"/>
+              </a:ext>
+            </a:extLst>
+          </p:cNvPr>
+          <p:cNvSpPr/>
+          <p:nvPr/>
+        </p:nvSpPr>
+        <p:spPr>
+          <a:xfrm>
+            <a:off x="2983619" y="2723074"/>
+            <a:ext cx="1788078" cy="1552008"/>
+          </a:xfrm>
+          <a:prstGeom prst="rect">
+            <a:avLst/>
+          </a:prstGeom>
+          <a:solidFill>
+            <a:schemeClr val="bg2">
+              <a:lumMod val="75000"/>
+            </a:schemeClr>
+          </a:solidFill>
+          <a:ln>
+            <a:solidFill>
+              <a:schemeClr val="tx1"/>
+            </a:solidFill>
+          </a:ln>
+        </p:spPr>
+        <p:style>
+          <a:lnRef idx="2">
+            <a:schemeClr val="accent1">
+              <a:shade val="15000"/>
+            </a:schemeClr>
+          </a:lnRef>
+          <a:fillRef idx="1">
+            <a:schemeClr val="accent1"/>
+          </a:fillRef>
+          <a:effectRef idx="0">
+            <a:schemeClr val="accent1"/>
+          </a:effectRef>
+          <a:fontRef idx="minor">
+            <a:schemeClr val="lt1"/>
+          </a:fontRef>
+        </p:style>
+        <p:txBody>
+          <a:bodyPr rtlCol="0" anchor="t"/>
+          <a:lstStyle/>
+          <a:p>
+            <a:r>
+              <a:rPr lang="en-US" sz="800" dirty="0">
+                <a:solidFill>
+                  <a:schemeClr val="tx1"/>
+                </a:solidFill>
+              </a:rPr>
+              <a:t>Simulation</a:t>
+            </a:r>
+          </a:p>
+          <a:p>
+            <a:r>
+              <a:rPr lang="en-US" sz="600" dirty="0">
+                <a:solidFill>
+                  <a:schemeClr val="tx1"/>
+                </a:solidFill>
+              </a:rPr>
+              <a:t>Perform_ Pause()</a:t>
+            </a:r>
+          </a:p>
+          <a:p>
+            <a:r>
+              <a:rPr lang="en-US" sz="600" dirty="0">
+                <a:solidFill>
+                  <a:schemeClr val="tx1"/>
+                </a:solidFill>
+              </a:rPr>
+              <a:t>Perform_ Stop()</a:t>
+            </a:r>
+          </a:p>
+          <a:p>
+            <a:r>
+              <a:rPr lang="en-US" sz="600" dirty="0">
+                <a:solidFill>
+                  <a:schemeClr val="tx1"/>
+                </a:solidFill>
+              </a:rPr>
+              <a:t>Perform_AttitudeChangeManeuver() </a:t>
+            </a:r>
+          </a:p>
+          <a:p>
+            <a:r>
+              <a:rPr lang="en-US" sz="600" dirty="0">
+                <a:solidFill>
+                  <a:schemeClr val="tx1"/>
+                </a:solidFill>
+              </a:rPr>
+              <a:t>Perform_ReactionWheelDesaturation():</a:t>
+            </a:r>
+          </a:p>
+          <a:p>
+            <a:r>
+              <a:rPr lang="en-US" sz="600" dirty="0">
+                <a:solidFill>
+                  <a:schemeClr val="tx1"/>
+                </a:solidFill>
+              </a:rPr>
+              <a:t>Perform_Communications():</a:t>
+            </a:r>
+          </a:p>
+          <a:p>
+            <a:r>
+              <a:rPr lang="en-US" sz="600" dirty="0">
+                <a:solidFill>
+                  <a:schemeClr val="tx1"/>
+                </a:solidFill>
+              </a:rPr>
+              <a:t>Perform_Downlink():</a:t>
+            </a:r>
+          </a:p>
+          <a:p>
+            <a:r>
+              <a:rPr lang="en-US" sz="600" dirty="0">
+                <a:solidFill>
+                  <a:schemeClr val="tx1"/>
+                </a:solidFill>
+              </a:rPr>
+              <a:t>Perform_Crosslink():</a:t>
+            </a:r>
+          </a:p>
+          <a:p>
+            <a:r>
+              <a:rPr lang="en-US" sz="600" dirty="0">
+                <a:solidFill>
+                  <a:schemeClr val="tx1"/>
+                </a:solidFill>
+              </a:rPr>
+              <a:t>Perform_CommandCancel():</a:t>
+            </a:r>
+          </a:p>
+          <a:p>
+            <a:r>
+              <a:rPr lang="en-US" sz="600" dirty="0">
+                <a:solidFill>
+                  <a:schemeClr val="tx1"/>
+                </a:solidFill>
+              </a:rPr>
+              <a:t>Perform_StationKeeping():</a:t>
+            </a:r>
+          </a:p>
+          <a:p>
+            <a:r>
+              <a:rPr lang="en-US" sz="600" dirty="0">
+                <a:solidFill>
+                  <a:schemeClr val="tx1"/>
+                </a:solidFill>
+              </a:rPr>
+              <a:t>Perform_SafeMode():</a:t>
+            </a:r>
+          </a:p>
+          <a:p>
+            <a:r>
+              <a:rPr lang="en-US" sz="600" dirty="0">
+                <a:solidFill>
+                  <a:schemeClr val="tx1"/>
+                </a:solidFill>
+              </a:rPr>
+              <a:t>Perform_StartUp():</a:t>
+            </a:r>
+          </a:p>
+          <a:p>
+            <a:r>
+              <a:rPr lang="en-US" sz="600" dirty="0">
+                <a:solidFill>
+                  <a:schemeClr val="tx1"/>
+                </a:solidFill>
+              </a:rPr>
+              <a:t>Perform_BuiltInTest():</a:t>
+            </a:r>
+          </a:p>
+          <a:p>
+            <a:r>
+              <a:rPr lang="en-US" sz="600" dirty="0">
+                <a:solidFill>
+                  <a:schemeClr val="tx1"/>
+                </a:solidFill>
+              </a:rPr>
+              <a:t>…</a:t>
+            </a:r>
+          </a:p>
+        </p:txBody>
+      </p:sp>
+    </p:spTree>
+    <p:extLst>
+      <p:ext uri="{BB962C8B-B14F-4D97-AF65-F5344CB8AC3E}">
+        <p14:creationId xmlns:p14="http://schemas.microsoft.com/office/powerpoint/2010/main" val="2695616376"/>
       </p:ext>
     </p:extLst>
   </p:cSld>
